--- a/Brew_Flow.pptx
+++ b/Brew_Flow.pptx
@@ -5,8 +5,8 @@
     <p:sldMasterId id="2147483648" r:id="rId1"/>
   </p:sldMasterIdLst>
   <p:sldIdLst>
-    <p:sldId id="256" r:id="rId2"/>
-    <p:sldId id="257" r:id="rId3"/>
+    <p:sldId id="257" r:id="rId2"/>
+    <p:sldId id="256" r:id="rId3"/>
   </p:sldIdLst>
   <p:sldSz cx="12192000" cy="6858000"/>
   <p:notesSz cx="6858000" cy="9144000"/>
@@ -1605,8 +1605,8 @@
 <file path=ppt/diagrams/data1.xml><?xml version="1.0" encoding="utf-8"?>
 <dgm:dataModel xmlns:dgm="http://schemas.openxmlformats.org/drawingml/2006/diagram" xmlns:a="http://schemas.openxmlformats.org/drawingml/2006/main">
   <dgm:ptLst>
-    <dgm:pt modelId="{6A2A389A-8F1A-44C8-94BE-6CFC7885C9C1}" type="doc">
-      <dgm:prSet loTypeId="urn:microsoft.com/office/officeart/2005/8/layout/chevron2" loCatId="process" qsTypeId="urn:microsoft.com/office/officeart/2005/8/quickstyle/simple1" qsCatId="simple" csTypeId="urn:microsoft.com/office/officeart/2005/8/colors/accent1_2" csCatId="accent1" phldr="1"/>
+    <dgm:pt modelId="{5E0D80FD-59BF-437E-A9C3-D79AE1FA7697}" type="doc">
+      <dgm:prSet loTypeId="urn:microsoft.com/office/officeart/2005/8/layout/hierarchy6" loCatId="hierarchy" qsTypeId="urn:microsoft.com/office/officeart/2005/8/quickstyle/simple1" qsCatId="simple" csTypeId="urn:microsoft.com/office/officeart/2005/8/colors/accent1_2" csCatId="accent1" phldr="1"/>
       <dgm:spPr/>
       <dgm:t>
         <a:bodyPr/>
@@ -1616,7 +1616,44 @@
         </a:p>
       </dgm:t>
     </dgm:pt>
-    <dgm:pt modelId="{7BD06C3F-49DD-4FF3-9B13-0348C632F73A}">
+    <dgm:pt modelId="{AE1F9252-AB96-47CD-82A2-FF000D9EB6F4}">
+      <dgm:prSet phldrT="[Text]"/>
+      <dgm:spPr/>
+      <dgm:t>
+        <a:bodyPr/>
+        <a:lstStyle/>
+        <a:p>
+          <a:r>
+            <a:rPr lang="en-US" dirty="0" err="1" smtClean="0"/>
+            <a:t>Fermentables</a:t>
+          </a:r>
+          <a:endParaRPr lang="en-US" dirty="0"/>
+        </a:p>
+      </dgm:t>
+    </dgm:pt>
+    <dgm:pt modelId="{A0815741-EDB4-4A35-828A-9343A0D8B855}" type="parTrans" cxnId="{A247E2D4-B7D3-4B22-849F-14F735EBE2DD}">
+      <dgm:prSet/>
+      <dgm:spPr/>
+      <dgm:t>
+        <a:bodyPr/>
+        <a:lstStyle/>
+        <a:p>
+          <a:endParaRPr lang="en-US"/>
+        </a:p>
+      </dgm:t>
+    </dgm:pt>
+    <dgm:pt modelId="{EAAA423D-61F0-49A2-B5E3-B8641C18A3F5}" type="sibTrans" cxnId="{A247E2D4-B7D3-4B22-849F-14F735EBE2DD}">
+      <dgm:prSet/>
+      <dgm:spPr/>
+      <dgm:t>
+        <a:bodyPr/>
+        <a:lstStyle/>
+        <a:p>
+          <a:endParaRPr lang="en-US"/>
+        </a:p>
+      </dgm:t>
+    </dgm:pt>
+    <dgm:pt modelId="{077ED888-3800-4D9D-B799-A11F5F57648B}">
       <dgm:prSet phldrT="[Text]"/>
       <dgm:spPr/>
       <dgm:t>
@@ -1631,7 +1668,7 @@
         </a:p>
       </dgm:t>
     </dgm:pt>
-    <dgm:pt modelId="{9E446D62-EBEA-461E-A7CB-F8A14267334D}" type="parTrans" cxnId="{79C42B1D-477B-497C-8130-649B4D37F023}">
+    <dgm:pt modelId="{67188769-DC91-47DD-B888-8D8C3F74044F}" type="parTrans" cxnId="{9751B7F1-95ED-4173-8710-645F4D2EE8ED}">
       <dgm:prSet/>
       <dgm:spPr/>
       <dgm:t>
@@ -1642,7 +1679,7 @@
         </a:p>
       </dgm:t>
     </dgm:pt>
-    <dgm:pt modelId="{3294A7D4-AB36-47D9-8DEA-174183C2C8CD}" type="sibTrans" cxnId="{79C42B1D-477B-497C-8130-649B4D37F023}">
+    <dgm:pt modelId="{056E3F11-E1F7-4873-9AA1-1DB783615AB0}" type="sibTrans" cxnId="{9751B7F1-95ED-4173-8710-645F4D2EE8ED}">
       <dgm:prSet/>
       <dgm:spPr/>
       <dgm:t>
@@ -1653,7 +1690,7 @@
         </a:p>
       </dgm:t>
     </dgm:pt>
-    <dgm:pt modelId="{78A9683C-D550-4DA0-BF99-542CF25EC38F}">
+    <dgm:pt modelId="{A2B787CC-BFB5-4587-BC6B-EA278CE95D42}">
       <dgm:prSet phldrT="[Text]"/>
       <dgm:spPr/>
       <dgm:t>
@@ -1662,13 +1699,20 @@
         <a:p>
           <a:r>
             <a:rPr lang="en-US" dirty="0" smtClean="0"/>
-            <a:t>BJCP Style Guideline Constants</a:t>
+            <a:t>-BJCP Style guidelines</a:t>
+          </a:r>
+          <a:br>
+            <a:rPr lang="en-US" dirty="0" smtClean="0"/>
+          </a:br>
+          <a:r>
+            <a:rPr lang="en-US" dirty="0" smtClean="0"/>
+            <a:t>-System Constants</a:t>
           </a:r>
           <a:endParaRPr lang="en-US" dirty="0"/>
         </a:p>
       </dgm:t>
     </dgm:pt>
-    <dgm:pt modelId="{12A4EAD3-AD69-4539-BFA2-85C28681CE80}" type="parTrans" cxnId="{27C9B728-5550-42B9-B35D-C9460081F0D3}">
+    <dgm:pt modelId="{CBE02C49-0B77-4150-AC0B-5531A2A6C9E2}" type="parTrans" cxnId="{996FA515-6604-4333-9D9E-D702460A12BE}">
       <dgm:prSet/>
       <dgm:spPr/>
       <dgm:t>
@@ -1679,7 +1723,7 @@
         </a:p>
       </dgm:t>
     </dgm:pt>
-    <dgm:pt modelId="{B047CEE4-2361-4817-9269-2C8CB7FABC8D}" type="sibTrans" cxnId="{27C9B728-5550-42B9-B35D-C9460081F0D3}">
+    <dgm:pt modelId="{325801F1-A90D-4F93-8C88-95DD77217FC0}" type="sibTrans" cxnId="{996FA515-6604-4333-9D9E-D702460A12BE}">
       <dgm:prSet/>
       <dgm:spPr/>
       <dgm:t>
@@ -1690,7 +1734,7 @@
         </a:p>
       </dgm:t>
     </dgm:pt>
-    <dgm:pt modelId="{6EDAA9C4-0119-4485-8043-1BC09D3669D8}">
+    <dgm:pt modelId="{75AD7627-B35B-4D8E-BFE9-BC99E23C2402}">
       <dgm:prSet phldrT="[Text]"/>
       <dgm:spPr/>
       <dgm:t>
@@ -1699,7 +1743,1005 @@
         <a:p>
           <a:r>
             <a:rPr lang="en-US" dirty="0" smtClean="0"/>
-            <a:t>Brew Kitchen System Constants</a:t>
+            <a:t>Mash</a:t>
+          </a:r>
+          <a:endParaRPr lang="en-US" dirty="0"/>
+        </a:p>
+      </dgm:t>
+    </dgm:pt>
+    <dgm:pt modelId="{7CF88BDD-D1BC-4AE4-B7A0-9C7B97B6DC74}" type="parTrans" cxnId="{28A64B38-4B43-48ED-91CB-75B9921BD2E3}">
+      <dgm:prSet/>
+      <dgm:spPr/>
+    </dgm:pt>
+    <dgm:pt modelId="{328EF00B-318E-4360-96E7-3BA281023E7F}" type="sibTrans" cxnId="{28A64B38-4B43-48ED-91CB-75B9921BD2E3}">
+      <dgm:prSet/>
+      <dgm:spPr/>
+    </dgm:pt>
+    <dgm:pt modelId="{3A346293-E670-4444-8ED8-B291D4692B34}">
+      <dgm:prSet phldrT="[Text]"/>
+      <dgm:spPr/>
+      <dgm:t>
+        <a:bodyPr/>
+        <a:lstStyle/>
+        <a:p>
+          <a:r>
+            <a:rPr lang="en-US" dirty="0" smtClean="0"/>
+            <a:t>Yeast</a:t>
+          </a:r>
+          <a:endParaRPr lang="en-US" dirty="0"/>
+        </a:p>
+      </dgm:t>
+    </dgm:pt>
+    <dgm:pt modelId="{B369D75F-A765-43E9-A84E-8559E39678A4}" type="parTrans" cxnId="{1E82FF54-BEAB-43EB-816C-55257DCDEBFB}">
+      <dgm:prSet/>
+      <dgm:spPr/>
+    </dgm:pt>
+    <dgm:pt modelId="{95AD2A53-A1D2-4C87-99A4-B307763E5083}" type="sibTrans" cxnId="{1E82FF54-BEAB-43EB-816C-55257DCDEBFB}">
+      <dgm:prSet/>
+      <dgm:spPr/>
+    </dgm:pt>
+    <dgm:pt modelId="{BF91500C-BBBC-409F-9C51-10EE187C037E}">
+      <dgm:prSet phldrT="[Text]"/>
+      <dgm:spPr/>
+      <dgm:t>
+        <a:bodyPr/>
+        <a:lstStyle/>
+        <a:p>
+          <a:r>
+            <a:rPr lang="en-US" dirty="0" smtClean="0"/>
+            <a:t>Hops</a:t>
+          </a:r>
+          <a:endParaRPr lang="en-US" dirty="0"/>
+        </a:p>
+      </dgm:t>
+    </dgm:pt>
+    <dgm:pt modelId="{F5921F16-09D3-4706-A62A-CD7F2CF104EE}" type="parTrans" cxnId="{B751933A-ACC7-45CF-BA1D-08E9F4D1C58D}">
+      <dgm:prSet/>
+      <dgm:spPr/>
+    </dgm:pt>
+    <dgm:pt modelId="{EF46F9D2-F978-4138-92DB-2E6AD32FADBC}" type="sibTrans" cxnId="{B751933A-ACC7-45CF-BA1D-08E9F4D1C58D}">
+      <dgm:prSet/>
+      <dgm:spPr/>
+    </dgm:pt>
+    <dgm:pt modelId="{B90E6CA3-1E6C-4CDA-B52F-1BB2467F63A5}">
+      <dgm:prSet phldrT="[Text]"/>
+      <dgm:spPr/>
+      <dgm:t>
+        <a:bodyPr/>
+        <a:lstStyle/>
+        <a:p>
+          <a:r>
+            <a:rPr lang="en-US" dirty="0" smtClean="0"/>
+            <a:t>Water</a:t>
+          </a:r>
+          <a:endParaRPr lang="en-US" dirty="0"/>
+        </a:p>
+      </dgm:t>
+    </dgm:pt>
+    <dgm:pt modelId="{2CCF69D3-4CC6-4DD5-AFB0-6A88205BC53D}" type="parTrans" cxnId="{EACE51FF-42BD-4BD0-B2C4-3D585D1682F6}">
+      <dgm:prSet/>
+      <dgm:spPr/>
+    </dgm:pt>
+    <dgm:pt modelId="{E6713030-2535-4FF2-8E22-46D71DA3EC7B}" type="sibTrans" cxnId="{EACE51FF-42BD-4BD0-B2C4-3D585D1682F6}">
+      <dgm:prSet/>
+      <dgm:spPr/>
+    </dgm:pt>
+    <dgm:pt modelId="{2FC25C45-FB31-4AC9-8EB0-3A99601FF7AD}">
+      <dgm:prSet phldrT="[Text]"/>
+      <dgm:spPr/>
+      <dgm:t>
+        <a:bodyPr/>
+        <a:lstStyle/>
+        <a:p>
+          <a:r>
+            <a:rPr lang="en-US" dirty="0" smtClean="0"/>
+            <a:t>Main Sections</a:t>
+          </a:r>
+          <a:endParaRPr lang="en-US" dirty="0"/>
+        </a:p>
+      </dgm:t>
+    </dgm:pt>
+    <dgm:pt modelId="{CE508632-2F5D-4ADE-A18D-2D1627BE15D8}" type="parTrans" cxnId="{839827EA-B15F-4BAE-BCE7-6FAE8D6092AC}">
+      <dgm:prSet/>
+      <dgm:spPr/>
+    </dgm:pt>
+    <dgm:pt modelId="{EF2BF3D2-832B-4366-9DA4-9D7C791A2854}" type="sibTrans" cxnId="{839827EA-B15F-4BAE-BCE7-6FAE8D6092AC}">
+      <dgm:prSet/>
+      <dgm:spPr/>
+    </dgm:pt>
+    <dgm:pt modelId="{704973B4-B62F-4E06-BC1C-A37BA4579FC4}">
+      <dgm:prSet phldrT="[Text]"/>
+      <dgm:spPr/>
+      <dgm:t>
+        <a:bodyPr/>
+        <a:lstStyle/>
+        <a:p>
+          <a:r>
+            <a:rPr lang="en-US" dirty="0" smtClean="0"/>
+            <a:t>Sub-Sections</a:t>
+          </a:r>
+          <a:endParaRPr lang="en-US" dirty="0"/>
+        </a:p>
+      </dgm:t>
+    </dgm:pt>
+    <dgm:pt modelId="{07FB83FD-BD81-4995-AE3C-00D9A2D907D0}" type="parTrans" cxnId="{22FE877B-37AF-4CC4-BC2B-D7A64A3A719C}">
+      <dgm:prSet/>
+      <dgm:spPr/>
+    </dgm:pt>
+    <dgm:pt modelId="{9AAF66D0-BF45-4343-BBF8-337F2C673CD0}" type="sibTrans" cxnId="{22FE877B-37AF-4CC4-BC2B-D7A64A3A719C}">
+      <dgm:prSet/>
+      <dgm:spPr/>
+    </dgm:pt>
+    <dgm:pt modelId="{493ADE87-9D37-4DF7-AD79-A59DAE7AD72C}">
+      <dgm:prSet phldrT="[Text]"/>
+      <dgm:spPr/>
+      <dgm:t>
+        <a:bodyPr/>
+        <a:lstStyle/>
+        <a:p>
+          <a:r>
+            <a:rPr lang="en-US" dirty="0" smtClean="0"/>
+            <a:t>Grain bill calculation</a:t>
+          </a:r>
+          <a:endParaRPr lang="en-US" dirty="0"/>
+        </a:p>
+      </dgm:t>
+    </dgm:pt>
+    <dgm:pt modelId="{B2E78F8B-05B5-43DC-903F-F03AE88DC09E}" type="parTrans" cxnId="{67AFF4D5-D190-428A-A8BF-4222CB347FFA}">
+      <dgm:prSet/>
+      <dgm:spPr/>
+    </dgm:pt>
+    <dgm:pt modelId="{8FF8A3A7-1CDA-4F82-A4BB-2401F7A0028D}" type="sibTrans" cxnId="{67AFF4D5-D190-428A-A8BF-4222CB347FFA}">
+      <dgm:prSet/>
+      <dgm:spPr/>
+    </dgm:pt>
+    <dgm:pt modelId="{04EE558E-F013-4F6A-8DAC-4758415AA52A}">
+      <dgm:prSet phldrT="[Text]"/>
+      <dgm:spPr/>
+      <dgm:t>
+        <a:bodyPr/>
+        <a:lstStyle/>
+        <a:p>
+          <a:r>
+            <a:rPr lang="en-US" dirty="0" smtClean="0"/>
+            <a:t>Yeast strain calculations</a:t>
+          </a:r>
+          <a:endParaRPr lang="en-US" dirty="0"/>
+        </a:p>
+      </dgm:t>
+    </dgm:pt>
+    <dgm:pt modelId="{9C8C414E-66AA-4647-80B8-6006495EDDD2}" type="parTrans" cxnId="{A48326BD-49F5-41C2-9D3B-C9A7221C763E}">
+      <dgm:prSet/>
+      <dgm:spPr/>
+    </dgm:pt>
+    <dgm:pt modelId="{03D41A1A-3DAA-431F-9EB4-B97DC5537885}" type="sibTrans" cxnId="{A48326BD-49F5-41C2-9D3B-C9A7221C763E}">
+      <dgm:prSet/>
+      <dgm:spPr/>
+    </dgm:pt>
+    <dgm:pt modelId="{C711BE50-CFD9-4BD1-B3D0-60626A96D2D9}">
+      <dgm:prSet phldrT="[Text]"/>
+      <dgm:spPr/>
+      <dgm:t>
+        <a:bodyPr/>
+        <a:lstStyle/>
+        <a:p>
+          <a:r>
+            <a:rPr lang="en-US" dirty="0" smtClean="0"/>
+            <a:t>Bittering Hops</a:t>
+          </a:r>
+          <a:endParaRPr lang="en-US" dirty="0"/>
+        </a:p>
+      </dgm:t>
+    </dgm:pt>
+    <dgm:pt modelId="{E50C4DE4-5EC4-45CD-B781-F0A383B7F2AF}" type="parTrans" cxnId="{8FD9FC8B-D12D-4E32-88AE-FD919B66B32A}">
+      <dgm:prSet/>
+      <dgm:spPr/>
+    </dgm:pt>
+    <dgm:pt modelId="{A86F99E8-AA26-4E2A-8E34-F6AE7E20FD1B}" type="sibTrans" cxnId="{8FD9FC8B-D12D-4E32-88AE-FD919B66B32A}">
+      <dgm:prSet/>
+      <dgm:spPr/>
+    </dgm:pt>
+    <dgm:pt modelId="{C954E9FF-C7D5-4F34-A53F-265D34FC5B00}">
+      <dgm:prSet phldrT="[Text]"/>
+      <dgm:spPr/>
+      <dgm:t>
+        <a:bodyPr/>
+        <a:lstStyle/>
+        <a:p>
+          <a:r>
+            <a:rPr lang="en-US" dirty="0" smtClean="0"/>
+            <a:t>Aroma/Flavoring Hops</a:t>
+          </a:r>
+          <a:endParaRPr lang="en-US" dirty="0"/>
+        </a:p>
+      </dgm:t>
+    </dgm:pt>
+    <dgm:pt modelId="{63299A5B-308D-4855-A7D1-7D5B4491F75A}" type="parTrans" cxnId="{FFB1135A-A017-4159-ACF9-9423FA661D58}">
+      <dgm:prSet/>
+      <dgm:spPr/>
+    </dgm:pt>
+    <dgm:pt modelId="{9E36B2B8-2682-4E28-934E-AEB367ACBD31}" type="sibTrans" cxnId="{FFB1135A-A017-4159-ACF9-9423FA661D58}">
+      <dgm:prSet/>
+      <dgm:spPr/>
+    </dgm:pt>
+    <dgm:pt modelId="{DD59C67E-D05D-48A5-844C-3FC852C65555}">
+      <dgm:prSet phldrT="[Text]"/>
+      <dgm:spPr/>
+      <dgm:t>
+        <a:bodyPr/>
+        <a:lstStyle/>
+        <a:p>
+          <a:r>
+            <a:rPr lang="en-US" dirty="0" smtClean="0"/>
+            <a:t>pH and chemistry</a:t>
+          </a:r>
+          <a:endParaRPr lang="en-US" dirty="0"/>
+        </a:p>
+      </dgm:t>
+    </dgm:pt>
+    <dgm:pt modelId="{CD4DCCDF-6B06-48A3-B60B-A33DE5BC131B}" type="parTrans" cxnId="{7EB4F415-7495-40AC-B1C9-D3F4C0B10A92}">
+      <dgm:prSet/>
+      <dgm:spPr/>
+    </dgm:pt>
+    <dgm:pt modelId="{9DBBE901-6D4D-4D95-A62C-827ACBCE82D5}" type="sibTrans" cxnId="{7EB4F415-7495-40AC-B1C9-D3F4C0B10A92}">
+      <dgm:prSet/>
+      <dgm:spPr/>
+    </dgm:pt>
+    <dgm:pt modelId="{C0FC89D0-ED88-47AB-AAD7-E123012EFEC5}">
+      <dgm:prSet phldrT="[Text]"/>
+      <dgm:spPr/>
+      <dgm:t>
+        <a:bodyPr/>
+        <a:lstStyle/>
+        <a:p>
+          <a:r>
+            <a:rPr lang="en-US" dirty="0" smtClean="0"/>
+            <a:t>Volumes</a:t>
+          </a:r>
+          <a:endParaRPr lang="en-US" dirty="0"/>
+        </a:p>
+      </dgm:t>
+    </dgm:pt>
+    <dgm:pt modelId="{356BFEC2-CE15-4FBE-A4A1-0B80A5553B49}" type="parTrans" cxnId="{EB7BA167-6AFD-4538-A869-54D0FF7D227A}">
+      <dgm:prSet/>
+      <dgm:spPr/>
+    </dgm:pt>
+    <dgm:pt modelId="{7F5096B0-AF71-4B02-9426-93B239B05316}" type="sibTrans" cxnId="{EB7BA167-6AFD-4538-A869-54D0FF7D227A}">
+      <dgm:prSet/>
+      <dgm:spPr/>
+    </dgm:pt>
+    <dgm:pt modelId="{ACC0B0E9-E6BD-485A-A089-89BC7D3E1BB7}">
+      <dgm:prSet phldrT="[Text]"/>
+      <dgm:spPr/>
+      <dgm:t>
+        <a:bodyPr/>
+        <a:lstStyle/>
+        <a:p>
+          <a:r>
+            <a:rPr lang="en-US" dirty="0" smtClean="0"/>
+            <a:t>Single Step</a:t>
+          </a:r>
+          <a:endParaRPr lang="en-US" dirty="0"/>
+        </a:p>
+      </dgm:t>
+    </dgm:pt>
+    <dgm:pt modelId="{B4E16727-F3D9-4981-A257-C7CE91DBEEE9}" type="parTrans" cxnId="{5BBC38D8-17F2-41E5-9D57-D70506E47D58}">
+      <dgm:prSet/>
+      <dgm:spPr/>
+    </dgm:pt>
+    <dgm:pt modelId="{51F7DA3A-8AA7-4F6F-AC58-CFFCDDA28982}" type="sibTrans" cxnId="{5BBC38D8-17F2-41E5-9D57-D70506E47D58}">
+      <dgm:prSet/>
+      <dgm:spPr/>
+    </dgm:pt>
+    <dgm:pt modelId="{26DC787B-9FFB-4C9A-ADF9-33715608FB92}">
+      <dgm:prSet phldrT="[Text]"/>
+      <dgm:spPr/>
+      <dgm:t>
+        <a:bodyPr/>
+        <a:lstStyle/>
+        <a:p>
+          <a:r>
+            <a:rPr lang="en-US" dirty="0" smtClean="0"/>
+            <a:t>2 Step</a:t>
+          </a:r>
+          <a:endParaRPr lang="en-US" dirty="0"/>
+        </a:p>
+      </dgm:t>
+    </dgm:pt>
+    <dgm:pt modelId="{1D20C960-F442-4DBA-9620-D834125F3BAC}" type="parTrans" cxnId="{2A8F1578-0A2E-49AE-88DA-3F1E24F70FC3}">
+      <dgm:prSet/>
+      <dgm:spPr/>
+    </dgm:pt>
+    <dgm:pt modelId="{22DDF321-EE0C-457E-ACEF-016C0CBFC88B}" type="sibTrans" cxnId="{2A8F1578-0A2E-49AE-88DA-3F1E24F70FC3}">
+      <dgm:prSet/>
+      <dgm:spPr/>
+    </dgm:pt>
+    <dgm:pt modelId="{B3562F1B-7D54-412C-BDF1-CDA988B51F73}">
+      <dgm:prSet phldrT="[Text]"/>
+      <dgm:spPr/>
+      <dgm:t>
+        <a:bodyPr/>
+        <a:lstStyle/>
+        <a:p>
+          <a:r>
+            <a:rPr lang="en-US" dirty="0" smtClean="0"/>
+            <a:t>Decoction</a:t>
+          </a:r>
+          <a:endParaRPr lang="en-US" dirty="0"/>
+        </a:p>
+      </dgm:t>
+    </dgm:pt>
+    <dgm:pt modelId="{06D9A4C0-C048-4EF5-B4C1-E31B05AE0A48}" type="parTrans" cxnId="{D4AF0375-C9D9-4A44-9DB3-5FB0E5198425}">
+      <dgm:prSet/>
+      <dgm:spPr/>
+    </dgm:pt>
+    <dgm:pt modelId="{E6A2F4DA-80FD-4CB6-ADF6-6EA808BD83E0}" type="sibTrans" cxnId="{D4AF0375-C9D9-4A44-9DB3-5FB0E5198425}">
+      <dgm:prSet/>
+      <dgm:spPr/>
+    </dgm:pt>
+    <dgm:pt modelId="{70A6CF59-4B59-483B-BD59-50C15CD05C57}" type="pres">
+      <dgm:prSet presAssocID="{5E0D80FD-59BF-437E-A9C3-D79AE1FA7697}" presName="mainComposite" presStyleCnt="0">
+        <dgm:presLayoutVars>
+          <dgm:chPref val="1"/>
+          <dgm:dir/>
+          <dgm:animOne val="branch"/>
+          <dgm:animLvl val="lvl"/>
+          <dgm:resizeHandles val="exact"/>
+        </dgm:presLayoutVars>
+      </dgm:prSet>
+      <dgm:spPr/>
+    </dgm:pt>
+    <dgm:pt modelId="{8C38A156-9460-4A3A-8F1B-3E61108ABBB7}" type="pres">
+      <dgm:prSet presAssocID="{5E0D80FD-59BF-437E-A9C3-D79AE1FA7697}" presName="hierFlow" presStyleCnt="0"/>
+      <dgm:spPr/>
+    </dgm:pt>
+    <dgm:pt modelId="{B9AAFE6B-37EA-4BDB-A4EF-E8FC7A3D15E4}" type="pres">
+      <dgm:prSet presAssocID="{5E0D80FD-59BF-437E-A9C3-D79AE1FA7697}" presName="firstBuf" presStyleCnt="0"/>
+      <dgm:spPr/>
+    </dgm:pt>
+    <dgm:pt modelId="{3B738641-174C-4E0C-9E5C-030A86F2D70D}" type="pres">
+      <dgm:prSet presAssocID="{5E0D80FD-59BF-437E-A9C3-D79AE1FA7697}" presName="hierChild1" presStyleCnt="0">
+        <dgm:presLayoutVars>
+          <dgm:chPref val="1"/>
+          <dgm:animOne val="branch"/>
+          <dgm:animLvl val="lvl"/>
+        </dgm:presLayoutVars>
+      </dgm:prSet>
+      <dgm:spPr/>
+    </dgm:pt>
+    <dgm:pt modelId="{B0D5A6EE-BC56-4733-9B61-9BB0EED01A7E}" type="pres">
+      <dgm:prSet presAssocID="{A2B787CC-BFB5-4587-BC6B-EA278CE95D42}" presName="Name14" presStyleCnt="0"/>
+      <dgm:spPr/>
+    </dgm:pt>
+    <dgm:pt modelId="{D134F2DA-B0C8-4BD5-889D-F31094A54F72}" type="pres">
+      <dgm:prSet presAssocID="{A2B787CC-BFB5-4587-BC6B-EA278CE95D42}" presName="level1Shape" presStyleLbl="node0" presStyleIdx="0" presStyleCnt="1">
+        <dgm:presLayoutVars>
+          <dgm:chPref val="3"/>
+        </dgm:presLayoutVars>
+      </dgm:prSet>
+      <dgm:spPr/>
+      <dgm:t>
+        <a:bodyPr/>
+        <a:lstStyle/>
+        <a:p>
+          <a:endParaRPr lang="en-US"/>
+        </a:p>
+      </dgm:t>
+    </dgm:pt>
+    <dgm:pt modelId="{322FE26C-92F1-430D-8122-CDF9F682CBA7}" type="pres">
+      <dgm:prSet presAssocID="{A2B787CC-BFB5-4587-BC6B-EA278CE95D42}" presName="hierChild2" presStyleCnt="0"/>
+      <dgm:spPr/>
+    </dgm:pt>
+    <dgm:pt modelId="{DE3FF23B-0BF5-477D-B294-AA8F807E4167}" type="pres">
+      <dgm:prSet presAssocID="{A0815741-EDB4-4A35-828A-9343A0D8B855}" presName="Name19" presStyleLbl="parChTrans1D2" presStyleIdx="0" presStyleCnt="5"/>
+      <dgm:spPr/>
+    </dgm:pt>
+    <dgm:pt modelId="{D92649F6-44F9-47EF-BFCF-0A9172372534}" type="pres">
+      <dgm:prSet presAssocID="{AE1F9252-AB96-47CD-82A2-FF000D9EB6F4}" presName="Name21" presStyleCnt="0"/>
+      <dgm:spPr/>
+    </dgm:pt>
+    <dgm:pt modelId="{6299D5F2-9260-4191-89CF-92C2D43493BB}" type="pres">
+      <dgm:prSet presAssocID="{AE1F9252-AB96-47CD-82A2-FF000D9EB6F4}" presName="level2Shape" presStyleLbl="node2" presStyleIdx="0" presStyleCnt="5"/>
+      <dgm:spPr/>
+      <dgm:t>
+        <a:bodyPr/>
+        <a:lstStyle/>
+        <a:p>
+          <a:endParaRPr lang="en-US"/>
+        </a:p>
+      </dgm:t>
+    </dgm:pt>
+    <dgm:pt modelId="{BE5B77F7-0396-46ED-902B-1C92815E585C}" type="pres">
+      <dgm:prSet presAssocID="{AE1F9252-AB96-47CD-82A2-FF000D9EB6F4}" presName="hierChild3" presStyleCnt="0"/>
+      <dgm:spPr/>
+    </dgm:pt>
+    <dgm:pt modelId="{58C4AFFC-60F8-47D8-82AD-403563F6162D}" type="pres">
+      <dgm:prSet presAssocID="{B2E78F8B-05B5-43DC-903F-F03AE88DC09E}" presName="Name19" presStyleLbl="parChTrans1D3" presStyleIdx="0" presStyleCnt="9"/>
+      <dgm:spPr/>
+    </dgm:pt>
+    <dgm:pt modelId="{56FE8126-030D-435C-A374-749B852F10AE}" type="pres">
+      <dgm:prSet presAssocID="{493ADE87-9D37-4DF7-AD79-A59DAE7AD72C}" presName="Name21" presStyleCnt="0"/>
+      <dgm:spPr/>
+    </dgm:pt>
+    <dgm:pt modelId="{93153F6A-4558-467B-BC3F-BEE9E1E6AE3B}" type="pres">
+      <dgm:prSet presAssocID="{493ADE87-9D37-4DF7-AD79-A59DAE7AD72C}" presName="level2Shape" presStyleLbl="node3" presStyleIdx="0" presStyleCnt="9"/>
+      <dgm:spPr/>
+      <dgm:t>
+        <a:bodyPr/>
+        <a:lstStyle/>
+        <a:p>
+          <a:endParaRPr lang="en-US"/>
+        </a:p>
+      </dgm:t>
+    </dgm:pt>
+    <dgm:pt modelId="{B45C037F-E80F-4F36-8B46-B6AA211181E3}" type="pres">
+      <dgm:prSet presAssocID="{493ADE87-9D37-4DF7-AD79-A59DAE7AD72C}" presName="hierChild3" presStyleCnt="0"/>
+      <dgm:spPr/>
+    </dgm:pt>
+    <dgm:pt modelId="{BF9B9750-72AF-4B0F-8CF2-94DF949D16F5}" type="pres">
+      <dgm:prSet presAssocID="{B369D75F-A765-43E9-A84E-8559E39678A4}" presName="Name19" presStyleLbl="parChTrans1D2" presStyleIdx="1" presStyleCnt="5"/>
+      <dgm:spPr/>
+    </dgm:pt>
+    <dgm:pt modelId="{F78D964E-491B-4752-B759-20B8C387ED85}" type="pres">
+      <dgm:prSet presAssocID="{3A346293-E670-4444-8ED8-B291D4692B34}" presName="Name21" presStyleCnt="0"/>
+      <dgm:spPr/>
+    </dgm:pt>
+    <dgm:pt modelId="{5A54A7ED-F899-4ACC-B349-A4CE5DD9522F}" type="pres">
+      <dgm:prSet presAssocID="{3A346293-E670-4444-8ED8-B291D4692B34}" presName="level2Shape" presStyleLbl="node2" presStyleIdx="1" presStyleCnt="5"/>
+      <dgm:spPr/>
+      <dgm:t>
+        <a:bodyPr/>
+        <a:lstStyle/>
+        <a:p>
+          <a:endParaRPr lang="en-US"/>
+        </a:p>
+      </dgm:t>
+    </dgm:pt>
+    <dgm:pt modelId="{EA2065FA-0225-4451-A2E4-0224300A7B0D}" type="pres">
+      <dgm:prSet presAssocID="{3A346293-E670-4444-8ED8-B291D4692B34}" presName="hierChild3" presStyleCnt="0"/>
+      <dgm:spPr/>
+    </dgm:pt>
+    <dgm:pt modelId="{8DA93576-3FA9-4F90-89AB-D1295529FD9B}" type="pres">
+      <dgm:prSet presAssocID="{9C8C414E-66AA-4647-80B8-6006495EDDD2}" presName="Name19" presStyleLbl="parChTrans1D3" presStyleIdx="1" presStyleCnt="9"/>
+      <dgm:spPr/>
+    </dgm:pt>
+    <dgm:pt modelId="{8F0F2BBF-E0EC-437C-A4D7-25049BDF4FF7}" type="pres">
+      <dgm:prSet presAssocID="{04EE558E-F013-4F6A-8DAC-4758415AA52A}" presName="Name21" presStyleCnt="0"/>
+      <dgm:spPr/>
+    </dgm:pt>
+    <dgm:pt modelId="{E75CCE58-7B1B-4850-BC5A-3FC9B0E5E404}" type="pres">
+      <dgm:prSet presAssocID="{04EE558E-F013-4F6A-8DAC-4758415AA52A}" presName="level2Shape" presStyleLbl="node3" presStyleIdx="1" presStyleCnt="9"/>
+      <dgm:spPr/>
+      <dgm:t>
+        <a:bodyPr/>
+        <a:lstStyle/>
+        <a:p>
+          <a:endParaRPr lang="en-US"/>
+        </a:p>
+      </dgm:t>
+    </dgm:pt>
+    <dgm:pt modelId="{CAB5B31D-CE7F-4113-840F-D3145F94A5F1}" type="pres">
+      <dgm:prSet presAssocID="{04EE558E-F013-4F6A-8DAC-4758415AA52A}" presName="hierChild3" presStyleCnt="0"/>
+      <dgm:spPr/>
+    </dgm:pt>
+    <dgm:pt modelId="{AF143103-B7BB-437B-AA99-864F6D3524D5}" type="pres">
+      <dgm:prSet presAssocID="{F5921F16-09D3-4706-A62A-CD7F2CF104EE}" presName="Name19" presStyleLbl="parChTrans1D2" presStyleIdx="2" presStyleCnt="5"/>
+      <dgm:spPr/>
+    </dgm:pt>
+    <dgm:pt modelId="{DC8E9D52-3906-4F2F-AB40-854B9B69262E}" type="pres">
+      <dgm:prSet presAssocID="{BF91500C-BBBC-409F-9C51-10EE187C037E}" presName="Name21" presStyleCnt="0"/>
+      <dgm:spPr/>
+    </dgm:pt>
+    <dgm:pt modelId="{80BEA30C-B84A-494B-B353-2FCA075A3C6A}" type="pres">
+      <dgm:prSet presAssocID="{BF91500C-BBBC-409F-9C51-10EE187C037E}" presName="level2Shape" presStyleLbl="node2" presStyleIdx="2" presStyleCnt="5"/>
+      <dgm:spPr/>
+    </dgm:pt>
+    <dgm:pt modelId="{01CF2FBA-F0FD-492C-8322-D365A7E6EADC}" type="pres">
+      <dgm:prSet presAssocID="{BF91500C-BBBC-409F-9C51-10EE187C037E}" presName="hierChild3" presStyleCnt="0"/>
+      <dgm:spPr/>
+    </dgm:pt>
+    <dgm:pt modelId="{093EAA34-6D29-4880-ABF2-F44E0D5242C8}" type="pres">
+      <dgm:prSet presAssocID="{E50C4DE4-5EC4-45CD-B781-F0A383B7F2AF}" presName="Name19" presStyleLbl="parChTrans1D3" presStyleIdx="2" presStyleCnt="9"/>
+      <dgm:spPr/>
+    </dgm:pt>
+    <dgm:pt modelId="{E8CF79DD-3E0C-48A2-8FE0-5EE5E4AC1E2C}" type="pres">
+      <dgm:prSet presAssocID="{C711BE50-CFD9-4BD1-B3D0-60626A96D2D9}" presName="Name21" presStyleCnt="0"/>
+      <dgm:spPr/>
+    </dgm:pt>
+    <dgm:pt modelId="{C7253CD9-A177-409E-9470-F1E33DB523A9}" type="pres">
+      <dgm:prSet presAssocID="{C711BE50-CFD9-4BD1-B3D0-60626A96D2D9}" presName="level2Shape" presStyleLbl="node3" presStyleIdx="2" presStyleCnt="9"/>
+      <dgm:spPr/>
+      <dgm:t>
+        <a:bodyPr/>
+        <a:lstStyle/>
+        <a:p>
+          <a:endParaRPr lang="en-US"/>
+        </a:p>
+      </dgm:t>
+    </dgm:pt>
+    <dgm:pt modelId="{BCCA6C7F-FC95-4490-84E7-18AF0F3D4C92}" type="pres">
+      <dgm:prSet presAssocID="{C711BE50-CFD9-4BD1-B3D0-60626A96D2D9}" presName="hierChild3" presStyleCnt="0"/>
+      <dgm:spPr/>
+    </dgm:pt>
+    <dgm:pt modelId="{BD7B4871-5B0A-4923-ADBC-D338C225A368}" type="pres">
+      <dgm:prSet presAssocID="{63299A5B-308D-4855-A7D1-7D5B4491F75A}" presName="Name19" presStyleLbl="parChTrans1D3" presStyleIdx="3" presStyleCnt="9"/>
+      <dgm:spPr/>
+    </dgm:pt>
+    <dgm:pt modelId="{0C041B71-143E-491A-ABA7-36058700C72E}" type="pres">
+      <dgm:prSet presAssocID="{C954E9FF-C7D5-4F34-A53F-265D34FC5B00}" presName="Name21" presStyleCnt="0"/>
+      <dgm:spPr/>
+    </dgm:pt>
+    <dgm:pt modelId="{ACFCFD85-610C-4C68-97E4-198108E39336}" type="pres">
+      <dgm:prSet presAssocID="{C954E9FF-C7D5-4F34-A53F-265D34FC5B00}" presName="level2Shape" presStyleLbl="node3" presStyleIdx="3" presStyleCnt="9"/>
+      <dgm:spPr/>
+    </dgm:pt>
+    <dgm:pt modelId="{5ECACF7D-F8FF-479B-A15B-C88AA0BB626D}" type="pres">
+      <dgm:prSet presAssocID="{C954E9FF-C7D5-4F34-A53F-265D34FC5B00}" presName="hierChild3" presStyleCnt="0"/>
+      <dgm:spPr/>
+    </dgm:pt>
+    <dgm:pt modelId="{D6F1DDD3-C4F4-4213-9E16-0974BE8D6C19}" type="pres">
+      <dgm:prSet presAssocID="{2CCF69D3-4CC6-4DD5-AFB0-6A88205BC53D}" presName="Name19" presStyleLbl="parChTrans1D2" presStyleIdx="3" presStyleCnt="5"/>
+      <dgm:spPr/>
+    </dgm:pt>
+    <dgm:pt modelId="{8C202696-A836-4E6D-9503-5F718E52776B}" type="pres">
+      <dgm:prSet presAssocID="{B90E6CA3-1E6C-4CDA-B52F-1BB2467F63A5}" presName="Name21" presStyleCnt="0"/>
+      <dgm:spPr/>
+    </dgm:pt>
+    <dgm:pt modelId="{B6B99BC1-ED8A-4F27-B2D4-29838122C558}" type="pres">
+      <dgm:prSet presAssocID="{B90E6CA3-1E6C-4CDA-B52F-1BB2467F63A5}" presName="level2Shape" presStyleLbl="node2" presStyleIdx="3" presStyleCnt="5"/>
+      <dgm:spPr/>
+    </dgm:pt>
+    <dgm:pt modelId="{5A2F03A3-B8FB-48BC-9F7C-1C15BB4E0DBE}" type="pres">
+      <dgm:prSet presAssocID="{B90E6CA3-1E6C-4CDA-B52F-1BB2467F63A5}" presName="hierChild3" presStyleCnt="0"/>
+      <dgm:spPr/>
+    </dgm:pt>
+    <dgm:pt modelId="{01D28A20-DCBA-48A9-A4AC-F6CF873E86F4}" type="pres">
+      <dgm:prSet presAssocID="{CD4DCCDF-6B06-48A3-B60B-A33DE5BC131B}" presName="Name19" presStyleLbl="parChTrans1D3" presStyleIdx="4" presStyleCnt="9"/>
+      <dgm:spPr/>
+    </dgm:pt>
+    <dgm:pt modelId="{4B092341-B652-4AF4-B887-C15A8F63FE84}" type="pres">
+      <dgm:prSet presAssocID="{DD59C67E-D05D-48A5-844C-3FC852C65555}" presName="Name21" presStyleCnt="0"/>
+      <dgm:spPr/>
+    </dgm:pt>
+    <dgm:pt modelId="{D3B6F5ED-C50F-4D88-86E7-32285FB13E1F}" type="pres">
+      <dgm:prSet presAssocID="{DD59C67E-D05D-48A5-844C-3FC852C65555}" presName="level2Shape" presStyleLbl="node3" presStyleIdx="4" presStyleCnt="9"/>
+      <dgm:spPr/>
+      <dgm:t>
+        <a:bodyPr/>
+        <a:lstStyle/>
+        <a:p>
+          <a:endParaRPr lang="en-US"/>
+        </a:p>
+      </dgm:t>
+    </dgm:pt>
+    <dgm:pt modelId="{1B488E7F-0F64-4D65-8C03-ACD2C401F45B}" type="pres">
+      <dgm:prSet presAssocID="{DD59C67E-D05D-48A5-844C-3FC852C65555}" presName="hierChild3" presStyleCnt="0"/>
+      <dgm:spPr/>
+    </dgm:pt>
+    <dgm:pt modelId="{24E6A523-DFF0-4C52-88C7-F1B7397D1E98}" type="pres">
+      <dgm:prSet presAssocID="{356BFEC2-CE15-4FBE-A4A1-0B80A5553B49}" presName="Name19" presStyleLbl="parChTrans1D3" presStyleIdx="5" presStyleCnt="9"/>
+      <dgm:spPr/>
+    </dgm:pt>
+    <dgm:pt modelId="{0BAD5090-2A0F-41BA-8225-2C6285B7D24E}" type="pres">
+      <dgm:prSet presAssocID="{C0FC89D0-ED88-47AB-AAD7-E123012EFEC5}" presName="Name21" presStyleCnt="0"/>
+      <dgm:spPr/>
+    </dgm:pt>
+    <dgm:pt modelId="{C74F8C5C-885E-4EBE-825C-EEE94CE4685C}" type="pres">
+      <dgm:prSet presAssocID="{C0FC89D0-ED88-47AB-AAD7-E123012EFEC5}" presName="level2Shape" presStyleLbl="node3" presStyleIdx="5" presStyleCnt="9"/>
+      <dgm:spPr/>
+    </dgm:pt>
+    <dgm:pt modelId="{9D2A54B2-674A-4A4C-BEFE-BA8C8998CCF3}" type="pres">
+      <dgm:prSet presAssocID="{C0FC89D0-ED88-47AB-AAD7-E123012EFEC5}" presName="hierChild3" presStyleCnt="0"/>
+      <dgm:spPr/>
+    </dgm:pt>
+    <dgm:pt modelId="{DA2E024B-69C4-4355-A3A8-7D5210124787}" type="pres">
+      <dgm:prSet presAssocID="{7CF88BDD-D1BC-4AE4-B7A0-9C7B97B6DC74}" presName="Name19" presStyleLbl="parChTrans1D2" presStyleIdx="4" presStyleCnt="5"/>
+      <dgm:spPr/>
+    </dgm:pt>
+    <dgm:pt modelId="{CEC37B25-373A-4659-96D4-849B3684E2BD}" type="pres">
+      <dgm:prSet presAssocID="{75AD7627-B35B-4D8E-BFE9-BC99E23C2402}" presName="Name21" presStyleCnt="0"/>
+      <dgm:spPr/>
+    </dgm:pt>
+    <dgm:pt modelId="{C60C78D6-CDF0-4199-9F74-B1D81B59FB9A}" type="pres">
+      <dgm:prSet presAssocID="{75AD7627-B35B-4D8E-BFE9-BC99E23C2402}" presName="level2Shape" presStyleLbl="node2" presStyleIdx="4" presStyleCnt="5"/>
+      <dgm:spPr/>
+    </dgm:pt>
+    <dgm:pt modelId="{BE9D2E42-AB8E-4ACE-AC18-299EE66A1996}" type="pres">
+      <dgm:prSet presAssocID="{75AD7627-B35B-4D8E-BFE9-BC99E23C2402}" presName="hierChild3" presStyleCnt="0"/>
+      <dgm:spPr/>
+    </dgm:pt>
+    <dgm:pt modelId="{1E3A30F8-69A7-4B2E-958F-654E060EA288}" type="pres">
+      <dgm:prSet presAssocID="{B4E16727-F3D9-4981-A257-C7CE91DBEEE9}" presName="Name19" presStyleLbl="parChTrans1D3" presStyleIdx="6" presStyleCnt="9"/>
+      <dgm:spPr/>
+    </dgm:pt>
+    <dgm:pt modelId="{0C7AA48A-66A5-4CF3-93E4-1663D68291B6}" type="pres">
+      <dgm:prSet presAssocID="{ACC0B0E9-E6BD-485A-A089-89BC7D3E1BB7}" presName="Name21" presStyleCnt="0"/>
+      <dgm:spPr/>
+    </dgm:pt>
+    <dgm:pt modelId="{559E469F-0076-4B4E-8C81-1F8F83A5C2B1}" type="pres">
+      <dgm:prSet presAssocID="{ACC0B0E9-E6BD-485A-A089-89BC7D3E1BB7}" presName="level2Shape" presStyleLbl="node3" presStyleIdx="6" presStyleCnt="9"/>
+      <dgm:spPr/>
+      <dgm:t>
+        <a:bodyPr/>
+        <a:lstStyle/>
+        <a:p>
+          <a:endParaRPr lang="en-US"/>
+        </a:p>
+      </dgm:t>
+    </dgm:pt>
+    <dgm:pt modelId="{1C1F021C-2095-4022-885B-3B772A422264}" type="pres">
+      <dgm:prSet presAssocID="{ACC0B0E9-E6BD-485A-A089-89BC7D3E1BB7}" presName="hierChild3" presStyleCnt="0"/>
+      <dgm:spPr/>
+    </dgm:pt>
+    <dgm:pt modelId="{27E8E283-3376-4DB2-BAB0-413D9468056B}" type="pres">
+      <dgm:prSet presAssocID="{1D20C960-F442-4DBA-9620-D834125F3BAC}" presName="Name19" presStyleLbl="parChTrans1D3" presStyleIdx="7" presStyleCnt="9"/>
+      <dgm:spPr/>
+    </dgm:pt>
+    <dgm:pt modelId="{E706408C-D3E1-4887-A18F-83AD72D1EBC6}" type="pres">
+      <dgm:prSet presAssocID="{26DC787B-9FFB-4C9A-ADF9-33715608FB92}" presName="Name21" presStyleCnt="0"/>
+      <dgm:spPr/>
+    </dgm:pt>
+    <dgm:pt modelId="{3C507778-46ED-478D-9E12-51935E9E93CB}" type="pres">
+      <dgm:prSet presAssocID="{26DC787B-9FFB-4C9A-ADF9-33715608FB92}" presName="level2Shape" presStyleLbl="node3" presStyleIdx="7" presStyleCnt="9"/>
+      <dgm:spPr/>
+    </dgm:pt>
+    <dgm:pt modelId="{0F4FFCD0-D8C6-4505-8D5A-55AEC6EBB1A4}" type="pres">
+      <dgm:prSet presAssocID="{26DC787B-9FFB-4C9A-ADF9-33715608FB92}" presName="hierChild3" presStyleCnt="0"/>
+      <dgm:spPr/>
+    </dgm:pt>
+    <dgm:pt modelId="{9883CF45-D945-4834-A12B-EDAE33037296}" type="pres">
+      <dgm:prSet presAssocID="{06D9A4C0-C048-4EF5-B4C1-E31B05AE0A48}" presName="Name19" presStyleLbl="parChTrans1D3" presStyleIdx="8" presStyleCnt="9"/>
+      <dgm:spPr/>
+    </dgm:pt>
+    <dgm:pt modelId="{598ACC8B-76F0-49C8-864D-F46DDAD81F8A}" type="pres">
+      <dgm:prSet presAssocID="{B3562F1B-7D54-412C-BDF1-CDA988B51F73}" presName="Name21" presStyleCnt="0"/>
+      <dgm:spPr/>
+    </dgm:pt>
+    <dgm:pt modelId="{A6F31496-8588-4DAC-B99A-2DDF053471EC}" type="pres">
+      <dgm:prSet presAssocID="{B3562F1B-7D54-412C-BDF1-CDA988B51F73}" presName="level2Shape" presStyleLbl="node3" presStyleIdx="8" presStyleCnt="9"/>
+      <dgm:spPr/>
+    </dgm:pt>
+    <dgm:pt modelId="{EF0A15C3-D248-4E02-9D03-6E1C66E8DD30}" type="pres">
+      <dgm:prSet presAssocID="{B3562F1B-7D54-412C-BDF1-CDA988B51F73}" presName="hierChild3" presStyleCnt="0"/>
+      <dgm:spPr/>
+    </dgm:pt>
+    <dgm:pt modelId="{E2C28131-5136-4E8B-8738-E00E8435CC5F}" type="pres">
+      <dgm:prSet presAssocID="{5E0D80FD-59BF-437E-A9C3-D79AE1FA7697}" presName="bgShapesFlow" presStyleCnt="0"/>
+      <dgm:spPr/>
+    </dgm:pt>
+    <dgm:pt modelId="{CA5C0B9B-D265-4013-9794-A3F7D0138866}" type="pres">
+      <dgm:prSet presAssocID="{077ED888-3800-4D9D-B799-A11F5F57648B}" presName="rectComp" presStyleCnt="0"/>
+      <dgm:spPr/>
+    </dgm:pt>
+    <dgm:pt modelId="{7ED1A2D3-3FA8-4930-8C58-D9952D0A2882}" type="pres">
+      <dgm:prSet presAssocID="{077ED888-3800-4D9D-B799-A11F5F57648B}" presName="bgRect" presStyleLbl="bgShp" presStyleIdx="0" presStyleCnt="3"/>
+      <dgm:spPr/>
+      <dgm:t>
+        <a:bodyPr/>
+        <a:lstStyle/>
+        <a:p>
+          <a:endParaRPr lang="en-US"/>
+        </a:p>
+      </dgm:t>
+    </dgm:pt>
+    <dgm:pt modelId="{08A66BBE-BA03-4F41-8278-8F45D362A84C}" type="pres">
+      <dgm:prSet presAssocID="{077ED888-3800-4D9D-B799-A11F5F57648B}" presName="bgRectTx" presStyleLbl="bgShp" presStyleIdx="0" presStyleCnt="3">
+        <dgm:presLayoutVars>
+          <dgm:bulletEnabled val="1"/>
+        </dgm:presLayoutVars>
+      </dgm:prSet>
+      <dgm:spPr/>
+      <dgm:t>
+        <a:bodyPr/>
+        <a:lstStyle/>
+        <a:p>
+          <a:endParaRPr lang="en-US"/>
+        </a:p>
+      </dgm:t>
+    </dgm:pt>
+    <dgm:pt modelId="{A984A37E-086B-4A37-96C3-02657262A3A3}" type="pres">
+      <dgm:prSet presAssocID="{077ED888-3800-4D9D-B799-A11F5F57648B}" presName="spComp" presStyleCnt="0"/>
+      <dgm:spPr/>
+    </dgm:pt>
+    <dgm:pt modelId="{3CC6B9C3-6E77-4397-952D-E32ADC9011FF}" type="pres">
+      <dgm:prSet presAssocID="{077ED888-3800-4D9D-B799-A11F5F57648B}" presName="vSp" presStyleCnt="0"/>
+      <dgm:spPr/>
+    </dgm:pt>
+    <dgm:pt modelId="{5D30C3BD-97FF-4B23-BB4B-33A2ABF9D739}" type="pres">
+      <dgm:prSet presAssocID="{2FC25C45-FB31-4AC9-8EB0-3A99601FF7AD}" presName="rectComp" presStyleCnt="0"/>
+      <dgm:spPr/>
+    </dgm:pt>
+    <dgm:pt modelId="{4492417A-2C01-49FF-8801-4C8FEF938EDD}" type="pres">
+      <dgm:prSet presAssocID="{2FC25C45-FB31-4AC9-8EB0-3A99601FF7AD}" presName="bgRect" presStyleLbl="bgShp" presStyleIdx="1" presStyleCnt="3"/>
+      <dgm:spPr/>
+    </dgm:pt>
+    <dgm:pt modelId="{BF4BD883-8652-4D0B-AB75-6F50AF67721F}" type="pres">
+      <dgm:prSet presAssocID="{2FC25C45-FB31-4AC9-8EB0-3A99601FF7AD}" presName="bgRectTx" presStyleLbl="bgShp" presStyleIdx="1" presStyleCnt="3">
+        <dgm:presLayoutVars>
+          <dgm:bulletEnabled val="1"/>
+        </dgm:presLayoutVars>
+      </dgm:prSet>
+      <dgm:spPr/>
+    </dgm:pt>
+    <dgm:pt modelId="{FF282789-B70C-4131-BC0C-9CD9411C4E24}" type="pres">
+      <dgm:prSet presAssocID="{2FC25C45-FB31-4AC9-8EB0-3A99601FF7AD}" presName="spComp" presStyleCnt="0"/>
+      <dgm:spPr/>
+    </dgm:pt>
+    <dgm:pt modelId="{041B7A9E-5A97-4B6C-A03D-E6CC69C913B0}" type="pres">
+      <dgm:prSet presAssocID="{2FC25C45-FB31-4AC9-8EB0-3A99601FF7AD}" presName="vSp" presStyleCnt="0"/>
+      <dgm:spPr/>
+    </dgm:pt>
+    <dgm:pt modelId="{A96D69A8-0A2B-4FB5-8CAB-5F1F78882F68}" type="pres">
+      <dgm:prSet presAssocID="{704973B4-B62F-4E06-BC1C-A37BA4579FC4}" presName="rectComp" presStyleCnt="0"/>
+      <dgm:spPr/>
+    </dgm:pt>
+    <dgm:pt modelId="{5EFFCCFB-5AF6-499D-87E0-0DC70F42F2F6}" type="pres">
+      <dgm:prSet presAssocID="{704973B4-B62F-4E06-BC1C-A37BA4579FC4}" presName="bgRect" presStyleLbl="bgShp" presStyleIdx="2" presStyleCnt="3"/>
+      <dgm:spPr/>
+      <dgm:t>
+        <a:bodyPr/>
+        <a:lstStyle/>
+        <a:p>
+          <a:endParaRPr lang="en-US"/>
+        </a:p>
+      </dgm:t>
+    </dgm:pt>
+    <dgm:pt modelId="{CC39DC9A-8EE2-4F0B-B871-5042729E030A}" type="pres">
+      <dgm:prSet presAssocID="{704973B4-B62F-4E06-BC1C-A37BA4579FC4}" presName="bgRectTx" presStyleLbl="bgShp" presStyleIdx="2" presStyleCnt="3">
+        <dgm:presLayoutVars>
+          <dgm:bulletEnabled val="1"/>
+        </dgm:presLayoutVars>
+      </dgm:prSet>
+      <dgm:spPr/>
+      <dgm:t>
+        <a:bodyPr/>
+        <a:lstStyle/>
+        <a:p>
+          <a:endParaRPr lang="en-US"/>
+        </a:p>
+      </dgm:t>
+    </dgm:pt>
+  </dgm:ptLst>
+  <dgm:cxnLst>
+    <dgm:cxn modelId="{66FE2721-370C-48B6-A409-09612E91B3D0}" type="presOf" srcId="{E50C4DE4-5EC4-45CD-B781-F0A383B7F2AF}" destId="{093EAA34-6D29-4880-ABF2-F44E0D5242C8}" srcOrd="0" destOrd="0" presId="urn:microsoft.com/office/officeart/2005/8/layout/hierarchy6"/>
+    <dgm:cxn modelId="{5BBC38D8-17F2-41E5-9D57-D70506E47D58}" srcId="{75AD7627-B35B-4D8E-BFE9-BC99E23C2402}" destId="{ACC0B0E9-E6BD-485A-A089-89BC7D3E1BB7}" srcOrd="0" destOrd="0" parTransId="{B4E16727-F3D9-4981-A257-C7CE91DBEEE9}" sibTransId="{51F7DA3A-8AA7-4F6F-AC58-CFFCDDA28982}"/>
+    <dgm:cxn modelId="{996FA515-6604-4333-9D9E-D702460A12BE}" srcId="{5E0D80FD-59BF-437E-A9C3-D79AE1FA7697}" destId="{A2B787CC-BFB5-4587-BC6B-EA278CE95D42}" srcOrd="0" destOrd="0" parTransId="{CBE02C49-0B77-4150-AC0B-5531A2A6C9E2}" sibTransId="{325801F1-A90D-4F93-8C88-95DD77217FC0}"/>
+    <dgm:cxn modelId="{5187B5E1-6DDB-45BA-A1BE-B92D3170A55F}" type="presOf" srcId="{077ED888-3800-4D9D-B799-A11F5F57648B}" destId="{08A66BBE-BA03-4F41-8278-8F45D362A84C}" srcOrd="1" destOrd="0" presId="urn:microsoft.com/office/officeart/2005/8/layout/hierarchy6"/>
+    <dgm:cxn modelId="{FCD02CE9-2DB8-4293-9339-6071E6D6CF3D}" type="presOf" srcId="{06D9A4C0-C048-4EF5-B4C1-E31B05AE0A48}" destId="{9883CF45-D945-4834-A12B-EDAE33037296}" srcOrd="0" destOrd="0" presId="urn:microsoft.com/office/officeart/2005/8/layout/hierarchy6"/>
+    <dgm:cxn modelId="{A1CBE871-D781-40B4-B700-62109C11A7F4}" type="presOf" srcId="{A0815741-EDB4-4A35-828A-9343A0D8B855}" destId="{DE3FF23B-0BF5-477D-B294-AA8F807E4167}" srcOrd="0" destOrd="0" presId="urn:microsoft.com/office/officeart/2005/8/layout/hierarchy6"/>
+    <dgm:cxn modelId="{2A8F1578-0A2E-49AE-88DA-3F1E24F70FC3}" srcId="{75AD7627-B35B-4D8E-BFE9-BC99E23C2402}" destId="{26DC787B-9FFB-4C9A-ADF9-33715608FB92}" srcOrd="1" destOrd="0" parTransId="{1D20C960-F442-4DBA-9620-D834125F3BAC}" sibTransId="{22DDF321-EE0C-457E-ACEF-016C0CBFC88B}"/>
+    <dgm:cxn modelId="{1E82FF54-BEAB-43EB-816C-55257DCDEBFB}" srcId="{A2B787CC-BFB5-4587-BC6B-EA278CE95D42}" destId="{3A346293-E670-4444-8ED8-B291D4692B34}" srcOrd="1" destOrd="0" parTransId="{B369D75F-A765-43E9-A84E-8559E39678A4}" sibTransId="{95AD2A53-A1D2-4C87-99A4-B307763E5083}"/>
+    <dgm:cxn modelId="{FFB1135A-A017-4159-ACF9-9423FA661D58}" srcId="{BF91500C-BBBC-409F-9C51-10EE187C037E}" destId="{C954E9FF-C7D5-4F34-A53F-265D34FC5B00}" srcOrd="1" destOrd="0" parTransId="{63299A5B-308D-4855-A7D1-7D5B4491F75A}" sibTransId="{9E36B2B8-2682-4E28-934E-AEB367ACBD31}"/>
+    <dgm:cxn modelId="{1D3CE2BB-86A6-487E-9B50-817E9B1A8380}" type="presOf" srcId="{7CF88BDD-D1BC-4AE4-B7A0-9C7B97B6DC74}" destId="{DA2E024B-69C4-4355-A3A8-7D5210124787}" srcOrd="0" destOrd="0" presId="urn:microsoft.com/office/officeart/2005/8/layout/hierarchy6"/>
+    <dgm:cxn modelId="{85ED6FF9-0628-4C92-9A03-1FABF8F4CA2B}" type="presOf" srcId="{1D20C960-F442-4DBA-9620-D834125F3BAC}" destId="{27E8E283-3376-4DB2-BAB0-413D9468056B}" srcOrd="0" destOrd="0" presId="urn:microsoft.com/office/officeart/2005/8/layout/hierarchy6"/>
+    <dgm:cxn modelId="{7EB4F415-7495-40AC-B1C9-D3F4C0B10A92}" srcId="{B90E6CA3-1E6C-4CDA-B52F-1BB2467F63A5}" destId="{DD59C67E-D05D-48A5-844C-3FC852C65555}" srcOrd="0" destOrd="0" parTransId="{CD4DCCDF-6B06-48A3-B60B-A33DE5BC131B}" sibTransId="{9DBBE901-6D4D-4D95-A62C-827ACBCE82D5}"/>
+    <dgm:cxn modelId="{5E9A597B-D0EF-4128-8DA3-26A866C1D67A}" type="presOf" srcId="{B3562F1B-7D54-412C-BDF1-CDA988B51F73}" destId="{A6F31496-8588-4DAC-B99A-2DDF053471EC}" srcOrd="0" destOrd="0" presId="urn:microsoft.com/office/officeart/2005/8/layout/hierarchy6"/>
+    <dgm:cxn modelId="{B751933A-ACC7-45CF-BA1D-08E9F4D1C58D}" srcId="{A2B787CC-BFB5-4587-BC6B-EA278CE95D42}" destId="{BF91500C-BBBC-409F-9C51-10EE187C037E}" srcOrd="2" destOrd="0" parTransId="{F5921F16-09D3-4706-A62A-CD7F2CF104EE}" sibTransId="{EF46F9D2-F978-4138-92DB-2E6AD32FADBC}"/>
+    <dgm:cxn modelId="{FED0AD68-CFE3-44D9-B14C-35EAD5114A4B}" type="presOf" srcId="{C0FC89D0-ED88-47AB-AAD7-E123012EFEC5}" destId="{C74F8C5C-885E-4EBE-825C-EEE94CE4685C}" srcOrd="0" destOrd="0" presId="urn:microsoft.com/office/officeart/2005/8/layout/hierarchy6"/>
+    <dgm:cxn modelId="{22FE877B-37AF-4CC4-BC2B-D7A64A3A719C}" srcId="{5E0D80FD-59BF-437E-A9C3-D79AE1FA7697}" destId="{704973B4-B62F-4E06-BC1C-A37BA4579FC4}" srcOrd="3" destOrd="0" parTransId="{07FB83FD-BD81-4995-AE3C-00D9A2D907D0}" sibTransId="{9AAF66D0-BF45-4343-BBF8-337F2C673CD0}"/>
+    <dgm:cxn modelId="{A24475BE-719E-4B07-B53A-1725DCDFC59B}" type="presOf" srcId="{C711BE50-CFD9-4BD1-B3D0-60626A96D2D9}" destId="{C7253CD9-A177-409E-9470-F1E33DB523A9}" srcOrd="0" destOrd="0" presId="urn:microsoft.com/office/officeart/2005/8/layout/hierarchy6"/>
+    <dgm:cxn modelId="{9751B7F1-95ED-4173-8710-645F4D2EE8ED}" srcId="{5E0D80FD-59BF-437E-A9C3-D79AE1FA7697}" destId="{077ED888-3800-4D9D-B799-A11F5F57648B}" srcOrd="1" destOrd="0" parTransId="{67188769-DC91-47DD-B888-8D8C3F74044F}" sibTransId="{056E3F11-E1F7-4873-9AA1-1DB783615AB0}"/>
+    <dgm:cxn modelId="{0B7EECCD-8B3C-40E7-95CF-9B62944D281E}" type="presOf" srcId="{CD4DCCDF-6B06-48A3-B60B-A33DE5BC131B}" destId="{01D28A20-DCBA-48A9-A4AC-F6CF873E86F4}" srcOrd="0" destOrd="0" presId="urn:microsoft.com/office/officeart/2005/8/layout/hierarchy6"/>
+    <dgm:cxn modelId="{DC60D43B-0511-4CF2-B854-97EC19BC369F}" type="presOf" srcId="{A2B787CC-BFB5-4587-BC6B-EA278CE95D42}" destId="{D134F2DA-B0C8-4BD5-889D-F31094A54F72}" srcOrd="0" destOrd="0" presId="urn:microsoft.com/office/officeart/2005/8/layout/hierarchy6"/>
+    <dgm:cxn modelId="{839827EA-B15F-4BAE-BCE7-6FAE8D6092AC}" srcId="{5E0D80FD-59BF-437E-A9C3-D79AE1FA7697}" destId="{2FC25C45-FB31-4AC9-8EB0-3A99601FF7AD}" srcOrd="2" destOrd="0" parTransId="{CE508632-2F5D-4ADE-A18D-2D1627BE15D8}" sibTransId="{EF2BF3D2-832B-4366-9DA4-9D7C791A2854}"/>
+    <dgm:cxn modelId="{82E53C47-467A-402F-B0DF-AF624C22F0F2}" type="presOf" srcId="{2FC25C45-FB31-4AC9-8EB0-3A99601FF7AD}" destId="{BF4BD883-8652-4D0B-AB75-6F50AF67721F}" srcOrd="1" destOrd="0" presId="urn:microsoft.com/office/officeart/2005/8/layout/hierarchy6"/>
+    <dgm:cxn modelId="{46B1A6F7-81EF-4544-A33B-EE57CC66D00D}" type="presOf" srcId="{493ADE87-9D37-4DF7-AD79-A59DAE7AD72C}" destId="{93153F6A-4558-467B-BC3F-BEE9E1E6AE3B}" srcOrd="0" destOrd="0" presId="urn:microsoft.com/office/officeart/2005/8/layout/hierarchy6"/>
+    <dgm:cxn modelId="{EACE51FF-42BD-4BD0-B2C4-3D585D1682F6}" srcId="{A2B787CC-BFB5-4587-BC6B-EA278CE95D42}" destId="{B90E6CA3-1E6C-4CDA-B52F-1BB2467F63A5}" srcOrd="3" destOrd="0" parTransId="{2CCF69D3-4CC6-4DD5-AFB0-6A88205BC53D}" sibTransId="{E6713030-2535-4FF2-8E22-46D71DA3EC7B}"/>
+    <dgm:cxn modelId="{2734DC2F-A12C-4FFE-A615-A0EDDB805378}" type="presOf" srcId="{B90E6CA3-1E6C-4CDA-B52F-1BB2467F63A5}" destId="{B6B99BC1-ED8A-4F27-B2D4-29838122C558}" srcOrd="0" destOrd="0" presId="urn:microsoft.com/office/officeart/2005/8/layout/hierarchy6"/>
+    <dgm:cxn modelId="{650CDDEB-39F6-40D8-81C4-A6E111A4E2D8}" type="presOf" srcId="{75AD7627-B35B-4D8E-BFE9-BC99E23C2402}" destId="{C60C78D6-CDF0-4199-9F74-B1D81B59FB9A}" srcOrd="0" destOrd="0" presId="urn:microsoft.com/office/officeart/2005/8/layout/hierarchy6"/>
+    <dgm:cxn modelId="{28A64B38-4B43-48ED-91CB-75B9921BD2E3}" srcId="{A2B787CC-BFB5-4587-BC6B-EA278CE95D42}" destId="{75AD7627-B35B-4D8E-BFE9-BC99E23C2402}" srcOrd="4" destOrd="0" parTransId="{7CF88BDD-D1BC-4AE4-B7A0-9C7B97B6DC74}" sibTransId="{328EF00B-318E-4360-96E7-3BA281023E7F}"/>
+    <dgm:cxn modelId="{B94BB7A4-D5C1-4469-B006-3179A9D29A20}" type="presOf" srcId="{2CCF69D3-4CC6-4DD5-AFB0-6A88205BC53D}" destId="{D6F1DDD3-C4F4-4213-9E16-0974BE8D6C19}" srcOrd="0" destOrd="0" presId="urn:microsoft.com/office/officeart/2005/8/layout/hierarchy6"/>
+    <dgm:cxn modelId="{A48326BD-49F5-41C2-9D3B-C9A7221C763E}" srcId="{3A346293-E670-4444-8ED8-B291D4692B34}" destId="{04EE558E-F013-4F6A-8DAC-4758415AA52A}" srcOrd="0" destOrd="0" parTransId="{9C8C414E-66AA-4647-80B8-6006495EDDD2}" sibTransId="{03D41A1A-3DAA-431F-9EB4-B97DC5537885}"/>
+    <dgm:cxn modelId="{87ED75AD-F172-400B-8FFA-BDD135DC1290}" type="presOf" srcId="{DD59C67E-D05D-48A5-844C-3FC852C65555}" destId="{D3B6F5ED-C50F-4D88-86E7-32285FB13E1F}" srcOrd="0" destOrd="0" presId="urn:microsoft.com/office/officeart/2005/8/layout/hierarchy6"/>
+    <dgm:cxn modelId="{4F0EE352-E17A-46D5-B4F9-76AF2E5C9D0F}" type="presOf" srcId="{AE1F9252-AB96-47CD-82A2-FF000D9EB6F4}" destId="{6299D5F2-9260-4191-89CF-92C2D43493BB}" srcOrd="0" destOrd="0" presId="urn:microsoft.com/office/officeart/2005/8/layout/hierarchy6"/>
+    <dgm:cxn modelId="{A0032BA7-D774-4B06-8016-5A3BE06EF65A}" type="presOf" srcId="{B369D75F-A765-43E9-A84E-8559E39678A4}" destId="{BF9B9750-72AF-4B0F-8CF2-94DF949D16F5}" srcOrd="0" destOrd="0" presId="urn:microsoft.com/office/officeart/2005/8/layout/hierarchy6"/>
+    <dgm:cxn modelId="{26494315-5C6C-4C16-A092-6F395006FC90}" type="presOf" srcId="{9C8C414E-66AA-4647-80B8-6006495EDDD2}" destId="{8DA93576-3FA9-4F90-89AB-D1295529FD9B}" srcOrd="0" destOrd="0" presId="urn:microsoft.com/office/officeart/2005/8/layout/hierarchy6"/>
+    <dgm:cxn modelId="{786F50FC-85EA-4D95-92CE-14D35A57DD13}" type="presOf" srcId="{356BFEC2-CE15-4FBE-A4A1-0B80A5553B49}" destId="{24E6A523-DFF0-4C52-88C7-F1B7397D1E98}" srcOrd="0" destOrd="0" presId="urn:microsoft.com/office/officeart/2005/8/layout/hierarchy6"/>
+    <dgm:cxn modelId="{70EBCFB7-14F4-493C-8D93-E0F5D973695C}" type="presOf" srcId="{B4E16727-F3D9-4981-A257-C7CE91DBEEE9}" destId="{1E3A30F8-69A7-4B2E-958F-654E060EA288}" srcOrd="0" destOrd="0" presId="urn:microsoft.com/office/officeart/2005/8/layout/hierarchy6"/>
+    <dgm:cxn modelId="{A2FF6332-E559-42B8-A0A8-367FAB723D66}" type="presOf" srcId="{B2E78F8B-05B5-43DC-903F-F03AE88DC09E}" destId="{58C4AFFC-60F8-47D8-82AD-403563F6162D}" srcOrd="0" destOrd="0" presId="urn:microsoft.com/office/officeart/2005/8/layout/hierarchy6"/>
+    <dgm:cxn modelId="{E42E26DF-FD95-47F8-AEB3-540B0B2C0590}" type="presOf" srcId="{077ED888-3800-4D9D-B799-A11F5F57648B}" destId="{7ED1A2D3-3FA8-4930-8C58-D9952D0A2882}" srcOrd="0" destOrd="0" presId="urn:microsoft.com/office/officeart/2005/8/layout/hierarchy6"/>
+    <dgm:cxn modelId="{D4AF0375-C9D9-4A44-9DB3-5FB0E5198425}" srcId="{75AD7627-B35B-4D8E-BFE9-BC99E23C2402}" destId="{B3562F1B-7D54-412C-BDF1-CDA988B51F73}" srcOrd="2" destOrd="0" parTransId="{06D9A4C0-C048-4EF5-B4C1-E31B05AE0A48}" sibTransId="{E6A2F4DA-80FD-4CB6-ADF6-6EA808BD83E0}"/>
+    <dgm:cxn modelId="{99E7A694-8944-425B-B91B-1254825FA245}" type="presOf" srcId="{04EE558E-F013-4F6A-8DAC-4758415AA52A}" destId="{E75CCE58-7B1B-4850-BC5A-3FC9B0E5E404}" srcOrd="0" destOrd="0" presId="urn:microsoft.com/office/officeart/2005/8/layout/hierarchy6"/>
+    <dgm:cxn modelId="{0B155523-5F86-43B9-AEBC-0551ED7C823F}" type="presOf" srcId="{5E0D80FD-59BF-437E-A9C3-D79AE1FA7697}" destId="{70A6CF59-4B59-483B-BD59-50C15CD05C57}" srcOrd="0" destOrd="0" presId="urn:microsoft.com/office/officeart/2005/8/layout/hierarchy6"/>
+    <dgm:cxn modelId="{25F206E6-649D-455F-B26B-309BC7810525}" type="presOf" srcId="{C954E9FF-C7D5-4F34-A53F-265D34FC5B00}" destId="{ACFCFD85-610C-4C68-97E4-198108E39336}" srcOrd="0" destOrd="0" presId="urn:microsoft.com/office/officeart/2005/8/layout/hierarchy6"/>
+    <dgm:cxn modelId="{FF13782D-16C4-45C7-BB04-22CB0F5C310C}" type="presOf" srcId="{BF91500C-BBBC-409F-9C51-10EE187C037E}" destId="{80BEA30C-B84A-494B-B353-2FCA075A3C6A}" srcOrd="0" destOrd="0" presId="urn:microsoft.com/office/officeart/2005/8/layout/hierarchy6"/>
+    <dgm:cxn modelId="{CB26849C-3869-41ED-A9C5-A617B021E787}" type="presOf" srcId="{3A346293-E670-4444-8ED8-B291D4692B34}" destId="{5A54A7ED-F899-4ACC-B349-A4CE5DD9522F}" srcOrd="0" destOrd="0" presId="urn:microsoft.com/office/officeart/2005/8/layout/hierarchy6"/>
+    <dgm:cxn modelId="{3B4121E2-D06B-4842-A587-E37F1D389CAE}" type="presOf" srcId="{704973B4-B62F-4E06-BC1C-A37BA4579FC4}" destId="{CC39DC9A-8EE2-4F0B-B871-5042729E030A}" srcOrd="1" destOrd="0" presId="urn:microsoft.com/office/officeart/2005/8/layout/hierarchy6"/>
+    <dgm:cxn modelId="{EB7BA167-6AFD-4538-A869-54D0FF7D227A}" srcId="{B90E6CA3-1E6C-4CDA-B52F-1BB2467F63A5}" destId="{C0FC89D0-ED88-47AB-AAD7-E123012EFEC5}" srcOrd="1" destOrd="0" parTransId="{356BFEC2-CE15-4FBE-A4A1-0B80A5553B49}" sibTransId="{7F5096B0-AF71-4B02-9426-93B239B05316}"/>
+    <dgm:cxn modelId="{8FD9FC8B-D12D-4E32-88AE-FD919B66B32A}" srcId="{BF91500C-BBBC-409F-9C51-10EE187C037E}" destId="{C711BE50-CFD9-4BD1-B3D0-60626A96D2D9}" srcOrd="0" destOrd="0" parTransId="{E50C4DE4-5EC4-45CD-B781-F0A383B7F2AF}" sibTransId="{A86F99E8-AA26-4E2A-8E34-F6AE7E20FD1B}"/>
+    <dgm:cxn modelId="{C995D684-6C34-4724-8811-FFE865B70A6E}" type="presOf" srcId="{2FC25C45-FB31-4AC9-8EB0-3A99601FF7AD}" destId="{4492417A-2C01-49FF-8801-4C8FEF938EDD}" srcOrd="0" destOrd="0" presId="urn:microsoft.com/office/officeart/2005/8/layout/hierarchy6"/>
+    <dgm:cxn modelId="{6660460C-2B43-44C4-9D15-A7D86DFBF5DC}" type="presOf" srcId="{63299A5B-308D-4855-A7D1-7D5B4491F75A}" destId="{BD7B4871-5B0A-4923-ADBC-D338C225A368}" srcOrd="0" destOrd="0" presId="urn:microsoft.com/office/officeart/2005/8/layout/hierarchy6"/>
+    <dgm:cxn modelId="{E2E743A7-F8B4-49BF-B3EE-041F68F59914}" type="presOf" srcId="{704973B4-B62F-4E06-BC1C-A37BA4579FC4}" destId="{5EFFCCFB-5AF6-499D-87E0-0DC70F42F2F6}" srcOrd="0" destOrd="0" presId="urn:microsoft.com/office/officeart/2005/8/layout/hierarchy6"/>
+    <dgm:cxn modelId="{A247E2D4-B7D3-4B22-849F-14F735EBE2DD}" srcId="{A2B787CC-BFB5-4587-BC6B-EA278CE95D42}" destId="{AE1F9252-AB96-47CD-82A2-FF000D9EB6F4}" srcOrd="0" destOrd="0" parTransId="{A0815741-EDB4-4A35-828A-9343A0D8B855}" sibTransId="{EAAA423D-61F0-49A2-B5E3-B8641C18A3F5}"/>
+    <dgm:cxn modelId="{BE13039F-B17C-4524-93BA-F8B8D9A7A2F7}" type="presOf" srcId="{F5921F16-09D3-4706-A62A-CD7F2CF104EE}" destId="{AF143103-B7BB-437B-AA99-864F6D3524D5}" srcOrd="0" destOrd="0" presId="urn:microsoft.com/office/officeart/2005/8/layout/hierarchy6"/>
+    <dgm:cxn modelId="{57D81348-D3A8-4A17-829F-E2F8B0EF4D34}" type="presOf" srcId="{26DC787B-9FFB-4C9A-ADF9-33715608FB92}" destId="{3C507778-46ED-478D-9E12-51935E9E93CB}" srcOrd="0" destOrd="0" presId="urn:microsoft.com/office/officeart/2005/8/layout/hierarchy6"/>
+    <dgm:cxn modelId="{67AFF4D5-D190-428A-A8BF-4222CB347FFA}" srcId="{AE1F9252-AB96-47CD-82A2-FF000D9EB6F4}" destId="{493ADE87-9D37-4DF7-AD79-A59DAE7AD72C}" srcOrd="0" destOrd="0" parTransId="{B2E78F8B-05B5-43DC-903F-F03AE88DC09E}" sibTransId="{8FF8A3A7-1CDA-4F82-A4BB-2401F7A0028D}"/>
+    <dgm:cxn modelId="{401A791E-CE70-47B4-AF40-F2D9EA478B00}" type="presOf" srcId="{ACC0B0E9-E6BD-485A-A089-89BC7D3E1BB7}" destId="{559E469F-0076-4B4E-8C81-1F8F83A5C2B1}" srcOrd="0" destOrd="0" presId="urn:microsoft.com/office/officeart/2005/8/layout/hierarchy6"/>
+    <dgm:cxn modelId="{E322F3A0-8CB3-46B5-B406-3E8492B49AF2}" type="presParOf" srcId="{70A6CF59-4B59-483B-BD59-50C15CD05C57}" destId="{8C38A156-9460-4A3A-8F1B-3E61108ABBB7}" srcOrd="0" destOrd="0" presId="urn:microsoft.com/office/officeart/2005/8/layout/hierarchy6"/>
+    <dgm:cxn modelId="{DB3D3A1B-E05C-4611-AFA0-25F92819A6FE}" type="presParOf" srcId="{8C38A156-9460-4A3A-8F1B-3E61108ABBB7}" destId="{B9AAFE6B-37EA-4BDB-A4EF-E8FC7A3D15E4}" srcOrd="0" destOrd="0" presId="urn:microsoft.com/office/officeart/2005/8/layout/hierarchy6"/>
+    <dgm:cxn modelId="{6072516A-9D97-433C-B60D-1214FA880F3F}" type="presParOf" srcId="{8C38A156-9460-4A3A-8F1B-3E61108ABBB7}" destId="{3B738641-174C-4E0C-9E5C-030A86F2D70D}" srcOrd="1" destOrd="0" presId="urn:microsoft.com/office/officeart/2005/8/layout/hierarchy6"/>
+    <dgm:cxn modelId="{6206C790-5C83-4A94-9615-8B1917436D6D}" type="presParOf" srcId="{3B738641-174C-4E0C-9E5C-030A86F2D70D}" destId="{B0D5A6EE-BC56-4733-9B61-9BB0EED01A7E}" srcOrd="0" destOrd="0" presId="urn:microsoft.com/office/officeart/2005/8/layout/hierarchy6"/>
+    <dgm:cxn modelId="{02D8191D-217D-4EAE-B8CB-229B3F77BC6E}" type="presParOf" srcId="{B0D5A6EE-BC56-4733-9B61-9BB0EED01A7E}" destId="{D134F2DA-B0C8-4BD5-889D-F31094A54F72}" srcOrd="0" destOrd="0" presId="urn:microsoft.com/office/officeart/2005/8/layout/hierarchy6"/>
+    <dgm:cxn modelId="{67C6A607-720F-48CE-AF8C-FE7FF9B2FA46}" type="presParOf" srcId="{B0D5A6EE-BC56-4733-9B61-9BB0EED01A7E}" destId="{322FE26C-92F1-430D-8122-CDF9F682CBA7}" srcOrd="1" destOrd="0" presId="urn:microsoft.com/office/officeart/2005/8/layout/hierarchy6"/>
+    <dgm:cxn modelId="{5DB7727E-75B9-4EB2-9D32-4615BF40E169}" type="presParOf" srcId="{322FE26C-92F1-430D-8122-CDF9F682CBA7}" destId="{DE3FF23B-0BF5-477D-B294-AA8F807E4167}" srcOrd="0" destOrd="0" presId="urn:microsoft.com/office/officeart/2005/8/layout/hierarchy6"/>
+    <dgm:cxn modelId="{9E039315-431B-41CA-AC02-5603F155B3FD}" type="presParOf" srcId="{322FE26C-92F1-430D-8122-CDF9F682CBA7}" destId="{D92649F6-44F9-47EF-BFCF-0A9172372534}" srcOrd="1" destOrd="0" presId="urn:microsoft.com/office/officeart/2005/8/layout/hierarchy6"/>
+    <dgm:cxn modelId="{03289C19-20D8-42A2-9EEA-4BA8B7E38066}" type="presParOf" srcId="{D92649F6-44F9-47EF-BFCF-0A9172372534}" destId="{6299D5F2-9260-4191-89CF-92C2D43493BB}" srcOrd="0" destOrd="0" presId="urn:microsoft.com/office/officeart/2005/8/layout/hierarchy6"/>
+    <dgm:cxn modelId="{5CBF6D3F-2E46-439E-AC30-81CC7B290A56}" type="presParOf" srcId="{D92649F6-44F9-47EF-BFCF-0A9172372534}" destId="{BE5B77F7-0396-46ED-902B-1C92815E585C}" srcOrd="1" destOrd="0" presId="urn:microsoft.com/office/officeart/2005/8/layout/hierarchy6"/>
+    <dgm:cxn modelId="{88A1E818-0D4F-48B8-AF7B-CB30F82A2CEA}" type="presParOf" srcId="{BE5B77F7-0396-46ED-902B-1C92815E585C}" destId="{58C4AFFC-60F8-47D8-82AD-403563F6162D}" srcOrd="0" destOrd="0" presId="urn:microsoft.com/office/officeart/2005/8/layout/hierarchy6"/>
+    <dgm:cxn modelId="{9958ABB5-030A-43C0-84F4-5CE4EB5E9210}" type="presParOf" srcId="{BE5B77F7-0396-46ED-902B-1C92815E585C}" destId="{56FE8126-030D-435C-A374-749B852F10AE}" srcOrd="1" destOrd="0" presId="urn:microsoft.com/office/officeart/2005/8/layout/hierarchy6"/>
+    <dgm:cxn modelId="{CF4710DE-5F33-4766-9543-6DD8D746FAAA}" type="presParOf" srcId="{56FE8126-030D-435C-A374-749B852F10AE}" destId="{93153F6A-4558-467B-BC3F-BEE9E1E6AE3B}" srcOrd="0" destOrd="0" presId="urn:microsoft.com/office/officeart/2005/8/layout/hierarchy6"/>
+    <dgm:cxn modelId="{475CDD0F-F127-4C31-A4F3-76814793AD84}" type="presParOf" srcId="{56FE8126-030D-435C-A374-749B852F10AE}" destId="{B45C037F-E80F-4F36-8B46-B6AA211181E3}" srcOrd="1" destOrd="0" presId="urn:microsoft.com/office/officeart/2005/8/layout/hierarchy6"/>
+    <dgm:cxn modelId="{9F810C92-6B33-41B5-A62B-F90E80C59B0F}" type="presParOf" srcId="{322FE26C-92F1-430D-8122-CDF9F682CBA7}" destId="{BF9B9750-72AF-4B0F-8CF2-94DF949D16F5}" srcOrd="2" destOrd="0" presId="urn:microsoft.com/office/officeart/2005/8/layout/hierarchy6"/>
+    <dgm:cxn modelId="{62BEA92F-7B2E-4B61-AFAD-D2C254E192EF}" type="presParOf" srcId="{322FE26C-92F1-430D-8122-CDF9F682CBA7}" destId="{F78D964E-491B-4752-B759-20B8C387ED85}" srcOrd="3" destOrd="0" presId="urn:microsoft.com/office/officeart/2005/8/layout/hierarchy6"/>
+    <dgm:cxn modelId="{083A94CD-9C5B-4E86-AE57-4725010D59B3}" type="presParOf" srcId="{F78D964E-491B-4752-B759-20B8C387ED85}" destId="{5A54A7ED-F899-4ACC-B349-A4CE5DD9522F}" srcOrd="0" destOrd="0" presId="urn:microsoft.com/office/officeart/2005/8/layout/hierarchy6"/>
+    <dgm:cxn modelId="{D9247AE8-B115-4468-8C93-CBA55F9131C5}" type="presParOf" srcId="{F78D964E-491B-4752-B759-20B8C387ED85}" destId="{EA2065FA-0225-4451-A2E4-0224300A7B0D}" srcOrd="1" destOrd="0" presId="urn:microsoft.com/office/officeart/2005/8/layout/hierarchy6"/>
+    <dgm:cxn modelId="{7F563A6E-9360-4F48-BF88-9EF4C2FB0FA1}" type="presParOf" srcId="{EA2065FA-0225-4451-A2E4-0224300A7B0D}" destId="{8DA93576-3FA9-4F90-89AB-D1295529FD9B}" srcOrd="0" destOrd="0" presId="urn:microsoft.com/office/officeart/2005/8/layout/hierarchy6"/>
+    <dgm:cxn modelId="{6AC05D09-336A-4DF4-A806-6C0A07FC381C}" type="presParOf" srcId="{EA2065FA-0225-4451-A2E4-0224300A7B0D}" destId="{8F0F2BBF-E0EC-437C-A4D7-25049BDF4FF7}" srcOrd="1" destOrd="0" presId="urn:microsoft.com/office/officeart/2005/8/layout/hierarchy6"/>
+    <dgm:cxn modelId="{437605DB-2191-42C4-B69D-E43664BFE4FE}" type="presParOf" srcId="{8F0F2BBF-E0EC-437C-A4D7-25049BDF4FF7}" destId="{E75CCE58-7B1B-4850-BC5A-3FC9B0E5E404}" srcOrd="0" destOrd="0" presId="urn:microsoft.com/office/officeart/2005/8/layout/hierarchy6"/>
+    <dgm:cxn modelId="{450460AF-1058-45B8-AC3E-47649585E0EA}" type="presParOf" srcId="{8F0F2BBF-E0EC-437C-A4D7-25049BDF4FF7}" destId="{CAB5B31D-CE7F-4113-840F-D3145F94A5F1}" srcOrd="1" destOrd="0" presId="urn:microsoft.com/office/officeart/2005/8/layout/hierarchy6"/>
+    <dgm:cxn modelId="{D5384C6C-B299-4C2D-A306-790F8A93D806}" type="presParOf" srcId="{322FE26C-92F1-430D-8122-CDF9F682CBA7}" destId="{AF143103-B7BB-437B-AA99-864F6D3524D5}" srcOrd="4" destOrd="0" presId="urn:microsoft.com/office/officeart/2005/8/layout/hierarchy6"/>
+    <dgm:cxn modelId="{F8AA39F3-BD47-449D-AC74-0B6F2C5A6354}" type="presParOf" srcId="{322FE26C-92F1-430D-8122-CDF9F682CBA7}" destId="{DC8E9D52-3906-4F2F-AB40-854B9B69262E}" srcOrd="5" destOrd="0" presId="urn:microsoft.com/office/officeart/2005/8/layout/hierarchy6"/>
+    <dgm:cxn modelId="{D352F0FC-3846-443B-BC3E-EDC9E63DE29A}" type="presParOf" srcId="{DC8E9D52-3906-4F2F-AB40-854B9B69262E}" destId="{80BEA30C-B84A-494B-B353-2FCA075A3C6A}" srcOrd="0" destOrd="0" presId="urn:microsoft.com/office/officeart/2005/8/layout/hierarchy6"/>
+    <dgm:cxn modelId="{026A83D3-8CF2-4BCD-970E-A0B36D0809CE}" type="presParOf" srcId="{DC8E9D52-3906-4F2F-AB40-854B9B69262E}" destId="{01CF2FBA-F0FD-492C-8322-D365A7E6EADC}" srcOrd="1" destOrd="0" presId="urn:microsoft.com/office/officeart/2005/8/layout/hierarchy6"/>
+    <dgm:cxn modelId="{D20ADEB8-7A0B-44C9-932B-F54ABEB4A830}" type="presParOf" srcId="{01CF2FBA-F0FD-492C-8322-D365A7E6EADC}" destId="{093EAA34-6D29-4880-ABF2-F44E0D5242C8}" srcOrd="0" destOrd="0" presId="urn:microsoft.com/office/officeart/2005/8/layout/hierarchy6"/>
+    <dgm:cxn modelId="{A14666B0-B6A1-4F5F-A8C1-1A0A53E77193}" type="presParOf" srcId="{01CF2FBA-F0FD-492C-8322-D365A7E6EADC}" destId="{E8CF79DD-3E0C-48A2-8FE0-5EE5E4AC1E2C}" srcOrd="1" destOrd="0" presId="urn:microsoft.com/office/officeart/2005/8/layout/hierarchy6"/>
+    <dgm:cxn modelId="{E5245B35-C085-4B3B-8B70-980C5CDCA97A}" type="presParOf" srcId="{E8CF79DD-3E0C-48A2-8FE0-5EE5E4AC1E2C}" destId="{C7253CD9-A177-409E-9470-F1E33DB523A9}" srcOrd="0" destOrd="0" presId="urn:microsoft.com/office/officeart/2005/8/layout/hierarchy6"/>
+    <dgm:cxn modelId="{09EA3D71-A745-4BB1-AADD-6734A1C74288}" type="presParOf" srcId="{E8CF79DD-3E0C-48A2-8FE0-5EE5E4AC1E2C}" destId="{BCCA6C7F-FC95-4490-84E7-18AF0F3D4C92}" srcOrd="1" destOrd="0" presId="urn:microsoft.com/office/officeart/2005/8/layout/hierarchy6"/>
+    <dgm:cxn modelId="{CAA78B76-2A09-49E7-BCD2-C0514F92EE8B}" type="presParOf" srcId="{01CF2FBA-F0FD-492C-8322-D365A7E6EADC}" destId="{BD7B4871-5B0A-4923-ADBC-D338C225A368}" srcOrd="2" destOrd="0" presId="urn:microsoft.com/office/officeart/2005/8/layout/hierarchy6"/>
+    <dgm:cxn modelId="{F77D7641-DBB1-402A-89EB-EF5B2C182ECB}" type="presParOf" srcId="{01CF2FBA-F0FD-492C-8322-D365A7E6EADC}" destId="{0C041B71-143E-491A-ABA7-36058700C72E}" srcOrd="3" destOrd="0" presId="urn:microsoft.com/office/officeart/2005/8/layout/hierarchy6"/>
+    <dgm:cxn modelId="{B7C9B854-2136-49F3-98FC-451926BBC898}" type="presParOf" srcId="{0C041B71-143E-491A-ABA7-36058700C72E}" destId="{ACFCFD85-610C-4C68-97E4-198108E39336}" srcOrd="0" destOrd="0" presId="urn:microsoft.com/office/officeart/2005/8/layout/hierarchy6"/>
+    <dgm:cxn modelId="{19CA1EE8-8EB4-489A-8F1E-67A5567FA579}" type="presParOf" srcId="{0C041B71-143E-491A-ABA7-36058700C72E}" destId="{5ECACF7D-F8FF-479B-A15B-C88AA0BB626D}" srcOrd="1" destOrd="0" presId="urn:microsoft.com/office/officeart/2005/8/layout/hierarchy6"/>
+    <dgm:cxn modelId="{2FECBEDE-BE27-489A-B867-B43816B27AE8}" type="presParOf" srcId="{322FE26C-92F1-430D-8122-CDF9F682CBA7}" destId="{D6F1DDD3-C4F4-4213-9E16-0974BE8D6C19}" srcOrd="6" destOrd="0" presId="urn:microsoft.com/office/officeart/2005/8/layout/hierarchy6"/>
+    <dgm:cxn modelId="{843EE8A6-A80D-4B19-9522-AE1060A45C28}" type="presParOf" srcId="{322FE26C-92F1-430D-8122-CDF9F682CBA7}" destId="{8C202696-A836-4E6D-9503-5F718E52776B}" srcOrd="7" destOrd="0" presId="urn:microsoft.com/office/officeart/2005/8/layout/hierarchy6"/>
+    <dgm:cxn modelId="{79D0519E-2610-4A74-8C77-D6D740A126C3}" type="presParOf" srcId="{8C202696-A836-4E6D-9503-5F718E52776B}" destId="{B6B99BC1-ED8A-4F27-B2D4-29838122C558}" srcOrd="0" destOrd="0" presId="urn:microsoft.com/office/officeart/2005/8/layout/hierarchy6"/>
+    <dgm:cxn modelId="{726F574D-7B99-42DE-AB7F-81154820CC5C}" type="presParOf" srcId="{8C202696-A836-4E6D-9503-5F718E52776B}" destId="{5A2F03A3-B8FB-48BC-9F7C-1C15BB4E0DBE}" srcOrd="1" destOrd="0" presId="urn:microsoft.com/office/officeart/2005/8/layout/hierarchy6"/>
+    <dgm:cxn modelId="{5A54454F-D3A6-4357-A74A-EF5D5CD3FFA5}" type="presParOf" srcId="{5A2F03A3-B8FB-48BC-9F7C-1C15BB4E0DBE}" destId="{01D28A20-DCBA-48A9-A4AC-F6CF873E86F4}" srcOrd="0" destOrd="0" presId="urn:microsoft.com/office/officeart/2005/8/layout/hierarchy6"/>
+    <dgm:cxn modelId="{78582D00-8903-43C2-8068-261F8818D8A5}" type="presParOf" srcId="{5A2F03A3-B8FB-48BC-9F7C-1C15BB4E0DBE}" destId="{4B092341-B652-4AF4-B887-C15A8F63FE84}" srcOrd="1" destOrd="0" presId="urn:microsoft.com/office/officeart/2005/8/layout/hierarchy6"/>
+    <dgm:cxn modelId="{728205C1-A8CD-43BF-8515-CD76FFC9F296}" type="presParOf" srcId="{4B092341-B652-4AF4-B887-C15A8F63FE84}" destId="{D3B6F5ED-C50F-4D88-86E7-32285FB13E1F}" srcOrd="0" destOrd="0" presId="urn:microsoft.com/office/officeart/2005/8/layout/hierarchy6"/>
+    <dgm:cxn modelId="{B62E94E5-A566-4EC0-9068-559414E6F70D}" type="presParOf" srcId="{4B092341-B652-4AF4-B887-C15A8F63FE84}" destId="{1B488E7F-0F64-4D65-8C03-ACD2C401F45B}" srcOrd="1" destOrd="0" presId="urn:microsoft.com/office/officeart/2005/8/layout/hierarchy6"/>
+    <dgm:cxn modelId="{F9F8C926-4495-4499-A076-2526913C06EB}" type="presParOf" srcId="{5A2F03A3-B8FB-48BC-9F7C-1C15BB4E0DBE}" destId="{24E6A523-DFF0-4C52-88C7-F1B7397D1E98}" srcOrd="2" destOrd="0" presId="urn:microsoft.com/office/officeart/2005/8/layout/hierarchy6"/>
+    <dgm:cxn modelId="{003E6E5E-B225-4415-9E06-B14899105828}" type="presParOf" srcId="{5A2F03A3-B8FB-48BC-9F7C-1C15BB4E0DBE}" destId="{0BAD5090-2A0F-41BA-8225-2C6285B7D24E}" srcOrd="3" destOrd="0" presId="urn:microsoft.com/office/officeart/2005/8/layout/hierarchy6"/>
+    <dgm:cxn modelId="{3F2D109E-7973-48DB-899F-EEF85234BE86}" type="presParOf" srcId="{0BAD5090-2A0F-41BA-8225-2C6285B7D24E}" destId="{C74F8C5C-885E-4EBE-825C-EEE94CE4685C}" srcOrd="0" destOrd="0" presId="urn:microsoft.com/office/officeart/2005/8/layout/hierarchy6"/>
+    <dgm:cxn modelId="{2464CB46-5073-495F-B224-2BAF9F91FD41}" type="presParOf" srcId="{0BAD5090-2A0F-41BA-8225-2C6285B7D24E}" destId="{9D2A54B2-674A-4A4C-BEFE-BA8C8998CCF3}" srcOrd="1" destOrd="0" presId="urn:microsoft.com/office/officeart/2005/8/layout/hierarchy6"/>
+    <dgm:cxn modelId="{83F5718D-73BB-44BB-894B-EF235668F53E}" type="presParOf" srcId="{322FE26C-92F1-430D-8122-CDF9F682CBA7}" destId="{DA2E024B-69C4-4355-A3A8-7D5210124787}" srcOrd="8" destOrd="0" presId="urn:microsoft.com/office/officeart/2005/8/layout/hierarchy6"/>
+    <dgm:cxn modelId="{4ED4AD66-E0F2-409B-9972-676380E4AE2A}" type="presParOf" srcId="{322FE26C-92F1-430D-8122-CDF9F682CBA7}" destId="{CEC37B25-373A-4659-96D4-849B3684E2BD}" srcOrd="9" destOrd="0" presId="urn:microsoft.com/office/officeart/2005/8/layout/hierarchy6"/>
+    <dgm:cxn modelId="{94AD6195-26E5-4AEB-A4A9-1411DA99D33B}" type="presParOf" srcId="{CEC37B25-373A-4659-96D4-849B3684E2BD}" destId="{C60C78D6-CDF0-4199-9F74-B1D81B59FB9A}" srcOrd="0" destOrd="0" presId="urn:microsoft.com/office/officeart/2005/8/layout/hierarchy6"/>
+    <dgm:cxn modelId="{A527267E-B2D3-4A37-8BFD-40EFD3B8987D}" type="presParOf" srcId="{CEC37B25-373A-4659-96D4-849B3684E2BD}" destId="{BE9D2E42-AB8E-4ACE-AC18-299EE66A1996}" srcOrd="1" destOrd="0" presId="urn:microsoft.com/office/officeart/2005/8/layout/hierarchy6"/>
+    <dgm:cxn modelId="{2097ED7F-68EF-4C14-A536-53B505432CB9}" type="presParOf" srcId="{BE9D2E42-AB8E-4ACE-AC18-299EE66A1996}" destId="{1E3A30F8-69A7-4B2E-958F-654E060EA288}" srcOrd="0" destOrd="0" presId="urn:microsoft.com/office/officeart/2005/8/layout/hierarchy6"/>
+    <dgm:cxn modelId="{15F73CD2-BC88-4C8E-B80D-298EE4D37E7F}" type="presParOf" srcId="{BE9D2E42-AB8E-4ACE-AC18-299EE66A1996}" destId="{0C7AA48A-66A5-4CF3-93E4-1663D68291B6}" srcOrd="1" destOrd="0" presId="urn:microsoft.com/office/officeart/2005/8/layout/hierarchy6"/>
+    <dgm:cxn modelId="{4C8612B8-E3A1-4A76-9E60-CC01CCCD06EF}" type="presParOf" srcId="{0C7AA48A-66A5-4CF3-93E4-1663D68291B6}" destId="{559E469F-0076-4B4E-8C81-1F8F83A5C2B1}" srcOrd="0" destOrd="0" presId="urn:microsoft.com/office/officeart/2005/8/layout/hierarchy6"/>
+    <dgm:cxn modelId="{311B4D00-6301-4CBF-A00A-5F499FB011E9}" type="presParOf" srcId="{0C7AA48A-66A5-4CF3-93E4-1663D68291B6}" destId="{1C1F021C-2095-4022-885B-3B772A422264}" srcOrd="1" destOrd="0" presId="urn:microsoft.com/office/officeart/2005/8/layout/hierarchy6"/>
+    <dgm:cxn modelId="{5A4AED2E-5C7C-413D-B1DB-A70798496ED9}" type="presParOf" srcId="{BE9D2E42-AB8E-4ACE-AC18-299EE66A1996}" destId="{27E8E283-3376-4DB2-BAB0-413D9468056B}" srcOrd="2" destOrd="0" presId="urn:microsoft.com/office/officeart/2005/8/layout/hierarchy6"/>
+    <dgm:cxn modelId="{CCD087EE-3D78-47D3-9D41-A70F96031154}" type="presParOf" srcId="{BE9D2E42-AB8E-4ACE-AC18-299EE66A1996}" destId="{E706408C-D3E1-4887-A18F-83AD72D1EBC6}" srcOrd="3" destOrd="0" presId="urn:microsoft.com/office/officeart/2005/8/layout/hierarchy6"/>
+    <dgm:cxn modelId="{08D952A5-10A3-4000-BC6D-90C8CD30C612}" type="presParOf" srcId="{E706408C-D3E1-4887-A18F-83AD72D1EBC6}" destId="{3C507778-46ED-478D-9E12-51935E9E93CB}" srcOrd="0" destOrd="0" presId="urn:microsoft.com/office/officeart/2005/8/layout/hierarchy6"/>
+    <dgm:cxn modelId="{9337A6E0-3ADC-4D72-BC47-ACBBFAD819A5}" type="presParOf" srcId="{E706408C-D3E1-4887-A18F-83AD72D1EBC6}" destId="{0F4FFCD0-D8C6-4505-8D5A-55AEC6EBB1A4}" srcOrd="1" destOrd="0" presId="urn:microsoft.com/office/officeart/2005/8/layout/hierarchy6"/>
+    <dgm:cxn modelId="{7254F74D-5123-49AD-8E06-86BE5C1EBF6C}" type="presParOf" srcId="{BE9D2E42-AB8E-4ACE-AC18-299EE66A1996}" destId="{9883CF45-D945-4834-A12B-EDAE33037296}" srcOrd="4" destOrd="0" presId="urn:microsoft.com/office/officeart/2005/8/layout/hierarchy6"/>
+    <dgm:cxn modelId="{ACC224CD-928B-4243-ADDA-F9F51D72D2DD}" type="presParOf" srcId="{BE9D2E42-AB8E-4ACE-AC18-299EE66A1996}" destId="{598ACC8B-76F0-49C8-864D-F46DDAD81F8A}" srcOrd="5" destOrd="0" presId="urn:microsoft.com/office/officeart/2005/8/layout/hierarchy6"/>
+    <dgm:cxn modelId="{3B819ABA-59FE-4716-B072-92F6BA1E0F74}" type="presParOf" srcId="{598ACC8B-76F0-49C8-864D-F46DDAD81F8A}" destId="{A6F31496-8588-4DAC-B99A-2DDF053471EC}" srcOrd="0" destOrd="0" presId="urn:microsoft.com/office/officeart/2005/8/layout/hierarchy6"/>
+    <dgm:cxn modelId="{ED45EF44-18EF-4071-B86A-55C81BF56620}" type="presParOf" srcId="{598ACC8B-76F0-49C8-864D-F46DDAD81F8A}" destId="{EF0A15C3-D248-4E02-9D03-6E1C66E8DD30}" srcOrd="1" destOrd="0" presId="urn:microsoft.com/office/officeart/2005/8/layout/hierarchy6"/>
+    <dgm:cxn modelId="{89E53FE3-2A63-43B9-89DE-F535C3992CD1}" type="presParOf" srcId="{70A6CF59-4B59-483B-BD59-50C15CD05C57}" destId="{E2C28131-5136-4E8B-8738-E00E8435CC5F}" srcOrd="1" destOrd="0" presId="urn:microsoft.com/office/officeart/2005/8/layout/hierarchy6"/>
+    <dgm:cxn modelId="{D565C8A1-D7E0-421C-B9C7-07468AAB0151}" type="presParOf" srcId="{E2C28131-5136-4E8B-8738-E00E8435CC5F}" destId="{CA5C0B9B-D265-4013-9794-A3F7D0138866}" srcOrd="0" destOrd="0" presId="urn:microsoft.com/office/officeart/2005/8/layout/hierarchy6"/>
+    <dgm:cxn modelId="{BBFEAB41-1DDC-4234-9067-0D6F689441BD}" type="presParOf" srcId="{CA5C0B9B-D265-4013-9794-A3F7D0138866}" destId="{7ED1A2D3-3FA8-4930-8C58-D9952D0A2882}" srcOrd="0" destOrd="0" presId="urn:microsoft.com/office/officeart/2005/8/layout/hierarchy6"/>
+    <dgm:cxn modelId="{976229AA-693D-42D7-8AE9-633967D754B4}" type="presParOf" srcId="{CA5C0B9B-D265-4013-9794-A3F7D0138866}" destId="{08A66BBE-BA03-4F41-8278-8F45D362A84C}" srcOrd="1" destOrd="0" presId="urn:microsoft.com/office/officeart/2005/8/layout/hierarchy6"/>
+    <dgm:cxn modelId="{252B4B6B-512F-45B4-9DBA-8CA3FCCF6E44}" type="presParOf" srcId="{E2C28131-5136-4E8B-8738-E00E8435CC5F}" destId="{A984A37E-086B-4A37-96C3-02657262A3A3}" srcOrd="1" destOrd="0" presId="urn:microsoft.com/office/officeart/2005/8/layout/hierarchy6"/>
+    <dgm:cxn modelId="{E7840DBD-92B3-4825-BDAE-C2F480E5B1AA}" type="presParOf" srcId="{A984A37E-086B-4A37-96C3-02657262A3A3}" destId="{3CC6B9C3-6E77-4397-952D-E32ADC9011FF}" srcOrd="0" destOrd="0" presId="urn:microsoft.com/office/officeart/2005/8/layout/hierarchy6"/>
+    <dgm:cxn modelId="{8C66D260-77C4-4A22-A509-5DD5131E0453}" type="presParOf" srcId="{E2C28131-5136-4E8B-8738-E00E8435CC5F}" destId="{5D30C3BD-97FF-4B23-BB4B-33A2ABF9D739}" srcOrd="2" destOrd="0" presId="urn:microsoft.com/office/officeart/2005/8/layout/hierarchy6"/>
+    <dgm:cxn modelId="{386BB0B8-CB1B-43F8-A530-FB85F828F7E5}" type="presParOf" srcId="{5D30C3BD-97FF-4B23-BB4B-33A2ABF9D739}" destId="{4492417A-2C01-49FF-8801-4C8FEF938EDD}" srcOrd="0" destOrd="0" presId="urn:microsoft.com/office/officeart/2005/8/layout/hierarchy6"/>
+    <dgm:cxn modelId="{2068D040-4489-4634-A434-3546C57F9528}" type="presParOf" srcId="{5D30C3BD-97FF-4B23-BB4B-33A2ABF9D739}" destId="{BF4BD883-8652-4D0B-AB75-6F50AF67721F}" srcOrd="1" destOrd="0" presId="urn:microsoft.com/office/officeart/2005/8/layout/hierarchy6"/>
+    <dgm:cxn modelId="{7F5AC718-0EEE-4071-83A7-E8D23FC1037B}" type="presParOf" srcId="{E2C28131-5136-4E8B-8738-E00E8435CC5F}" destId="{FF282789-B70C-4131-BC0C-9CD9411C4E24}" srcOrd="3" destOrd="0" presId="urn:microsoft.com/office/officeart/2005/8/layout/hierarchy6"/>
+    <dgm:cxn modelId="{E254E87C-12BB-4D84-91FF-B02270336F6C}" type="presParOf" srcId="{FF282789-B70C-4131-BC0C-9CD9411C4E24}" destId="{041B7A9E-5A97-4B6C-A03D-E6CC69C913B0}" srcOrd="0" destOrd="0" presId="urn:microsoft.com/office/officeart/2005/8/layout/hierarchy6"/>
+    <dgm:cxn modelId="{40D61081-0110-49EF-AF1F-DB6F58F6B653}" type="presParOf" srcId="{E2C28131-5136-4E8B-8738-E00E8435CC5F}" destId="{A96D69A8-0A2B-4FB5-8CAB-5F1F78882F68}" srcOrd="4" destOrd="0" presId="urn:microsoft.com/office/officeart/2005/8/layout/hierarchy6"/>
+    <dgm:cxn modelId="{98B1CBC7-7D65-47E7-9594-4B5684DEAF8C}" type="presParOf" srcId="{A96D69A8-0A2B-4FB5-8CAB-5F1F78882F68}" destId="{5EFFCCFB-5AF6-499D-87E0-0DC70F42F2F6}" srcOrd="0" destOrd="0" presId="urn:microsoft.com/office/officeart/2005/8/layout/hierarchy6"/>
+    <dgm:cxn modelId="{40245188-C464-4D03-A860-30CB4F13BCCF}" type="presParOf" srcId="{A96D69A8-0A2B-4FB5-8CAB-5F1F78882F68}" destId="{CC39DC9A-8EE2-4F0B-B871-5042729E030A}" srcOrd="1" destOrd="0" presId="urn:microsoft.com/office/officeart/2005/8/layout/hierarchy6"/>
+  </dgm:cxnLst>
+  <dgm:bg/>
+  <dgm:whole/>
+  <dgm:extLst>
+    <a:ext uri="http://schemas.microsoft.com/office/drawing/2008/diagram">
+      <dsp:dataModelExt xmlns:dsp="http://schemas.microsoft.com/office/drawing/2008/diagram" relId="rId6" minVer="http://schemas.openxmlformats.org/drawingml/2006/diagram"/>
+    </a:ext>
+  </dgm:extLst>
+</dgm:dataModel>
+</file>
+
+<file path=ppt/diagrams/data2.xml><?xml version="1.0" encoding="utf-8"?>
+<dgm:dataModel xmlns:dgm="http://schemas.openxmlformats.org/drawingml/2006/diagram" xmlns:a="http://schemas.openxmlformats.org/drawingml/2006/main">
+  <dgm:ptLst>
+    <dgm:pt modelId="{6A2A389A-8F1A-44C8-94BE-6CFC7885C9C1}" type="doc">
+      <dgm:prSet loTypeId="urn:microsoft.com/office/officeart/2005/8/layout/chevron2" loCatId="process" qsTypeId="urn:microsoft.com/office/officeart/2005/8/quickstyle/simple1" qsCatId="simple" csTypeId="urn:microsoft.com/office/officeart/2005/8/colors/accent1_2" csCatId="accent1" phldr="1"/>
+      <dgm:spPr/>
+      <dgm:t>
+        <a:bodyPr/>
+        <a:lstStyle/>
+        <a:p>
+          <a:endParaRPr lang="en-US"/>
+        </a:p>
+      </dgm:t>
+    </dgm:pt>
+    <dgm:pt modelId="{7BD06C3F-49DD-4FF3-9B13-0348C632F73A}">
+      <dgm:prSet phldrT="[Text]"/>
+      <dgm:spPr/>
+      <dgm:t>
+        <a:bodyPr/>
+        <a:lstStyle/>
+        <a:p>
+          <a:r>
+            <a:rPr lang="en-US" dirty="0" smtClean="0"/>
+            <a:t>Beer Type</a:t>
+          </a:r>
+          <a:endParaRPr lang="en-US" dirty="0"/>
+        </a:p>
+      </dgm:t>
+    </dgm:pt>
+    <dgm:pt modelId="{9E446D62-EBEA-461E-A7CB-F8A14267334D}" type="parTrans" cxnId="{79C42B1D-477B-497C-8130-649B4D37F023}">
+      <dgm:prSet/>
+      <dgm:spPr/>
+      <dgm:t>
+        <a:bodyPr/>
+        <a:lstStyle/>
+        <a:p>
+          <a:endParaRPr lang="en-US"/>
+        </a:p>
+      </dgm:t>
+    </dgm:pt>
+    <dgm:pt modelId="{3294A7D4-AB36-47D9-8DEA-174183C2C8CD}" type="sibTrans" cxnId="{79C42B1D-477B-497C-8130-649B4D37F023}">
+      <dgm:prSet/>
+      <dgm:spPr/>
+      <dgm:t>
+        <a:bodyPr/>
+        <a:lstStyle/>
+        <a:p>
+          <a:endParaRPr lang="en-US"/>
+        </a:p>
+      </dgm:t>
+    </dgm:pt>
+    <dgm:pt modelId="{78A9683C-D550-4DA0-BF99-542CF25EC38F}">
+      <dgm:prSet phldrT="[Text]"/>
+      <dgm:spPr/>
+      <dgm:t>
+        <a:bodyPr/>
+        <a:lstStyle/>
+        <a:p>
+          <a:r>
+            <a:rPr lang="en-US" dirty="0" smtClean="0"/>
+            <a:t>BJCP style guideline constants</a:t>
+          </a:r>
+          <a:endParaRPr lang="en-US" dirty="0"/>
+        </a:p>
+      </dgm:t>
+    </dgm:pt>
+    <dgm:pt modelId="{12A4EAD3-AD69-4539-BFA2-85C28681CE80}" type="parTrans" cxnId="{27C9B728-5550-42B9-B35D-C9460081F0D3}">
+      <dgm:prSet/>
+      <dgm:spPr/>
+      <dgm:t>
+        <a:bodyPr/>
+        <a:lstStyle/>
+        <a:p>
+          <a:endParaRPr lang="en-US"/>
+        </a:p>
+      </dgm:t>
+    </dgm:pt>
+    <dgm:pt modelId="{B047CEE4-2361-4817-9269-2C8CB7FABC8D}" type="sibTrans" cxnId="{27C9B728-5550-42B9-B35D-C9460081F0D3}">
+      <dgm:prSet/>
+      <dgm:spPr/>
+      <dgm:t>
+        <a:bodyPr/>
+        <a:lstStyle/>
+        <a:p>
+          <a:endParaRPr lang="en-US"/>
+        </a:p>
+      </dgm:t>
+    </dgm:pt>
+    <dgm:pt modelId="{6EDAA9C4-0119-4485-8043-1BC09D3669D8}">
+      <dgm:prSet phldrT="[Text]"/>
+      <dgm:spPr/>
+      <dgm:t>
+        <a:bodyPr/>
+        <a:lstStyle/>
+        <a:p>
+          <a:r>
+            <a:rPr lang="en-US" dirty="0" smtClean="0"/>
+            <a:t>Brew kitchen system constants</a:t>
           </a:r>
           <a:endParaRPr lang="en-US" dirty="0"/>
         </a:p>
@@ -1771,6 +2813,10 @@
         <a:bodyPr/>
         <a:lstStyle/>
         <a:p>
+          <a:r>
+            <a:rPr lang="en-US" dirty="0" smtClean="0"/>
+            <a:t>Grain bill calculation</a:t>
+          </a:r>
           <a:endParaRPr lang="en-US" dirty="0"/>
         </a:p>
       </dgm:t>
@@ -1841,6 +2887,10 @@
         <a:bodyPr/>
         <a:lstStyle/>
         <a:p>
+          <a:r>
+            <a:rPr lang="en-US" dirty="0" smtClean="0"/>
+            <a:t>Yeast strain calculations</a:t>
+          </a:r>
           <a:endParaRPr lang="en-US" dirty="0"/>
         </a:p>
       </dgm:t>
@@ -1968,6 +3018,265 @@
       </dgm:t>
     </dgm:pt>
     <dgm:pt modelId="{62542C41-1A50-4D0E-B01A-B3FEB306096D}" type="sibTrans" cxnId="{8DBEBFFA-6DBD-4FF5-B390-60F99052554A}">
+      <dgm:prSet/>
+      <dgm:spPr/>
+      <dgm:t>
+        <a:bodyPr/>
+        <a:lstStyle/>
+        <a:p>
+          <a:endParaRPr lang="en-US"/>
+        </a:p>
+      </dgm:t>
+    </dgm:pt>
+    <dgm:pt modelId="{A98ADE03-060B-4231-9432-DE84CA7B8CFF}">
+      <dgm:prSet/>
+      <dgm:spPr/>
+      <dgm:t>
+        <a:bodyPr/>
+        <a:lstStyle/>
+        <a:p>
+          <a:r>
+            <a:rPr lang="en-US" dirty="0" smtClean="0"/>
+            <a:t>Bittering hops</a:t>
+          </a:r>
+          <a:endParaRPr lang="en-US" dirty="0"/>
+        </a:p>
+      </dgm:t>
+    </dgm:pt>
+    <dgm:pt modelId="{358216CF-938E-44C5-A3B2-E2A9DF149B78}" type="parTrans" cxnId="{E2BEBE33-6D8A-425D-AFEF-163AD42F28B3}">
+      <dgm:prSet/>
+      <dgm:spPr/>
+      <dgm:t>
+        <a:bodyPr/>
+        <a:lstStyle/>
+        <a:p>
+          <a:endParaRPr lang="en-US"/>
+        </a:p>
+      </dgm:t>
+    </dgm:pt>
+    <dgm:pt modelId="{610A1D00-E554-42AC-9417-0F252894085D}" type="sibTrans" cxnId="{E2BEBE33-6D8A-425D-AFEF-163AD42F28B3}">
+      <dgm:prSet/>
+      <dgm:spPr/>
+      <dgm:t>
+        <a:bodyPr/>
+        <a:lstStyle/>
+        <a:p>
+          <a:endParaRPr lang="en-US"/>
+        </a:p>
+      </dgm:t>
+    </dgm:pt>
+    <dgm:pt modelId="{0B099494-0FE4-447E-91F9-FCC386975C64}">
+      <dgm:prSet/>
+      <dgm:spPr/>
+      <dgm:t>
+        <a:bodyPr/>
+        <a:lstStyle/>
+        <a:p>
+          <a:r>
+            <a:rPr lang="en-US" dirty="0" smtClean="0"/>
+            <a:t>Aroma/Flavoring hops</a:t>
+          </a:r>
+          <a:endParaRPr lang="en-US" dirty="0"/>
+        </a:p>
+      </dgm:t>
+    </dgm:pt>
+    <dgm:pt modelId="{DAA4BDF2-87EF-427A-B3A4-5D221BA1ADC9}" type="parTrans" cxnId="{0D9187BF-571D-4B62-9973-EDD227F3FBD1}">
+      <dgm:prSet/>
+      <dgm:spPr/>
+      <dgm:t>
+        <a:bodyPr/>
+        <a:lstStyle/>
+        <a:p>
+          <a:endParaRPr lang="en-US"/>
+        </a:p>
+      </dgm:t>
+    </dgm:pt>
+    <dgm:pt modelId="{E0ADD425-2CB2-486F-B20E-C152281C1D7D}" type="sibTrans" cxnId="{0D9187BF-571D-4B62-9973-EDD227F3FBD1}">
+      <dgm:prSet/>
+      <dgm:spPr/>
+      <dgm:t>
+        <a:bodyPr/>
+        <a:lstStyle/>
+        <a:p>
+          <a:endParaRPr lang="en-US"/>
+        </a:p>
+      </dgm:t>
+    </dgm:pt>
+    <dgm:pt modelId="{DE90ECE8-DCC7-47A0-A51F-E6F86ADAB35B}">
+      <dgm:prSet/>
+      <dgm:spPr/>
+      <dgm:t>
+        <a:bodyPr/>
+        <a:lstStyle/>
+        <a:p>
+          <a:r>
+            <a:rPr lang="en-US" dirty="0" smtClean="0"/>
+            <a:t>pH and chemistry</a:t>
+          </a:r>
+          <a:endParaRPr lang="en-US" dirty="0"/>
+        </a:p>
+      </dgm:t>
+    </dgm:pt>
+    <dgm:pt modelId="{93027C3D-F6FF-478F-A246-328E5A9D8DD5}" type="parTrans" cxnId="{718D722D-31A5-43D4-A207-844B41109018}">
+      <dgm:prSet/>
+      <dgm:spPr/>
+      <dgm:t>
+        <a:bodyPr/>
+        <a:lstStyle/>
+        <a:p>
+          <a:endParaRPr lang="en-US"/>
+        </a:p>
+      </dgm:t>
+    </dgm:pt>
+    <dgm:pt modelId="{ABD46A7C-BE93-4139-8B4F-20438AA423A2}" type="sibTrans" cxnId="{718D722D-31A5-43D4-A207-844B41109018}">
+      <dgm:prSet/>
+      <dgm:spPr/>
+      <dgm:t>
+        <a:bodyPr/>
+        <a:lstStyle/>
+        <a:p>
+          <a:endParaRPr lang="en-US"/>
+        </a:p>
+      </dgm:t>
+    </dgm:pt>
+    <dgm:pt modelId="{EC11DAB4-BF1F-4BD8-8A8B-424AADA4AA56}">
+      <dgm:prSet/>
+      <dgm:spPr/>
+      <dgm:t>
+        <a:bodyPr/>
+        <a:lstStyle/>
+        <a:p>
+          <a:r>
+            <a:rPr lang="en-US" dirty="0" smtClean="0"/>
+            <a:t>Volumes</a:t>
+          </a:r>
+          <a:endParaRPr lang="en-US" dirty="0"/>
+        </a:p>
+      </dgm:t>
+    </dgm:pt>
+    <dgm:pt modelId="{F77AC5D2-BB26-4D3A-8BFE-546974E6C96A}" type="parTrans" cxnId="{AF407F69-4292-408C-9C31-F5C413C0B1AC}">
+      <dgm:prSet/>
+      <dgm:spPr/>
+      <dgm:t>
+        <a:bodyPr/>
+        <a:lstStyle/>
+        <a:p>
+          <a:endParaRPr lang="en-US"/>
+        </a:p>
+      </dgm:t>
+    </dgm:pt>
+    <dgm:pt modelId="{571D7D68-E790-4569-8959-527DC8F73160}" type="sibTrans" cxnId="{AF407F69-4292-408C-9C31-F5C413C0B1AC}">
+      <dgm:prSet/>
+      <dgm:spPr/>
+      <dgm:t>
+        <a:bodyPr/>
+        <a:lstStyle/>
+        <a:p>
+          <a:endParaRPr lang="en-US"/>
+        </a:p>
+      </dgm:t>
+    </dgm:pt>
+    <dgm:pt modelId="{DF78FB6B-660D-43A4-9B80-4A185F27BE42}">
+      <dgm:prSet/>
+      <dgm:spPr/>
+      <dgm:t>
+        <a:bodyPr/>
+        <a:lstStyle/>
+        <a:p>
+          <a:r>
+            <a:rPr lang="en-US" dirty="0" smtClean="0"/>
+            <a:t>Single step</a:t>
+          </a:r>
+          <a:endParaRPr lang="en-US" dirty="0"/>
+        </a:p>
+      </dgm:t>
+    </dgm:pt>
+    <dgm:pt modelId="{36F7751D-05E7-4440-998F-C71DA9B6B5BE}" type="parTrans" cxnId="{7DDC35DB-D748-4153-8CED-BF5B6B62690A}">
+      <dgm:prSet/>
+      <dgm:spPr/>
+      <dgm:t>
+        <a:bodyPr/>
+        <a:lstStyle/>
+        <a:p>
+          <a:endParaRPr lang="en-US"/>
+        </a:p>
+      </dgm:t>
+    </dgm:pt>
+    <dgm:pt modelId="{4E7DAC28-AF92-4D50-8A4B-7CAC6BEA7987}" type="sibTrans" cxnId="{7DDC35DB-D748-4153-8CED-BF5B6B62690A}">
+      <dgm:prSet/>
+      <dgm:spPr/>
+      <dgm:t>
+        <a:bodyPr/>
+        <a:lstStyle/>
+        <a:p>
+          <a:endParaRPr lang="en-US"/>
+        </a:p>
+      </dgm:t>
+    </dgm:pt>
+    <dgm:pt modelId="{906E65ED-647D-4FEB-996C-F48FB1D46B9F}">
+      <dgm:prSet/>
+      <dgm:spPr/>
+      <dgm:t>
+        <a:bodyPr/>
+        <a:lstStyle/>
+        <a:p>
+          <a:r>
+            <a:rPr lang="en-US" dirty="0" smtClean="0"/>
+            <a:t>2 step</a:t>
+          </a:r>
+          <a:endParaRPr lang="en-US" dirty="0"/>
+        </a:p>
+      </dgm:t>
+    </dgm:pt>
+    <dgm:pt modelId="{44EF2E5E-3BBF-426A-87F3-33D593A09874}" type="parTrans" cxnId="{2A102BC7-2261-4CEA-A3D3-88DF33C1F17D}">
+      <dgm:prSet/>
+      <dgm:spPr/>
+      <dgm:t>
+        <a:bodyPr/>
+        <a:lstStyle/>
+        <a:p>
+          <a:endParaRPr lang="en-US"/>
+        </a:p>
+      </dgm:t>
+    </dgm:pt>
+    <dgm:pt modelId="{E17229E7-861F-4011-9512-95640ACA9A2E}" type="sibTrans" cxnId="{2A102BC7-2261-4CEA-A3D3-88DF33C1F17D}">
+      <dgm:prSet/>
+      <dgm:spPr/>
+      <dgm:t>
+        <a:bodyPr/>
+        <a:lstStyle/>
+        <a:p>
+          <a:endParaRPr lang="en-US"/>
+        </a:p>
+      </dgm:t>
+    </dgm:pt>
+    <dgm:pt modelId="{145AD04E-EF2F-4DB5-94DE-A17786ECCC44}">
+      <dgm:prSet/>
+      <dgm:spPr/>
+      <dgm:t>
+        <a:bodyPr/>
+        <a:lstStyle/>
+        <a:p>
+          <a:r>
+            <a:rPr lang="en-US" dirty="0" smtClean="0"/>
+            <a:t>Decoction</a:t>
+          </a:r>
+          <a:endParaRPr lang="en-US" dirty="0"/>
+        </a:p>
+      </dgm:t>
+    </dgm:pt>
+    <dgm:pt modelId="{AB501C4C-CE52-46D9-8BD5-1ABF2D42E895}" type="parTrans" cxnId="{45F7D81E-1732-4FC4-BFE4-9CABA158D189}">
+      <dgm:prSet/>
+      <dgm:spPr/>
+      <dgm:t>
+        <a:bodyPr/>
+        <a:lstStyle/>
+        <a:p>
+          <a:endParaRPr lang="en-US"/>
+        </a:p>
+      </dgm:t>
+    </dgm:pt>
+    <dgm:pt modelId="{5A20D235-9464-443E-B61D-696D09F4ECB1}" type="sibTrans" cxnId="{45F7D81E-1732-4FC4-BFE4-9CABA158D189}">
       <dgm:prSet/>
       <dgm:spPr/>
       <dgm:t>
@@ -2125,6 +3434,13 @@
         </dgm:presLayoutVars>
       </dgm:prSet>
       <dgm:spPr/>
+      <dgm:t>
+        <a:bodyPr/>
+        <a:lstStyle/>
+        <a:p>
+          <a:endParaRPr lang="en-US"/>
+        </a:p>
+      </dgm:t>
     </dgm:pt>
     <dgm:pt modelId="{C25F36A6-184D-4EDB-9E27-6CE06E69DC60}" type="pres">
       <dgm:prSet presAssocID="{FC705B3D-D5DA-4FCE-9011-7225470BD6C8}" presName="sp" presStyleCnt="0"/>
@@ -2157,6 +3473,13 @@
         </dgm:presLayoutVars>
       </dgm:prSet>
       <dgm:spPr/>
+      <dgm:t>
+        <a:bodyPr/>
+        <a:lstStyle/>
+        <a:p>
+          <a:endParaRPr lang="en-US"/>
+        </a:p>
+      </dgm:t>
     </dgm:pt>
     <dgm:pt modelId="{EB1EF226-097F-40A8-91F8-93C93E354145}" type="pres">
       <dgm:prSet presAssocID="{62542C41-1A50-4D0E-B01A-B3FEB306096D}" presName="sp" presStyleCnt="0"/>
@@ -2189,28 +3512,49 @@
         </dgm:presLayoutVars>
       </dgm:prSet>
       <dgm:spPr/>
+      <dgm:t>
+        <a:bodyPr/>
+        <a:lstStyle/>
+        <a:p>
+          <a:endParaRPr lang="en-US"/>
+        </a:p>
+      </dgm:t>
     </dgm:pt>
   </dgm:ptLst>
   <dgm:cxnLst>
+    <dgm:cxn modelId="{45F7D81E-1732-4FC4-BFE4-9CABA158D189}" srcId="{1468B217-A021-498B-ACBF-23C43504C3FF}" destId="{145AD04E-EF2F-4DB5-94DE-A17786ECCC44}" srcOrd="2" destOrd="0" parTransId="{AB501C4C-CE52-46D9-8BD5-1ABF2D42E895}" sibTransId="{5A20D235-9464-443E-B61D-696D09F4ECB1}"/>
+    <dgm:cxn modelId="{AF407F69-4292-408C-9C31-F5C413C0B1AC}" srcId="{C578D69E-43DF-4006-A6BB-81CDF3DE023D}" destId="{EC11DAB4-BF1F-4BD8-8A8B-424AADA4AA56}" srcOrd="1" destOrd="0" parTransId="{F77AC5D2-BB26-4D3A-8BFE-546974E6C96A}" sibTransId="{571D7D68-E790-4569-8959-527DC8F73160}"/>
+    <dgm:cxn modelId="{F0F58053-8A92-4D85-828B-E7B1208B87C3}" type="presOf" srcId="{0B099494-0FE4-447E-91F9-FCC386975C64}" destId="{F6E101BF-D42F-4F32-B7CE-6D9FBBE8169C}" srcOrd="0" destOrd="1" presId="urn:microsoft.com/office/officeart/2005/8/layout/chevron2"/>
+    <dgm:cxn modelId="{D931A610-4024-4CBB-B36A-6685D3D98433}" type="presOf" srcId="{A98ADE03-060B-4231-9432-DE84CA7B8CFF}" destId="{F6E101BF-D42F-4F32-B7CE-6D9FBBE8169C}" srcOrd="0" destOrd="0" presId="urn:microsoft.com/office/officeart/2005/8/layout/chevron2"/>
+    <dgm:cxn modelId="{3DC46392-D37A-427C-B08C-0A3FE2BEAD51}" type="presOf" srcId="{DF78FB6B-660D-43A4-9B80-4A185F27BE42}" destId="{257773F3-F63D-4BDC-8BC6-A023E4F49C0F}" srcOrd="0" destOrd="0" presId="urn:microsoft.com/office/officeart/2005/8/layout/chevron2"/>
+    <dgm:cxn modelId="{0D9187BF-571D-4B62-9973-EDD227F3FBD1}" srcId="{A099BD35-FB6C-473F-B02C-B0E68E0406B5}" destId="{0B099494-0FE4-447E-91F9-FCC386975C64}" srcOrd="1" destOrd="0" parTransId="{DAA4BDF2-87EF-427A-B3A4-5D221BA1ADC9}" sibTransId="{E0ADD425-2CB2-486F-B20E-C152281C1D7D}"/>
     <dgm:cxn modelId="{42E21A00-1EE9-42EC-B42E-1A4C42CA1BBE}" type="presOf" srcId="{20147F5E-128E-4526-9E92-2D0F56F16C93}" destId="{4980B6FF-C675-4D39-B1BE-1D4589D16B20}" srcOrd="0" destOrd="0" presId="urn:microsoft.com/office/officeart/2005/8/layout/chevron2"/>
+    <dgm:cxn modelId="{68CD4A38-39EF-4938-96BD-B738A77449FD}" type="presOf" srcId="{EC11DAB4-BF1F-4BD8-8A8B-424AADA4AA56}" destId="{57918590-2BF2-46D3-9E7E-0267E0AD93AB}" srcOrd="0" destOrd="1" presId="urn:microsoft.com/office/officeart/2005/8/layout/chevron2"/>
     <dgm:cxn modelId="{7357ACAE-0423-4BD6-BFAD-1B000E96BBCD}" srcId="{6A2A389A-8F1A-44C8-94BE-6CFC7885C9C1}" destId="{20147F5E-128E-4526-9E92-2D0F56F16C93}" srcOrd="2" destOrd="0" parTransId="{FB9B07E2-0850-4A63-B320-365A7900C056}" sibTransId="{D0754A51-0BF1-4575-AEEB-2C84FC8AAA3D}"/>
     <dgm:cxn modelId="{D4027625-B6FC-4FBD-B749-4919D874BB44}" type="presOf" srcId="{A099BD35-FB6C-473F-B02C-B0E68E0406B5}" destId="{824294CA-A4F2-445D-9188-A3C7FF792AD1}" srcOrd="0" destOrd="0" presId="urn:microsoft.com/office/officeart/2005/8/layout/chevron2"/>
     <dgm:cxn modelId="{4B834F7A-A4DD-47EC-BE8B-0DA9A1435F10}" type="presOf" srcId="{6EDAA9C4-0119-4485-8043-1BC09D3669D8}" destId="{0CF98D84-D255-4746-91D8-2DF457E35464}" srcOrd="0" destOrd="1" presId="urn:microsoft.com/office/officeart/2005/8/layout/chevron2"/>
     <dgm:cxn modelId="{5059FA3E-FC11-4262-8B12-DC5060A235CB}" srcId="{1FF42334-253C-489C-ACAA-8AE6D30A49AA}" destId="{090C5E70-2421-47B9-916E-5848C710596B}" srcOrd="0" destOrd="0" parTransId="{CAB8B266-05F1-4B4B-A617-7CB9A73E08CC}" sibTransId="{E4BFD95F-A970-41DB-933E-D6C5CA4DE0C0}"/>
     <dgm:cxn modelId="{8DBEBFFA-6DBD-4FF5-B390-60F99052554A}" srcId="{6A2A389A-8F1A-44C8-94BE-6CFC7885C9C1}" destId="{C578D69E-43DF-4006-A6BB-81CDF3DE023D}" srcOrd="4" destOrd="0" parTransId="{5F1F200B-910A-4D84-9C03-FD5806DCA0B6}" sibTransId="{62542C41-1A50-4D0E-B01A-B3FEB306096D}"/>
+    <dgm:cxn modelId="{E2BEBE33-6D8A-425D-AFEF-163AD42F28B3}" srcId="{A099BD35-FB6C-473F-B02C-B0E68E0406B5}" destId="{A98ADE03-060B-4231-9432-DE84CA7B8CFF}" srcOrd="0" destOrd="0" parTransId="{358216CF-938E-44C5-A3B2-E2A9DF149B78}" sibTransId="{610A1D00-E554-42AC-9417-0F252894085D}"/>
     <dgm:cxn modelId="{03F2B31E-72CE-47BE-9CD6-1D4980554949}" type="presOf" srcId="{090C5E70-2421-47B9-916E-5848C710596B}" destId="{3FFB1560-41AB-4E35-8D02-8B03B4B53DA7}" srcOrd="0" destOrd="0" presId="urn:microsoft.com/office/officeart/2005/8/layout/chevron2"/>
+    <dgm:cxn modelId="{613821CF-8D0A-4C6F-80F0-8B684B059DAC}" type="presOf" srcId="{DE90ECE8-DCC7-47A0-A51F-E6F86ADAB35B}" destId="{57918590-2BF2-46D3-9E7E-0267E0AD93AB}" srcOrd="0" destOrd="0" presId="urn:microsoft.com/office/officeart/2005/8/layout/chevron2"/>
     <dgm:cxn modelId="{A2D9174F-9944-45D7-AABC-952090715E4C}" type="presOf" srcId="{6A2A389A-8F1A-44C8-94BE-6CFC7885C9C1}" destId="{807A3284-312C-4712-9D2F-AC0BAD7F8213}" srcOrd="0" destOrd="0" presId="urn:microsoft.com/office/officeart/2005/8/layout/chevron2"/>
     <dgm:cxn modelId="{2057AC6F-3978-47D6-96FB-B0646073B562}" type="presOf" srcId="{3F0D3174-6AD9-48B1-A565-0397BB194620}" destId="{6D32C25E-00B6-4B0B-B570-4EB7DD3FE8EB}" srcOrd="0" destOrd="0" presId="urn:microsoft.com/office/officeart/2005/8/layout/chevron2"/>
     <dgm:cxn modelId="{DBAA05F4-6FAB-447D-A866-DCF84B751430}" type="presOf" srcId="{1FF42334-253C-489C-ACAA-8AE6D30A49AA}" destId="{8AC31EE9-DB81-4013-9149-8E76D92071CA}" srcOrd="0" destOrd="0" presId="urn:microsoft.com/office/officeart/2005/8/layout/chevron2"/>
     <dgm:cxn modelId="{79C42B1D-477B-497C-8130-649B4D37F023}" srcId="{6A2A389A-8F1A-44C8-94BE-6CFC7885C9C1}" destId="{7BD06C3F-49DD-4FF3-9B13-0348C632F73A}" srcOrd="0" destOrd="0" parTransId="{9E446D62-EBEA-461E-A7CB-F8A14267334D}" sibTransId="{3294A7D4-AB36-47D9-8DEA-174183C2C8CD}"/>
+    <dgm:cxn modelId="{7DDC35DB-D748-4153-8CED-BF5B6B62690A}" srcId="{1468B217-A021-498B-ACBF-23C43504C3FF}" destId="{DF78FB6B-660D-43A4-9B80-4A185F27BE42}" srcOrd="0" destOrd="0" parTransId="{36F7751D-05E7-4440-998F-C71DA9B6B5BE}" sibTransId="{4E7DAC28-AF92-4D50-8A4B-7CAC6BEA7987}"/>
     <dgm:cxn modelId="{F0BD5E2D-F27F-46A6-8607-1DBD741EA6C2}" srcId="{6A2A389A-8F1A-44C8-94BE-6CFC7885C9C1}" destId="{1FF42334-253C-489C-ACAA-8AE6D30A49AA}" srcOrd="1" destOrd="0" parTransId="{909F6642-8AC8-4AE9-A31B-FEFAF9AA2814}" sibTransId="{921555CE-25C2-4E49-9A1D-FBB80A3E5D0F}"/>
     <dgm:cxn modelId="{7315F0F5-C8A8-4301-9638-C49CA6D6D97C}" type="presOf" srcId="{1468B217-A021-498B-ACBF-23C43504C3FF}" destId="{8B759E7A-B483-489B-BF61-6EDBB8DD68B1}" srcOrd="0" destOrd="0" presId="urn:microsoft.com/office/officeart/2005/8/layout/chevron2"/>
     <dgm:cxn modelId="{BD334632-6CC5-4A48-A6AF-147127E70B3F}" type="presOf" srcId="{7BD06C3F-49DD-4FF3-9B13-0348C632F73A}" destId="{8DEB8923-B515-46C3-96D0-2628ED9340FE}" srcOrd="0" destOrd="0" presId="urn:microsoft.com/office/officeart/2005/8/layout/chevron2"/>
     <dgm:cxn modelId="{27C9B728-5550-42B9-B35D-C9460081F0D3}" srcId="{7BD06C3F-49DD-4FF3-9B13-0348C632F73A}" destId="{78A9683C-D550-4DA0-BF99-542CF25EC38F}" srcOrd="0" destOrd="0" parTransId="{12A4EAD3-AD69-4539-BFA2-85C28681CE80}" sibTransId="{B047CEE4-2361-4817-9269-2C8CB7FABC8D}"/>
+    <dgm:cxn modelId="{0D3F119E-9343-4E48-B91E-E36EE916EF05}" type="presOf" srcId="{906E65ED-647D-4FEB-996C-F48FB1D46B9F}" destId="{257773F3-F63D-4BDC-8BC6-A023E4F49C0F}" srcOrd="0" destOrd="1" presId="urn:microsoft.com/office/officeart/2005/8/layout/chevron2"/>
     <dgm:cxn modelId="{49C0B875-1A04-4207-A565-E84A68AB23A9}" srcId="{7BD06C3F-49DD-4FF3-9B13-0348C632F73A}" destId="{6EDAA9C4-0119-4485-8043-1BC09D3669D8}" srcOrd="1" destOrd="0" parTransId="{38697330-E1A5-4B42-A9F7-4DF6CED4F8D4}" sibTransId="{74874D31-492B-49DF-BBC2-4C4265B83484}"/>
+    <dgm:cxn modelId="{86853C1D-1761-4C3A-BCBD-0FC537F47EBE}" type="presOf" srcId="{145AD04E-EF2F-4DB5-94DE-A17786ECCC44}" destId="{257773F3-F63D-4BDC-8BC6-A023E4F49C0F}" srcOrd="0" destOrd="2" presId="urn:microsoft.com/office/officeart/2005/8/layout/chevron2"/>
+    <dgm:cxn modelId="{2A102BC7-2261-4CEA-A3D3-88DF33C1F17D}" srcId="{1468B217-A021-498B-ACBF-23C43504C3FF}" destId="{906E65ED-647D-4FEB-996C-F48FB1D46B9F}" srcOrd="1" destOrd="0" parTransId="{44EF2E5E-3BBF-426A-87F3-33D593A09874}" sibTransId="{E17229E7-861F-4011-9512-95640ACA9A2E}"/>
     <dgm:cxn modelId="{62383F13-F782-47A9-B2E8-EF68B318634A}" srcId="{6A2A389A-8F1A-44C8-94BE-6CFC7885C9C1}" destId="{A099BD35-FB6C-473F-B02C-B0E68E0406B5}" srcOrd="3" destOrd="0" parTransId="{B51ED7F3-21EE-49AE-A446-26E397032D52}" sibTransId="{FC705B3D-D5DA-4FCE-9011-7225470BD6C8}"/>
     <dgm:cxn modelId="{AD988190-0EF6-4E32-B145-93D7504DCBE1}" type="presOf" srcId="{78A9683C-D550-4DA0-BF99-542CF25EC38F}" destId="{0CF98D84-D255-4746-91D8-2DF457E35464}" srcOrd="0" destOrd="0" presId="urn:microsoft.com/office/officeart/2005/8/layout/chevron2"/>
     <dgm:cxn modelId="{9CAF80FD-D13F-4091-988B-00706172EE19}" srcId="{20147F5E-128E-4526-9E92-2D0F56F16C93}" destId="{3F0D3174-6AD9-48B1-A565-0397BB194620}" srcOrd="0" destOrd="0" parTransId="{D1D4368F-7159-49D3-9E0D-2FA885EE13EE}" sibTransId="{30742839-BE98-45D8-B07B-0C2A01008A77}"/>
+    <dgm:cxn modelId="{718D722D-31A5-43D4-A207-844B41109018}" srcId="{C578D69E-43DF-4006-A6BB-81CDF3DE023D}" destId="{DE90ECE8-DCC7-47A0-A51F-E6F86ADAB35B}" srcOrd="0" destOrd="0" parTransId="{93027C3D-F6FF-478F-A246-328E5A9D8DD5}" sibTransId="{ABD46A7C-BE93-4139-8B4F-20438AA423A2}"/>
     <dgm:cxn modelId="{A0CE1112-ABB9-40C5-8DB0-5DC111761553}" type="presOf" srcId="{C578D69E-43DF-4006-A6BB-81CDF3DE023D}" destId="{C993E897-2D30-42C6-85FE-D6C5236747EF}" srcOrd="0" destOrd="0" presId="urn:microsoft.com/office/officeart/2005/8/layout/chevron2"/>
     <dgm:cxn modelId="{8B8018F7-274B-42F8-B7A5-BD62B2AE5553}" srcId="{6A2A389A-8F1A-44C8-94BE-6CFC7885C9C1}" destId="{1468B217-A021-498B-ACBF-23C43504C3FF}" srcOrd="5" destOrd="0" parTransId="{7591A55F-3FC0-49EF-A1EB-32088F394467}" sibTransId="{766FF0FB-6F78-4231-9F36-E89DEFF2DBEC}"/>
     <dgm:cxn modelId="{14AE6FB9-69E2-41BE-A8C8-C51F47B7D1D7}" type="presParOf" srcId="{807A3284-312C-4712-9D2F-AC0BAD7F8213}" destId="{955E8C1C-4216-4E05-9C42-6D35061DD414}" srcOrd="0" destOrd="0" presId="urn:microsoft.com/office/officeart/2005/8/layout/chevron2"/>
@@ -2247,811 +3591,2286 @@
 </dgm:dataModel>
 </file>
 
-<file path=ppt/diagrams/data2.xml><?xml version="1.0" encoding="utf-8"?>
-<dgm:dataModel xmlns:dgm="http://schemas.openxmlformats.org/drawingml/2006/diagram" xmlns:a="http://schemas.openxmlformats.org/drawingml/2006/main">
-  <dgm:ptLst>
-    <dgm:pt modelId="{5E0D80FD-59BF-437E-A9C3-D79AE1FA7697}" type="doc">
-      <dgm:prSet loTypeId="urn:microsoft.com/office/officeart/2005/8/layout/hierarchy6" loCatId="hierarchy" qsTypeId="urn:microsoft.com/office/officeart/2005/8/quickstyle/simple1" qsCatId="simple" csTypeId="urn:microsoft.com/office/officeart/2005/8/colors/accent1_2" csCatId="accent1" phldr="1"/>
-      <dgm:spPr/>
-      <dgm:t>
-        <a:bodyPr/>
+<file path=ppt/diagrams/drawing1.xml><?xml version="1.0" encoding="utf-8"?>
+<dsp:drawing xmlns:dgm="http://schemas.openxmlformats.org/drawingml/2006/diagram" xmlns:dsp="http://schemas.microsoft.com/office/drawing/2008/diagram" xmlns:a="http://schemas.openxmlformats.org/drawingml/2006/main">
+  <dsp:spTree>
+    <dsp:nvGrpSpPr>
+      <dsp:cNvPr id="0" name=""/>
+      <dsp:cNvGrpSpPr/>
+    </dsp:nvGrpSpPr>
+    <dsp:grpSpPr/>
+    <dsp:sp modelId="{5EFFCCFB-5AF6-499D-87E0-0DC70F42F2F6}">
+      <dsp:nvSpPr>
+        <dsp:cNvPr id="0" name=""/>
+        <dsp:cNvSpPr/>
+      </dsp:nvSpPr>
+      <dsp:spPr>
+        <a:xfrm>
+          <a:off x="0" y="2510100"/>
+          <a:ext cx="10515600" cy="501647"/>
+        </a:xfrm>
+        <a:prstGeom prst="roundRect">
+          <a:avLst>
+            <a:gd name="adj" fmla="val 10000"/>
+          </a:avLst>
+        </a:prstGeom>
+        <a:solidFill>
+          <a:schemeClr val="accent1">
+            <a:tint val="40000"/>
+            <a:hueOff val="0"/>
+            <a:satOff val="0"/>
+            <a:lumOff val="0"/>
+            <a:alphaOff val="0"/>
+          </a:schemeClr>
+        </a:solidFill>
+        <a:ln>
+          <a:noFill/>
+        </a:ln>
+        <a:effectLst/>
+      </dsp:spPr>
+      <dsp:style>
+        <a:lnRef idx="0">
+          <a:scrgbClr r="0" g="0" b="0"/>
+        </a:lnRef>
+        <a:fillRef idx="1">
+          <a:scrgbClr r="0" g="0" b="0"/>
+        </a:fillRef>
+        <a:effectRef idx="0">
+          <a:scrgbClr r="0" g="0" b="0"/>
+        </a:effectRef>
+        <a:fontRef idx="minor"/>
+      </dsp:style>
+      <dsp:txBody>
+        <a:bodyPr spcFirstLastPara="0" vert="horz" wrap="square" lIns="120904" tIns="120904" rIns="120904" bIns="120904" numCol="1" spcCol="1270" anchor="ctr" anchorCtr="0">
+          <a:noAutofit/>
+        </a:bodyPr>
         <a:lstStyle/>
         <a:p>
-          <a:endParaRPr lang="en-US"/>
-        </a:p>
-      </dgm:t>
-    </dgm:pt>
-    <dgm:pt modelId="{D6BC358C-C989-4805-8E49-85421AB9F7F0}">
-      <dgm:prSet phldrT="[Text]" phldr="1"/>
-      <dgm:spPr/>
-      <dgm:t>
-        <a:bodyPr/>
+          <a:pPr lvl="0" algn="ctr" defTabSz="755650">
+            <a:lnSpc>
+              <a:spcPct val="90000"/>
+            </a:lnSpc>
+            <a:spcBef>
+              <a:spcPct val="0"/>
+            </a:spcBef>
+            <a:spcAft>
+              <a:spcPct val="35000"/>
+            </a:spcAft>
+          </a:pPr>
+          <a:r>
+            <a:rPr lang="en-US" sz="1700" kern="1200" dirty="0" smtClean="0"/>
+            <a:t>Sub-Sections</a:t>
+          </a:r>
+          <a:endParaRPr lang="en-US" sz="1700" kern="1200" dirty="0"/>
+        </a:p>
+      </dsp:txBody>
+      <dsp:txXfrm>
+        <a:off x="0" y="2510100"/>
+        <a:ext cx="3154680" cy="501647"/>
+      </dsp:txXfrm>
+    </dsp:sp>
+    <dsp:sp modelId="{4492417A-2C01-49FF-8801-4C8FEF938EDD}">
+      <dsp:nvSpPr>
+        <dsp:cNvPr id="0" name=""/>
+        <dsp:cNvSpPr/>
+      </dsp:nvSpPr>
+      <dsp:spPr>
+        <a:xfrm>
+          <a:off x="0" y="1924845"/>
+          <a:ext cx="10515600" cy="501647"/>
+        </a:xfrm>
+        <a:prstGeom prst="roundRect">
+          <a:avLst>
+            <a:gd name="adj" fmla="val 10000"/>
+          </a:avLst>
+        </a:prstGeom>
+        <a:solidFill>
+          <a:schemeClr val="accent1">
+            <a:tint val="40000"/>
+            <a:hueOff val="0"/>
+            <a:satOff val="0"/>
+            <a:lumOff val="0"/>
+            <a:alphaOff val="0"/>
+          </a:schemeClr>
+        </a:solidFill>
+        <a:ln>
+          <a:noFill/>
+        </a:ln>
+        <a:effectLst/>
+      </dsp:spPr>
+      <dsp:style>
+        <a:lnRef idx="0">
+          <a:scrgbClr r="0" g="0" b="0"/>
+        </a:lnRef>
+        <a:fillRef idx="1">
+          <a:scrgbClr r="0" g="0" b="0"/>
+        </a:fillRef>
+        <a:effectRef idx="0">
+          <a:scrgbClr r="0" g="0" b="0"/>
+        </a:effectRef>
+        <a:fontRef idx="minor"/>
+      </dsp:style>
+      <dsp:txBody>
+        <a:bodyPr spcFirstLastPara="0" vert="horz" wrap="square" lIns="120904" tIns="120904" rIns="120904" bIns="120904" numCol="1" spcCol="1270" anchor="ctr" anchorCtr="0">
+          <a:noAutofit/>
+        </a:bodyPr>
         <a:lstStyle/>
         <a:p>
-          <a:endParaRPr lang="en-US"/>
-        </a:p>
-      </dgm:t>
-    </dgm:pt>
-    <dgm:pt modelId="{90B1CD58-4BD5-4C00-B946-6747C206DF40}" type="parTrans" cxnId="{60CC2689-EF68-4751-ACD0-7344BB149E5D}">
-      <dgm:prSet/>
-      <dgm:spPr/>
-      <dgm:t>
-        <a:bodyPr/>
+          <a:pPr lvl="0" algn="ctr" defTabSz="755650">
+            <a:lnSpc>
+              <a:spcPct val="90000"/>
+            </a:lnSpc>
+            <a:spcBef>
+              <a:spcPct val="0"/>
+            </a:spcBef>
+            <a:spcAft>
+              <a:spcPct val="35000"/>
+            </a:spcAft>
+          </a:pPr>
+          <a:r>
+            <a:rPr lang="en-US" sz="1700" kern="1200" dirty="0" smtClean="0"/>
+            <a:t>Main Sections</a:t>
+          </a:r>
+          <a:endParaRPr lang="en-US" sz="1700" kern="1200" dirty="0"/>
+        </a:p>
+      </dsp:txBody>
+      <dsp:txXfrm>
+        <a:off x="0" y="1924845"/>
+        <a:ext cx="3154680" cy="501647"/>
+      </dsp:txXfrm>
+    </dsp:sp>
+    <dsp:sp modelId="{7ED1A2D3-3FA8-4930-8C58-D9952D0A2882}">
+      <dsp:nvSpPr>
+        <dsp:cNvPr id="0" name=""/>
+        <dsp:cNvSpPr/>
+      </dsp:nvSpPr>
+      <dsp:spPr>
+        <a:xfrm>
+          <a:off x="0" y="1339589"/>
+          <a:ext cx="10515600" cy="501647"/>
+        </a:xfrm>
+        <a:prstGeom prst="roundRect">
+          <a:avLst>
+            <a:gd name="adj" fmla="val 10000"/>
+          </a:avLst>
+        </a:prstGeom>
+        <a:solidFill>
+          <a:schemeClr val="accent1">
+            <a:tint val="40000"/>
+            <a:hueOff val="0"/>
+            <a:satOff val="0"/>
+            <a:lumOff val="0"/>
+            <a:alphaOff val="0"/>
+          </a:schemeClr>
+        </a:solidFill>
+        <a:ln>
+          <a:noFill/>
+        </a:ln>
+        <a:effectLst/>
+      </dsp:spPr>
+      <dsp:style>
+        <a:lnRef idx="0">
+          <a:scrgbClr r="0" g="0" b="0"/>
+        </a:lnRef>
+        <a:fillRef idx="1">
+          <a:scrgbClr r="0" g="0" b="0"/>
+        </a:fillRef>
+        <a:effectRef idx="0">
+          <a:scrgbClr r="0" g="0" b="0"/>
+        </a:effectRef>
+        <a:fontRef idx="minor"/>
+      </dsp:style>
+      <dsp:txBody>
+        <a:bodyPr spcFirstLastPara="0" vert="horz" wrap="square" lIns="120904" tIns="120904" rIns="120904" bIns="120904" numCol="1" spcCol="1270" anchor="ctr" anchorCtr="0">
+          <a:noAutofit/>
+        </a:bodyPr>
         <a:lstStyle/>
         <a:p>
-          <a:endParaRPr lang="en-US"/>
-        </a:p>
-      </dgm:t>
-    </dgm:pt>
-    <dgm:pt modelId="{4867AA34-1E11-40BC-828F-F31A9BB11369}" type="sibTrans" cxnId="{60CC2689-EF68-4751-ACD0-7344BB149E5D}">
-      <dgm:prSet/>
-      <dgm:spPr/>
-      <dgm:t>
-        <a:bodyPr/>
+          <a:pPr lvl="0" algn="ctr" defTabSz="755650">
+            <a:lnSpc>
+              <a:spcPct val="90000"/>
+            </a:lnSpc>
+            <a:spcBef>
+              <a:spcPct val="0"/>
+            </a:spcBef>
+            <a:spcAft>
+              <a:spcPct val="35000"/>
+            </a:spcAft>
+          </a:pPr>
+          <a:r>
+            <a:rPr lang="en-US" sz="1700" kern="1200" dirty="0" smtClean="0"/>
+            <a:t>Beer Type</a:t>
+          </a:r>
+          <a:endParaRPr lang="en-US" sz="1700" kern="1200" dirty="0"/>
+        </a:p>
+      </dsp:txBody>
+      <dsp:txXfrm>
+        <a:off x="0" y="1339589"/>
+        <a:ext cx="3154680" cy="501647"/>
+      </dsp:txXfrm>
+    </dsp:sp>
+    <dsp:sp modelId="{D134F2DA-B0C8-4BD5-889D-F31094A54F72}">
+      <dsp:nvSpPr>
+        <dsp:cNvPr id="0" name=""/>
+        <dsp:cNvSpPr/>
+      </dsp:nvSpPr>
+      <dsp:spPr>
+        <a:xfrm>
+          <a:off x="6008865" y="1381393"/>
+          <a:ext cx="627059" cy="418039"/>
+        </a:xfrm>
+        <a:prstGeom prst="roundRect">
+          <a:avLst>
+            <a:gd name="adj" fmla="val 10000"/>
+          </a:avLst>
+        </a:prstGeom>
+        <a:solidFill>
+          <a:schemeClr val="accent1">
+            <a:hueOff val="0"/>
+            <a:satOff val="0"/>
+            <a:lumOff val="0"/>
+            <a:alphaOff val="0"/>
+          </a:schemeClr>
+        </a:solidFill>
+        <a:ln w="12700" cap="flat" cmpd="sng" algn="ctr">
+          <a:solidFill>
+            <a:schemeClr val="lt1">
+              <a:hueOff val="0"/>
+              <a:satOff val="0"/>
+              <a:lumOff val="0"/>
+              <a:alphaOff val="0"/>
+            </a:schemeClr>
+          </a:solidFill>
+          <a:prstDash val="solid"/>
+          <a:miter lim="800000"/>
+        </a:ln>
+        <a:effectLst/>
+      </dsp:spPr>
+      <dsp:style>
+        <a:lnRef idx="2">
+          <a:scrgbClr r="0" g="0" b="0"/>
+        </a:lnRef>
+        <a:fillRef idx="1">
+          <a:scrgbClr r="0" g="0" b="0"/>
+        </a:fillRef>
+        <a:effectRef idx="0">
+          <a:scrgbClr r="0" g="0" b="0"/>
+        </a:effectRef>
+        <a:fontRef idx="minor">
+          <a:schemeClr val="lt1"/>
+        </a:fontRef>
+      </dsp:style>
+      <dsp:txBody>
+        <a:bodyPr spcFirstLastPara="0" vert="horz" wrap="square" lIns="22860" tIns="22860" rIns="22860" bIns="22860" numCol="1" spcCol="1270" anchor="ctr" anchorCtr="0">
+          <a:noAutofit/>
+        </a:bodyPr>
         <a:lstStyle/>
         <a:p>
-          <a:endParaRPr lang="en-US"/>
-        </a:p>
-      </dgm:t>
-    </dgm:pt>
-    <dgm:pt modelId="{AE1F9252-AB96-47CD-82A2-FF000D9EB6F4}">
-      <dgm:prSet phldrT="[Text]" phldr="1"/>
-      <dgm:spPr/>
-      <dgm:t>
-        <a:bodyPr/>
+          <a:pPr lvl="0" algn="ctr" defTabSz="266700">
+            <a:lnSpc>
+              <a:spcPct val="90000"/>
+            </a:lnSpc>
+            <a:spcBef>
+              <a:spcPct val="0"/>
+            </a:spcBef>
+            <a:spcAft>
+              <a:spcPct val="35000"/>
+            </a:spcAft>
+          </a:pPr>
+          <a:r>
+            <a:rPr lang="en-US" sz="600" kern="1200" dirty="0" smtClean="0"/>
+            <a:t>-BJCP Style guidelines</a:t>
+          </a:r>
+          <a:br>
+            <a:rPr lang="en-US" sz="600" kern="1200" dirty="0" smtClean="0"/>
+          </a:br>
+          <a:r>
+            <a:rPr lang="en-US" sz="600" kern="1200" dirty="0" smtClean="0"/>
+            <a:t>-System Constants</a:t>
+          </a:r>
+          <a:endParaRPr lang="en-US" sz="600" kern="1200" dirty="0"/>
+        </a:p>
+      </dsp:txBody>
+      <dsp:txXfrm>
+        <a:off x="6021109" y="1393637"/>
+        <a:ext cx="602571" cy="393551"/>
+      </dsp:txXfrm>
+    </dsp:sp>
+    <dsp:sp modelId="{DE3FF23B-0BF5-477D-B294-AA8F807E4167}">
+      <dsp:nvSpPr>
+        <dsp:cNvPr id="0" name=""/>
+        <dsp:cNvSpPr/>
+      </dsp:nvSpPr>
+      <dsp:spPr>
+        <a:xfrm>
+          <a:off x="3469275" y="1799433"/>
+          <a:ext cx="2853120" cy="167215"/>
+        </a:xfrm>
+        <a:custGeom>
+          <a:avLst/>
+          <a:gdLst/>
+          <a:ahLst/>
+          <a:cxnLst/>
+          <a:rect l="0" t="0" r="0" b="0"/>
+          <a:pathLst>
+            <a:path>
+              <a:moveTo>
+                <a:pt x="2853120" y="0"/>
+              </a:moveTo>
+              <a:lnTo>
+                <a:pt x="2853120" y="83607"/>
+              </a:lnTo>
+              <a:lnTo>
+                <a:pt x="0" y="83607"/>
+              </a:lnTo>
+              <a:lnTo>
+                <a:pt x="0" y="167215"/>
+              </a:lnTo>
+            </a:path>
+          </a:pathLst>
+        </a:custGeom>
+        <a:noFill/>
+        <a:ln w="12700" cap="flat" cmpd="sng" algn="ctr">
+          <a:solidFill>
+            <a:schemeClr val="accent1">
+              <a:shade val="60000"/>
+              <a:hueOff val="0"/>
+              <a:satOff val="0"/>
+              <a:lumOff val="0"/>
+              <a:alphaOff val="0"/>
+            </a:schemeClr>
+          </a:solidFill>
+          <a:prstDash val="solid"/>
+          <a:miter lim="800000"/>
+        </a:ln>
+        <a:effectLst/>
+      </dsp:spPr>
+      <dsp:style>
+        <a:lnRef idx="2">
+          <a:scrgbClr r="0" g="0" b="0"/>
+        </a:lnRef>
+        <a:fillRef idx="0">
+          <a:scrgbClr r="0" g="0" b="0"/>
+        </a:fillRef>
+        <a:effectRef idx="0">
+          <a:scrgbClr r="0" g="0" b="0"/>
+        </a:effectRef>
+        <a:fontRef idx="minor"/>
+      </dsp:style>
+    </dsp:sp>
+    <dsp:sp modelId="{6299D5F2-9260-4191-89CF-92C2D43493BB}">
+      <dsp:nvSpPr>
+        <dsp:cNvPr id="0" name=""/>
+        <dsp:cNvSpPr/>
+      </dsp:nvSpPr>
+      <dsp:spPr>
+        <a:xfrm>
+          <a:off x="3155745" y="1966649"/>
+          <a:ext cx="627059" cy="418039"/>
+        </a:xfrm>
+        <a:prstGeom prst="roundRect">
+          <a:avLst>
+            <a:gd name="adj" fmla="val 10000"/>
+          </a:avLst>
+        </a:prstGeom>
+        <a:solidFill>
+          <a:schemeClr val="accent1">
+            <a:hueOff val="0"/>
+            <a:satOff val="0"/>
+            <a:lumOff val="0"/>
+            <a:alphaOff val="0"/>
+          </a:schemeClr>
+        </a:solidFill>
+        <a:ln w="12700" cap="flat" cmpd="sng" algn="ctr">
+          <a:solidFill>
+            <a:schemeClr val="lt1">
+              <a:hueOff val="0"/>
+              <a:satOff val="0"/>
+              <a:lumOff val="0"/>
+              <a:alphaOff val="0"/>
+            </a:schemeClr>
+          </a:solidFill>
+          <a:prstDash val="solid"/>
+          <a:miter lim="800000"/>
+        </a:ln>
+        <a:effectLst/>
+      </dsp:spPr>
+      <dsp:style>
+        <a:lnRef idx="2">
+          <a:scrgbClr r="0" g="0" b="0"/>
+        </a:lnRef>
+        <a:fillRef idx="1">
+          <a:scrgbClr r="0" g="0" b="0"/>
+        </a:fillRef>
+        <a:effectRef idx="0">
+          <a:scrgbClr r="0" g="0" b="0"/>
+        </a:effectRef>
+        <a:fontRef idx="minor">
+          <a:schemeClr val="lt1"/>
+        </a:fontRef>
+      </dsp:style>
+      <dsp:txBody>
+        <a:bodyPr spcFirstLastPara="0" vert="horz" wrap="square" lIns="22860" tIns="22860" rIns="22860" bIns="22860" numCol="1" spcCol="1270" anchor="ctr" anchorCtr="0">
+          <a:noAutofit/>
+        </a:bodyPr>
         <a:lstStyle/>
         <a:p>
-          <a:endParaRPr lang="en-US"/>
-        </a:p>
-      </dgm:t>
-    </dgm:pt>
-    <dgm:pt modelId="{A0815741-EDB4-4A35-828A-9343A0D8B855}" type="parTrans" cxnId="{A247E2D4-B7D3-4B22-849F-14F735EBE2DD}">
-      <dgm:prSet/>
-      <dgm:spPr/>
-      <dgm:t>
-        <a:bodyPr/>
-        <a:lstStyle/>
-        <a:p>
-          <a:endParaRPr lang="en-US"/>
-        </a:p>
-      </dgm:t>
-    </dgm:pt>
-    <dgm:pt modelId="{EAAA423D-61F0-49A2-B5E3-B8641C18A3F5}" type="sibTrans" cxnId="{A247E2D4-B7D3-4B22-849F-14F735EBE2DD}">
-      <dgm:prSet/>
-      <dgm:spPr/>
-      <dgm:t>
-        <a:bodyPr/>
-        <a:lstStyle/>
-        <a:p>
-          <a:endParaRPr lang="en-US"/>
-        </a:p>
-      </dgm:t>
-    </dgm:pt>
-    <dgm:pt modelId="{8E5920D3-0AF5-4AF5-8A2D-F4EDC56AAD64}">
-      <dgm:prSet phldrT="[Text]" phldr="1"/>
-      <dgm:spPr/>
-      <dgm:t>
-        <a:bodyPr/>
-        <a:lstStyle/>
-        <a:p>
-          <a:endParaRPr lang="en-US"/>
-        </a:p>
-      </dgm:t>
-    </dgm:pt>
-    <dgm:pt modelId="{932A45ED-1E25-4D6F-ABA1-1E06C14096EF}" type="parTrans" cxnId="{4E38BC7E-08CE-416A-8FE7-88AA9CE086CA}">
-      <dgm:prSet/>
-      <dgm:spPr/>
-      <dgm:t>
-        <a:bodyPr/>
-        <a:lstStyle/>
-        <a:p>
-          <a:endParaRPr lang="en-US"/>
-        </a:p>
-      </dgm:t>
-    </dgm:pt>
-    <dgm:pt modelId="{852300AB-6FD5-4B18-ABD8-BF9259FED58E}" type="sibTrans" cxnId="{4E38BC7E-08CE-416A-8FE7-88AA9CE086CA}">
-      <dgm:prSet/>
-      <dgm:spPr/>
-      <dgm:t>
-        <a:bodyPr/>
-        <a:lstStyle/>
-        <a:p>
-          <a:endParaRPr lang="en-US"/>
-        </a:p>
-      </dgm:t>
-    </dgm:pt>
-    <dgm:pt modelId="{22D49531-F6AD-4DB6-B1FD-9967D49A9BC8}">
-      <dgm:prSet phldrT="[Text]" phldr="1"/>
-      <dgm:spPr/>
-      <dgm:t>
-        <a:bodyPr/>
-        <a:lstStyle/>
-        <a:p>
-          <a:endParaRPr lang="en-US"/>
-        </a:p>
-      </dgm:t>
-    </dgm:pt>
-    <dgm:pt modelId="{A2DFCF24-BA09-49ED-84DC-7DFFF3973FB7}" type="parTrans" cxnId="{D5F989AD-992E-4AEE-BE34-C6089CC539AF}">
-      <dgm:prSet/>
-      <dgm:spPr/>
-      <dgm:t>
-        <a:bodyPr/>
-        <a:lstStyle/>
-        <a:p>
-          <a:endParaRPr lang="en-US"/>
-        </a:p>
-      </dgm:t>
-    </dgm:pt>
-    <dgm:pt modelId="{873ADA41-EC3F-4806-8AE9-C5D14328495C}" type="sibTrans" cxnId="{D5F989AD-992E-4AEE-BE34-C6089CC539AF}">
-      <dgm:prSet/>
-      <dgm:spPr/>
-      <dgm:t>
-        <a:bodyPr/>
-        <a:lstStyle/>
-        <a:p>
-          <a:endParaRPr lang="en-US"/>
-        </a:p>
-      </dgm:t>
-    </dgm:pt>
-    <dgm:pt modelId="{95CF7A10-6CAC-48A8-B2A6-6D8C0474E0B1}">
-      <dgm:prSet phldrT="[Text]" phldr="1"/>
-      <dgm:spPr/>
-      <dgm:t>
-        <a:bodyPr/>
-        <a:lstStyle/>
-        <a:p>
-          <a:endParaRPr lang="en-US"/>
-        </a:p>
-      </dgm:t>
-    </dgm:pt>
-    <dgm:pt modelId="{EF77C826-0221-42F5-A2B4-F35BFCA39B79}" type="parTrans" cxnId="{2D9E049B-BE61-4438-B70A-0793C654813B}">
-      <dgm:prSet/>
-      <dgm:spPr/>
-      <dgm:t>
-        <a:bodyPr/>
-        <a:lstStyle/>
-        <a:p>
-          <a:endParaRPr lang="en-US"/>
-        </a:p>
-      </dgm:t>
-    </dgm:pt>
-    <dgm:pt modelId="{37CD8523-69E5-4E1D-8845-5F5BBF15FED8}" type="sibTrans" cxnId="{2D9E049B-BE61-4438-B70A-0793C654813B}">
-      <dgm:prSet/>
-      <dgm:spPr/>
-      <dgm:t>
-        <a:bodyPr/>
-        <a:lstStyle/>
-        <a:p>
-          <a:endParaRPr lang="en-US"/>
-        </a:p>
-      </dgm:t>
-    </dgm:pt>
-    <dgm:pt modelId="{BC5B0992-1311-4EFF-BEB2-37CC82CB25AF}">
-      <dgm:prSet phldrT="[Text]" phldr="1"/>
-      <dgm:spPr/>
-      <dgm:t>
-        <a:bodyPr/>
-        <a:lstStyle/>
-        <a:p>
-          <a:endParaRPr lang="en-US"/>
-        </a:p>
-      </dgm:t>
-    </dgm:pt>
-    <dgm:pt modelId="{4D914236-A43C-4770-A5A3-1C6BCBF55F06}" type="parTrans" cxnId="{D542DB73-7284-48CD-B91D-8FFBF9052138}">
-      <dgm:prSet/>
-      <dgm:spPr/>
-      <dgm:t>
-        <a:bodyPr/>
-        <a:lstStyle/>
-        <a:p>
-          <a:endParaRPr lang="en-US"/>
-        </a:p>
-      </dgm:t>
-    </dgm:pt>
-    <dgm:pt modelId="{44D8C235-5F91-4F71-BD37-38A72CD727DE}" type="sibTrans" cxnId="{D542DB73-7284-48CD-B91D-8FFBF9052138}">
-      <dgm:prSet/>
-      <dgm:spPr/>
-      <dgm:t>
-        <a:bodyPr/>
-        <a:lstStyle/>
-        <a:p>
-          <a:endParaRPr lang="en-US"/>
-        </a:p>
-      </dgm:t>
-    </dgm:pt>
-    <dgm:pt modelId="{0332B06F-DB69-4B73-A4AC-9056AE97C6D4}">
-      <dgm:prSet phldrT="[Text]"/>
-      <dgm:spPr/>
-      <dgm:t>
-        <a:bodyPr/>
-        <a:lstStyle/>
-        <a:p>
+          <a:pPr lvl="0" algn="ctr" defTabSz="266700">
+            <a:lnSpc>
+              <a:spcPct val="90000"/>
+            </a:lnSpc>
+            <a:spcBef>
+              <a:spcPct val="0"/>
+            </a:spcBef>
+            <a:spcAft>
+              <a:spcPct val="35000"/>
+            </a:spcAft>
+          </a:pPr>
           <a:r>
-            <a:rPr lang="en-US" dirty="0" smtClean="0"/>
-            <a:t>Beer Type </a:t>
-          </a:r>
-          <a:endParaRPr lang="en-US" dirty="0"/>
-        </a:p>
-      </dgm:t>
-    </dgm:pt>
-    <dgm:pt modelId="{F6BFA51C-7574-49C8-82C4-123649D3A7D4}" type="parTrans" cxnId="{AB442CA4-1CD8-4763-A177-FE9B1250F858}">
-      <dgm:prSet/>
-      <dgm:spPr/>
-      <dgm:t>
-        <a:bodyPr/>
-        <a:lstStyle/>
-        <a:p>
-          <a:endParaRPr lang="en-US"/>
-        </a:p>
-      </dgm:t>
-    </dgm:pt>
-    <dgm:pt modelId="{58EF5B69-A16E-4EF9-A4FA-044F61D42D60}" type="sibTrans" cxnId="{AB442CA4-1CD8-4763-A177-FE9B1250F858}">
-      <dgm:prSet/>
-      <dgm:spPr/>
-      <dgm:t>
-        <a:bodyPr/>
-        <a:lstStyle/>
-        <a:p>
-          <a:endParaRPr lang="en-US"/>
-        </a:p>
-      </dgm:t>
-    </dgm:pt>
-    <dgm:pt modelId="{855065A0-96AD-43CA-8F51-9DD8F608D915}">
-      <dgm:prSet phldrT="[Text]"/>
-      <dgm:spPr/>
-      <dgm:t>
-        <a:bodyPr/>
-        <a:lstStyle/>
-        <a:p>
-          <a:r>
-            <a:rPr lang="en-US" dirty="0" err="1" smtClean="0"/>
+            <a:rPr lang="en-US" sz="600" kern="1200" dirty="0" err="1" smtClean="0"/>
             <a:t>Fermentables</a:t>
           </a:r>
-          <a:endParaRPr lang="en-US" dirty="0"/>
-        </a:p>
-      </dgm:t>
-    </dgm:pt>
-    <dgm:pt modelId="{FBE20598-9FA0-4036-8BEA-A2403B8AD272}" type="parTrans" cxnId="{1BEFE18F-86D6-4F02-8CBD-4127A491A6B7}">
-      <dgm:prSet/>
-      <dgm:spPr/>
-      <dgm:t>
-        <a:bodyPr/>
+          <a:endParaRPr lang="en-US" sz="600" kern="1200" dirty="0"/>
+        </a:p>
+      </dsp:txBody>
+      <dsp:txXfrm>
+        <a:off x="3167989" y="1978893"/>
+        <a:ext cx="602571" cy="393551"/>
+      </dsp:txXfrm>
+    </dsp:sp>
+    <dsp:sp modelId="{58C4AFFC-60F8-47D8-82AD-403563F6162D}">
+      <dsp:nvSpPr>
+        <dsp:cNvPr id="0" name=""/>
+        <dsp:cNvSpPr/>
+      </dsp:nvSpPr>
+      <dsp:spPr>
+        <a:xfrm>
+          <a:off x="3423555" y="2384688"/>
+          <a:ext cx="91440" cy="167215"/>
+        </a:xfrm>
+        <a:custGeom>
+          <a:avLst/>
+          <a:gdLst/>
+          <a:ahLst/>
+          <a:cxnLst/>
+          <a:rect l="0" t="0" r="0" b="0"/>
+          <a:pathLst>
+            <a:path>
+              <a:moveTo>
+                <a:pt x="45720" y="0"/>
+              </a:moveTo>
+              <a:lnTo>
+                <a:pt x="45720" y="167215"/>
+              </a:lnTo>
+            </a:path>
+          </a:pathLst>
+        </a:custGeom>
+        <a:noFill/>
+        <a:ln w="12700" cap="flat" cmpd="sng" algn="ctr">
+          <a:solidFill>
+            <a:schemeClr val="accent1">
+              <a:shade val="80000"/>
+              <a:hueOff val="0"/>
+              <a:satOff val="0"/>
+              <a:lumOff val="0"/>
+              <a:alphaOff val="0"/>
+            </a:schemeClr>
+          </a:solidFill>
+          <a:prstDash val="solid"/>
+          <a:miter lim="800000"/>
+        </a:ln>
+        <a:effectLst/>
+      </dsp:spPr>
+      <dsp:style>
+        <a:lnRef idx="2">
+          <a:scrgbClr r="0" g="0" b="0"/>
+        </a:lnRef>
+        <a:fillRef idx="0">
+          <a:scrgbClr r="0" g="0" b="0"/>
+        </a:fillRef>
+        <a:effectRef idx="0">
+          <a:scrgbClr r="0" g="0" b="0"/>
+        </a:effectRef>
+        <a:fontRef idx="minor"/>
+      </dsp:style>
+    </dsp:sp>
+    <dsp:sp modelId="{93153F6A-4558-467B-BC3F-BEE9E1E6AE3B}">
+      <dsp:nvSpPr>
+        <dsp:cNvPr id="0" name=""/>
+        <dsp:cNvSpPr/>
+      </dsp:nvSpPr>
+      <dsp:spPr>
+        <a:xfrm>
+          <a:off x="3155745" y="2551904"/>
+          <a:ext cx="627059" cy="418039"/>
+        </a:xfrm>
+        <a:prstGeom prst="roundRect">
+          <a:avLst>
+            <a:gd name="adj" fmla="val 10000"/>
+          </a:avLst>
+        </a:prstGeom>
+        <a:solidFill>
+          <a:schemeClr val="accent1">
+            <a:hueOff val="0"/>
+            <a:satOff val="0"/>
+            <a:lumOff val="0"/>
+            <a:alphaOff val="0"/>
+          </a:schemeClr>
+        </a:solidFill>
+        <a:ln w="12700" cap="flat" cmpd="sng" algn="ctr">
+          <a:solidFill>
+            <a:schemeClr val="lt1">
+              <a:hueOff val="0"/>
+              <a:satOff val="0"/>
+              <a:lumOff val="0"/>
+              <a:alphaOff val="0"/>
+            </a:schemeClr>
+          </a:solidFill>
+          <a:prstDash val="solid"/>
+          <a:miter lim="800000"/>
+        </a:ln>
+        <a:effectLst/>
+      </dsp:spPr>
+      <dsp:style>
+        <a:lnRef idx="2">
+          <a:scrgbClr r="0" g="0" b="0"/>
+        </a:lnRef>
+        <a:fillRef idx="1">
+          <a:scrgbClr r="0" g="0" b="0"/>
+        </a:fillRef>
+        <a:effectRef idx="0">
+          <a:scrgbClr r="0" g="0" b="0"/>
+        </a:effectRef>
+        <a:fontRef idx="minor">
+          <a:schemeClr val="lt1"/>
+        </a:fontRef>
+      </dsp:style>
+      <dsp:txBody>
+        <a:bodyPr spcFirstLastPara="0" vert="horz" wrap="square" lIns="22860" tIns="22860" rIns="22860" bIns="22860" numCol="1" spcCol="1270" anchor="ctr" anchorCtr="0">
+          <a:noAutofit/>
+        </a:bodyPr>
         <a:lstStyle/>
         <a:p>
-          <a:endParaRPr lang="en-US"/>
-        </a:p>
-      </dgm:t>
-    </dgm:pt>
-    <dgm:pt modelId="{9A4F3A63-751C-4789-B87B-100177901F49}" type="sibTrans" cxnId="{1BEFE18F-86D6-4F02-8CBD-4127A491A6B7}">
-      <dgm:prSet/>
-      <dgm:spPr/>
-      <dgm:t>
-        <a:bodyPr/>
+          <a:pPr lvl="0" algn="ctr" defTabSz="266700">
+            <a:lnSpc>
+              <a:spcPct val="90000"/>
+            </a:lnSpc>
+            <a:spcBef>
+              <a:spcPct val="0"/>
+            </a:spcBef>
+            <a:spcAft>
+              <a:spcPct val="35000"/>
+            </a:spcAft>
+          </a:pPr>
+          <a:r>
+            <a:rPr lang="en-US" sz="600" kern="1200" dirty="0" smtClean="0"/>
+            <a:t>Grain bill calculation</a:t>
+          </a:r>
+          <a:endParaRPr lang="en-US" sz="600" kern="1200" dirty="0"/>
+        </a:p>
+      </dsp:txBody>
+      <dsp:txXfrm>
+        <a:off x="3167989" y="2564148"/>
+        <a:ext cx="602571" cy="393551"/>
+      </dsp:txXfrm>
+    </dsp:sp>
+    <dsp:sp modelId="{BF9B9750-72AF-4B0F-8CF2-94DF949D16F5}">
+      <dsp:nvSpPr>
+        <dsp:cNvPr id="0" name=""/>
+        <dsp:cNvSpPr/>
+      </dsp:nvSpPr>
+      <dsp:spPr>
+        <a:xfrm>
+          <a:off x="4284452" y="1799433"/>
+          <a:ext cx="2037943" cy="167215"/>
+        </a:xfrm>
+        <a:custGeom>
+          <a:avLst/>
+          <a:gdLst/>
+          <a:ahLst/>
+          <a:cxnLst/>
+          <a:rect l="0" t="0" r="0" b="0"/>
+          <a:pathLst>
+            <a:path>
+              <a:moveTo>
+                <a:pt x="2037943" y="0"/>
+              </a:moveTo>
+              <a:lnTo>
+                <a:pt x="2037943" y="83607"/>
+              </a:lnTo>
+              <a:lnTo>
+                <a:pt x="0" y="83607"/>
+              </a:lnTo>
+              <a:lnTo>
+                <a:pt x="0" y="167215"/>
+              </a:lnTo>
+            </a:path>
+          </a:pathLst>
+        </a:custGeom>
+        <a:noFill/>
+        <a:ln w="12700" cap="flat" cmpd="sng" algn="ctr">
+          <a:solidFill>
+            <a:schemeClr val="accent1">
+              <a:shade val="60000"/>
+              <a:hueOff val="0"/>
+              <a:satOff val="0"/>
+              <a:lumOff val="0"/>
+              <a:alphaOff val="0"/>
+            </a:schemeClr>
+          </a:solidFill>
+          <a:prstDash val="solid"/>
+          <a:miter lim="800000"/>
+        </a:ln>
+        <a:effectLst/>
+      </dsp:spPr>
+      <dsp:style>
+        <a:lnRef idx="2">
+          <a:scrgbClr r="0" g="0" b="0"/>
+        </a:lnRef>
+        <a:fillRef idx="0">
+          <a:scrgbClr r="0" g="0" b="0"/>
+        </a:fillRef>
+        <a:effectRef idx="0">
+          <a:scrgbClr r="0" g="0" b="0"/>
+        </a:effectRef>
+        <a:fontRef idx="minor"/>
+      </dsp:style>
+    </dsp:sp>
+    <dsp:sp modelId="{5A54A7ED-F899-4ACC-B349-A4CE5DD9522F}">
+      <dsp:nvSpPr>
+        <dsp:cNvPr id="0" name=""/>
+        <dsp:cNvSpPr/>
+      </dsp:nvSpPr>
+      <dsp:spPr>
+        <a:xfrm>
+          <a:off x="3970922" y="1966649"/>
+          <a:ext cx="627059" cy="418039"/>
+        </a:xfrm>
+        <a:prstGeom prst="roundRect">
+          <a:avLst>
+            <a:gd name="adj" fmla="val 10000"/>
+          </a:avLst>
+        </a:prstGeom>
+        <a:solidFill>
+          <a:schemeClr val="accent1">
+            <a:hueOff val="0"/>
+            <a:satOff val="0"/>
+            <a:lumOff val="0"/>
+            <a:alphaOff val="0"/>
+          </a:schemeClr>
+        </a:solidFill>
+        <a:ln w="12700" cap="flat" cmpd="sng" algn="ctr">
+          <a:solidFill>
+            <a:schemeClr val="lt1">
+              <a:hueOff val="0"/>
+              <a:satOff val="0"/>
+              <a:lumOff val="0"/>
+              <a:alphaOff val="0"/>
+            </a:schemeClr>
+          </a:solidFill>
+          <a:prstDash val="solid"/>
+          <a:miter lim="800000"/>
+        </a:ln>
+        <a:effectLst/>
+      </dsp:spPr>
+      <dsp:style>
+        <a:lnRef idx="2">
+          <a:scrgbClr r="0" g="0" b="0"/>
+        </a:lnRef>
+        <a:fillRef idx="1">
+          <a:scrgbClr r="0" g="0" b="0"/>
+        </a:fillRef>
+        <a:effectRef idx="0">
+          <a:scrgbClr r="0" g="0" b="0"/>
+        </a:effectRef>
+        <a:fontRef idx="minor">
+          <a:schemeClr val="lt1"/>
+        </a:fontRef>
+      </dsp:style>
+      <dsp:txBody>
+        <a:bodyPr spcFirstLastPara="0" vert="horz" wrap="square" lIns="22860" tIns="22860" rIns="22860" bIns="22860" numCol="1" spcCol="1270" anchor="ctr" anchorCtr="0">
+          <a:noAutofit/>
+        </a:bodyPr>
         <a:lstStyle/>
         <a:p>
-          <a:endParaRPr lang="en-US"/>
-        </a:p>
-      </dgm:t>
-    </dgm:pt>
-    <dgm:pt modelId="{D8A62BBE-334B-49DB-9BC5-9114D7B92647}">
-      <dgm:prSet phldrT="[Text]"/>
-      <dgm:spPr/>
-      <dgm:t>
-        <a:bodyPr/>
-        <a:lstStyle/>
-        <a:p>
+          <a:pPr lvl="0" algn="ctr" defTabSz="266700">
+            <a:lnSpc>
+              <a:spcPct val="90000"/>
+            </a:lnSpc>
+            <a:spcBef>
+              <a:spcPct val="0"/>
+            </a:spcBef>
+            <a:spcAft>
+              <a:spcPct val="35000"/>
+            </a:spcAft>
+          </a:pPr>
           <a:r>
-            <a:rPr lang="en-US" dirty="0" smtClean="0"/>
+            <a:rPr lang="en-US" sz="600" kern="1200" dirty="0" smtClean="0"/>
             <a:t>Yeast</a:t>
           </a:r>
-          <a:endParaRPr lang="en-US" dirty="0"/>
-        </a:p>
-      </dgm:t>
-    </dgm:pt>
-    <dgm:pt modelId="{BA609884-4852-491B-AA99-E775AE25D579}" type="parTrans" cxnId="{18ACC62E-E961-4D47-979F-522DDCD7FC47}">
-      <dgm:prSet/>
-      <dgm:spPr/>
-      <dgm:t>
-        <a:bodyPr/>
+          <a:endParaRPr lang="en-US" sz="600" kern="1200" dirty="0"/>
+        </a:p>
+      </dsp:txBody>
+      <dsp:txXfrm>
+        <a:off x="3983166" y="1978893"/>
+        <a:ext cx="602571" cy="393551"/>
+      </dsp:txXfrm>
+    </dsp:sp>
+    <dsp:sp modelId="{8DA93576-3FA9-4F90-89AB-D1295529FD9B}">
+      <dsp:nvSpPr>
+        <dsp:cNvPr id="0" name=""/>
+        <dsp:cNvSpPr/>
+      </dsp:nvSpPr>
+      <dsp:spPr>
+        <a:xfrm>
+          <a:off x="4238732" y="2384688"/>
+          <a:ext cx="91440" cy="167215"/>
+        </a:xfrm>
+        <a:custGeom>
+          <a:avLst/>
+          <a:gdLst/>
+          <a:ahLst/>
+          <a:cxnLst/>
+          <a:rect l="0" t="0" r="0" b="0"/>
+          <a:pathLst>
+            <a:path>
+              <a:moveTo>
+                <a:pt x="45720" y="0"/>
+              </a:moveTo>
+              <a:lnTo>
+                <a:pt x="45720" y="167215"/>
+              </a:lnTo>
+            </a:path>
+          </a:pathLst>
+        </a:custGeom>
+        <a:noFill/>
+        <a:ln w="12700" cap="flat" cmpd="sng" algn="ctr">
+          <a:solidFill>
+            <a:schemeClr val="accent1">
+              <a:shade val="80000"/>
+              <a:hueOff val="0"/>
+              <a:satOff val="0"/>
+              <a:lumOff val="0"/>
+              <a:alphaOff val="0"/>
+            </a:schemeClr>
+          </a:solidFill>
+          <a:prstDash val="solid"/>
+          <a:miter lim="800000"/>
+        </a:ln>
+        <a:effectLst/>
+      </dsp:spPr>
+      <dsp:style>
+        <a:lnRef idx="2">
+          <a:scrgbClr r="0" g="0" b="0"/>
+        </a:lnRef>
+        <a:fillRef idx="0">
+          <a:scrgbClr r="0" g="0" b="0"/>
+        </a:fillRef>
+        <a:effectRef idx="0">
+          <a:scrgbClr r="0" g="0" b="0"/>
+        </a:effectRef>
+        <a:fontRef idx="minor"/>
+      </dsp:style>
+    </dsp:sp>
+    <dsp:sp modelId="{E75CCE58-7B1B-4850-BC5A-3FC9B0E5E404}">
+      <dsp:nvSpPr>
+        <dsp:cNvPr id="0" name=""/>
+        <dsp:cNvSpPr/>
+      </dsp:nvSpPr>
+      <dsp:spPr>
+        <a:xfrm>
+          <a:off x="3970922" y="2551904"/>
+          <a:ext cx="627059" cy="418039"/>
+        </a:xfrm>
+        <a:prstGeom prst="roundRect">
+          <a:avLst>
+            <a:gd name="adj" fmla="val 10000"/>
+          </a:avLst>
+        </a:prstGeom>
+        <a:solidFill>
+          <a:schemeClr val="accent1">
+            <a:hueOff val="0"/>
+            <a:satOff val="0"/>
+            <a:lumOff val="0"/>
+            <a:alphaOff val="0"/>
+          </a:schemeClr>
+        </a:solidFill>
+        <a:ln w="12700" cap="flat" cmpd="sng" algn="ctr">
+          <a:solidFill>
+            <a:schemeClr val="lt1">
+              <a:hueOff val="0"/>
+              <a:satOff val="0"/>
+              <a:lumOff val="0"/>
+              <a:alphaOff val="0"/>
+            </a:schemeClr>
+          </a:solidFill>
+          <a:prstDash val="solid"/>
+          <a:miter lim="800000"/>
+        </a:ln>
+        <a:effectLst/>
+      </dsp:spPr>
+      <dsp:style>
+        <a:lnRef idx="2">
+          <a:scrgbClr r="0" g="0" b="0"/>
+        </a:lnRef>
+        <a:fillRef idx="1">
+          <a:scrgbClr r="0" g="0" b="0"/>
+        </a:fillRef>
+        <a:effectRef idx="0">
+          <a:scrgbClr r="0" g="0" b="0"/>
+        </a:effectRef>
+        <a:fontRef idx="minor">
+          <a:schemeClr val="lt1"/>
+        </a:fontRef>
+      </dsp:style>
+      <dsp:txBody>
+        <a:bodyPr spcFirstLastPara="0" vert="horz" wrap="square" lIns="22860" tIns="22860" rIns="22860" bIns="22860" numCol="1" spcCol="1270" anchor="ctr" anchorCtr="0">
+          <a:noAutofit/>
+        </a:bodyPr>
         <a:lstStyle/>
         <a:p>
-          <a:endParaRPr lang="en-US"/>
-        </a:p>
-      </dgm:t>
-    </dgm:pt>
-    <dgm:pt modelId="{0C7CD0B7-E848-4C55-B803-52EFA8064B68}" type="sibTrans" cxnId="{18ACC62E-E961-4D47-979F-522DDCD7FC47}">
-      <dgm:prSet/>
-      <dgm:spPr/>
-      <dgm:t>
-        <a:bodyPr/>
+          <a:pPr lvl="0" algn="ctr" defTabSz="266700">
+            <a:lnSpc>
+              <a:spcPct val="90000"/>
+            </a:lnSpc>
+            <a:spcBef>
+              <a:spcPct val="0"/>
+            </a:spcBef>
+            <a:spcAft>
+              <a:spcPct val="35000"/>
+            </a:spcAft>
+          </a:pPr>
+          <a:r>
+            <a:rPr lang="en-US" sz="600" kern="1200" dirty="0" smtClean="0"/>
+            <a:t>Yeast strain calculations</a:t>
+          </a:r>
+          <a:endParaRPr lang="en-US" sz="600" kern="1200" dirty="0"/>
+        </a:p>
+      </dsp:txBody>
+      <dsp:txXfrm>
+        <a:off x="3983166" y="2564148"/>
+        <a:ext cx="602571" cy="393551"/>
+      </dsp:txXfrm>
+    </dsp:sp>
+    <dsp:sp modelId="{AF143103-B7BB-437B-AA99-864F6D3524D5}">
+      <dsp:nvSpPr>
+        <dsp:cNvPr id="0" name=""/>
+        <dsp:cNvSpPr/>
+      </dsp:nvSpPr>
+      <dsp:spPr>
+        <a:xfrm>
+          <a:off x="5507218" y="1799433"/>
+          <a:ext cx="815177" cy="167215"/>
+        </a:xfrm>
+        <a:custGeom>
+          <a:avLst/>
+          <a:gdLst/>
+          <a:ahLst/>
+          <a:cxnLst/>
+          <a:rect l="0" t="0" r="0" b="0"/>
+          <a:pathLst>
+            <a:path>
+              <a:moveTo>
+                <a:pt x="815177" y="0"/>
+              </a:moveTo>
+              <a:lnTo>
+                <a:pt x="815177" y="83607"/>
+              </a:lnTo>
+              <a:lnTo>
+                <a:pt x="0" y="83607"/>
+              </a:lnTo>
+              <a:lnTo>
+                <a:pt x="0" y="167215"/>
+              </a:lnTo>
+            </a:path>
+          </a:pathLst>
+        </a:custGeom>
+        <a:noFill/>
+        <a:ln w="12700" cap="flat" cmpd="sng" algn="ctr">
+          <a:solidFill>
+            <a:schemeClr val="accent1">
+              <a:shade val="60000"/>
+              <a:hueOff val="0"/>
+              <a:satOff val="0"/>
+              <a:lumOff val="0"/>
+              <a:alphaOff val="0"/>
+            </a:schemeClr>
+          </a:solidFill>
+          <a:prstDash val="solid"/>
+          <a:miter lim="800000"/>
+        </a:ln>
+        <a:effectLst/>
+      </dsp:spPr>
+      <dsp:style>
+        <a:lnRef idx="2">
+          <a:scrgbClr r="0" g="0" b="0"/>
+        </a:lnRef>
+        <a:fillRef idx="0">
+          <a:scrgbClr r="0" g="0" b="0"/>
+        </a:fillRef>
+        <a:effectRef idx="0">
+          <a:scrgbClr r="0" g="0" b="0"/>
+        </a:effectRef>
+        <a:fontRef idx="minor"/>
+      </dsp:style>
+    </dsp:sp>
+    <dsp:sp modelId="{80BEA30C-B84A-494B-B353-2FCA075A3C6A}">
+      <dsp:nvSpPr>
+        <dsp:cNvPr id="0" name=""/>
+        <dsp:cNvSpPr/>
+      </dsp:nvSpPr>
+      <dsp:spPr>
+        <a:xfrm>
+          <a:off x="5193688" y="1966649"/>
+          <a:ext cx="627059" cy="418039"/>
+        </a:xfrm>
+        <a:prstGeom prst="roundRect">
+          <a:avLst>
+            <a:gd name="adj" fmla="val 10000"/>
+          </a:avLst>
+        </a:prstGeom>
+        <a:solidFill>
+          <a:schemeClr val="accent1">
+            <a:hueOff val="0"/>
+            <a:satOff val="0"/>
+            <a:lumOff val="0"/>
+            <a:alphaOff val="0"/>
+          </a:schemeClr>
+        </a:solidFill>
+        <a:ln w="12700" cap="flat" cmpd="sng" algn="ctr">
+          <a:solidFill>
+            <a:schemeClr val="lt1">
+              <a:hueOff val="0"/>
+              <a:satOff val="0"/>
+              <a:lumOff val="0"/>
+              <a:alphaOff val="0"/>
+            </a:schemeClr>
+          </a:solidFill>
+          <a:prstDash val="solid"/>
+          <a:miter lim="800000"/>
+        </a:ln>
+        <a:effectLst/>
+      </dsp:spPr>
+      <dsp:style>
+        <a:lnRef idx="2">
+          <a:scrgbClr r="0" g="0" b="0"/>
+        </a:lnRef>
+        <a:fillRef idx="1">
+          <a:scrgbClr r="0" g="0" b="0"/>
+        </a:fillRef>
+        <a:effectRef idx="0">
+          <a:scrgbClr r="0" g="0" b="0"/>
+        </a:effectRef>
+        <a:fontRef idx="minor">
+          <a:schemeClr val="lt1"/>
+        </a:fontRef>
+      </dsp:style>
+      <dsp:txBody>
+        <a:bodyPr spcFirstLastPara="0" vert="horz" wrap="square" lIns="22860" tIns="22860" rIns="22860" bIns="22860" numCol="1" spcCol="1270" anchor="ctr" anchorCtr="0">
+          <a:noAutofit/>
+        </a:bodyPr>
         <a:lstStyle/>
         <a:p>
-          <a:endParaRPr lang="en-US"/>
-        </a:p>
-      </dgm:t>
-    </dgm:pt>
-    <dgm:pt modelId="{077ED888-3800-4D9D-B799-A11F5F57648B}">
-      <dgm:prSet phldrT="[Text]"/>
-      <dgm:spPr/>
-      <dgm:t>
-        <a:bodyPr/>
+          <a:pPr lvl="0" algn="ctr" defTabSz="266700">
+            <a:lnSpc>
+              <a:spcPct val="90000"/>
+            </a:lnSpc>
+            <a:spcBef>
+              <a:spcPct val="0"/>
+            </a:spcBef>
+            <a:spcAft>
+              <a:spcPct val="35000"/>
+            </a:spcAft>
+          </a:pPr>
+          <a:r>
+            <a:rPr lang="en-US" sz="600" kern="1200" dirty="0" smtClean="0"/>
+            <a:t>Hops</a:t>
+          </a:r>
+          <a:endParaRPr lang="en-US" sz="600" kern="1200" dirty="0"/>
+        </a:p>
+      </dsp:txBody>
+      <dsp:txXfrm>
+        <a:off x="5205932" y="1978893"/>
+        <a:ext cx="602571" cy="393551"/>
+      </dsp:txXfrm>
+    </dsp:sp>
+    <dsp:sp modelId="{093EAA34-6D29-4880-ABF2-F44E0D5242C8}">
+      <dsp:nvSpPr>
+        <dsp:cNvPr id="0" name=""/>
+        <dsp:cNvSpPr/>
+      </dsp:nvSpPr>
+      <dsp:spPr>
+        <a:xfrm>
+          <a:off x="5099629" y="2384688"/>
+          <a:ext cx="407588" cy="167215"/>
+        </a:xfrm>
+        <a:custGeom>
+          <a:avLst/>
+          <a:gdLst/>
+          <a:ahLst/>
+          <a:cxnLst/>
+          <a:rect l="0" t="0" r="0" b="0"/>
+          <a:pathLst>
+            <a:path>
+              <a:moveTo>
+                <a:pt x="407588" y="0"/>
+              </a:moveTo>
+              <a:lnTo>
+                <a:pt x="407588" y="83607"/>
+              </a:lnTo>
+              <a:lnTo>
+                <a:pt x="0" y="83607"/>
+              </a:lnTo>
+              <a:lnTo>
+                <a:pt x="0" y="167215"/>
+              </a:lnTo>
+            </a:path>
+          </a:pathLst>
+        </a:custGeom>
+        <a:noFill/>
+        <a:ln w="12700" cap="flat" cmpd="sng" algn="ctr">
+          <a:solidFill>
+            <a:schemeClr val="accent1">
+              <a:shade val="80000"/>
+              <a:hueOff val="0"/>
+              <a:satOff val="0"/>
+              <a:lumOff val="0"/>
+              <a:alphaOff val="0"/>
+            </a:schemeClr>
+          </a:solidFill>
+          <a:prstDash val="solid"/>
+          <a:miter lim="800000"/>
+        </a:ln>
+        <a:effectLst/>
+      </dsp:spPr>
+      <dsp:style>
+        <a:lnRef idx="2">
+          <a:scrgbClr r="0" g="0" b="0"/>
+        </a:lnRef>
+        <a:fillRef idx="0">
+          <a:scrgbClr r="0" g="0" b="0"/>
+        </a:fillRef>
+        <a:effectRef idx="0">
+          <a:scrgbClr r="0" g="0" b="0"/>
+        </a:effectRef>
+        <a:fontRef idx="minor"/>
+      </dsp:style>
+    </dsp:sp>
+    <dsp:sp modelId="{C7253CD9-A177-409E-9470-F1E33DB523A9}">
+      <dsp:nvSpPr>
+        <dsp:cNvPr id="0" name=""/>
+        <dsp:cNvSpPr/>
+      </dsp:nvSpPr>
+      <dsp:spPr>
+        <a:xfrm>
+          <a:off x="4786099" y="2551904"/>
+          <a:ext cx="627059" cy="418039"/>
+        </a:xfrm>
+        <a:prstGeom prst="roundRect">
+          <a:avLst>
+            <a:gd name="adj" fmla="val 10000"/>
+          </a:avLst>
+        </a:prstGeom>
+        <a:solidFill>
+          <a:schemeClr val="accent1">
+            <a:hueOff val="0"/>
+            <a:satOff val="0"/>
+            <a:lumOff val="0"/>
+            <a:alphaOff val="0"/>
+          </a:schemeClr>
+        </a:solidFill>
+        <a:ln w="12700" cap="flat" cmpd="sng" algn="ctr">
+          <a:solidFill>
+            <a:schemeClr val="lt1">
+              <a:hueOff val="0"/>
+              <a:satOff val="0"/>
+              <a:lumOff val="0"/>
+              <a:alphaOff val="0"/>
+            </a:schemeClr>
+          </a:solidFill>
+          <a:prstDash val="solid"/>
+          <a:miter lim="800000"/>
+        </a:ln>
+        <a:effectLst/>
+      </dsp:spPr>
+      <dsp:style>
+        <a:lnRef idx="2">
+          <a:scrgbClr r="0" g="0" b="0"/>
+        </a:lnRef>
+        <a:fillRef idx="1">
+          <a:scrgbClr r="0" g="0" b="0"/>
+        </a:fillRef>
+        <a:effectRef idx="0">
+          <a:scrgbClr r="0" g="0" b="0"/>
+        </a:effectRef>
+        <a:fontRef idx="minor">
+          <a:schemeClr val="lt1"/>
+        </a:fontRef>
+      </dsp:style>
+      <dsp:txBody>
+        <a:bodyPr spcFirstLastPara="0" vert="horz" wrap="square" lIns="22860" tIns="22860" rIns="22860" bIns="22860" numCol="1" spcCol="1270" anchor="ctr" anchorCtr="0">
+          <a:noAutofit/>
+        </a:bodyPr>
         <a:lstStyle/>
         <a:p>
+          <a:pPr lvl="0" algn="ctr" defTabSz="266700">
+            <a:lnSpc>
+              <a:spcPct val="90000"/>
+            </a:lnSpc>
+            <a:spcBef>
+              <a:spcPct val="0"/>
+            </a:spcBef>
+            <a:spcAft>
+              <a:spcPct val="35000"/>
+            </a:spcAft>
+          </a:pPr>
           <a:r>
-            <a:rPr lang="en-US" dirty="0" smtClean="0"/>
+            <a:rPr lang="en-US" sz="600" kern="1200" dirty="0" smtClean="0"/>
+            <a:t>Bittering Hops</a:t>
+          </a:r>
+          <a:endParaRPr lang="en-US" sz="600" kern="1200" dirty="0"/>
+        </a:p>
+      </dsp:txBody>
+      <dsp:txXfrm>
+        <a:off x="4798343" y="2564148"/>
+        <a:ext cx="602571" cy="393551"/>
+      </dsp:txXfrm>
+    </dsp:sp>
+    <dsp:sp modelId="{BD7B4871-5B0A-4923-ADBC-D338C225A368}">
+      <dsp:nvSpPr>
+        <dsp:cNvPr id="0" name=""/>
+        <dsp:cNvSpPr/>
+      </dsp:nvSpPr>
+      <dsp:spPr>
+        <a:xfrm>
+          <a:off x="5507218" y="2384688"/>
+          <a:ext cx="407588" cy="167215"/>
+        </a:xfrm>
+        <a:custGeom>
+          <a:avLst/>
+          <a:gdLst/>
+          <a:ahLst/>
+          <a:cxnLst/>
+          <a:rect l="0" t="0" r="0" b="0"/>
+          <a:pathLst>
+            <a:path>
+              <a:moveTo>
+                <a:pt x="0" y="0"/>
+              </a:moveTo>
+              <a:lnTo>
+                <a:pt x="0" y="83607"/>
+              </a:lnTo>
+              <a:lnTo>
+                <a:pt x="407588" y="83607"/>
+              </a:lnTo>
+              <a:lnTo>
+                <a:pt x="407588" y="167215"/>
+              </a:lnTo>
+            </a:path>
+          </a:pathLst>
+        </a:custGeom>
+        <a:noFill/>
+        <a:ln w="12700" cap="flat" cmpd="sng" algn="ctr">
+          <a:solidFill>
+            <a:schemeClr val="accent1">
+              <a:shade val="80000"/>
+              <a:hueOff val="0"/>
+              <a:satOff val="0"/>
+              <a:lumOff val="0"/>
+              <a:alphaOff val="0"/>
+            </a:schemeClr>
+          </a:solidFill>
+          <a:prstDash val="solid"/>
+          <a:miter lim="800000"/>
+        </a:ln>
+        <a:effectLst/>
+      </dsp:spPr>
+      <dsp:style>
+        <a:lnRef idx="2">
+          <a:scrgbClr r="0" g="0" b="0"/>
+        </a:lnRef>
+        <a:fillRef idx="0">
+          <a:scrgbClr r="0" g="0" b="0"/>
+        </a:fillRef>
+        <a:effectRef idx="0">
+          <a:scrgbClr r="0" g="0" b="0"/>
+        </a:effectRef>
+        <a:fontRef idx="minor"/>
+      </dsp:style>
+    </dsp:sp>
+    <dsp:sp modelId="{ACFCFD85-610C-4C68-97E4-198108E39336}">
+      <dsp:nvSpPr>
+        <dsp:cNvPr id="0" name=""/>
+        <dsp:cNvSpPr/>
+      </dsp:nvSpPr>
+      <dsp:spPr>
+        <a:xfrm>
+          <a:off x="5601277" y="2551904"/>
+          <a:ext cx="627059" cy="418039"/>
+        </a:xfrm>
+        <a:prstGeom prst="roundRect">
+          <a:avLst>
+            <a:gd name="adj" fmla="val 10000"/>
+          </a:avLst>
+        </a:prstGeom>
+        <a:solidFill>
+          <a:schemeClr val="accent1">
+            <a:hueOff val="0"/>
+            <a:satOff val="0"/>
+            <a:lumOff val="0"/>
+            <a:alphaOff val="0"/>
+          </a:schemeClr>
+        </a:solidFill>
+        <a:ln w="12700" cap="flat" cmpd="sng" algn="ctr">
+          <a:solidFill>
+            <a:schemeClr val="lt1">
+              <a:hueOff val="0"/>
+              <a:satOff val="0"/>
+              <a:lumOff val="0"/>
+              <a:alphaOff val="0"/>
+            </a:schemeClr>
+          </a:solidFill>
+          <a:prstDash val="solid"/>
+          <a:miter lim="800000"/>
+        </a:ln>
+        <a:effectLst/>
+      </dsp:spPr>
+      <dsp:style>
+        <a:lnRef idx="2">
+          <a:scrgbClr r="0" g="0" b="0"/>
+        </a:lnRef>
+        <a:fillRef idx="1">
+          <a:scrgbClr r="0" g="0" b="0"/>
+        </a:fillRef>
+        <a:effectRef idx="0">
+          <a:scrgbClr r="0" g="0" b="0"/>
+        </a:effectRef>
+        <a:fontRef idx="minor">
+          <a:schemeClr val="lt1"/>
+        </a:fontRef>
+      </dsp:style>
+      <dsp:txBody>
+        <a:bodyPr spcFirstLastPara="0" vert="horz" wrap="square" lIns="22860" tIns="22860" rIns="22860" bIns="22860" numCol="1" spcCol="1270" anchor="ctr" anchorCtr="0">
+          <a:noAutofit/>
+        </a:bodyPr>
+        <a:lstStyle/>
+        <a:p>
+          <a:pPr lvl="0" algn="ctr" defTabSz="266700">
+            <a:lnSpc>
+              <a:spcPct val="90000"/>
+            </a:lnSpc>
+            <a:spcBef>
+              <a:spcPct val="0"/>
+            </a:spcBef>
+            <a:spcAft>
+              <a:spcPct val="35000"/>
+            </a:spcAft>
+          </a:pPr>
+          <a:r>
+            <a:rPr lang="en-US" sz="600" kern="1200" dirty="0" smtClean="0"/>
+            <a:t>Aroma/Flavoring Hops</a:t>
+          </a:r>
+          <a:endParaRPr lang="en-US" sz="600" kern="1200" dirty="0"/>
+        </a:p>
+      </dsp:txBody>
+      <dsp:txXfrm>
+        <a:off x="5613521" y="2564148"/>
+        <a:ext cx="602571" cy="393551"/>
+      </dsp:txXfrm>
+    </dsp:sp>
+    <dsp:sp modelId="{D6F1DDD3-C4F4-4213-9E16-0974BE8D6C19}">
+      <dsp:nvSpPr>
+        <dsp:cNvPr id="0" name=""/>
+        <dsp:cNvSpPr/>
+      </dsp:nvSpPr>
+      <dsp:spPr>
+        <a:xfrm>
+          <a:off x="6322395" y="1799433"/>
+          <a:ext cx="815177" cy="167215"/>
+        </a:xfrm>
+        <a:custGeom>
+          <a:avLst/>
+          <a:gdLst/>
+          <a:ahLst/>
+          <a:cxnLst/>
+          <a:rect l="0" t="0" r="0" b="0"/>
+          <a:pathLst>
+            <a:path>
+              <a:moveTo>
+                <a:pt x="0" y="0"/>
+              </a:moveTo>
+              <a:lnTo>
+                <a:pt x="0" y="83607"/>
+              </a:lnTo>
+              <a:lnTo>
+                <a:pt x="815177" y="83607"/>
+              </a:lnTo>
+              <a:lnTo>
+                <a:pt x="815177" y="167215"/>
+              </a:lnTo>
+            </a:path>
+          </a:pathLst>
+        </a:custGeom>
+        <a:noFill/>
+        <a:ln w="12700" cap="flat" cmpd="sng" algn="ctr">
+          <a:solidFill>
+            <a:schemeClr val="accent1">
+              <a:shade val="60000"/>
+              <a:hueOff val="0"/>
+              <a:satOff val="0"/>
+              <a:lumOff val="0"/>
+              <a:alphaOff val="0"/>
+            </a:schemeClr>
+          </a:solidFill>
+          <a:prstDash val="solid"/>
+          <a:miter lim="800000"/>
+        </a:ln>
+        <a:effectLst/>
+      </dsp:spPr>
+      <dsp:style>
+        <a:lnRef idx="2">
+          <a:scrgbClr r="0" g="0" b="0"/>
+        </a:lnRef>
+        <a:fillRef idx="0">
+          <a:scrgbClr r="0" g="0" b="0"/>
+        </a:fillRef>
+        <a:effectRef idx="0">
+          <a:scrgbClr r="0" g="0" b="0"/>
+        </a:effectRef>
+        <a:fontRef idx="minor"/>
+      </dsp:style>
+    </dsp:sp>
+    <dsp:sp modelId="{B6B99BC1-ED8A-4F27-B2D4-29838122C558}">
+      <dsp:nvSpPr>
+        <dsp:cNvPr id="0" name=""/>
+        <dsp:cNvSpPr/>
+      </dsp:nvSpPr>
+      <dsp:spPr>
+        <a:xfrm>
+          <a:off x="6824042" y="1966649"/>
+          <a:ext cx="627059" cy="418039"/>
+        </a:xfrm>
+        <a:prstGeom prst="roundRect">
+          <a:avLst>
+            <a:gd name="adj" fmla="val 10000"/>
+          </a:avLst>
+        </a:prstGeom>
+        <a:solidFill>
+          <a:schemeClr val="accent1">
+            <a:hueOff val="0"/>
+            <a:satOff val="0"/>
+            <a:lumOff val="0"/>
+            <a:alphaOff val="0"/>
+          </a:schemeClr>
+        </a:solidFill>
+        <a:ln w="12700" cap="flat" cmpd="sng" algn="ctr">
+          <a:solidFill>
+            <a:schemeClr val="lt1">
+              <a:hueOff val="0"/>
+              <a:satOff val="0"/>
+              <a:lumOff val="0"/>
+              <a:alphaOff val="0"/>
+            </a:schemeClr>
+          </a:solidFill>
+          <a:prstDash val="solid"/>
+          <a:miter lim="800000"/>
+        </a:ln>
+        <a:effectLst/>
+      </dsp:spPr>
+      <dsp:style>
+        <a:lnRef idx="2">
+          <a:scrgbClr r="0" g="0" b="0"/>
+        </a:lnRef>
+        <a:fillRef idx="1">
+          <a:scrgbClr r="0" g="0" b="0"/>
+        </a:fillRef>
+        <a:effectRef idx="0">
+          <a:scrgbClr r="0" g="0" b="0"/>
+        </a:effectRef>
+        <a:fontRef idx="minor">
+          <a:schemeClr val="lt1"/>
+        </a:fontRef>
+      </dsp:style>
+      <dsp:txBody>
+        <a:bodyPr spcFirstLastPara="0" vert="horz" wrap="square" lIns="22860" tIns="22860" rIns="22860" bIns="22860" numCol="1" spcCol="1270" anchor="ctr" anchorCtr="0">
+          <a:noAutofit/>
+        </a:bodyPr>
+        <a:lstStyle/>
+        <a:p>
+          <a:pPr lvl="0" algn="ctr" defTabSz="266700">
+            <a:lnSpc>
+              <a:spcPct val="90000"/>
+            </a:lnSpc>
+            <a:spcBef>
+              <a:spcPct val="0"/>
+            </a:spcBef>
+            <a:spcAft>
+              <a:spcPct val="35000"/>
+            </a:spcAft>
+          </a:pPr>
+          <a:r>
+            <a:rPr lang="en-US" sz="600" kern="1200" dirty="0" smtClean="0"/>
+            <a:t>Water</a:t>
+          </a:r>
+          <a:endParaRPr lang="en-US" sz="600" kern="1200" dirty="0"/>
+        </a:p>
+      </dsp:txBody>
+      <dsp:txXfrm>
+        <a:off x="6836286" y="1978893"/>
+        <a:ext cx="602571" cy="393551"/>
+      </dsp:txXfrm>
+    </dsp:sp>
+    <dsp:sp modelId="{01D28A20-DCBA-48A9-A4AC-F6CF873E86F4}">
+      <dsp:nvSpPr>
+        <dsp:cNvPr id="0" name=""/>
+        <dsp:cNvSpPr/>
+      </dsp:nvSpPr>
+      <dsp:spPr>
+        <a:xfrm>
+          <a:off x="6729984" y="2384688"/>
+          <a:ext cx="407588" cy="167215"/>
+        </a:xfrm>
+        <a:custGeom>
+          <a:avLst/>
+          <a:gdLst/>
+          <a:ahLst/>
+          <a:cxnLst/>
+          <a:rect l="0" t="0" r="0" b="0"/>
+          <a:pathLst>
+            <a:path>
+              <a:moveTo>
+                <a:pt x="407588" y="0"/>
+              </a:moveTo>
+              <a:lnTo>
+                <a:pt x="407588" y="83607"/>
+              </a:lnTo>
+              <a:lnTo>
+                <a:pt x="0" y="83607"/>
+              </a:lnTo>
+              <a:lnTo>
+                <a:pt x="0" y="167215"/>
+              </a:lnTo>
+            </a:path>
+          </a:pathLst>
+        </a:custGeom>
+        <a:noFill/>
+        <a:ln w="12700" cap="flat" cmpd="sng" algn="ctr">
+          <a:solidFill>
+            <a:schemeClr val="accent1">
+              <a:shade val="80000"/>
+              <a:hueOff val="0"/>
+              <a:satOff val="0"/>
+              <a:lumOff val="0"/>
+              <a:alphaOff val="0"/>
+            </a:schemeClr>
+          </a:solidFill>
+          <a:prstDash val="solid"/>
+          <a:miter lim="800000"/>
+        </a:ln>
+        <a:effectLst/>
+      </dsp:spPr>
+      <dsp:style>
+        <a:lnRef idx="2">
+          <a:scrgbClr r="0" g="0" b="0"/>
+        </a:lnRef>
+        <a:fillRef idx="0">
+          <a:scrgbClr r="0" g="0" b="0"/>
+        </a:fillRef>
+        <a:effectRef idx="0">
+          <a:scrgbClr r="0" g="0" b="0"/>
+        </a:effectRef>
+        <a:fontRef idx="minor"/>
+      </dsp:style>
+    </dsp:sp>
+    <dsp:sp modelId="{D3B6F5ED-C50F-4D88-86E7-32285FB13E1F}">
+      <dsp:nvSpPr>
+        <dsp:cNvPr id="0" name=""/>
+        <dsp:cNvSpPr/>
+      </dsp:nvSpPr>
+      <dsp:spPr>
+        <a:xfrm>
+          <a:off x="6416454" y="2551904"/>
+          <a:ext cx="627059" cy="418039"/>
+        </a:xfrm>
+        <a:prstGeom prst="roundRect">
+          <a:avLst>
+            <a:gd name="adj" fmla="val 10000"/>
+          </a:avLst>
+        </a:prstGeom>
+        <a:solidFill>
+          <a:schemeClr val="accent1">
+            <a:hueOff val="0"/>
+            <a:satOff val="0"/>
+            <a:lumOff val="0"/>
+            <a:alphaOff val="0"/>
+          </a:schemeClr>
+        </a:solidFill>
+        <a:ln w="12700" cap="flat" cmpd="sng" algn="ctr">
+          <a:solidFill>
+            <a:schemeClr val="lt1">
+              <a:hueOff val="0"/>
+              <a:satOff val="0"/>
+              <a:lumOff val="0"/>
+              <a:alphaOff val="0"/>
+            </a:schemeClr>
+          </a:solidFill>
+          <a:prstDash val="solid"/>
+          <a:miter lim="800000"/>
+        </a:ln>
+        <a:effectLst/>
+      </dsp:spPr>
+      <dsp:style>
+        <a:lnRef idx="2">
+          <a:scrgbClr r="0" g="0" b="0"/>
+        </a:lnRef>
+        <a:fillRef idx="1">
+          <a:scrgbClr r="0" g="0" b="0"/>
+        </a:fillRef>
+        <a:effectRef idx="0">
+          <a:scrgbClr r="0" g="0" b="0"/>
+        </a:effectRef>
+        <a:fontRef idx="minor">
+          <a:schemeClr val="lt1"/>
+        </a:fontRef>
+      </dsp:style>
+      <dsp:txBody>
+        <a:bodyPr spcFirstLastPara="0" vert="horz" wrap="square" lIns="22860" tIns="22860" rIns="22860" bIns="22860" numCol="1" spcCol="1270" anchor="ctr" anchorCtr="0">
+          <a:noAutofit/>
+        </a:bodyPr>
+        <a:lstStyle/>
+        <a:p>
+          <a:pPr lvl="0" algn="ctr" defTabSz="266700">
+            <a:lnSpc>
+              <a:spcPct val="90000"/>
+            </a:lnSpc>
+            <a:spcBef>
+              <a:spcPct val="0"/>
+            </a:spcBef>
+            <a:spcAft>
+              <a:spcPct val="35000"/>
+            </a:spcAft>
+          </a:pPr>
+          <a:r>
+            <a:rPr lang="en-US" sz="600" kern="1200" dirty="0" smtClean="0"/>
+            <a:t>pH and chemistry</a:t>
+          </a:r>
+          <a:endParaRPr lang="en-US" sz="600" kern="1200" dirty="0"/>
+        </a:p>
+      </dsp:txBody>
+      <dsp:txXfrm>
+        <a:off x="6428698" y="2564148"/>
+        <a:ext cx="602571" cy="393551"/>
+      </dsp:txXfrm>
+    </dsp:sp>
+    <dsp:sp modelId="{24E6A523-DFF0-4C52-88C7-F1B7397D1E98}">
+      <dsp:nvSpPr>
+        <dsp:cNvPr id="0" name=""/>
+        <dsp:cNvSpPr/>
+      </dsp:nvSpPr>
+      <dsp:spPr>
+        <a:xfrm>
+          <a:off x="7137572" y="2384688"/>
+          <a:ext cx="407588" cy="167215"/>
+        </a:xfrm>
+        <a:custGeom>
+          <a:avLst/>
+          <a:gdLst/>
+          <a:ahLst/>
+          <a:cxnLst/>
+          <a:rect l="0" t="0" r="0" b="0"/>
+          <a:pathLst>
+            <a:path>
+              <a:moveTo>
+                <a:pt x="0" y="0"/>
+              </a:moveTo>
+              <a:lnTo>
+                <a:pt x="0" y="83607"/>
+              </a:lnTo>
+              <a:lnTo>
+                <a:pt x="407588" y="83607"/>
+              </a:lnTo>
+              <a:lnTo>
+                <a:pt x="407588" y="167215"/>
+              </a:lnTo>
+            </a:path>
+          </a:pathLst>
+        </a:custGeom>
+        <a:noFill/>
+        <a:ln w="12700" cap="flat" cmpd="sng" algn="ctr">
+          <a:solidFill>
+            <a:schemeClr val="accent1">
+              <a:shade val="80000"/>
+              <a:hueOff val="0"/>
+              <a:satOff val="0"/>
+              <a:lumOff val="0"/>
+              <a:alphaOff val="0"/>
+            </a:schemeClr>
+          </a:solidFill>
+          <a:prstDash val="solid"/>
+          <a:miter lim="800000"/>
+        </a:ln>
+        <a:effectLst/>
+      </dsp:spPr>
+      <dsp:style>
+        <a:lnRef idx="2">
+          <a:scrgbClr r="0" g="0" b="0"/>
+        </a:lnRef>
+        <a:fillRef idx="0">
+          <a:scrgbClr r="0" g="0" b="0"/>
+        </a:fillRef>
+        <a:effectRef idx="0">
+          <a:scrgbClr r="0" g="0" b="0"/>
+        </a:effectRef>
+        <a:fontRef idx="minor"/>
+      </dsp:style>
+    </dsp:sp>
+    <dsp:sp modelId="{C74F8C5C-885E-4EBE-825C-EEE94CE4685C}">
+      <dsp:nvSpPr>
+        <dsp:cNvPr id="0" name=""/>
+        <dsp:cNvSpPr/>
+      </dsp:nvSpPr>
+      <dsp:spPr>
+        <a:xfrm>
+          <a:off x="7231631" y="2551904"/>
+          <a:ext cx="627059" cy="418039"/>
+        </a:xfrm>
+        <a:prstGeom prst="roundRect">
+          <a:avLst>
+            <a:gd name="adj" fmla="val 10000"/>
+          </a:avLst>
+        </a:prstGeom>
+        <a:solidFill>
+          <a:schemeClr val="accent1">
+            <a:hueOff val="0"/>
+            <a:satOff val="0"/>
+            <a:lumOff val="0"/>
+            <a:alphaOff val="0"/>
+          </a:schemeClr>
+        </a:solidFill>
+        <a:ln w="12700" cap="flat" cmpd="sng" algn="ctr">
+          <a:solidFill>
+            <a:schemeClr val="lt1">
+              <a:hueOff val="0"/>
+              <a:satOff val="0"/>
+              <a:lumOff val="0"/>
+              <a:alphaOff val="0"/>
+            </a:schemeClr>
+          </a:solidFill>
+          <a:prstDash val="solid"/>
+          <a:miter lim="800000"/>
+        </a:ln>
+        <a:effectLst/>
+      </dsp:spPr>
+      <dsp:style>
+        <a:lnRef idx="2">
+          <a:scrgbClr r="0" g="0" b="0"/>
+        </a:lnRef>
+        <a:fillRef idx="1">
+          <a:scrgbClr r="0" g="0" b="0"/>
+        </a:fillRef>
+        <a:effectRef idx="0">
+          <a:scrgbClr r="0" g="0" b="0"/>
+        </a:effectRef>
+        <a:fontRef idx="minor">
+          <a:schemeClr val="lt1"/>
+        </a:fontRef>
+      </dsp:style>
+      <dsp:txBody>
+        <a:bodyPr spcFirstLastPara="0" vert="horz" wrap="square" lIns="22860" tIns="22860" rIns="22860" bIns="22860" numCol="1" spcCol="1270" anchor="ctr" anchorCtr="0">
+          <a:noAutofit/>
+        </a:bodyPr>
+        <a:lstStyle/>
+        <a:p>
+          <a:pPr lvl="0" algn="ctr" defTabSz="266700">
+            <a:lnSpc>
+              <a:spcPct val="90000"/>
+            </a:lnSpc>
+            <a:spcBef>
+              <a:spcPct val="0"/>
+            </a:spcBef>
+            <a:spcAft>
+              <a:spcPct val="35000"/>
+            </a:spcAft>
+          </a:pPr>
+          <a:r>
+            <a:rPr lang="en-US" sz="600" kern="1200" dirty="0" smtClean="0"/>
+            <a:t>Volumes</a:t>
+          </a:r>
+          <a:endParaRPr lang="en-US" sz="600" kern="1200" dirty="0"/>
+        </a:p>
+      </dsp:txBody>
+      <dsp:txXfrm>
+        <a:off x="7243875" y="2564148"/>
+        <a:ext cx="602571" cy="393551"/>
+      </dsp:txXfrm>
+    </dsp:sp>
+    <dsp:sp modelId="{DA2E024B-69C4-4355-A3A8-7D5210124787}">
+      <dsp:nvSpPr>
+        <dsp:cNvPr id="0" name=""/>
+        <dsp:cNvSpPr/>
+      </dsp:nvSpPr>
+      <dsp:spPr>
+        <a:xfrm>
+          <a:off x="6322395" y="1799433"/>
+          <a:ext cx="2853120" cy="167215"/>
+        </a:xfrm>
+        <a:custGeom>
+          <a:avLst/>
+          <a:gdLst/>
+          <a:ahLst/>
+          <a:cxnLst/>
+          <a:rect l="0" t="0" r="0" b="0"/>
+          <a:pathLst>
+            <a:path>
+              <a:moveTo>
+                <a:pt x="0" y="0"/>
+              </a:moveTo>
+              <a:lnTo>
+                <a:pt x="0" y="83607"/>
+              </a:lnTo>
+              <a:lnTo>
+                <a:pt x="2853120" y="83607"/>
+              </a:lnTo>
+              <a:lnTo>
+                <a:pt x="2853120" y="167215"/>
+              </a:lnTo>
+            </a:path>
+          </a:pathLst>
+        </a:custGeom>
+        <a:noFill/>
+        <a:ln w="12700" cap="flat" cmpd="sng" algn="ctr">
+          <a:solidFill>
+            <a:schemeClr val="accent1">
+              <a:shade val="60000"/>
+              <a:hueOff val="0"/>
+              <a:satOff val="0"/>
+              <a:lumOff val="0"/>
+              <a:alphaOff val="0"/>
+            </a:schemeClr>
+          </a:solidFill>
+          <a:prstDash val="solid"/>
+          <a:miter lim="800000"/>
+        </a:ln>
+        <a:effectLst/>
+      </dsp:spPr>
+      <dsp:style>
+        <a:lnRef idx="2">
+          <a:scrgbClr r="0" g="0" b="0"/>
+        </a:lnRef>
+        <a:fillRef idx="0">
+          <a:scrgbClr r="0" g="0" b="0"/>
+        </a:fillRef>
+        <a:effectRef idx="0">
+          <a:scrgbClr r="0" g="0" b="0"/>
+        </a:effectRef>
+        <a:fontRef idx="minor"/>
+      </dsp:style>
+    </dsp:sp>
+    <dsp:sp modelId="{C60C78D6-CDF0-4199-9F74-B1D81B59FB9A}">
+      <dsp:nvSpPr>
+        <dsp:cNvPr id="0" name=""/>
+        <dsp:cNvSpPr/>
+      </dsp:nvSpPr>
+      <dsp:spPr>
+        <a:xfrm>
+          <a:off x="8861985" y="1966649"/>
+          <a:ext cx="627059" cy="418039"/>
+        </a:xfrm>
+        <a:prstGeom prst="roundRect">
+          <a:avLst>
+            <a:gd name="adj" fmla="val 10000"/>
+          </a:avLst>
+        </a:prstGeom>
+        <a:solidFill>
+          <a:schemeClr val="accent1">
+            <a:hueOff val="0"/>
+            <a:satOff val="0"/>
+            <a:lumOff val="0"/>
+            <a:alphaOff val="0"/>
+          </a:schemeClr>
+        </a:solidFill>
+        <a:ln w="12700" cap="flat" cmpd="sng" algn="ctr">
+          <a:solidFill>
+            <a:schemeClr val="lt1">
+              <a:hueOff val="0"/>
+              <a:satOff val="0"/>
+              <a:lumOff val="0"/>
+              <a:alphaOff val="0"/>
+            </a:schemeClr>
+          </a:solidFill>
+          <a:prstDash val="solid"/>
+          <a:miter lim="800000"/>
+        </a:ln>
+        <a:effectLst/>
+      </dsp:spPr>
+      <dsp:style>
+        <a:lnRef idx="2">
+          <a:scrgbClr r="0" g="0" b="0"/>
+        </a:lnRef>
+        <a:fillRef idx="1">
+          <a:scrgbClr r="0" g="0" b="0"/>
+        </a:fillRef>
+        <a:effectRef idx="0">
+          <a:scrgbClr r="0" g="0" b="0"/>
+        </a:effectRef>
+        <a:fontRef idx="minor">
+          <a:schemeClr val="lt1"/>
+        </a:fontRef>
+      </dsp:style>
+      <dsp:txBody>
+        <a:bodyPr spcFirstLastPara="0" vert="horz" wrap="square" lIns="22860" tIns="22860" rIns="22860" bIns="22860" numCol="1" spcCol="1270" anchor="ctr" anchorCtr="0">
+          <a:noAutofit/>
+        </a:bodyPr>
+        <a:lstStyle/>
+        <a:p>
+          <a:pPr lvl="0" algn="ctr" defTabSz="266700">
+            <a:lnSpc>
+              <a:spcPct val="90000"/>
+            </a:lnSpc>
+            <a:spcBef>
+              <a:spcPct val="0"/>
+            </a:spcBef>
+            <a:spcAft>
+              <a:spcPct val="35000"/>
+            </a:spcAft>
+          </a:pPr>
+          <a:r>
+            <a:rPr lang="en-US" sz="600" kern="1200" dirty="0" smtClean="0"/>
             <a:t>Mash</a:t>
           </a:r>
-          <a:endParaRPr lang="en-US" dirty="0"/>
-        </a:p>
-      </dgm:t>
-    </dgm:pt>
-    <dgm:pt modelId="{67188769-DC91-47DD-B888-8D8C3F74044F}" type="parTrans" cxnId="{9751B7F1-95ED-4173-8710-645F4D2EE8ED}">
-      <dgm:prSet/>
-      <dgm:spPr/>
-      <dgm:t>
-        <a:bodyPr/>
+          <a:endParaRPr lang="en-US" sz="600" kern="1200" dirty="0"/>
+        </a:p>
+      </dsp:txBody>
+      <dsp:txXfrm>
+        <a:off x="8874229" y="1978893"/>
+        <a:ext cx="602571" cy="393551"/>
+      </dsp:txXfrm>
+    </dsp:sp>
+    <dsp:sp modelId="{1E3A30F8-69A7-4B2E-958F-654E060EA288}">
+      <dsp:nvSpPr>
+        <dsp:cNvPr id="0" name=""/>
+        <dsp:cNvSpPr/>
+      </dsp:nvSpPr>
+      <dsp:spPr>
+        <a:xfrm>
+          <a:off x="8360338" y="2384688"/>
+          <a:ext cx="815177" cy="167215"/>
+        </a:xfrm>
+        <a:custGeom>
+          <a:avLst/>
+          <a:gdLst/>
+          <a:ahLst/>
+          <a:cxnLst/>
+          <a:rect l="0" t="0" r="0" b="0"/>
+          <a:pathLst>
+            <a:path>
+              <a:moveTo>
+                <a:pt x="815177" y="0"/>
+              </a:moveTo>
+              <a:lnTo>
+                <a:pt x="815177" y="83607"/>
+              </a:lnTo>
+              <a:lnTo>
+                <a:pt x="0" y="83607"/>
+              </a:lnTo>
+              <a:lnTo>
+                <a:pt x="0" y="167215"/>
+              </a:lnTo>
+            </a:path>
+          </a:pathLst>
+        </a:custGeom>
+        <a:noFill/>
+        <a:ln w="12700" cap="flat" cmpd="sng" algn="ctr">
+          <a:solidFill>
+            <a:schemeClr val="accent1">
+              <a:shade val="80000"/>
+              <a:hueOff val="0"/>
+              <a:satOff val="0"/>
+              <a:lumOff val="0"/>
+              <a:alphaOff val="0"/>
+            </a:schemeClr>
+          </a:solidFill>
+          <a:prstDash val="solid"/>
+          <a:miter lim="800000"/>
+        </a:ln>
+        <a:effectLst/>
+      </dsp:spPr>
+      <dsp:style>
+        <a:lnRef idx="2">
+          <a:scrgbClr r="0" g="0" b="0"/>
+        </a:lnRef>
+        <a:fillRef idx="0">
+          <a:scrgbClr r="0" g="0" b="0"/>
+        </a:fillRef>
+        <a:effectRef idx="0">
+          <a:scrgbClr r="0" g="0" b="0"/>
+        </a:effectRef>
+        <a:fontRef idx="minor"/>
+      </dsp:style>
+    </dsp:sp>
+    <dsp:sp modelId="{559E469F-0076-4B4E-8C81-1F8F83A5C2B1}">
+      <dsp:nvSpPr>
+        <dsp:cNvPr id="0" name=""/>
+        <dsp:cNvSpPr/>
+      </dsp:nvSpPr>
+      <dsp:spPr>
+        <a:xfrm>
+          <a:off x="8046808" y="2551904"/>
+          <a:ext cx="627059" cy="418039"/>
+        </a:xfrm>
+        <a:prstGeom prst="roundRect">
+          <a:avLst>
+            <a:gd name="adj" fmla="val 10000"/>
+          </a:avLst>
+        </a:prstGeom>
+        <a:solidFill>
+          <a:schemeClr val="accent1">
+            <a:hueOff val="0"/>
+            <a:satOff val="0"/>
+            <a:lumOff val="0"/>
+            <a:alphaOff val="0"/>
+          </a:schemeClr>
+        </a:solidFill>
+        <a:ln w="12700" cap="flat" cmpd="sng" algn="ctr">
+          <a:solidFill>
+            <a:schemeClr val="lt1">
+              <a:hueOff val="0"/>
+              <a:satOff val="0"/>
+              <a:lumOff val="0"/>
+              <a:alphaOff val="0"/>
+            </a:schemeClr>
+          </a:solidFill>
+          <a:prstDash val="solid"/>
+          <a:miter lim="800000"/>
+        </a:ln>
+        <a:effectLst/>
+      </dsp:spPr>
+      <dsp:style>
+        <a:lnRef idx="2">
+          <a:scrgbClr r="0" g="0" b="0"/>
+        </a:lnRef>
+        <a:fillRef idx="1">
+          <a:scrgbClr r="0" g="0" b="0"/>
+        </a:fillRef>
+        <a:effectRef idx="0">
+          <a:scrgbClr r="0" g="0" b="0"/>
+        </a:effectRef>
+        <a:fontRef idx="minor">
+          <a:schemeClr val="lt1"/>
+        </a:fontRef>
+      </dsp:style>
+      <dsp:txBody>
+        <a:bodyPr spcFirstLastPara="0" vert="horz" wrap="square" lIns="22860" tIns="22860" rIns="22860" bIns="22860" numCol="1" spcCol="1270" anchor="ctr" anchorCtr="0">
+          <a:noAutofit/>
+        </a:bodyPr>
         <a:lstStyle/>
         <a:p>
-          <a:endParaRPr lang="en-US"/>
-        </a:p>
-      </dgm:t>
-    </dgm:pt>
-    <dgm:pt modelId="{056E3F11-E1F7-4873-9AA1-1DB783615AB0}" type="sibTrans" cxnId="{9751B7F1-95ED-4173-8710-645F4D2EE8ED}">
-      <dgm:prSet/>
-      <dgm:spPr/>
-      <dgm:t>
-        <a:bodyPr/>
+          <a:pPr lvl="0" algn="ctr" defTabSz="266700">
+            <a:lnSpc>
+              <a:spcPct val="90000"/>
+            </a:lnSpc>
+            <a:spcBef>
+              <a:spcPct val="0"/>
+            </a:spcBef>
+            <a:spcAft>
+              <a:spcPct val="35000"/>
+            </a:spcAft>
+          </a:pPr>
+          <a:r>
+            <a:rPr lang="en-US" sz="600" kern="1200" dirty="0" smtClean="0"/>
+            <a:t>Single Step</a:t>
+          </a:r>
+          <a:endParaRPr lang="en-US" sz="600" kern="1200" dirty="0"/>
+        </a:p>
+      </dsp:txBody>
+      <dsp:txXfrm>
+        <a:off x="8059052" y="2564148"/>
+        <a:ext cx="602571" cy="393551"/>
+      </dsp:txXfrm>
+    </dsp:sp>
+    <dsp:sp modelId="{27E8E283-3376-4DB2-BAB0-413D9468056B}">
+      <dsp:nvSpPr>
+        <dsp:cNvPr id="0" name=""/>
+        <dsp:cNvSpPr/>
+      </dsp:nvSpPr>
+      <dsp:spPr>
+        <a:xfrm>
+          <a:off x="9129795" y="2384688"/>
+          <a:ext cx="91440" cy="167215"/>
+        </a:xfrm>
+        <a:custGeom>
+          <a:avLst/>
+          <a:gdLst/>
+          <a:ahLst/>
+          <a:cxnLst/>
+          <a:rect l="0" t="0" r="0" b="0"/>
+          <a:pathLst>
+            <a:path>
+              <a:moveTo>
+                <a:pt x="45720" y="0"/>
+              </a:moveTo>
+              <a:lnTo>
+                <a:pt x="45720" y="167215"/>
+              </a:lnTo>
+            </a:path>
+          </a:pathLst>
+        </a:custGeom>
+        <a:noFill/>
+        <a:ln w="12700" cap="flat" cmpd="sng" algn="ctr">
+          <a:solidFill>
+            <a:schemeClr val="accent1">
+              <a:shade val="80000"/>
+              <a:hueOff val="0"/>
+              <a:satOff val="0"/>
+              <a:lumOff val="0"/>
+              <a:alphaOff val="0"/>
+            </a:schemeClr>
+          </a:solidFill>
+          <a:prstDash val="solid"/>
+          <a:miter lim="800000"/>
+        </a:ln>
+        <a:effectLst/>
+      </dsp:spPr>
+      <dsp:style>
+        <a:lnRef idx="2">
+          <a:scrgbClr r="0" g="0" b="0"/>
+        </a:lnRef>
+        <a:fillRef idx="0">
+          <a:scrgbClr r="0" g="0" b="0"/>
+        </a:fillRef>
+        <a:effectRef idx="0">
+          <a:scrgbClr r="0" g="0" b="0"/>
+        </a:effectRef>
+        <a:fontRef idx="minor"/>
+      </dsp:style>
+    </dsp:sp>
+    <dsp:sp modelId="{3C507778-46ED-478D-9E12-51935E9E93CB}">
+      <dsp:nvSpPr>
+        <dsp:cNvPr id="0" name=""/>
+        <dsp:cNvSpPr/>
+      </dsp:nvSpPr>
+      <dsp:spPr>
+        <a:xfrm>
+          <a:off x="8861985" y="2551904"/>
+          <a:ext cx="627059" cy="418039"/>
+        </a:xfrm>
+        <a:prstGeom prst="roundRect">
+          <a:avLst>
+            <a:gd name="adj" fmla="val 10000"/>
+          </a:avLst>
+        </a:prstGeom>
+        <a:solidFill>
+          <a:schemeClr val="accent1">
+            <a:hueOff val="0"/>
+            <a:satOff val="0"/>
+            <a:lumOff val="0"/>
+            <a:alphaOff val="0"/>
+          </a:schemeClr>
+        </a:solidFill>
+        <a:ln w="12700" cap="flat" cmpd="sng" algn="ctr">
+          <a:solidFill>
+            <a:schemeClr val="lt1">
+              <a:hueOff val="0"/>
+              <a:satOff val="0"/>
+              <a:lumOff val="0"/>
+              <a:alphaOff val="0"/>
+            </a:schemeClr>
+          </a:solidFill>
+          <a:prstDash val="solid"/>
+          <a:miter lim="800000"/>
+        </a:ln>
+        <a:effectLst/>
+      </dsp:spPr>
+      <dsp:style>
+        <a:lnRef idx="2">
+          <a:scrgbClr r="0" g="0" b="0"/>
+        </a:lnRef>
+        <a:fillRef idx="1">
+          <a:scrgbClr r="0" g="0" b="0"/>
+        </a:fillRef>
+        <a:effectRef idx="0">
+          <a:scrgbClr r="0" g="0" b="0"/>
+        </a:effectRef>
+        <a:fontRef idx="minor">
+          <a:schemeClr val="lt1"/>
+        </a:fontRef>
+      </dsp:style>
+      <dsp:txBody>
+        <a:bodyPr spcFirstLastPara="0" vert="horz" wrap="square" lIns="22860" tIns="22860" rIns="22860" bIns="22860" numCol="1" spcCol="1270" anchor="ctr" anchorCtr="0">
+          <a:noAutofit/>
+        </a:bodyPr>
         <a:lstStyle/>
         <a:p>
-          <a:endParaRPr lang="en-US"/>
-        </a:p>
-      </dgm:t>
-    </dgm:pt>
-    <dgm:pt modelId="{A012D8D3-327D-4AFA-B8E6-830DE3586BCC}">
-      <dgm:prSet phldrT="[Text]"/>
-      <dgm:spPr/>
-      <dgm:t>
-        <a:bodyPr/>
+          <a:pPr lvl="0" algn="ctr" defTabSz="266700">
+            <a:lnSpc>
+              <a:spcPct val="90000"/>
+            </a:lnSpc>
+            <a:spcBef>
+              <a:spcPct val="0"/>
+            </a:spcBef>
+            <a:spcAft>
+              <a:spcPct val="35000"/>
+            </a:spcAft>
+          </a:pPr>
+          <a:r>
+            <a:rPr lang="en-US" sz="600" kern="1200" dirty="0" smtClean="0"/>
+            <a:t>2 Step</a:t>
+          </a:r>
+          <a:endParaRPr lang="en-US" sz="600" kern="1200" dirty="0"/>
+        </a:p>
+      </dsp:txBody>
+      <dsp:txXfrm>
+        <a:off x="8874229" y="2564148"/>
+        <a:ext cx="602571" cy="393551"/>
+      </dsp:txXfrm>
+    </dsp:sp>
+    <dsp:sp modelId="{9883CF45-D945-4834-A12B-EDAE33037296}">
+      <dsp:nvSpPr>
+        <dsp:cNvPr id="0" name=""/>
+        <dsp:cNvSpPr/>
+      </dsp:nvSpPr>
+      <dsp:spPr>
+        <a:xfrm>
+          <a:off x="9175515" y="2384688"/>
+          <a:ext cx="815177" cy="167215"/>
+        </a:xfrm>
+        <a:custGeom>
+          <a:avLst/>
+          <a:gdLst/>
+          <a:ahLst/>
+          <a:cxnLst/>
+          <a:rect l="0" t="0" r="0" b="0"/>
+          <a:pathLst>
+            <a:path>
+              <a:moveTo>
+                <a:pt x="0" y="0"/>
+              </a:moveTo>
+              <a:lnTo>
+                <a:pt x="0" y="83607"/>
+              </a:lnTo>
+              <a:lnTo>
+                <a:pt x="815177" y="83607"/>
+              </a:lnTo>
+              <a:lnTo>
+                <a:pt x="815177" y="167215"/>
+              </a:lnTo>
+            </a:path>
+          </a:pathLst>
+        </a:custGeom>
+        <a:noFill/>
+        <a:ln w="12700" cap="flat" cmpd="sng" algn="ctr">
+          <a:solidFill>
+            <a:schemeClr val="accent1">
+              <a:shade val="80000"/>
+              <a:hueOff val="0"/>
+              <a:satOff val="0"/>
+              <a:lumOff val="0"/>
+              <a:alphaOff val="0"/>
+            </a:schemeClr>
+          </a:solidFill>
+          <a:prstDash val="solid"/>
+          <a:miter lim="800000"/>
+        </a:ln>
+        <a:effectLst/>
+      </dsp:spPr>
+      <dsp:style>
+        <a:lnRef idx="2">
+          <a:scrgbClr r="0" g="0" b="0"/>
+        </a:lnRef>
+        <a:fillRef idx="0">
+          <a:scrgbClr r="0" g="0" b="0"/>
+        </a:fillRef>
+        <a:effectRef idx="0">
+          <a:scrgbClr r="0" g="0" b="0"/>
+        </a:effectRef>
+        <a:fontRef idx="minor"/>
+      </dsp:style>
+    </dsp:sp>
+    <dsp:sp modelId="{A6F31496-8588-4DAC-B99A-2DDF053471EC}">
+      <dsp:nvSpPr>
+        <dsp:cNvPr id="0" name=""/>
+        <dsp:cNvSpPr/>
+      </dsp:nvSpPr>
+      <dsp:spPr>
+        <a:xfrm>
+          <a:off x="9677163" y="2551904"/>
+          <a:ext cx="627059" cy="418039"/>
+        </a:xfrm>
+        <a:prstGeom prst="roundRect">
+          <a:avLst>
+            <a:gd name="adj" fmla="val 10000"/>
+          </a:avLst>
+        </a:prstGeom>
+        <a:solidFill>
+          <a:schemeClr val="accent1">
+            <a:hueOff val="0"/>
+            <a:satOff val="0"/>
+            <a:lumOff val="0"/>
+            <a:alphaOff val="0"/>
+          </a:schemeClr>
+        </a:solidFill>
+        <a:ln w="12700" cap="flat" cmpd="sng" algn="ctr">
+          <a:solidFill>
+            <a:schemeClr val="lt1">
+              <a:hueOff val="0"/>
+              <a:satOff val="0"/>
+              <a:lumOff val="0"/>
+              <a:alphaOff val="0"/>
+            </a:schemeClr>
+          </a:solidFill>
+          <a:prstDash val="solid"/>
+          <a:miter lim="800000"/>
+        </a:ln>
+        <a:effectLst/>
+      </dsp:spPr>
+      <dsp:style>
+        <a:lnRef idx="2">
+          <a:scrgbClr r="0" g="0" b="0"/>
+        </a:lnRef>
+        <a:fillRef idx="1">
+          <a:scrgbClr r="0" g="0" b="0"/>
+        </a:fillRef>
+        <a:effectRef idx="0">
+          <a:scrgbClr r="0" g="0" b="0"/>
+        </a:effectRef>
+        <a:fontRef idx="minor">
+          <a:schemeClr val="lt1"/>
+        </a:fontRef>
+      </dsp:style>
+      <dsp:txBody>
+        <a:bodyPr spcFirstLastPara="0" vert="horz" wrap="square" lIns="22860" tIns="22860" rIns="22860" bIns="22860" numCol="1" spcCol="1270" anchor="ctr" anchorCtr="0">
+          <a:noAutofit/>
+        </a:bodyPr>
         <a:lstStyle/>
         <a:p>
+          <a:pPr lvl="0" algn="ctr" defTabSz="266700">
+            <a:lnSpc>
+              <a:spcPct val="90000"/>
+            </a:lnSpc>
+            <a:spcBef>
+              <a:spcPct val="0"/>
+            </a:spcBef>
+            <a:spcAft>
+              <a:spcPct val="35000"/>
+            </a:spcAft>
+          </a:pPr>
           <a:r>
-            <a:rPr lang="en-US" dirty="0" smtClean="0"/>
-            <a:t>Hops</a:t>
+            <a:rPr lang="en-US" sz="600" kern="1200" dirty="0" smtClean="0"/>
+            <a:t>Decoction</a:t>
           </a:r>
-          <a:endParaRPr lang="en-US" dirty="0"/>
-        </a:p>
-      </dgm:t>
-    </dgm:pt>
-    <dgm:pt modelId="{CE147085-9564-4129-A2B8-BBBD7FE6FEAC}" type="parTrans" cxnId="{98246421-700C-49AB-A0F9-28F7A2142DF2}">
-      <dgm:prSet/>
-      <dgm:spPr/>
-      <dgm:t>
-        <a:bodyPr/>
-        <a:lstStyle/>
-        <a:p>
-          <a:endParaRPr lang="en-US"/>
-        </a:p>
-      </dgm:t>
-    </dgm:pt>
-    <dgm:pt modelId="{91E44131-869B-4AB3-A738-467CF53DBA06}" type="sibTrans" cxnId="{98246421-700C-49AB-A0F9-28F7A2142DF2}">
-      <dgm:prSet/>
-      <dgm:spPr/>
-      <dgm:t>
-        <a:bodyPr/>
-        <a:lstStyle/>
-        <a:p>
-          <a:endParaRPr lang="en-US"/>
-        </a:p>
-      </dgm:t>
-    </dgm:pt>
-    <dgm:pt modelId="{5D486707-B4F9-41C8-B193-D329B11DC026}">
-      <dgm:prSet phldrT="[Text]"/>
-      <dgm:spPr/>
-      <dgm:t>
-        <a:bodyPr/>
-        <a:lstStyle/>
-        <a:p>
-          <a:r>
-            <a:rPr lang="en-US" dirty="0" smtClean="0"/>
-            <a:t>Water</a:t>
-          </a:r>
-          <a:endParaRPr lang="en-US" dirty="0"/>
-        </a:p>
-      </dgm:t>
-    </dgm:pt>
-    <dgm:pt modelId="{DC43DD3F-8C6F-43C3-9A79-9B7B5EC8BBA1}" type="parTrans" cxnId="{079D0402-7259-480A-AD55-FC7916A6E752}">
-      <dgm:prSet/>
-      <dgm:spPr/>
-      <dgm:t>
-        <a:bodyPr/>
-        <a:lstStyle/>
-        <a:p>
-          <a:endParaRPr lang="en-US"/>
-        </a:p>
-      </dgm:t>
-    </dgm:pt>
-    <dgm:pt modelId="{D141C0C6-1230-46C7-928C-36D62C73F45A}" type="sibTrans" cxnId="{079D0402-7259-480A-AD55-FC7916A6E752}">
-      <dgm:prSet/>
-      <dgm:spPr/>
-      <dgm:t>
-        <a:bodyPr/>
-        <a:lstStyle/>
-        <a:p>
-          <a:endParaRPr lang="en-US"/>
-        </a:p>
-      </dgm:t>
-    </dgm:pt>
-    <dgm:pt modelId="{70A6CF59-4B59-483B-BD59-50C15CD05C57}" type="pres">
-      <dgm:prSet presAssocID="{5E0D80FD-59BF-437E-A9C3-D79AE1FA7697}" presName="mainComposite" presStyleCnt="0">
-        <dgm:presLayoutVars>
-          <dgm:chPref val="1"/>
-          <dgm:dir/>
-          <dgm:animOne val="branch"/>
-          <dgm:animLvl val="lvl"/>
-          <dgm:resizeHandles val="exact"/>
-        </dgm:presLayoutVars>
-      </dgm:prSet>
-      <dgm:spPr/>
-    </dgm:pt>
-    <dgm:pt modelId="{8C38A156-9460-4A3A-8F1B-3E61108ABBB7}" type="pres">
-      <dgm:prSet presAssocID="{5E0D80FD-59BF-437E-A9C3-D79AE1FA7697}" presName="hierFlow" presStyleCnt="0"/>
-      <dgm:spPr/>
-    </dgm:pt>
-    <dgm:pt modelId="{B9AAFE6B-37EA-4BDB-A4EF-E8FC7A3D15E4}" type="pres">
-      <dgm:prSet presAssocID="{5E0D80FD-59BF-437E-A9C3-D79AE1FA7697}" presName="firstBuf" presStyleCnt="0"/>
-      <dgm:spPr/>
-    </dgm:pt>
-    <dgm:pt modelId="{3B738641-174C-4E0C-9E5C-030A86F2D70D}" type="pres">
-      <dgm:prSet presAssocID="{5E0D80FD-59BF-437E-A9C3-D79AE1FA7697}" presName="hierChild1" presStyleCnt="0">
-        <dgm:presLayoutVars>
-          <dgm:chPref val="1"/>
-          <dgm:animOne val="branch"/>
-          <dgm:animLvl val="lvl"/>
-        </dgm:presLayoutVars>
-      </dgm:prSet>
-      <dgm:spPr/>
-    </dgm:pt>
-    <dgm:pt modelId="{3294A944-949E-4E09-A865-2A027B4407F1}" type="pres">
-      <dgm:prSet presAssocID="{D6BC358C-C989-4805-8E49-85421AB9F7F0}" presName="Name14" presStyleCnt="0"/>
-      <dgm:spPr/>
-    </dgm:pt>
-    <dgm:pt modelId="{C626CDCC-9543-4C6F-939D-6A6CC1FD967B}" type="pres">
-      <dgm:prSet presAssocID="{D6BC358C-C989-4805-8E49-85421AB9F7F0}" presName="level1Shape" presStyleLbl="node0" presStyleIdx="0" presStyleCnt="1">
-        <dgm:presLayoutVars>
-          <dgm:chPref val="3"/>
-        </dgm:presLayoutVars>
-      </dgm:prSet>
-      <dgm:spPr/>
-    </dgm:pt>
-    <dgm:pt modelId="{A4620972-2719-4C3D-B37E-A47F2BC87810}" type="pres">
-      <dgm:prSet presAssocID="{D6BC358C-C989-4805-8E49-85421AB9F7F0}" presName="hierChild2" presStyleCnt="0"/>
-      <dgm:spPr/>
-    </dgm:pt>
-    <dgm:pt modelId="{DE3FF23B-0BF5-477D-B294-AA8F807E4167}" type="pres">
-      <dgm:prSet presAssocID="{A0815741-EDB4-4A35-828A-9343A0D8B855}" presName="Name19" presStyleLbl="parChTrans1D2" presStyleIdx="0" presStyleCnt="2"/>
-      <dgm:spPr/>
-    </dgm:pt>
-    <dgm:pt modelId="{D92649F6-44F9-47EF-BFCF-0A9172372534}" type="pres">
-      <dgm:prSet presAssocID="{AE1F9252-AB96-47CD-82A2-FF000D9EB6F4}" presName="Name21" presStyleCnt="0"/>
-      <dgm:spPr/>
-    </dgm:pt>
-    <dgm:pt modelId="{6299D5F2-9260-4191-89CF-92C2D43493BB}" type="pres">
-      <dgm:prSet presAssocID="{AE1F9252-AB96-47CD-82A2-FF000D9EB6F4}" presName="level2Shape" presStyleLbl="node2" presStyleIdx="0" presStyleCnt="2"/>
-      <dgm:spPr/>
-    </dgm:pt>
-    <dgm:pt modelId="{BE5B77F7-0396-46ED-902B-1C92815E585C}" type="pres">
-      <dgm:prSet presAssocID="{AE1F9252-AB96-47CD-82A2-FF000D9EB6F4}" presName="hierChild3" presStyleCnt="0"/>
-      <dgm:spPr/>
-    </dgm:pt>
-    <dgm:pt modelId="{0C4C16C5-B23B-4BBE-83D6-8226212D4DF7}" type="pres">
-      <dgm:prSet presAssocID="{932A45ED-1E25-4D6F-ABA1-1E06C14096EF}" presName="Name19" presStyleLbl="parChTrans1D3" presStyleIdx="0" presStyleCnt="3"/>
-      <dgm:spPr/>
-    </dgm:pt>
-    <dgm:pt modelId="{91D5D892-2B70-4929-8FA6-5CE87E0BB963}" type="pres">
-      <dgm:prSet presAssocID="{8E5920D3-0AF5-4AF5-8A2D-F4EDC56AAD64}" presName="Name21" presStyleCnt="0"/>
-      <dgm:spPr/>
-    </dgm:pt>
-    <dgm:pt modelId="{E1683AAD-248E-40B6-B58E-939A11AD4F17}" type="pres">
-      <dgm:prSet presAssocID="{8E5920D3-0AF5-4AF5-8A2D-F4EDC56AAD64}" presName="level2Shape" presStyleLbl="node3" presStyleIdx="0" presStyleCnt="3"/>
-      <dgm:spPr/>
-    </dgm:pt>
-    <dgm:pt modelId="{ED1F1677-6430-44AA-8588-F3B45078A8ED}" type="pres">
-      <dgm:prSet presAssocID="{8E5920D3-0AF5-4AF5-8A2D-F4EDC56AAD64}" presName="hierChild3" presStyleCnt="0"/>
-      <dgm:spPr/>
-    </dgm:pt>
-    <dgm:pt modelId="{CA10844D-2F22-4662-ACB7-2D6F24481828}" type="pres">
-      <dgm:prSet presAssocID="{A2DFCF24-BA09-49ED-84DC-7DFFF3973FB7}" presName="Name19" presStyleLbl="parChTrans1D3" presStyleIdx="1" presStyleCnt="3"/>
-      <dgm:spPr/>
-    </dgm:pt>
-    <dgm:pt modelId="{F7F0E1BB-471D-4827-BCE5-B868271216F7}" type="pres">
-      <dgm:prSet presAssocID="{22D49531-F6AD-4DB6-B1FD-9967D49A9BC8}" presName="Name21" presStyleCnt="0"/>
-      <dgm:spPr/>
-    </dgm:pt>
-    <dgm:pt modelId="{55694042-B205-43ED-8EAF-8AD26C9D8BFB}" type="pres">
-      <dgm:prSet presAssocID="{22D49531-F6AD-4DB6-B1FD-9967D49A9BC8}" presName="level2Shape" presStyleLbl="node3" presStyleIdx="1" presStyleCnt="3"/>
-      <dgm:spPr/>
-    </dgm:pt>
-    <dgm:pt modelId="{34DAA449-E05F-44EE-87C4-3285CDBD66BD}" type="pres">
-      <dgm:prSet presAssocID="{22D49531-F6AD-4DB6-B1FD-9967D49A9BC8}" presName="hierChild3" presStyleCnt="0"/>
-      <dgm:spPr/>
-    </dgm:pt>
-    <dgm:pt modelId="{152852B1-282A-442A-9750-A3FC6EDED20B}" type="pres">
-      <dgm:prSet presAssocID="{EF77C826-0221-42F5-A2B4-F35BFCA39B79}" presName="Name19" presStyleLbl="parChTrans1D2" presStyleIdx="1" presStyleCnt="2"/>
-      <dgm:spPr/>
-    </dgm:pt>
-    <dgm:pt modelId="{D6CACDCA-22E4-4D96-B923-AE5112A9F354}" type="pres">
-      <dgm:prSet presAssocID="{95CF7A10-6CAC-48A8-B2A6-6D8C0474E0B1}" presName="Name21" presStyleCnt="0"/>
-      <dgm:spPr/>
-    </dgm:pt>
-    <dgm:pt modelId="{C7FAD4D6-4332-42DF-9FD5-2B10AF0941CA}" type="pres">
-      <dgm:prSet presAssocID="{95CF7A10-6CAC-48A8-B2A6-6D8C0474E0B1}" presName="level2Shape" presStyleLbl="node2" presStyleIdx="1" presStyleCnt="2"/>
-      <dgm:spPr/>
-    </dgm:pt>
-    <dgm:pt modelId="{8E658280-708B-47A4-BE3F-D7D080CE7A16}" type="pres">
-      <dgm:prSet presAssocID="{95CF7A10-6CAC-48A8-B2A6-6D8C0474E0B1}" presName="hierChild3" presStyleCnt="0"/>
-      <dgm:spPr/>
-    </dgm:pt>
-    <dgm:pt modelId="{BF592C24-B6CA-4EDC-9F50-B2D8C307F82B}" type="pres">
-      <dgm:prSet presAssocID="{4D914236-A43C-4770-A5A3-1C6BCBF55F06}" presName="Name19" presStyleLbl="parChTrans1D3" presStyleIdx="2" presStyleCnt="3"/>
-      <dgm:spPr/>
-    </dgm:pt>
-    <dgm:pt modelId="{171000D0-EF24-45DA-9FF1-16DCB5112BF8}" type="pres">
-      <dgm:prSet presAssocID="{BC5B0992-1311-4EFF-BEB2-37CC82CB25AF}" presName="Name21" presStyleCnt="0"/>
-      <dgm:spPr/>
-    </dgm:pt>
-    <dgm:pt modelId="{176B57B4-7893-4755-B210-5800923DE734}" type="pres">
-      <dgm:prSet presAssocID="{BC5B0992-1311-4EFF-BEB2-37CC82CB25AF}" presName="level2Shape" presStyleLbl="node3" presStyleIdx="2" presStyleCnt="3"/>
-      <dgm:spPr/>
-    </dgm:pt>
-    <dgm:pt modelId="{884EFDED-E3F3-4FBB-9DEE-CBF8643C4394}" type="pres">
-      <dgm:prSet presAssocID="{BC5B0992-1311-4EFF-BEB2-37CC82CB25AF}" presName="hierChild3" presStyleCnt="0"/>
-      <dgm:spPr/>
-    </dgm:pt>
-    <dgm:pt modelId="{E2C28131-5136-4E8B-8738-E00E8435CC5F}" type="pres">
-      <dgm:prSet presAssocID="{5E0D80FD-59BF-437E-A9C3-D79AE1FA7697}" presName="bgShapesFlow" presStyleCnt="0"/>
-      <dgm:spPr/>
-    </dgm:pt>
-    <dgm:pt modelId="{1972960C-B862-4D67-8B94-66E33021BEA7}" type="pres">
-      <dgm:prSet presAssocID="{0332B06F-DB69-4B73-A4AC-9056AE97C6D4}" presName="rectComp" presStyleCnt="0"/>
-      <dgm:spPr/>
-    </dgm:pt>
-    <dgm:pt modelId="{B487800B-DF9F-41BB-849A-5636D1E0740E}" type="pres">
-      <dgm:prSet presAssocID="{0332B06F-DB69-4B73-A4AC-9056AE97C6D4}" presName="bgRect" presStyleLbl="bgShp" presStyleIdx="0" presStyleCnt="6"/>
-      <dgm:spPr/>
-    </dgm:pt>
-    <dgm:pt modelId="{18D29F5D-CF0C-48F2-BE5C-BF37554EDA62}" type="pres">
-      <dgm:prSet presAssocID="{0332B06F-DB69-4B73-A4AC-9056AE97C6D4}" presName="bgRectTx" presStyleLbl="bgShp" presStyleIdx="0" presStyleCnt="6">
-        <dgm:presLayoutVars>
-          <dgm:bulletEnabled val="1"/>
-        </dgm:presLayoutVars>
-      </dgm:prSet>
-      <dgm:spPr/>
-    </dgm:pt>
-    <dgm:pt modelId="{CD3AFFA0-FCAC-4516-8643-115ACDD468B1}" type="pres">
-      <dgm:prSet presAssocID="{0332B06F-DB69-4B73-A4AC-9056AE97C6D4}" presName="spComp" presStyleCnt="0"/>
-      <dgm:spPr/>
-    </dgm:pt>
-    <dgm:pt modelId="{6BF0C94C-D64D-497A-89BB-77E43D1C53FB}" type="pres">
-      <dgm:prSet presAssocID="{0332B06F-DB69-4B73-A4AC-9056AE97C6D4}" presName="vSp" presStyleCnt="0"/>
-      <dgm:spPr/>
-    </dgm:pt>
-    <dgm:pt modelId="{4EA114FF-EEFC-4D55-B5F7-9A2065D15CD7}" type="pres">
-      <dgm:prSet presAssocID="{855065A0-96AD-43CA-8F51-9DD8F608D915}" presName="rectComp" presStyleCnt="0"/>
-      <dgm:spPr/>
-    </dgm:pt>
-    <dgm:pt modelId="{B05144F4-5689-4CFB-BD86-175E49A53540}" type="pres">
-      <dgm:prSet presAssocID="{855065A0-96AD-43CA-8F51-9DD8F608D915}" presName="bgRect" presStyleLbl="bgShp" presStyleIdx="1" presStyleCnt="6"/>
-      <dgm:spPr/>
-    </dgm:pt>
-    <dgm:pt modelId="{428986F1-D3AE-40A6-9089-DF4385EEACCE}" type="pres">
-      <dgm:prSet presAssocID="{855065A0-96AD-43CA-8F51-9DD8F608D915}" presName="bgRectTx" presStyleLbl="bgShp" presStyleIdx="1" presStyleCnt="6">
-        <dgm:presLayoutVars>
-          <dgm:bulletEnabled val="1"/>
-        </dgm:presLayoutVars>
-      </dgm:prSet>
-      <dgm:spPr/>
-    </dgm:pt>
-    <dgm:pt modelId="{BD407DDA-ED96-4EC8-857B-6F100F55F4B9}" type="pres">
-      <dgm:prSet presAssocID="{855065A0-96AD-43CA-8F51-9DD8F608D915}" presName="spComp" presStyleCnt="0"/>
-      <dgm:spPr/>
-    </dgm:pt>
-    <dgm:pt modelId="{50740B42-7616-4E0A-8387-67542CAB3100}" type="pres">
-      <dgm:prSet presAssocID="{855065A0-96AD-43CA-8F51-9DD8F608D915}" presName="vSp" presStyleCnt="0"/>
-      <dgm:spPr/>
-    </dgm:pt>
-    <dgm:pt modelId="{E0F2BFC0-7061-4247-8130-69383960124F}" type="pres">
-      <dgm:prSet presAssocID="{D8A62BBE-334B-49DB-9BC5-9114D7B92647}" presName="rectComp" presStyleCnt="0"/>
-      <dgm:spPr/>
-    </dgm:pt>
-    <dgm:pt modelId="{F4213970-3648-4D87-BCB4-4922714A95ED}" type="pres">
-      <dgm:prSet presAssocID="{D8A62BBE-334B-49DB-9BC5-9114D7B92647}" presName="bgRect" presStyleLbl="bgShp" presStyleIdx="2" presStyleCnt="6"/>
-      <dgm:spPr/>
-    </dgm:pt>
-    <dgm:pt modelId="{139C5230-5C36-4BE7-A00B-6F14E40C9C0F}" type="pres">
-      <dgm:prSet presAssocID="{D8A62BBE-334B-49DB-9BC5-9114D7B92647}" presName="bgRectTx" presStyleLbl="bgShp" presStyleIdx="2" presStyleCnt="6">
-        <dgm:presLayoutVars>
-          <dgm:bulletEnabled val="1"/>
-        </dgm:presLayoutVars>
-      </dgm:prSet>
-      <dgm:spPr/>
-    </dgm:pt>
-    <dgm:pt modelId="{004664BE-4E26-4940-AC3E-393236AD3637}" type="pres">
-      <dgm:prSet presAssocID="{D8A62BBE-334B-49DB-9BC5-9114D7B92647}" presName="spComp" presStyleCnt="0"/>
-      <dgm:spPr/>
-    </dgm:pt>
-    <dgm:pt modelId="{E7E9BC3A-E81F-47D7-8F9B-1E4E58DD16F3}" type="pres">
-      <dgm:prSet presAssocID="{D8A62BBE-334B-49DB-9BC5-9114D7B92647}" presName="vSp" presStyleCnt="0"/>
-      <dgm:spPr/>
-    </dgm:pt>
-    <dgm:pt modelId="{0AD358D2-9C11-4DA0-9D60-674B348AB01E}" type="pres">
-      <dgm:prSet presAssocID="{A012D8D3-327D-4AFA-B8E6-830DE3586BCC}" presName="rectComp" presStyleCnt="0"/>
-      <dgm:spPr/>
-    </dgm:pt>
-    <dgm:pt modelId="{A939EA86-5F65-4CBB-9E05-5EE19596638B}" type="pres">
-      <dgm:prSet presAssocID="{A012D8D3-327D-4AFA-B8E6-830DE3586BCC}" presName="bgRect" presStyleLbl="bgShp" presStyleIdx="3" presStyleCnt="6"/>
-      <dgm:spPr/>
-    </dgm:pt>
-    <dgm:pt modelId="{B91DEA65-BB25-4C9A-83F6-DB144E942F96}" type="pres">
-      <dgm:prSet presAssocID="{A012D8D3-327D-4AFA-B8E6-830DE3586BCC}" presName="bgRectTx" presStyleLbl="bgShp" presStyleIdx="3" presStyleCnt="6">
-        <dgm:presLayoutVars>
-          <dgm:bulletEnabled val="1"/>
-        </dgm:presLayoutVars>
-      </dgm:prSet>
-      <dgm:spPr/>
-    </dgm:pt>
-    <dgm:pt modelId="{32F3ACFD-0242-49D3-A607-E11ADB6331BF}" type="pres">
-      <dgm:prSet presAssocID="{A012D8D3-327D-4AFA-B8E6-830DE3586BCC}" presName="spComp" presStyleCnt="0"/>
-      <dgm:spPr/>
-    </dgm:pt>
-    <dgm:pt modelId="{6ED4E5CF-BB93-4CCD-AF04-4A0A2A28CE46}" type="pres">
-      <dgm:prSet presAssocID="{A012D8D3-327D-4AFA-B8E6-830DE3586BCC}" presName="vSp" presStyleCnt="0"/>
-      <dgm:spPr/>
-    </dgm:pt>
-    <dgm:pt modelId="{C38FBD33-407B-4D31-B770-EA2D260161E0}" type="pres">
-      <dgm:prSet presAssocID="{5D486707-B4F9-41C8-B193-D329B11DC026}" presName="rectComp" presStyleCnt="0"/>
-      <dgm:spPr/>
-    </dgm:pt>
-    <dgm:pt modelId="{F4B92E5D-3E32-408D-856F-03455F5934F6}" type="pres">
-      <dgm:prSet presAssocID="{5D486707-B4F9-41C8-B193-D329B11DC026}" presName="bgRect" presStyleLbl="bgShp" presStyleIdx="4" presStyleCnt="6"/>
-      <dgm:spPr/>
-    </dgm:pt>
-    <dgm:pt modelId="{AD89AB7C-FF89-40CF-B44F-0EA88EB80F98}" type="pres">
-      <dgm:prSet presAssocID="{5D486707-B4F9-41C8-B193-D329B11DC026}" presName="bgRectTx" presStyleLbl="bgShp" presStyleIdx="4" presStyleCnt="6">
-        <dgm:presLayoutVars>
-          <dgm:bulletEnabled val="1"/>
-        </dgm:presLayoutVars>
-      </dgm:prSet>
-      <dgm:spPr/>
-    </dgm:pt>
-    <dgm:pt modelId="{8518BFCD-BBB8-4A90-A06F-784F452D932A}" type="pres">
-      <dgm:prSet presAssocID="{5D486707-B4F9-41C8-B193-D329B11DC026}" presName="spComp" presStyleCnt="0"/>
-      <dgm:spPr/>
-    </dgm:pt>
-    <dgm:pt modelId="{681AB26F-F534-498A-AB50-9529223DF812}" type="pres">
-      <dgm:prSet presAssocID="{5D486707-B4F9-41C8-B193-D329B11DC026}" presName="vSp" presStyleCnt="0"/>
-      <dgm:spPr/>
-    </dgm:pt>
-    <dgm:pt modelId="{CA5C0B9B-D265-4013-9794-A3F7D0138866}" type="pres">
-      <dgm:prSet presAssocID="{077ED888-3800-4D9D-B799-A11F5F57648B}" presName="rectComp" presStyleCnt="0"/>
-      <dgm:spPr/>
-    </dgm:pt>
-    <dgm:pt modelId="{7ED1A2D3-3FA8-4930-8C58-D9952D0A2882}" type="pres">
-      <dgm:prSet presAssocID="{077ED888-3800-4D9D-B799-A11F5F57648B}" presName="bgRect" presStyleLbl="bgShp" presStyleIdx="5" presStyleCnt="6"/>
-      <dgm:spPr/>
-    </dgm:pt>
-    <dgm:pt modelId="{08A66BBE-BA03-4F41-8278-8F45D362A84C}" type="pres">
-      <dgm:prSet presAssocID="{077ED888-3800-4D9D-B799-A11F5F57648B}" presName="bgRectTx" presStyleLbl="bgShp" presStyleIdx="5" presStyleCnt="6">
-        <dgm:presLayoutVars>
-          <dgm:bulletEnabled val="1"/>
-        </dgm:presLayoutVars>
-      </dgm:prSet>
-      <dgm:spPr/>
-    </dgm:pt>
-  </dgm:ptLst>
-  <dgm:cxnLst>
-    <dgm:cxn modelId="{F14310E8-F694-4ADA-AA0F-478B81286597}" type="presOf" srcId="{22D49531-F6AD-4DB6-B1FD-9967D49A9BC8}" destId="{55694042-B205-43ED-8EAF-8AD26C9D8BFB}" srcOrd="0" destOrd="0" presId="urn:microsoft.com/office/officeart/2005/8/layout/hierarchy6"/>
-    <dgm:cxn modelId="{5D0B4B91-9FEA-464E-A8C3-9491721AE7B2}" type="presOf" srcId="{AE1F9252-AB96-47CD-82A2-FF000D9EB6F4}" destId="{6299D5F2-9260-4191-89CF-92C2D43493BB}" srcOrd="0" destOrd="0" presId="urn:microsoft.com/office/officeart/2005/8/layout/hierarchy6"/>
-    <dgm:cxn modelId="{2D9E049B-BE61-4438-B70A-0793C654813B}" srcId="{D6BC358C-C989-4805-8E49-85421AB9F7F0}" destId="{95CF7A10-6CAC-48A8-B2A6-6D8C0474E0B1}" srcOrd="1" destOrd="0" parTransId="{EF77C826-0221-42F5-A2B4-F35BFCA39B79}" sibTransId="{37CD8523-69E5-4E1D-8845-5F5BBF15FED8}"/>
-    <dgm:cxn modelId="{079D0402-7259-480A-AD55-FC7916A6E752}" srcId="{5E0D80FD-59BF-437E-A9C3-D79AE1FA7697}" destId="{5D486707-B4F9-41C8-B193-D329B11DC026}" srcOrd="5" destOrd="0" parTransId="{DC43DD3F-8C6F-43C3-9A79-9B7B5EC8BBA1}" sibTransId="{D141C0C6-1230-46C7-928C-36D62C73F45A}"/>
-    <dgm:cxn modelId="{89E1294D-6099-42C6-952D-DC754DF0A6E5}" type="presOf" srcId="{D8A62BBE-334B-49DB-9BC5-9114D7B92647}" destId="{139C5230-5C36-4BE7-A00B-6F14E40C9C0F}" srcOrd="1" destOrd="0" presId="urn:microsoft.com/office/officeart/2005/8/layout/hierarchy6"/>
-    <dgm:cxn modelId="{60CC2689-EF68-4751-ACD0-7344BB149E5D}" srcId="{5E0D80FD-59BF-437E-A9C3-D79AE1FA7697}" destId="{D6BC358C-C989-4805-8E49-85421AB9F7F0}" srcOrd="0" destOrd="0" parTransId="{90B1CD58-4BD5-4C00-B946-6747C206DF40}" sibTransId="{4867AA34-1E11-40BC-828F-F31A9BB11369}"/>
-    <dgm:cxn modelId="{AB442CA4-1CD8-4763-A177-FE9B1250F858}" srcId="{5E0D80FD-59BF-437E-A9C3-D79AE1FA7697}" destId="{0332B06F-DB69-4B73-A4AC-9056AE97C6D4}" srcOrd="1" destOrd="0" parTransId="{F6BFA51C-7574-49C8-82C4-123649D3A7D4}" sibTransId="{58EF5B69-A16E-4EF9-A4FA-044F61D42D60}"/>
-    <dgm:cxn modelId="{98246421-700C-49AB-A0F9-28F7A2142DF2}" srcId="{5E0D80FD-59BF-437E-A9C3-D79AE1FA7697}" destId="{A012D8D3-327D-4AFA-B8E6-830DE3586BCC}" srcOrd="4" destOrd="0" parTransId="{CE147085-9564-4129-A2B8-BBBD7FE6FEAC}" sibTransId="{91E44131-869B-4AB3-A738-467CF53DBA06}"/>
-    <dgm:cxn modelId="{2BDE01A4-5FE7-4C11-9FFB-81BDECD41A50}" type="presOf" srcId="{D6BC358C-C989-4805-8E49-85421AB9F7F0}" destId="{C626CDCC-9543-4C6F-939D-6A6CC1FD967B}" srcOrd="0" destOrd="0" presId="urn:microsoft.com/office/officeart/2005/8/layout/hierarchy6"/>
-    <dgm:cxn modelId="{40D56018-F1FA-4051-982A-9A2B6C25CE3A}" type="presOf" srcId="{D8A62BBE-334B-49DB-9BC5-9114D7B92647}" destId="{F4213970-3648-4D87-BCB4-4922714A95ED}" srcOrd="0" destOrd="0" presId="urn:microsoft.com/office/officeart/2005/8/layout/hierarchy6"/>
-    <dgm:cxn modelId="{4E38BC7E-08CE-416A-8FE7-88AA9CE086CA}" srcId="{AE1F9252-AB96-47CD-82A2-FF000D9EB6F4}" destId="{8E5920D3-0AF5-4AF5-8A2D-F4EDC56AAD64}" srcOrd="0" destOrd="0" parTransId="{932A45ED-1E25-4D6F-ABA1-1E06C14096EF}" sibTransId="{852300AB-6FD5-4B18-ABD8-BF9259FED58E}"/>
-    <dgm:cxn modelId="{5187B5E1-6DDB-45BA-A1BE-B92D3170A55F}" type="presOf" srcId="{077ED888-3800-4D9D-B799-A11F5F57648B}" destId="{08A66BBE-BA03-4F41-8278-8F45D362A84C}" srcOrd="1" destOrd="0" presId="urn:microsoft.com/office/officeart/2005/8/layout/hierarchy6"/>
-    <dgm:cxn modelId="{AC297ED9-29FF-4B59-8821-8F470F5FE89D}" type="presOf" srcId="{A0815741-EDB4-4A35-828A-9343A0D8B855}" destId="{DE3FF23B-0BF5-477D-B294-AA8F807E4167}" srcOrd="0" destOrd="0" presId="urn:microsoft.com/office/officeart/2005/8/layout/hierarchy6"/>
-    <dgm:cxn modelId="{28E1190B-C0B7-4090-919B-21031E95A823}" type="presOf" srcId="{932A45ED-1E25-4D6F-ABA1-1E06C14096EF}" destId="{0C4C16C5-B23B-4BBE-83D6-8226212D4DF7}" srcOrd="0" destOrd="0" presId="urn:microsoft.com/office/officeart/2005/8/layout/hierarchy6"/>
-    <dgm:cxn modelId="{9EEF70CD-178A-40CE-8C9B-8F22A4AD94F7}" type="presOf" srcId="{4D914236-A43C-4770-A5A3-1C6BCBF55F06}" destId="{BF592C24-B6CA-4EDC-9F50-B2D8C307F82B}" srcOrd="0" destOrd="0" presId="urn:microsoft.com/office/officeart/2005/8/layout/hierarchy6"/>
-    <dgm:cxn modelId="{E42E26DF-FD95-47F8-AEB3-540B0B2C0590}" type="presOf" srcId="{077ED888-3800-4D9D-B799-A11F5F57648B}" destId="{7ED1A2D3-3FA8-4930-8C58-D9952D0A2882}" srcOrd="0" destOrd="0" presId="urn:microsoft.com/office/officeart/2005/8/layout/hierarchy6"/>
-    <dgm:cxn modelId="{A247E2D4-B7D3-4B22-849F-14F735EBE2DD}" srcId="{D6BC358C-C989-4805-8E49-85421AB9F7F0}" destId="{AE1F9252-AB96-47CD-82A2-FF000D9EB6F4}" srcOrd="0" destOrd="0" parTransId="{A0815741-EDB4-4A35-828A-9343A0D8B855}" sibTransId="{EAAA423D-61F0-49A2-B5E3-B8641C18A3F5}"/>
-    <dgm:cxn modelId="{A6B1D19F-88E3-41A6-9F4F-6BF9C4C88ED0}" type="presOf" srcId="{855065A0-96AD-43CA-8F51-9DD8F608D915}" destId="{428986F1-D3AE-40A6-9089-DF4385EEACCE}" srcOrd="1" destOrd="0" presId="urn:microsoft.com/office/officeart/2005/8/layout/hierarchy6"/>
-    <dgm:cxn modelId="{18ACC62E-E961-4D47-979F-522DDCD7FC47}" srcId="{5E0D80FD-59BF-437E-A9C3-D79AE1FA7697}" destId="{D8A62BBE-334B-49DB-9BC5-9114D7B92647}" srcOrd="3" destOrd="0" parTransId="{BA609884-4852-491B-AA99-E775AE25D579}" sibTransId="{0C7CD0B7-E848-4C55-B803-52EFA8064B68}"/>
-    <dgm:cxn modelId="{0B155523-5F86-43B9-AEBC-0551ED7C823F}" type="presOf" srcId="{5E0D80FD-59BF-437E-A9C3-D79AE1FA7697}" destId="{70A6CF59-4B59-483B-BD59-50C15CD05C57}" srcOrd="0" destOrd="0" presId="urn:microsoft.com/office/officeart/2005/8/layout/hierarchy6"/>
-    <dgm:cxn modelId="{7136ECC2-F6A5-4090-AFDC-BFCC37223029}" type="presOf" srcId="{8E5920D3-0AF5-4AF5-8A2D-F4EDC56AAD64}" destId="{E1683AAD-248E-40B6-B58E-939A11AD4F17}" srcOrd="0" destOrd="0" presId="urn:microsoft.com/office/officeart/2005/8/layout/hierarchy6"/>
-    <dgm:cxn modelId="{5FD94BEF-E816-4038-9BE5-3C21A74108AF}" type="presOf" srcId="{0332B06F-DB69-4B73-A4AC-9056AE97C6D4}" destId="{18D29F5D-CF0C-48F2-BE5C-BF37554EDA62}" srcOrd="1" destOrd="0" presId="urn:microsoft.com/office/officeart/2005/8/layout/hierarchy6"/>
-    <dgm:cxn modelId="{9751B7F1-95ED-4173-8710-645F4D2EE8ED}" srcId="{5E0D80FD-59BF-437E-A9C3-D79AE1FA7697}" destId="{077ED888-3800-4D9D-B799-A11F5F57648B}" srcOrd="6" destOrd="0" parTransId="{67188769-DC91-47DD-B888-8D8C3F74044F}" sibTransId="{056E3F11-E1F7-4873-9AA1-1DB783615AB0}"/>
-    <dgm:cxn modelId="{82EB58B3-900F-45AD-A549-52628990FDE6}" type="presOf" srcId="{EF77C826-0221-42F5-A2B4-F35BFCA39B79}" destId="{152852B1-282A-442A-9750-A3FC6EDED20B}" srcOrd="0" destOrd="0" presId="urn:microsoft.com/office/officeart/2005/8/layout/hierarchy6"/>
-    <dgm:cxn modelId="{D542DB73-7284-48CD-B91D-8FFBF9052138}" srcId="{95CF7A10-6CAC-48A8-B2A6-6D8C0474E0B1}" destId="{BC5B0992-1311-4EFF-BEB2-37CC82CB25AF}" srcOrd="0" destOrd="0" parTransId="{4D914236-A43C-4770-A5A3-1C6BCBF55F06}" sibTransId="{44D8C235-5F91-4F71-BD37-38A72CD727DE}"/>
-    <dgm:cxn modelId="{C60C4C13-1D1E-423A-8F06-AC6D256A3B1B}" type="presOf" srcId="{0332B06F-DB69-4B73-A4AC-9056AE97C6D4}" destId="{B487800B-DF9F-41BB-849A-5636D1E0740E}" srcOrd="0" destOrd="0" presId="urn:microsoft.com/office/officeart/2005/8/layout/hierarchy6"/>
-    <dgm:cxn modelId="{6B3B9F13-97BE-4602-BCB9-E144B731E586}" type="presOf" srcId="{5D486707-B4F9-41C8-B193-D329B11DC026}" destId="{F4B92E5D-3E32-408D-856F-03455F5934F6}" srcOrd="0" destOrd="0" presId="urn:microsoft.com/office/officeart/2005/8/layout/hierarchy6"/>
-    <dgm:cxn modelId="{455FAFD3-9F34-4F45-A1C7-5ADDD3CDAF04}" type="presOf" srcId="{BC5B0992-1311-4EFF-BEB2-37CC82CB25AF}" destId="{176B57B4-7893-4755-B210-5800923DE734}" srcOrd="0" destOrd="0" presId="urn:microsoft.com/office/officeart/2005/8/layout/hierarchy6"/>
-    <dgm:cxn modelId="{069A9177-421B-473A-A870-38907F3A68DF}" type="presOf" srcId="{5D486707-B4F9-41C8-B193-D329B11DC026}" destId="{AD89AB7C-FF89-40CF-B44F-0EA88EB80F98}" srcOrd="1" destOrd="0" presId="urn:microsoft.com/office/officeart/2005/8/layout/hierarchy6"/>
-    <dgm:cxn modelId="{1A0E225C-80E9-4B0D-AFFF-6C7E4BFF461E}" type="presOf" srcId="{95CF7A10-6CAC-48A8-B2A6-6D8C0474E0B1}" destId="{C7FAD4D6-4332-42DF-9FD5-2B10AF0941CA}" srcOrd="0" destOrd="0" presId="urn:microsoft.com/office/officeart/2005/8/layout/hierarchy6"/>
-    <dgm:cxn modelId="{31F742EC-8BDE-4185-B905-E0BF38A7B546}" type="presOf" srcId="{A2DFCF24-BA09-49ED-84DC-7DFFF3973FB7}" destId="{CA10844D-2F22-4662-ACB7-2D6F24481828}" srcOrd="0" destOrd="0" presId="urn:microsoft.com/office/officeart/2005/8/layout/hierarchy6"/>
-    <dgm:cxn modelId="{1BEFE18F-86D6-4F02-8CBD-4127A491A6B7}" srcId="{5E0D80FD-59BF-437E-A9C3-D79AE1FA7697}" destId="{855065A0-96AD-43CA-8F51-9DD8F608D915}" srcOrd="2" destOrd="0" parTransId="{FBE20598-9FA0-4036-8BEA-A2403B8AD272}" sibTransId="{9A4F3A63-751C-4789-B87B-100177901F49}"/>
-    <dgm:cxn modelId="{34928173-6B56-4E55-916C-85A0C89DDD6E}" type="presOf" srcId="{A012D8D3-327D-4AFA-B8E6-830DE3586BCC}" destId="{B91DEA65-BB25-4C9A-83F6-DB144E942F96}" srcOrd="1" destOrd="0" presId="urn:microsoft.com/office/officeart/2005/8/layout/hierarchy6"/>
-    <dgm:cxn modelId="{D1D5AB6E-5D64-4BE5-BFDF-2E01D350009E}" type="presOf" srcId="{A012D8D3-327D-4AFA-B8E6-830DE3586BCC}" destId="{A939EA86-5F65-4CBB-9E05-5EE19596638B}" srcOrd="0" destOrd="0" presId="urn:microsoft.com/office/officeart/2005/8/layout/hierarchy6"/>
-    <dgm:cxn modelId="{D5F989AD-992E-4AEE-BE34-C6089CC539AF}" srcId="{AE1F9252-AB96-47CD-82A2-FF000D9EB6F4}" destId="{22D49531-F6AD-4DB6-B1FD-9967D49A9BC8}" srcOrd="1" destOrd="0" parTransId="{A2DFCF24-BA09-49ED-84DC-7DFFF3973FB7}" sibTransId="{873ADA41-EC3F-4806-8AE9-C5D14328495C}"/>
-    <dgm:cxn modelId="{E5DD8947-9D59-47A9-B871-950E0D0EB825}" type="presOf" srcId="{855065A0-96AD-43CA-8F51-9DD8F608D915}" destId="{B05144F4-5689-4CFB-BD86-175E49A53540}" srcOrd="0" destOrd="0" presId="urn:microsoft.com/office/officeart/2005/8/layout/hierarchy6"/>
-    <dgm:cxn modelId="{E322F3A0-8CB3-46B5-B406-3E8492B49AF2}" type="presParOf" srcId="{70A6CF59-4B59-483B-BD59-50C15CD05C57}" destId="{8C38A156-9460-4A3A-8F1B-3E61108ABBB7}" srcOrd="0" destOrd="0" presId="urn:microsoft.com/office/officeart/2005/8/layout/hierarchy6"/>
-    <dgm:cxn modelId="{DB3D3A1B-E05C-4611-AFA0-25F92819A6FE}" type="presParOf" srcId="{8C38A156-9460-4A3A-8F1B-3E61108ABBB7}" destId="{B9AAFE6B-37EA-4BDB-A4EF-E8FC7A3D15E4}" srcOrd="0" destOrd="0" presId="urn:microsoft.com/office/officeart/2005/8/layout/hierarchy6"/>
-    <dgm:cxn modelId="{6072516A-9D97-433C-B60D-1214FA880F3F}" type="presParOf" srcId="{8C38A156-9460-4A3A-8F1B-3E61108ABBB7}" destId="{3B738641-174C-4E0C-9E5C-030A86F2D70D}" srcOrd="1" destOrd="0" presId="urn:microsoft.com/office/officeart/2005/8/layout/hierarchy6"/>
-    <dgm:cxn modelId="{6B553603-63C1-423F-A768-3FD2AF2149BA}" type="presParOf" srcId="{3B738641-174C-4E0C-9E5C-030A86F2D70D}" destId="{3294A944-949E-4E09-A865-2A027B4407F1}" srcOrd="0" destOrd="0" presId="urn:microsoft.com/office/officeart/2005/8/layout/hierarchy6"/>
-    <dgm:cxn modelId="{CAD90B03-C733-42F3-A1B2-CC907CA4B7AF}" type="presParOf" srcId="{3294A944-949E-4E09-A865-2A027B4407F1}" destId="{C626CDCC-9543-4C6F-939D-6A6CC1FD967B}" srcOrd="0" destOrd="0" presId="urn:microsoft.com/office/officeart/2005/8/layout/hierarchy6"/>
-    <dgm:cxn modelId="{11DBFF64-3447-4216-860A-F211A173E4E1}" type="presParOf" srcId="{3294A944-949E-4E09-A865-2A027B4407F1}" destId="{A4620972-2719-4C3D-B37E-A47F2BC87810}" srcOrd="1" destOrd="0" presId="urn:microsoft.com/office/officeart/2005/8/layout/hierarchy6"/>
-    <dgm:cxn modelId="{CF24EEE4-F01D-4A31-957D-9E4F473A0C89}" type="presParOf" srcId="{A4620972-2719-4C3D-B37E-A47F2BC87810}" destId="{DE3FF23B-0BF5-477D-B294-AA8F807E4167}" srcOrd="0" destOrd="0" presId="urn:microsoft.com/office/officeart/2005/8/layout/hierarchy6"/>
-    <dgm:cxn modelId="{EF5C2125-6E89-4833-A059-52E734FB8DF6}" type="presParOf" srcId="{A4620972-2719-4C3D-B37E-A47F2BC87810}" destId="{D92649F6-44F9-47EF-BFCF-0A9172372534}" srcOrd="1" destOrd="0" presId="urn:microsoft.com/office/officeart/2005/8/layout/hierarchy6"/>
-    <dgm:cxn modelId="{1CBED700-6C47-4E41-A8C9-88C7EBE609D5}" type="presParOf" srcId="{D92649F6-44F9-47EF-BFCF-0A9172372534}" destId="{6299D5F2-9260-4191-89CF-92C2D43493BB}" srcOrd="0" destOrd="0" presId="urn:microsoft.com/office/officeart/2005/8/layout/hierarchy6"/>
-    <dgm:cxn modelId="{68CB8AE8-B780-47FA-9B2A-16B3C86A063F}" type="presParOf" srcId="{D92649F6-44F9-47EF-BFCF-0A9172372534}" destId="{BE5B77F7-0396-46ED-902B-1C92815E585C}" srcOrd="1" destOrd="0" presId="urn:microsoft.com/office/officeart/2005/8/layout/hierarchy6"/>
-    <dgm:cxn modelId="{28404EEB-D275-43C6-BCC2-28C5C9ADDCBC}" type="presParOf" srcId="{BE5B77F7-0396-46ED-902B-1C92815E585C}" destId="{0C4C16C5-B23B-4BBE-83D6-8226212D4DF7}" srcOrd="0" destOrd="0" presId="urn:microsoft.com/office/officeart/2005/8/layout/hierarchy6"/>
-    <dgm:cxn modelId="{CAAFCA17-54EA-4840-B1C3-0FB5F1D382EE}" type="presParOf" srcId="{BE5B77F7-0396-46ED-902B-1C92815E585C}" destId="{91D5D892-2B70-4929-8FA6-5CE87E0BB963}" srcOrd="1" destOrd="0" presId="urn:microsoft.com/office/officeart/2005/8/layout/hierarchy6"/>
-    <dgm:cxn modelId="{F0724793-022D-40CF-AC1C-EC6A5D949BA9}" type="presParOf" srcId="{91D5D892-2B70-4929-8FA6-5CE87E0BB963}" destId="{E1683AAD-248E-40B6-B58E-939A11AD4F17}" srcOrd="0" destOrd="0" presId="urn:microsoft.com/office/officeart/2005/8/layout/hierarchy6"/>
-    <dgm:cxn modelId="{BC736CCB-BFB1-40E2-AF56-79757DDAC20E}" type="presParOf" srcId="{91D5D892-2B70-4929-8FA6-5CE87E0BB963}" destId="{ED1F1677-6430-44AA-8588-F3B45078A8ED}" srcOrd="1" destOrd="0" presId="urn:microsoft.com/office/officeart/2005/8/layout/hierarchy6"/>
-    <dgm:cxn modelId="{DE38A829-D302-4BEB-A8C0-5BFAB4DC3048}" type="presParOf" srcId="{BE5B77F7-0396-46ED-902B-1C92815E585C}" destId="{CA10844D-2F22-4662-ACB7-2D6F24481828}" srcOrd="2" destOrd="0" presId="urn:microsoft.com/office/officeart/2005/8/layout/hierarchy6"/>
-    <dgm:cxn modelId="{ECB97CC2-A83A-475D-B50F-28C17C759A76}" type="presParOf" srcId="{BE5B77F7-0396-46ED-902B-1C92815E585C}" destId="{F7F0E1BB-471D-4827-BCE5-B868271216F7}" srcOrd="3" destOrd="0" presId="urn:microsoft.com/office/officeart/2005/8/layout/hierarchy6"/>
-    <dgm:cxn modelId="{DFAF25A3-F2F5-4C75-877C-8FAA9BBEF228}" type="presParOf" srcId="{F7F0E1BB-471D-4827-BCE5-B868271216F7}" destId="{55694042-B205-43ED-8EAF-8AD26C9D8BFB}" srcOrd="0" destOrd="0" presId="urn:microsoft.com/office/officeart/2005/8/layout/hierarchy6"/>
-    <dgm:cxn modelId="{D64F5B58-93F3-4C15-90FE-3C861D0F28F5}" type="presParOf" srcId="{F7F0E1BB-471D-4827-BCE5-B868271216F7}" destId="{34DAA449-E05F-44EE-87C4-3285CDBD66BD}" srcOrd="1" destOrd="0" presId="urn:microsoft.com/office/officeart/2005/8/layout/hierarchy6"/>
-    <dgm:cxn modelId="{970B0189-C2E1-4668-B3D3-28139646BD44}" type="presParOf" srcId="{A4620972-2719-4C3D-B37E-A47F2BC87810}" destId="{152852B1-282A-442A-9750-A3FC6EDED20B}" srcOrd="2" destOrd="0" presId="urn:microsoft.com/office/officeart/2005/8/layout/hierarchy6"/>
-    <dgm:cxn modelId="{E8A1607F-E5F0-48F1-A7BD-ADC7FE885024}" type="presParOf" srcId="{A4620972-2719-4C3D-B37E-A47F2BC87810}" destId="{D6CACDCA-22E4-4D96-B923-AE5112A9F354}" srcOrd="3" destOrd="0" presId="urn:microsoft.com/office/officeart/2005/8/layout/hierarchy6"/>
-    <dgm:cxn modelId="{F6571FC1-3526-4C28-9E03-EBC87443408B}" type="presParOf" srcId="{D6CACDCA-22E4-4D96-B923-AE5112A9F354}" destId="{C7FAD4D6-4332-42DF-9FD5-2B10AF0941CA}" srcOrd="0" destOrd="0" presId="urn:microsoft.com/office/officeart/2005/8/layout/hierarchy6"/>
-    <dgm:cxn modelId="{B1184B5E-7DEA-488B-990D-827DF24A682D}" type="presParOf" srcId="{D6CACDCA-22E4-4D96-B923-AE5112A9F354}" destId="{8E658280-708B-47A4-BE3F-D7D080CE7A16}" srcOrd="1" destOrd="0" presId="urn:microsoft.com/office/officeart/2005/8/layout/hierarchy6"/>
-    <dgm:cxn modelId="{34FED01B-BD56-4FF1-998A-B5C0B1B47549}" type="presParOf" srcId="{8E658280-708B-47A4-BE3F-D7D080CE7A16}" destId="{BF592C24-B6CA-4EDC-9F50-B2D8C307F82B}" srcOrd="0" destOrd="0" presId="urn:microsoft.com/office/officeart/2005/8/layout/hierarchy6"/>
-    <dgm:cxn modelId="{6E9B581A-6FE9-465D-BAAD-DA6B4AB474BC}" type="presParOf" srcId="{8E658280-708B-47A4-BE3F-D7D080CE7A16}" destId="{171000D0-EF24-45DA-9FF1-16DCB5112BF8}" srcOrd="1" destOrd="0" presId="urn:microsoft.com/office/officeart/2005/8/layout/hierarchy6"/>
-    <dgm:cxn modelId="{26899EC6-D38C-4213-999C-65FDF531935E}" type="presParOf" srcId="{171000D0-EF24-45DA-9FF1-16DCB5112BF8}" destId="{176B57B4-7893-4755-B210-5800923DE734}" srcOrd="0" destOrd="0" presId="urn:microsoft.com/office/officeart/2005/8/layout/hierarchy6"/>
-    <dgm:cxn modelId="{E279F511-08DB-4B50-8917-CE385D2D41C4}" type="presParOf" srcId="{171000D0-EF24-45DA-9FF1-16DCB5112BF8}" destId="{884EFDED-E3F3-4FBB-9DEE-CBF8643C4394}" srcOrd="1" destOrd="0" presId="urn:microsoft.com/office/officeart/2005/8/layout/hierarchy6"/>
-    <dgm:cxn modelId="{89E53FE3-2A63-43B9-89DE-F535C3992CD1}" type="presParOf" srcId="{70A6CF59-4B59-483B-BD59-50C15CD05C57}" destId="{E2C28131-5136-4E8B-8738-E00E8435CC5F}" srcOrd="1" destOrd="0" presId="urn:microsoft.com/office/officeart/2005/8/layout/hierarchy6"/>
-    <dgm:cxn modelId="{9AFD79A5-319F-49D2-A0EF-42B2329B11F1}" type="presParOf" srcId="{E2C28131-5136-4E8B-8738-E00E8435CC5F}" destId="{1972960C-B862-4D67-8B94-66E33021BEA7}" srcOrd="0" destOrd="0" presId="urn:microsoft.com/office/officeart/2005/8/layout/hierarchy6"/>
-    <dgm:cxn modelId="{6BAB4295-3C38-4625-9B5F-8E04804A8600}" type="presParOf" srcId="{1972960C-B862-4D67-8B94-66E33021BEA7}" destId="{B487800B-DF9F-41BB-849A-5636D1E0740E}" srcOrd="0" destOrd="0" presId="urn:microsoft.com/office/officeart/2005/8/layout/hierarchy6"/>
-    <dgm:cxn modelId="{0D31ACFA-8159-435C-A4EE-B95CE089A20F}" type="presParOf" srcId="{1972960C-B862-4D67-8B94-66E33021BEA7}" destId="{18D29F5D-CF0C-48F2-BE5C-BF37554EDA62}" srcOrd="1" destOrd="0" presId="urn:microsoft.com/office/officeart/2005/8/layout/hierarchy6"/>
-    <dgm:cxn modelId="{FEBA395B-CA4A-4AED-9D3B-15D265A35FF7}" type="presParOf" srcId="{E2C28131-5136-4E8B-8738-E00E8435CC5F}" destId="{CD3AFFA0-FCAC-4516-8643-115ACDD468B1}" srcOrd="1" destOrd="0" presId="urn:microsoft.com/office/officeart/2005/8/layout/hierarchy6"/>
-    <dgm:cxn modelId="{9E465BFC-6507-436A-8760-6C3808E8D89E}" type="presParOf" srcId="{CD3AFFA0-FCAC-4516-8643-115ACDD468B1}" destId="{6BF0C94C-D64D-497A-89BB-77E43D1C53FB}" srcOrd="0" destOrd="0" presId="urn:microsoft.com/office/officeart/2005/8/layout/hierarchy6"/>
-    <dgm:cxn modelId="{87ACDC66-BEBD-4FD7-9C7B-31D140D0B5DA}" type="presParOf" srcId="{E2C28131-5136-4E8B-8738-E00E8435CC5F}" destId="{4EA114FF-EEFC-4D55-B5F7-9A2065D15CD7}" srcOrd="2" destOrd="0" presId="urn:microsoft.com/office/officeart/2005/8/layout/hierarchy6"/>
-    <dgm:cxn modelId="{34DEBA0F-93D0-4AC9-BC51-0E642E67C311}" type="presParOf" srcId="{4EA114FF-EEFC-4D55-B5F7-9A2065D15CD7}" destId="{B05144F4-5689-4CFB-BD86-175E49A53540}" srcOrd="0" destOrd="0" presId="urn:microsoft.com/office/officeart/2005/8/layout/hierarchy6"/>
-    <dgm:cxn modelId="{C8526403-47DC-4EFD-8E84-8B3392116083}" type="presParOf" srcId="{4EA114FF-EEFC-4D55-B5F7-9A2065D15CD7}" destId="{428986F1-D3AE-40A6-9089-DF4385EEACCE}" srcOrd="1" destOrd="0" presId="urn:microsoft.com/office/officeart/2005/8/layout/hierarchy6"/>
-    <dgm:cxn modelId="{13543833-1933-4EA9-9E4F-BEFF2C605615}" type="presParOf" srcId="{E2C28131-5136-4E8B-8738-E00E8435CC5F}" destId="{BD407DDA-ED96-4EC8-857B-6F100F55F4B9}" srcOrd="3" destOrd="0" presId="urn:microsoft.com/office/officeart/2005/8/layout/hierarchy6"/>
-    <dgm:cxn modelId="{B3155368-450F-4DE4-A7F3-8E5AAC62DE0C}" type="presParOf" srcId="{BD407DDA-ED96-4EC8-857B-6F100F55F4B9}" destId="{50740B42-7616-4E0A-8387-67542CAB3100}" srcOrd="0" destOrd="0" presId="urn:microsoft.com/office/officeart/2005/8/layout/hierarchy6"/>
-    <dgm:cxn modelId="{5106D2CC-E312-4645-ACB8-BD90C5DFD66B}" type="presParOf" srcId="{E2C28131-5136-4E8B-8738-E00E8435CC5F}" destId="{E0F2BFC0-7061-4247-8130-69383960124F}" srcOrd="4" destOrd="0" presId="urn:microsoft.com/office/officeart/2005/8/layout/hierarchy6"/>
-    <dgm:cxn modelId="{BD2D9DDB-4FAB-46AC-8636-4B483BF1DEBE}" type="presParOf" srcId="{E0F2BFC0-7061-4247-8130-69383960124F}" destId="{F4213970-3648-4D87-BCB4-4922714A95ED}" srcOrd="0" destOrd="0" presId="urn:microsoft.com/office/officeart/2005/8/layout/hierarchy6"/>
-    <dgm:cxn modelId="{CF49C02A-56C2-4795-82CF-B0E2D93AF37D}" type="presParOf" srcId="{E0F2BFC0-7061-4247-8130-69383960124F}" destId="{139C5230-5C36-4BE7-A00B-6F14E40C9C0F}" srcOrd="1" destOrd="0" presId="urn:microsoft.com/office/officeart/2005/8/layout/hierarchy6"/>
-    <dgm:cxn modelId="{46654167-E060-4052-AA0A-FE2E5CF051EF}" type="presParOf" srcId="{E2C28131-5136-4E8B-8738-E00E8435CC5F}" destId="{004664BE-4E26-4940-AC3E-393236AD3637}" srcOrd="5" destOrd="0" presId="urn:microsoft.com/office/officeart/2005/8/layout/hierarchy6"/>
-    <dgm:cxn modelId="{A2CDE966-A9E6-4104-813E-77F3E6D95C93}" type="presParOf" srcId="{004664BE-4E26-4940-AC3E-393236AD3637}" destId="{E7E9BC3A-E81F-47D7-8F9B-1E4E58DD16F3}" srcOrd="0" destOrd="0" presId="urn:microsoft.com/office/officeart/2005/8/layout/hierarchy6"/>
-    <dgm:cxn modelId="{B5000BFA-7509-41F5-B8C1-01B630B854C1}" type="presParOf" srcId="{E2C28131-5136-4E8B-8738-E00E8435CC5F}" destId="{0AD358D2-9C11-4DA0-9D60-674B348AB01E}" srcOrd="6" destOrd="0" presId="urn:microsoft.com/office/officeart/2005/8/layout/hierarchy6"/>
-    <dgm:cxn modelId="{27441B5D-4F36-4572-9C1A-1B7BD3D1DCFB}" type="presParOf" srcId="{0AD358D2-9C11-4DA0-9D60-674B348AB01E}" destId="{A939EA86-5F65-4CBB-9E05-5EE19596638B}" srcOrd="0" destOrd="0" presId="urn:microsoft.com/office/officeart/2005/8/layout/hierarchy6"/>
-    <dgm:cxn modelId="{C83EAACA-2397-4B7D-ABAE-1AE3882BDEA7}" type="presParOf" srcId="{0AD358D2-9C11-4DA0-9D60-674B348AB01E}" destId="{B91DEA65-BB25-4C9A-83F6-DB144E942F96}" srcOrd="1" destOrd="0" presId="urn:microsoft.com/office/officeart/2005/8/layout/hierarchy6"/>
-    <dgm:cxn modelId="{1E62FB82-CCCE-410E-9099-9B0828B017F7}" type="presParOf" srcId="{E2C28131-5136-4E8B-8738-E00E8435CC5F}" destId="{32F3ACFD-0242-49D3-A607-E11ADB6331BF}" srcOrd="7" destOrd="0" presId="urn:microsoft.com/office/officeart/2005/8/layout/hierarchy6"/>
-    <dgm:cxn modelId="{2B9C7B09-7D11-4C60-B410-8507ED3CCD64}" type="presParOf" srcId="{32F3ACFD-0242-49D3-A607-E11ADB6331BF}" destId="{6ED4E5CF-BB93-4CCD-AF04-4A0A2A28CE46}" srcOrd="0" destOrd="0" presId="urn:microsoft.com/office/officeart/2005/8/layout/hierarchy6"/>
-    <dgm:cxn modelId="{5594A527-0BF4-4B80-8900-A040811E78AB}" type="presParOf" srcId="{E2C28131-5136-4E8B-8738-E00E8435CC5F}" destId="{C38FBD33-407B-4D31-B770-EA2D260161E0}" srcOrd="8" destOrd="0" presId="urn:microsoft.com/office/officeart/2005/8/layout/hierarchy6"/>
-    <dgm:cxn modelId="{40FD9583-C546-4B84-9D40-BAD7FB4BCD01}" type="presParOf" srcId="{C38FBD33-407B-4D31-B770-EA2D260161E0}" destId="{F4B92E5D-3E32-408D-856F-03455F5934F6}" srcOrd="0" destOrd="0" presId="urn:microsoft.com/office/officeart/2005/8/layout/hierarchy6"/>
-    <dgm:cxn modelId="{A112837A-2D63-4173-A3B4-B97C2D263DBA}" type="presParOf" srcId="{C38FBD33-407B-4D31-B770-EA2D260161E0}" destId="{AD89AB7C-FF89-40CF-B44F-0EA88EB80F98}" srcOrd="1" destOrd="0" presId="urn:microsoft.com/office/officeart/2005/8/layout/hierarchy6"/>
-    <dgm:cxn modelId="{581B0C2E-B4E9-477B-90CD-B319EF1AFC35}" type="presParOf" srcId="{E2C28131-5136-4E8B-8738-E00E8435CC5F}" destId="{8518BFCD-BBB8-4A90-A06F-784F452D932A}" srcOrd="9" destOrd="0" presId="urn:microsoft.com/office/officeart/2005/8/layout/hierarchy6"/>
-    <dgm:cxn modelId="{1CC877EA-0890-4DAE-B206-3FFFA9F87505}" type="presParOf" srcId="{8518BFCD-BBB8-4A90-A06F-784F452D932A}" destId="{681AB26F-F534-498A-AB50-9529223DF812}" srcOrd="0" destOrd="0" presId="urn:microsoft.com/office/officeart/2005/8/layout/hierarchy6"/>
-    <dgm:cxn modelId="{D565C8A1-D7E0-421C-B9C7-07468AAB0151}" type="presParOf" srcId="{E2C28131-5136-4E8B-8738-E00E8435CC5F}" destId="{CA5C0B9B-D265-4013-9794-A3F7D0138866}" srcOrd="10" destOrd="0" presId="urn:microsoft.com/office/officeart/2005/8/layout/hierarchy6"/>
-    <dgm:cxn modelId="{BBFEAB41-1DDC-4234-9067-0D6F689441BD}" type="presParOf" srcId="{CA5C0B9B-D265-4013-9794-A3F7D0138866}" destId="{7ED1A2D3-3FA8-4930-8C58-D9952D0A2882}" srcOrd="0" destOrd="0" presId="urn:microsoft.com/office/officeart/2005/8/layout/hierarchy6"/>
-    <dgm:cxn modelId="{976229AA-693D-42D7-8AE9-633967D754B4}" type="presParOf" srcId="{CA5C0B9B-D265-4013-9794-A3F7D0138866}" destId="{08A66BBE-BA03-4F41-8278-8F45D362A84C}" srcOrd="1" destOrd="0" presId="urn:microsoft.com/office/officeart/2005/8/layout/hierarchy6"/>
-  </dgm:cxnLst>
-  <dgm:bg/>
-  <dgm:whole/>
-  <dgm:extLst>
-    <a:ext uri="http://schemas.microsoft.com/office/drawing/2008/diagram">
-      <dsp:dataModelExt xmlns:dsp="http://schemas.microsoft.com/office/drawing/2008/diagram" relId="rId6" minVer="http://schemas.openxmlformats.org/drawingml/2006/diagram"/>
-    </a:ext>
-  </dgm:extLst>
-</dgm:dataModel>
+          <a:endParaRPr lang="en-US" sz="600" kern="1200" dirty="0"/>
+        </a:p>
+      </dsp:txBody>
+      <dsp:txXfrm>
+        <a:off x="9689407" y="2564148"/>
+        <a:ext cx="602571" cy="393551"/>
+      </dsp:txXfrm>
+    </dsp:sp>
+  </dsp:spTree>
+</dsp:drawing>
 </file>
 
-<file path=ppt/diagrams/drawing1.xml><?xml version="1.0" encoding="utf-8"?>
+<file path=ppt/diagrams/drawing2.xml><?xml version="1.0" encoding="utf-8"?>
 <dsp:drawing xmlns:dgm="http://schemas.openxmlformats.org/drawingml/2006/diagram" xmlns:dsp="http://schemas.microsoft.com/office/drawing/2008/diagram" xmlns:a="http://schemas.openxmlformats.org/drawingml/2006/main">
   <dsp:spTree>
     <dsp:nvGrpSpPr>
@@ -3186,12 +6005,12 @@
         <a:fontRef idx="minor"/>
       </dsp:style>
       <dsp:txBody>
-        <a:bodyPr spcFirstLastPara="0" vert="horz" wrap="square" lIns="128016" tIns="11430" rIns="11430" bIns="11430" numCol="1" spcCol="1270" anchor="ctr" anchorCtr="0">
+        <a:bodyPr spcFirstLastPara="0" vert="horz" wrap="square" lIns="85344" tIns="7620" rIns="7620" bIns="7620" numCol="1" spcCol="1270" anchor="ctr" anchorCtr="0">
           <a:noAutofit/>
         </a:bodyPr>
         <a:lstStyle/>
         <a:p>
-          <a:pPr marL="171450" lvl="1" indent="-171450" algn="l" defTabSz="800100">
+          <a:pPr marL="114300" lvl="1" indent="-114300" algn="l" defTabSz="533400">
             <a:lnSpc>
               <a:spcPct val="90000"/>
             </a:lnSpc>
@@ -3204,13 +6023,13 @@
             <a:buChar char="••"/>
           </a:pPr>
           <a:r>
-            <a:rPr lang="en-US" sz="1800" kern="1200" dirty="0" smtClean="0"/>
-            <a:t>BJCP Style Guideline Constants</a:t>
+            <a:rPr lang="en-US" sz="1200" kern="1200" dirty="0" smtClean="0"/>
+            <a:t>BJCP style guideline constants</a:t>
           </a:r>
-          <a:endParaRPr lang="en-US" sz="1800" kern="1200" dirty="0"/>
-        </a:p>
-        <a:p>
-          <a:pPr marL="171450" lvl="1" indent="-171450" algn="l" defTabSz="800100">
+          <a:endParaRPr lang="en-US" sz="1200" kern="1200" dirty="0"/>
+        </a:p>
+        <a:p>
+          <a:pPr marL="114300" lvl="1" indent="-114300" algn="l" defTabSz="533400">
             <a:lnSpc>
               <a:spcPct val="90000"/>
             </a:lnSpc>
@@ -3223,10 +6042,10 @@
             <a:buChar char="••"/>
           </a:pPr>
           <a:r>
-            <a:rPr lang="en-US" sz="1800" kern="1200" dirty="0" smtClean="0"/>
-            <a:t>Brew Kitchen System Constants</a:t>
+            <a:rPr lang="en-US" sz="1200" kern="1200" dirty="0" smtClean="0"/>
+            <a:t>Brew kitchen system constants</a:t>
           </a:r>
-          <a:endParaRPr lang="en-US" sz="1800" kern="1200" dirty="0"/>
+          <a:endParaRPr lang="en-US" sz="1200" kern="1200" dirty="0"/>
         </a:p>
       </dsp:txBody>
       <dsp:txXfrm rot="-5400000">
@@ -3361,12 +6180,12 @@
         <a:fontRef idx="minor"/>
       </dsp:style>
       <dsp:txBody>
-        <a:bodyPr spcFirstLastPara="0" vert="horz" wrap="square" lIns="128016" tIns="11430" rIns="11430" bIns="11430" numCol="1" spcCol="1270" anchor="ctr" anchorCtr="0">
+        <a:bodyPr spcFirstLastPara="0" vert="horz" wrap="square" lIns="85344" tIns="7620" rIns="7620" bIns="7620" numCol="1" spcCol="1270" anchor="ctr" anchorCtr="0">
           <a:noAutofit/>
         </a:bodyPr>
         <a:lstStyle/>
         <a:p>
-          <a:pPr marL="171450" lvl="1" indent="-171450" algn="l" defTabSz="800100">
+          <a:pPr marL="114300" lvl="1" indent="-114300" algn="l" defTabSz="533400">
             <a:lnSpc>
               <a:spcPct val="90000"/>
             </a:lnSpc>
@@ -3378,7 +6197,11 @@
             </a:spcAft>
             <a:buChar char="••"/>
           </a:pPr>
-          <a:endParaRPr lang="en-US" sz="1800" kern="1200" dirty="0"/>
+          <a:r>
+            <a:rPr lang="en-US" sz="1200" kern="1200" dirty="0" smtClean="0"/>
+            <a:t>Grain bill calculation</a:t>
+          </a:r>
+          <a:endParaRPr lang="en-US" sz="1200" kern="1200" dirty="0"/>
         </a:p>
       </dsp:txBody>
       <dsp:txXfrm rot="-5400000">
@@ -3513,12 +6336,12 @@
         <a:fontRef idx="minor"/>
       </dsp:style>
       <dsp:txBody>
-        <a:bodyPr spcFirstLastPara="0" vert="horz" wrap="square" lIns="128016" tIns="11430" rIns="11430" bIns="11430" numCol="1" spcCol="1270" anchor="ctr" anchorCtr="0">
+        <a:bodyPr spcFirstLastPara="0" vert="horz" wrap="square" lIns="85344" tIns="7620" rIns="7620" bIns="7620" numCol="1" spcCol="1270" anchor="ctr" anchorCtr="0">
           <a:noAutofit/>
         </a:bodyPr>
         <a:lstStyle/>
         <a:p>
-          <a:pPr marL="171450" lvl="1" indent="-171450" algn="l" defTabSz="800100">
+          <a:pPr marL="114300" lvl="1" indent="-114300" algn="l" defTabSz="533400">
             <a:lnSpc>
               <a:spcPct val="90000"/>
             </a:lnSpc>
@@ -3530,7 +6353,11 @@
             </a:spcAft>
             <a:buChar char="••"/>
           </a:pPr>
-          <a:endParaRPr lang="en-US" sz="1800" kern="1200" dirty="0"/>
+          <a:r>
+            <a:rPr lang="en-US" sz="1200" kern="1200" dirty="0" smtClean="0"/>
+            <a:t>Yeast strain calculations</a:t>
+          </a:r>
+          <a:endParaRPr lang="en-US" sz="1200" kern="1200" dirty="0"/>
         </a:p>
       </dsp:txBody>
       <dsp:txXfrm rot="-5400000">
@@ -3664,6 +6491,54 @@
         </a:effectRef>
         <a:fontRef idx="minor"/>
       </dsp:style>
+      <dsp:txBody>
+        <a:bodyPr spcFirstLastPara="0" vert="horz" wrap="square" lIns="85344" tIns="7620" rIns="7620" bIns="7620" numCol="1" spcCol="1270" anchor="ctr" anchorCtr="0">
+          <a:noAutofit/>
+        </a:bodyPr>
+        <a:lstStyle/>
+        <a:p>
+          <a:pPr marL="114300" lvl="1" indent="-114300" algn="l" defTabSz="533400">
+            <a:lnSpc>
+              <a:spcPct val="90000"/>
+            </a:lnSpc>
+            <a:spcBef>
+              <a:spcPct val="0"/>
+            </a:spcBef>
+            <a:spcAft>
+              <a:spcPct val="15000"/>
+            </a:spcAft>
+            <a:buChar char="••"/>
+          </a:pPr>
+          <a:r>
+            <a:rPr lang="en-US" sz="1200" kern="1200" dirty="0" smtClean="0"/>
+            <a:t>Bittering hops</a:t>
+          </a:r>
+          <a:endParaRPr lang="en-US" sz="1200" kern="1200" dirty="0"/>
+        </a:p>
+        <a:p>
+          <a:pPr marL="114300" lvl="1" indent="-114300" algn="l" defTabSz="533400">
+            <a:lnSpc>
+              <a:spcPct val="90000"/>
+            </a:lnSpc>
+            <a:spcBef>
+              <a:spcPct val="0"/>
+            </a:spcBef>
+            <a:spcAft>
+              <a:spcPct val="15000"/>
+            </a:spcAft>
+            <a:buChar char="••"/>
+          </a:pPr>
+          <a:r>
+            <a:rPr lang="en-US" sz="1200" kern="1200" dirty="0" smtClean="0"/>
+            <a:t>Aroma/Flavoring hops</a:t>
+          </a:r>
+          <a:endParaRPr lang="en-US" sz="1200" kern="1200" dirty="0"/>
+        </a:p>
+      </dsp:txBody>
+      <dsp:txXfrm rot="-5400000">
+        <a:off x="688050" y="2691937"/>
+        <a:ext cx="7408761" cy="576524"/>
+      </dsp:txXfrm>
     </dsp:sp>
     <dsp:sp modelId="{C993E897-2D30-42C6-85FE-D6C5236747EF}">
       <dsp:nvSpPr>
@@ -3791,6 +6666,54 @@
         </a:effectRef>
         <a:fontRef idx="minor"/>
       </dsp:style>
+      <dsp:txBody>
+        <a:bodyPr spcFirstLastPara="0" vert="horz" wrap="square" lIns="85344" tIns="7620" rIns="7620" bIns="7620" numCol="1" spcCol="1270" anchor="ctr" anchorCtr="0">
+          <a:noAutofit/>
+        </a:bodyPr>
+        <a:lstStyle/>
+        <a:p>
+          <a:pPr marL="114300" lvl="1" indent="-114300" algn="l" defTabSz="533400">
+            <a:lnSpc>
+              <a:spcPct val="90000"/>
+            </a:lnSpc>
+            <a:spcBef>
+              <a:spcPct val="0"/>
+            </a:spcBef>
+            <a:spcAft>
+              <a:spcPct val="15000"/>
+            </a:spcAft>
+            <a:buChar char="••"/>
+          </a:pPr>
+          <a:r>
+            <a:rPr lang="en-US" sz="1200" kern="1200" dirty="0" smtClean="0"/>
+            <a:t>pH and chemistry</a:t>
+          </a:r>
+          <a:endParaRPr lang="en-US" sz="1200" kern="1200" dirty="0"/>
+        </a:p>
+        <a:p>
+          <a:pPr marL="114300" lvl="1" indent="-114300" algn="l" defTabSz="533400">
+            <a:lnSpc>
+              <a:spcPct val="90000"/>
+            </a:lnSpc>
+            <a:spcBef>
+              <a:spcPct val="0"/>
+            </a:spcBef>
+            <a:spcAft>
+              <a:spcPct val="15000"/>
+            </a:spcAft>
+            <a:buChar char="••"/>
+          </a:pPr>
+          <a:r>
+            <a:rPr lang="en-US" sz="1200" kern="1200" dirty="0" smtClean="0"/>
+            <a:t>Volumes</a:t>
+          </a:r>
+          <a:endParaRPr lang="en-US" sz="1200" kern="1200" dirty="0"/>
+        </a:p>
+      </dsp:txBody>
+      <dsp:txXfrm rot="-5400000">
+        <a:off x="688050" y="3577693"/>
+        <a:ext cx="7408761" cy="576524"/>
+      </dsp:txXfrm>
     </dsp:sp>
     <dsp:sp modelId="{8B759E7A-B483-489B-BF61-6EDBB8DD68B1}">
       <dsp:nvSpPr>
@@ -3918,67 +6841,13 @@
         </a:effectRef>
         <a:fontRef idx="minor"/>
       </dsp:style>
-    </dsp:sp>
-  </dsp:spTree>
-</dsp:drawing>
-</file>
-
-<file path=ppt/diagrams/drawing2.xml><?xml version="1.0" encoding="utf-8"?>
-<dsp:drawing xmlns:dgm="http://schemas.openxmlformats.org/drawingml/2006/diagram" xmlns:dsp="http://schemas.microsoft.com/office/drawing/2008/diagram" xmlns:a="http://schemas.openxmlformats.org/drawingml/2006/main">
-  <dsp:spTree>
-    <dsp:nvGrpSpPr>
-      <dsp:cNvPr id="0" name=""/>
-      <dsp:cNvGrpSpPr/>
-    </dsp:nvGrpSpPr>
-    <dsp:grpSpPr/>
-    <dsp:sp modelId="{7ED1A2D3-3FA8-4930-8C58-D9952D0A2882}">
-      <dsp:nvSpPr>
-        <dsp:cNvPr id="0" name=""/>
-        <dsp:cNvSpPr/>
-      </dsp:nvSpPr>
-      <dsp:spPr>
-        <a:xfrm>
-          <a:off x="0" y="3684350"/>
-          <a:ext cx="10515600" cy="512277"/>
-        </a:xfrm>
-        <a:prstGeom prst="roundRect">
-          <a:avLst>
-            <a:gd name="adj" fmla="val 10000"/>
-          </a:avLst>
-        </a:prstGeom>
-        <a:solidFill>
-          <a:schemeClr val="accent1">
-            <a:tint val="40000"/>
-            <a:hueOff val="0"/>
-            <a:satOff val="0"/>
-            <a:lumOff val="0"/>
-            <a:alphaOff val="0"/>
-          </a:schemeClr>
-        </a:solidFill>
-        <a:ln>
-          <a:noFill/>
-        </a:ln>
-        <a:effectLst/>
-      </dsp:spPr>
-      <dsp:style>
-        <a:lnRef idx="0">
-          <a:scrgbClr r="0" g="0" b="0"/>
-        </a:lnRef>
-        <a:fillRef idx="1">
-          <a:scrgbClr r="0" g="0" b="0"/>
-        </a:fillRef>
-        <a:effectRef idx="0">
-          <a:scrgbClr r="0" g="0" b="0"/>
-        </a:effectRef>
-        <a:fontRef idx="minor"/>
-      </dsp:style>
       <dsp:txBody>
-        <a:bodyPr spcFirstLastPara="0" vert="horz" wrap="square" lIns="128016" tIns="128016" rIns="128016" bIns="128016" numCol="1" spcCol="1270" anchor="ctr" anchorCtr="0">
+        <a:bodyPr spcFirstLastPara="0" vert="horz" wrap="square" lIns="85344" tIns="7620" rIns="7620" bIns="7620" numCol="1" spcCol="1270" anchor="ctr" anchorCtr="0">
           <a:noAutofit/>
         </a:bodyPr>
         <a:lstStyle/>
         <a:p>
-          <a:pPr lvl="0" algn="ctr" defTabSz="800100">
+          <a:pPr marL="114300" lvl="1" indent="-114300" algn="l" defTabSz="533400">
             <a:lnSpc>
               <a:spcPct val="90000"/>
             </a:lnSpc>
@@ -3986,69 +6855,18 @@
               <a:spcPct val="0"/>
             </a:spcBef>
             <a:spcAft>
-              <a:spcPct val="35000"/>
+              <a:spcPct val="15000"/>
             </a:spcAft>
+            <a:buChar char="••"/>
           </a:pPr>
           <a:r>
-            <a:rPr lang="en-US" sz="1800" kern="1200" dirty="0" smtClean="0"/>
-            <a:t>Mash</a:t>
+            <a:rPr lang="en-US" sz="1200" kern="1200" dirty="0" smtClean="0"/>
+            <a:t>Single step</a:t>
           </a:r>
-          <a:endParaRPr lang="en-US" sz="1800" kern="1200" dirty="0"/>
-        </a:p>
-      </dsp:txBody>
-      <dsp:txXfrm>
-        <a:off x="0" y="3684350"/>
-        <a:ext cx="3154680" cy="512277"/>
-      </dsp:txXfrm>
-    </dsp:sp>
-    <dsp:sp modelId="{F4B92E5D-3E32-408D-856F-03455F5934F6}">
-      <dsp:nvSpPr>
-        <dsp:cNvPr id="0" name=""/>
-        <dsp:cNvSpPr/>
-      </dsp:nvSpPr>
-      <dsp:spPr>
-        <a:xfrm>
-          <a:off x="0" y="2978422"/>
-          <a:ext cx="10515600" cy="512277"/>
-        </a:xfrm>
-        <a:prstGeom prst="roundRect">
-          <a:avLst>
-            <a:gd name="adj" fmla="val 10000"/>
-          </a:avLst>
-        </a:prstGeom>
-        <a:solidFill>
-          <a:schemeClr val="accent1">
-            <a:tint val="40000"/>
-            <a:hueOff val="0"/>
-            <a:satOff val="0"/>
-            <a:lumOff val="0"/>
-            <a:alphaOff val="0"/>
-          </a:schemeClr>
-        </a:solidFill>
-        <a:ln>
-          <a:noFill/>
-        </a:ln>
-        <a:effectLst/>
-      </dsp:spPr>
-      <dsp:style>
-        <a:lnRef idx="0">
-          <a:scrgbClr r="0" g="0" b="0"/>
-        </a:lnRef>
-        <a:fillRef idx="1">
-          <a:scrgbClr r="0" g="0" b="0"/>
-        </a:fillRef>
-        <a:effectRef idx="0">
-          <a:scrgbClr r="0" g="0" b="0"/>
-        </a:effectRef>
-        <a:fontRef idx="minor"/>
-      </dsp:style>
-      <dsp:txBody>
-        <a:bodyPr spcFirstLastPara="0" vert="horz" wrap="square" lIns="128016" tIns="128016" rIns="128016" bIns="128016" numCol="1" spcCol="1270" anchor="ctr" anchorCtr="0">
-          <a:noAutofit/>
-        </a:bodyPr>
-        <a:lstStyle/>
-        <a:p>
-          <a:pPr lvl="0" algn="ctr" defTabSz="800100">
+          <a:endParaRPr lang="en-US" sz="1200" kern="1200" dirty="0"/>
+        </a:p>
+        <a:p>
+          <a:pPr marL="114300" lvl="1" indent="-114300" algn="l" defTabSz="533400">
             <a:lnSpc>
               <a:spcPct val="90000"/>
             </a:lnSpc>
@@ -4056,69 +6874,18 @@
               <a:spcPct val="0"/>
             </a:spcBef>
             <a:spcAft>
-              <a:spcPct val="35000"/>
+              <a:spcPct val="15000"/>
             </a:spcAft>
+            <a:buChar char="••"/>
           </a:pPr>
           <a:r>
-            <a:rPr lang="en-US" sz="1800" kern="1200" dirty="0" smtClean="0"/>
-            <a:t>Water</a:t>
+            <a:rPr lang="en-US" sz="1200" kern="1200" dirty="0" smtClean="0"/>
+            <a:t>2 step</a:t>
           </a:r>
-          <a:endParaRPr lang="en-US" sz="1800" kern="1200" dirty="0"/>
-        </a:p>
-      </dsp:txBody>
-      <dsp:txXfrm>
-        <a:off x="0" y="2978422"/>
-        <a:ext cx="3154680" cy="512277"/>
-      </dsp:txXfrm>
-    </dsp:sp>
-    <dsp:sp modelId="{A939EA86-5F65-4CBB-9E05-5EE19596638B}">
-      <dsp:nvSpPr>
-        <dsp:cNvPr id="0" name=""/>
-        <dsp:cNvSpPr/>
-      </dsp:nvSpPr>
-      <dsp:spPr>
-        <a:xfrm>
-          <a:off x="0" y="2272494"/>
-          <a:ext cx="10515600" cy="512277"/>
-        </a:xfrm>
-        <a:prstGeom prst="roundRect">
-          <a:avLst>
-            <a:gd name="adj" fmla="val 10000"/>
-          </a:avLst>
-        </a:prstGeom>
-        <a:solidFill>
-          <a:schemeClr val="accent1">
-            <a:tint val="40000"/>
-            <a:hueOff val="0"/>
-            <a:satOff val="0"/>
-            <a:lumOff val="0"/>
-            <a:alphaOff val="0"/>
-          </a:schemeClr>
-        </a:solidFill>
-        <a:ln>
-          <a:noFill/>
-        </a:ln>
-        <a:effectLst/>
-      </dsp:spPr>
-      <dsp:style>
-        <a:lnRef idx="0">
-          <a:scrgbClr r="0" g="0" b="0"/>
-        </a:lnRef>
-        <a:fillRef idx="1">
-          <a:scrgbClr r="0" g="0" b="0"/>
-        </a:fillRef>
-        <a:effectRef idx="0">
-          <a:scrgbClr r="0" g="0" b="0"/>
-        </a:effectRef>
-        <a:fontRef idx="minor"/>
-      </dsp:style>
-      <dsp:txBody>
-        <a:bodyPr spcFirstLastPara="0" vert="horz" wrap="square" lIns="128016" tIns="128016" rIns="128016" bIns="128016" numCol="1" spcCol="1270" anchor="ctr" anchorCtr="0">
-          <a:noAutofit/>
-        </a:bodyPr>
-        <a:lstStyle/>
-        <a:p>
-          <a:pPr lvl="0" algn="ctr" defTabSz="800100">
+          <a:endParaRPr lang="en-US" sz="1200" kern="1200" dirty="0"/>
+        </a:p>
+        <a:p>
+          <a:pPr marL="114300" lvl="1" indent="-114300" algn="l" defTabSz="533400">
             <a:lnSpc>
               <a:spcPct val="90000"/>
             </a:lnSpc>
@@ -4126,989 +6893,20 @@
               <a:spcPct val="0"/>
             </a:spcBef>
             <a:spcAft>
-              <a:spcPct val="35000"/>
+              <a:spcPct val="15000"/>
             </a:spcAft>
+            <a:buChar char="••"/>
           </a:pPr>
           <a:r>
-            <a:rPr lang="en-US" sz="1800" kern="1200" dirty="0" smtClean="0"/>
-            <a:t>Hops</a:t>
+            <a:rPr lang="en-US" sz="1200" kern="1200" dirty="0" smtClean="0"/>
+            <a:t>Decoction</a:t>
           </a:r>
-          <a:endParaRPr lang="en-US" sz="1800" kern="1200" dirty="0"/>
+          <a:endParaRPr lang="en-US" sz="1200" kern="1200" dirty="0"/>
         </a:p>
       </dsp:txBody>
-      <dsp:txXfrm>
-        <a:off x="0" y="2272494"/>
-        <a:ext cx="3154680" cy="512277"/>
-      </dsp:txXfrm>
-    </dsp:sp>
-    <dsp:sp modelId="{F4213970-3648-4D87-BCB4-4922714A95ED}">
-      <dsp:nvSpPr>
-        <dsp:cNvPr id="0" name=""/>
-        <dsp:cNvSpPr/>
-      </dsp:nvSpPr>
-      <dsp:spPr>
-        <a:xfrm>
-          <a:off x="0" y="1566566"/>
-          <a:ext cx="10515600" cy="512277"/>
-        </a:xfrm>
-        <a:prstGeom prst="roundRect">
-          <a:avLst>
-            <a:gd name="adj" fmla="val 10000"/>
-          </a:avLst>
-        </a:prstGeom>
-        <a:solidFill>
-          <a:schemeClr val="accent1">
-            <a:tint val="40000"/>
-            <a:hueOff val="0"/>
-            <a:satOff val="0"/>
-            <a:lumOff val="0"/>
-            <a:alphaOff val="0"/>
-          </a:schemeClr>
-        </a:solidFill>
-        <a:ln>
-          <a:noFill/>
-        </a:ln>
-        <a:effectLst/>
-      </dsp:spPr>
-      <dsp:style>
-        <a:lnRef idx="0">
-          <a:scrgbClr r="0" g="0" b="0"/>
-        </a:lnRef>
-        <a:fillRef idx="1">
-          <a:scrgbClr r="0" g="0" b="0"/>
-        </a:fillRef>
-        <a:effectRef idx="0">
-          <a:scrgbClr r="0" g="0" b="0"/>
-        </a:effectRef>
-        <a:fontRef idx="minor"/>
-      </dsp:style>
-      <dsp:txBody>
-        <a:bodyPr spcFirstLastPara="0" vert="horz" wrap="square" lIns="128016" tIns="128016" rIns="128016" bIns="128016" numCol="1" spcCol="1270" anchor="ctr" anchorCtr="0">
-          <a:noAutofit/>
-        </a:bodyPr>
-        <a:lstStyle/>
-        <a:p>
-          <a:pPr lvl="0" algn="ctr" defTabSz="800100">
-            <a:lnSpc>
-              <a:spcPct val="90000"/>
-            </a:lnSpc>
-            <a:spcBef>
-              <a:spcPct val="0"/>
-            </a:spcBef>
-            <a:spcAft>
-              <a:spcPct val="35000"/>
-            </a:spcAft>
-          </a:pPr>
-          <a:r>
-            <a:rPr lang="en-US" sz="1800" kern="1200" dirty="0" smtClean="0"/>
-            <a:t>Yeast</a:t>
-          </a:r>
-          <a:endParaRPr lang="en-US" sz="1800" kern="1200" dirty="0"/>
-        </a:p>
-      </dsp:txBody>
-      <dsp:txXfrm>
-        <a:off x="0" y="1566566"/>
-        <a:ext cx="3154680" cy="512277"/>
-      </dsp:txXfrm>
-    </dsp:sp>
-    <dsp:sp modelId="{B05144F4-5689-4CFB-BD86-175E49A53540}">
-      <dsp:nvSpPr>
-        <dsp:cNvPr id="0" name=""/>
-        <dsp:cNvSpPr/>
-      </dsp:nvSpPr>
-      <dsp:spPr>
-        <a:xfrm>
-          <a:off x="0" y="860638"/>
-          <a:ext cx="10515600" cy="512277"/>
-        </a:xfrm>
-        <a:prstGeom prst="roundRect">
-          <a:avLst>
-            <a:gd name="adj" fmla="val 10000"/>
-          </a:avLst>
-        </a:prstGeom>
-        <a:solidFill>
-          <a:schemeClr val="accent1">
-            <a:tint val="40000"/>
-            <a:hueOff val="0"/>
-            <a:satOff val="0"/>
-            <a:lumOff val="0"/>
-            <a:alphaOff val="0"/>
-          </a:schemeClr>
-        </a:solidFill>
-        <a:ln>
-          <a:noFill/>
-        </a:ln>
-        <a:effectLst/>
-      </dsp:spPr>
-      <dsp:style>
-        <a:lnRef idx="0">
-          <a:scrgbClr r="0" g="0" b="0"/>
-        </a:lnRef>
-        <a:fillRef idx="1">
-          <a:scrgbClr r="0" g="0" b="0"/>
-        </a:fillRef>
-        <a:effectRef idx="0">
-          <a:scrgbClr r="0" g="0" b="0"/>
-        </a:effectRef>
-        <a:fontRef idx="minor"/>
-      </dsp:style>
-      <dsp:txBody>
-        <a:bodyPr spcFirstLastPara="0" vert="horz" wrap="square" lIns="128016" tIns="128016" rIns="128016" bIns="128016" numCol="1" spcCol="1270" anchor="ctr" anchorCtr="0">
-          <a:noAutofit/>
-        </a:bodyPr>
-        <a:lstStyle/>
-        <a:p>
-          <a:pPr lvl="0" algn="ctr" defTabSz="800100">
-            <a:lnSpc>
-              <a:spcPct val="90000"/>
-            </a:lnSpc>
-            <a:spcBef>
-              <a:spcPct val="0"/>
-            </a:spcBef>
-            <a:spcAft>
-              <a:spcPct val="35000"/>
-            </a:spcAft>
-          </a:pPr>
-          <a:r>
-            <a:rPr lang="en-US" sz="1800" kern="1200" dirty="0" err="1" smtClean="0"/>
-            <a:t>Fermentables</a:t>
-          </a:r>
-          <a:endParaRPr lang="en-US" sz="1800" kern="1200" dirty="0"/>
-        </a:p>
-      </dsp:txBody>
-      <dsp:txXfrm>
-        <a:off x="0" y="860638"/>
-        <a:ext cx="3154680" cy="512277"/>
-      </dsp:txXfrm>
-    </dsp:sp>
-    <dsp:sp modelId="{B487800B-DF9F-41BB-849A-5636D1E0740E}">
-      <dsp:nvSpPr>
-        <dsp:cNvPr id="0" name=""/>
-        <dsp:cNvSpPr/>
-      </dsp:nvSpPr>
-      <dsp:spPr>
-        <a:xfrm>
-          <a:off x="0" y="154709"/>
-          <a:ext cx="10515600" cy="512277"/>
-        </a:xfrm>
-        <a:prstGeom prst="roundRect">
-          <a:avLst>
-            <a:gd name="adj" fmla="val 10000"/>
-          </a:avLst>
-        </a:prstGeom>
-        <a:solidFill>
-          <a:schemeClr val="accent1">
-            <a:tint val="40000"/>
-            <a:hueOff val="0"/>
-            <a:satOff val="0"/>
-            <a:lumOff val="0"/>
-            <a:alphaOff val="0"/>
-          </a:schemeClr>
-        </a:solidFill>
-        <a:ln>
-          <a:noFill/>
-        </a:ln>
-        <a:effectLst/>
-      </dsp:spPr>
-      <dsp:style>
-        <a:lnRef idx="0">
-          <a:scrgbClr r="0" g="0" b="0"/>
-        </a:lnRef>
-        <a:fillRef idx="1">
-          <a:scrgbClr r="0" g="0" b="0"/>
-        </a:fillRef>
-        <a:effectRef idx="0">
-          <a:scrgbClr r="0" g="0" b="0"/>
-        </a:effectRef>
-        <a:fontRef idx="minor"/>
-      </dsp:style>
-      <dsp:txBody>
-        <a:bodyPr spcFirstLastPara="0" vert="horz" wrap="square" lIns="128016" tIns="128016" rIns="128016" bIns="128016" numCol="1" spcCol="1270" anchor="ctr" anchorCtr="0">
-          <a:noAutofit/>
-        </a:bodyPr>
-        <a:lstStyle/>
-        <a:p>
-          <a:pPr lvl="0" algn="ctr" defTabSz="800100">
-            <a:lnSpc>
-              <a:spcPct val="90000"/>
-            </a:lnSpc>
-            <a:spcBef>
-              <a:spcPct val="0"/>
-            </a:spcBef>
-            <a:spcAft>
-              <a:spcPct val="35000"/>
-            </a:spcAft>
-          </a:pPr>
-          <a:r>
-            <a:rPr lang="en-US" sz="1800" kern="1200" dirty="0" smtClean="0"/>
-            <a:t>Beer Type </a:t>
-          </a:r>
-          <a:endParaRPr lang="en-US" sz="1800" kern="1200" dirty="0"/>
-        </a:p>
-      </dsp:txBody>
-      <dsp:txXfrm>
-        <a:off x="0" y="154709"/>
-        <a:ext cx="3154680" cy="512277"/>
-      </dsp:txXfrm>
-    </dsp:sp>
-    <dsp:sp modelId="{C626CDCC-9543-4C6F-939D-6A6CC1FD967B}">
-      <dsp:nvSpPr>
-        <dsp:cNvPr id="0" name=""/>
-        <dsp:cNvSpPr/>
-      </dsp:nvSpPr>
-      <dsp:spPr>
-        <a:xfrm>
-          <a:off x="6475817" y="251535"/>
-          <a:ext cx="1452381" cy="968254"/>
-        </a:xfrm>
-        <a:prstGeom prst="roundRect">
-          <a:avLst>
-            <a:gd name="adj" fmla="val 10000"/>
-          </a:avLst>
-        </a:prstGeom>
-        <a:solidFill>
-          <a:schemeClr val="accent1">
-            <a:hueOff val="0"/>
-            <a:satOff val="0"/>
-            <a:lumOff val="0"/>
-            <a:alphaOff val="0"/>
-          </a:schemeClr>
-        </a:solidFill>
-        <a:ln w="12700" cap="flat" cmpd="sng" algn="ctr">
-          <a:solidFill>
-            <a:schemeClr val="lt1">
-              <a:hueOff val="0"/>
-              <a:satOff val="0"/>
-              <a:lumOff val="0"/>
-              <a:alphaOff val="0"/>
-            </a:schemeClr>
-          </a:solidFill>
-          <a:prstDash val="solid"/>
-          <a:miter lim="800000"/>
-        </a:ln>
-        <a:effectLst/>
-      </dsp:spPr>
-      <dsp:style>
-        <a:lnRef idx="2">
-          <a:scrgbClr r="0" g="0" b="0"/>
-        </a:lnRef>
-        <a:fillRef idx="1">
-          <a:scrgbClr r="0" g="0" b="0"/>
-        </a:fillRef>
-        <a:effectRef idx="0">
-          <a:scrgbClr r="0" g="0" b="0"/>
-        </a:effectRef>
-        <a:fontRef idx="minor">
-          <a:schemeClr val="lt1"/>
-        </a:fontRef>
-      </dsp:style>
-      <dsp:txBody>
-        <a:bodyPr spcFirstLastPara="0" vert="horz" wrap="square" lIns="144780" tIns="144780" rIns="144780" bIns="144780" numCol="1" spcCol="1270" anchor="ctr" anchorCtr="0">
-          <a:noAutofit/>
-        </a:bodyPr>
-        <a:lstStyle/>
-        <a:p>
-          <a:pPr lvl="0" algn="ctr" defTabSz="1689100">
-            <a:lnSpc>
-              <a:spcPct val="90000"/>
-            </a:lnSpc>
-            <a:spcBef>
-              <a:spcPct val="0"/>
-            </a:spcBef>
-            <a:spcAft>
-              <a:spcPct val="35000"/>
-            </a:spcAft>
-          </a:pPr>
-          <a:endParaRPr lang="en-US" sz="3800" kern="1200"/>
-        </a:p>
-      </dsp:txBody>
-      <dsp:txXfrm>
-        <a:off x="6504176" y="279894"/>
-        <a:ext cx="1395663" cy="911536"/>
-      </dsp:txXfrm>
-    </dsp:sp>
-    <dsp:sp modelId="{DE3FF23B-0BF5-477D-B294-AA8F807E4167}">
-      <dsp:nvSpPr>
-        <dsp:cNvPr id="0" name=""/>
-        <dsp:cNvSpPr/>
-      </dsp:nvSpPr>
-      <dsp:spPr>
-        <a:xfrm>
-          <a:off x="5785936" y="1219789"/>
-          <a:ext cx="1416071" cy="387301"/>
-        </a:xfrm>
-        <a:custGeom>
-          <a:avLst/>
-          <a:gdLst/>
-          <a:ahLst/>
-          <a:cxnLst/>
-          <a:rect l="0" t="0" r="0" b="0"/>
-          <a:pathLst>
-            <a:path>
-              <a:moveTo>
-                <a:pt x="1416071" y="0"/>
-              </a:moveTo>
-              <a:lnTo>
-                <a:pt x="1416071" y="193650"/>
-              </a:lnTo>
-              <a:lnTo>
-                <a:pt x="0" y="193650"/>
-              </a:lnTo>
-              <a:lnTo>
-                <a:pt x="0" y="387301"/>
-              </a:lnTo>
-            </a:path>
-          </a:pathLst>
-        </a:custGeom>
-        <a:noFill/>
-        <a:ln w="12700" cap="flat" cmpd="sng" algn="ctr">
-          <a:solidFill>
-            <a:schemeClr val="accent1">
-              <a:shade val="60000"/>
-              <a:hueOff val="0"/>
-              <a:satOff val="0"/>
-              <a:lumOff val="0"/>
-              <a:alphaOff val="0"/>
-            </a:schemeClr>
-          </a:solidFill>
-          <a:prstDash val="solid"/>
-          <a:miter lim="800000"/>
-        </a:ln>
-        <a:effectLst/>
-      </dsp:spPr>
-      <dsp:style>
-        <a:lnRef idx="2">
-          <a:scrgbClr r="0" g="0" b="0"/>
-        </a:lnRef>
-        <a:fillRef idx="0">
-          <a:scrgbClr r="0" g="0" b="0"/>
-        </a:fillRef>
-        <a:effectRef idx="0">
-          <a:scrgbClr r="0" g="0" b="0"/>
-        </a:effectRef>
-        <a:fontRef idx="minor"/>
-      </dsp:style>
-    </dsp:sp>
-    <dsp:sp modelId="{6299D5F2-9260-4191-89CF-92C2D43493BB}">
-      <dsp:nvSpPr>
-        <dsp:cNvPr id="0" name=""/>
-        <dsp:cNvSpPr/>
-      </dsp:nvSpPr>
-      <dsp:spPr>
-        <a:xfrm>
-          <a:off x="5059745" y="1607091"/>
-          <a:ext cx="1452381" cy="968254"/>
-        </a:xfrm>
-        <a:prstGeom prst="roundRect">
-          <a:avLst>
-            <a:gd name="adj" fmla="val 10000"/>
-          </a:avLst>
-        </a:prstGeom>
-        <a:solidFill>
-          <a:schemeClr val="accent1">
-            <a:hueOff val="0"/>
-            <a:satOff val="0"/>
-            <a:lumOff val="0"/>
-            <a:alphaOff val="0"/>
-          </a:schemeClr>
-        </a:solidFill>
-        <a:ln w="12700" cap="flat" cmpd="sng" algn="ctr">
-          <a:solidFill>
-            <a:schemeClr val="lt1">
-              <a:hueOff val="0"/>
-              <a:satOff val="0"/>
-              <a:lumOff val="0"/>
-              <a:alphaOff val="0"/>
-            </a:schemeClr>
-          </a:solidFill>
-          <a:prstDash val="solid"/>
-          <a:miter lim="800000"/>
-        </a:ln>
-        <a:effectLst/>
-      </dsp:spPr>
-      <dsp:style>
-        <a:lnRef idx="2">
-          <a:scrgbClr r="0" g="0" b="0"/>
-        </a:lnRef>
-        <a:fillRef idx="1">
-          <a:scrgbClr r="0" g="0" b="0"/>
-        </a:fillRef>
-        <a:effectRef idx="0">
-          <a:scrgbClr r="0" g="0" b="0"/>
-        </a:effectRef>
-        <a:fontRef idx="minor">
-          <a:schemeClr val="lt1"/>
-        </a:fontRef>
-      </dsp:style>
-      <dsp:txBody>
-        <a:bodyPr spcFirstLastPara="0" vert="horz" wrap="square" lIns="144780" tIns="144780" rIns="144780" bIns="144780" numCol="1" spcCol="1270" anchor="ctr" anchorCtr="0">
-          <a:noAutofit/>
-        </a:bodyPr>
-        <a:lstStyle/>
-        <a:p>
-          <a:pPr lvl="0" algn="ctr" defTabSz="1689100">
-            <a:lnSpc>
-              <a:spcPct val="90000"/>
-            </a:lnSpc>
-            <a:spcBef>
-              <a:spcPct val="0"/>
-            </a:spcBef>
-            <a:spcAft>
-              <a:spcPct val="35000"/>
-            </a:spcAft>
-          </a:pPr>
-          <a:endParaRPr lang="en-US" sz="3800" kern="1200"/>
-        </a:p>
-      </dsp:txBody>
-      <dsp:txXfrm>
-        <a:off x="5088104" y="1635450"/>
-        <a:ext cx="1395663" cy="911536"/>
-      </dsp:txXfrm>
-    </dsp:sp>
-    <dsp:sp modelId="{0C4C16C5-B23B-4BBE-83D6-8226212D4DF7}">
-      <dsp:nvSpPr>
-        <dsp:cNvPr id="0" name=""/>
-        <dsp:cNvSpPr/>
-      </dsp:nvSpPr>
-      <dsp:spPr>
-        <a:xfrm>
-          <a:off x="4841888" y="2575345"/>
-          <a:ext cx="944047" cy="387301"/>
-        </a:xfrm>
-        <a:custGeom>
-          <a:avLst/>
-          <a:gdLst/>
-          <a:ahLst/>
-          <a:cxnLst/>
-          <a:rect l="0" t="0" r="0" b="0"/>
-          <a:pathLst>
-            <a:path>
-              <a:moveTo>
-                <a:pt x="944047" y="0"/>
-              </a:moveTo>
-              <a:lnTo>
-                <a:pt x="944047" y="193650"/>
-              </a:lnTo>
-              <a:lnTo>
-                <a:pt x="0" y="193650"/>
-              </a:lnTo>
-              <a:lnTo>
-                <a:pt x="0" y="387301"/>
-              </a:lnTo>
-            </a:path>
-          </a:pathLst>
-        </a:custGeom>
-        <a:noFill/>
-        <a:ln w="12700" cap="flat" cmpd="sng" algn="ctr">
-          <a:solidFill>
-            <a:schemeClr val="accent1">
-              <a:shade val="80000"/>
-              <a:hueOff val="0"/>
-              <a:satOff val="0"/>
-              <a:lumOff val="0"/>
-              <a:alphaOff val="0"/>
-            </a:schemeClr>
-          </a:solidFill>
-          <a:prstDash val="solid"/>
-          <a:miter lim="800000"/>
-        </a:ln>
-        <a:effectLst/>
-      </dsp:spPr>
-      <dsp:style>
-        <a:lnRef idx="2">
-          <a:scrgbClr r="0" g="0" b="0"/>
-        </a:lnRef>
-        <a:fillRef idx="0">
-          <a:scrgbClr r="0" g="0" b="0"/>
-        </a:fillRef>
-        <a:effectRef idx="0">
-          <a:scrgbClr r="0" g="0" b="0"/>
-        </a:effectRef>
-        <a:fontRef idx="minor"/>
-      </dsp:style>
-    </dsp:sp>
-    <dsp:sp modelId="{E1683AAD-248E-40B6-B58E-939A11AD4F17}">
-      <dsp:nvSpPr>
-        <dsp:cNvPr id="0" name=""/>
-        <dsp:cNvSpPr/>
-      </dsp:nvSpPr>
-      <dsp:spPr>
-        <a:xfrm>
-          <a:off x="4115697" y="2962647"/>
-          <a:ext cx="1452381" cy="968254"/>
-        </a:xfrm>
-        <a:prstGeom prst="roundRect">
-          <a:avLst>
-            <a:gd name="adj" fmla="val 10000"/>
-          </a:avLst>
-        </a:prstGeom>
-        <a:solidFill>
-          <a:schemeClr val="accent1">
-            <a:hueOff val="0"/>
-            <a:satOff val="0"/>
-            <a:lumOff val="0"/>
-            <a:alphaOff val="0"/>
-          </a:schemeClr>
-        </a:solidFill>
-        <a:ln w="12700" cap="flat" cmpd="sng" algn="ctr">
-          <a:solidFill>
-            <a:schemeClr val="lt1">
-              <a:hueOff val="0"/>
-              <a:satOff val="0"/>
-              <a:lumOff val="0"/>
-              <a:alphaOff val="0"/>
-            </a:schemeClr>
-          </a:solidFill>
-          <a:prstDash val="solid"/>
-          <a:miter lim="800000"/>
-        </a:ln>
-        <a:effectLst/>
-      </dsp:spPr>
-      <dsp:style>
-        <a:lnRef idx="2">
-          <a:scrgbClr r="0" g="0" b="0"/>
-        </a:lnRef>
-        <a:fillRef idx="1">
-          <a:scrgbClr r="0" g="0" b="0"/>
-        </a:fillRef>
-        <a:effectRef idx="0">
-          <a:scrgbClr r="0" g="0" b="0"/>
-        </a:effectRef>
-        <a:fontRef idx="minor">
-          <a:schemeClr val="lt1"/>
-        </a:fontRef>
-      </dsp:style>
-      <dsp:txBody>
-        <a:bodyPr spcFirstLastPara="0" vert="horz" wrap="square" lIns="144780" tIns="144780" rIns="144780" bIns="144780" numCol="1" spcCol="1270" anchor="ctr" anchorCtr="0">
-          <a:noAutofit/>
-        </a:bodyPr>
-        <a:lstStyle/>
-        <a:p>
-          <a:pPr lvl="0" algn="ctr" defTabSz="1689100">
-            <a:lnSpc>
-              <a:spcPct val="90000"/>
-            </a:lnSpc>
-            <a:spcBef>
-              <a:spcPct val="0"/>
-            </a:spcBef>
-            <a:spcAft>
-              <a:spcPct val="35000"/>
-            </a:spcAft>
-          </a:pPr>
-          <a:endParaRPr lang="en-US" sz="3800" kern="1200"/>
-        </a:p>
-      </dsp:txBody>
-      <dsp:txXfrm>
-        <a:off x="4144056" y="2991006"/>
-        <a:ext cx="1395663" cy="911536"/>
-      </dsp:txXfrm>
-    </dsp:sp>
-    <dsp:sp modelId="{CA10844D-2F22-4662-ACB7-2D6F24481828}">
-      <dsp:nvSpPr>
-        <dsp:cNvPr id="0" name=""/>
-        <dsp:cNvSpPr/>
-      </dsp:nvSpPr>
-      <dsp:spPr>
-        <a:xfrm>
-          <a:off x="5785936" y="2575345"/>
-          <a:ext cx="944047" cy="387301"/>
-        </a:xfrm>
-        <a:custGeom>
-          <a:avLst/>
-          <a:gdLst/>
-          <a:ahLst/>
-          <a:cxnLst/>
-          <a:rect l="0" t="0" r="0" b="0"/>
-          <a:pathLst>
-            <a:path>
-              <a:moveTo>
-                <a:pt x="0" y="0"/>
-              </a:moveTo>
-              <a:lnTo>
-                <a:pt x="0" y="193650"/>
-              </a:lnTo>
-              <a:lnTo>
-                <a:pt x="944047" y="193650"/>
-              </a:lnTo>
-              <a:lnTo>
-                <a:pt x="944047" y="387301"/>
-              </a:lnTo>
-            </a:path>
-          </a:pathLst>
-        </a:custGeom>
-        <a:noFill/>
-        <a:ln w="12700" cap="flat" cmpd="sng" algn="ctr">
-          <a:solidFill>
-            <a:schemeClr val="accent1">
-              <a:shade val="80000"/>
-              <a:hueOff val="0"/>
-              <a:satOff val="0"/>
-              <a:lumOff val="0"/>
-              <a:alphaOff val="0"/>
-            </a:schemeClr>
-          </a:solidFill>
-          <a:prstDash val="solid"/>
-          <a:miter lim="800000"/>
-        </a:ln>
-        <a:effectLst/>
-      </dsp:spPr>
-      <dsp:style>
-        <a:lnRef idx="2">
-          <a:scrgbClr r="0" g="0" b="0"/>
-        </a:lnRef>
-        <a:fillRef idx="0">
-          <a:scrgbClr r="0" g="0" b="0"/>
-        </a:fillRef>
-        <a:effectRef idx="0">
-          <a:scrgbClr r="0" g="0" b="0"/>
-        </a:effectRef>
-        <a:fontRef idx="minor"/>
-      </dsp:style>
-    </dsp:sp>
-    <dsp:sp modelId="{55694042-B205-43ED-8EAF-8AD26C9D8BFB}">
-      <dsp:nvSpPr>
-        <dsp:cNvPr id="0" name=""/>
-        <dsp:cNvSpPr/>
-      </dsp:nvSpPr>
-      <dsp:spPr>
-        <a:xfrm>
-          <a:off x="6003793" y="2962647"/>
-          <a:ext cx="1452381" cy="968254"/>
-        </a:xfrm>
-        <a:prstGeom prst="roundRect">
-          <a:avLst>
-            <a:gd name="adj" fmla="val 10000"/>
-          </a:avLst>
-        </a:prstGeom>
-        <a:solidFill>
-          <a:schemeClr val="accent1">
-            <a:hueOff val="0"/>
-            <a:satOff val="0"/>
-            <a:lumOff val="0"/>
-            <a:alphaOff val="0"/>
-          </a:schemeClr>
-        </a:solidFill>
-        <a:ln w="12700" cap="flat" cmpd="sng" algn="ctr">
-          <a:solidFill>
-            <a:schemeClr val="lt1">
-              <a:hueOff val="0"/>
-              <a:satOff val="0"/>
-              <a:lumOff val="0"/>
-              <a:alphaOff val="0"/>
-            </a:schemeClr>
-          </a:solidFill>
-          <a:prstDash val="solid"/>
-          <a:miter lim="800000"/>
-        </a:ln>
-        <a:effectLst/>
-      </dsp:spPr>
-      <dsp:style>
-        <a:lnRef idx="2">
-          <a:scrgbClr r="0" g="0" b="0"/>
-        </a:lnRef>
-        <a:fillRef idx="1">
-          <a:scrgbClr r="0" g="0" b="0"/>
-        </a:fillRef>
-        <a:effectRef idx="0">
-          <a:scrgbClr r="0" g="0" b="0"/>
-        </a:effectRef>
-        <a:fontRef idx="minor">
-          <a:schemeClr val="lt1"/>
-        </a:fontRef>
-      </dsp:style>
-      <dsp:txBody>
-        <a:bodyPr spcFirstLastPara="0" vert="horz" wrap="square" lIns="144780" tIns="144780" rIns="144780" bIns="144780" numCol="1" spcCol="1270" anchor="ctr" anchorCtr="0">
-          <a:noAutofit/>
-        </a:bodyPr>
-        <a:lstStyle/>
-        <a:p>
-          <a:pPr lvl="0" algn="ctr" defTabSz="1689100">
-            <a:lnSpc>
-              <a:spcPct val="90000"/>
-            </a:lnSpc>
-            <a:spcBef>
-              <a:spcPct val="0"/>
-            </a:spcBef>
-            <a:spcAft>
-              <a:spcPct val="35000"/>
-            </a:spcAft>
-          </a:pPr>
-          <a:endParaRPr lang="en-US" sz="3800" kern="1200"/>
-        </a:p>
-      </dsp:txBody>
-      <dsp:txXfrm>
-        <a:off x="6032152" y="2991006"/>
-        <a:ext cx="1395663" cy="911536"/>
-      </dsp:txXfrm>
-    </dsp:sp>
-    <dsp:sp modelId="{152852B1-282A-442A-9750-A3FC6EDED20B}">
-      <dsp:nvSpPr>
-        <dsp:cNvPr id="0" name=""/>
-        <dsp:cNvSpPr/>
-      </dsp:nvSpPr>
-      <dsp:spPr>
-        <a:xfrm>
-          <a:off x="7202007" y="1219789"/>
-          <a:ext cx="1416071" cy="387301"/>
-        </a:xfrm>
-        <a:custGeom>
-          <a:avLst/>
-          <a:gdLst/>
-          <a:ahLst/>
-          <a:cxnLst/>
-          <a:rect l="0" t="0" r="0" b="0"/>
-          <a:pathLst>
-            <a:path>
-              <a:moveTo>
-                <a:pt x="0" y="0"/>
-              </a:moveTo>
-              <a:lnTo>
-                <a:pt x="0" y="193650"/>
-              </a:lnTo>
-              <a:lnTo>
-                <a:pt x="1416071" y="193650"/>
-              </a:lnTo>
-              <a:lnTo>
-                <a:pt x="1416071" y="387301"/>
-              </a:lnTo>
-            </a:path>
-          </a:pathLst>
-        </a:custGeom>
-        <a:noFill/>
-        <a:ln w="12700" cap="flat" cmpd="sng" algn="ctr">
-          <a:solidFill>
-            <a:schemeClr val="accent1">
-              <a:shade val="60000"/>
-              <a:hueOff val="0"/>
-              <a:satOff val="0"/>
-              <a:lumOff val="0"/>
-              <a:alphaOff val="0"/>
-            </a:schemeClr>
-          </a:solidFill>
-          <a:prstDash val="solid"/>
-          <a:miter lim="800000"/>
-        </a:ln>
-        <a:effectLst/>
-      </dsp:spPr>
-      <dsp:style>
-        <a:lnRef idx="2">
-          <a:scrgbClr r="0" g="0" b="0"/>
-        </a:lnRef>
-        <a:fillRef idx="0">
-          <a:scrgbClr r="0" g="0" b="0"/>
-        </a:fillRef>
-        <a:effectRef idx="0">
-          <a:scrgbClr r="0" g="0" b="0"/>
-        </a:effectRef>
-        <a:fontRef idx="minor"/>
-      </dsp:style>
-    </dsp:sp>
-    <dsp:sp modelId="{C7FAD4D6-4332-42DF-9FD5-2B10AF0941CA}">
-      <dsp:nvSpPr>
-        <dsp:cNvPr id="0" name=""/>
-        <dsp:cNvSpPr/>
-      </dsp:nvSpPr>
-      <dsp:spPr>
-        <a:xfrm>
-          <a:off x="7891889" y="1607091"/>
-          <a:ext cx="1452381" cy="968254"/>
-        </a:xfrm>
-        <a:prstGeom prst="roundRect">
-          <a:avLst>
-            <a:gd name="adj" fmla="val 10000"/>
-          </a:avLst>
-        </a:prstGeom>
-        <a:solidFill>
-          <a:schemeClr val="accent1">
-            <a:hueOff val="0"/>
-            <a:satOff val="0"/>
-            <a:lumOff val="0"/>
-            <a:alphaOff val="0"/>
-          </a:schemeClr>
-        </a:solidFill>
-        <a:ln w="12700" cap="flat" cmpd="sng" algn="ctr">
-          <a:solidFill>
-            <a:schemeClr val="lt1">
-              <a:hueOff val="0"/>
-              <a:satOff val="0"/>
-              <a:lumOff val="0"/>
-              <a:alphaOff val="0"/>
-            </a:schemeClr>
-          </a:solidFill>
-          <a:prstDash val="solid"/>
-          <a:miter lim="800000"/>
-        </a:ln>
-        <a:effectLst/>
-      </dsp:spPr>
-      <dsp:style>
-        <a:lnRef idx="2">
-          <a:scrgbClr r="0" g="0" b="0"/>
-        </a:lnRef>
-        <a:fillRef idx="1">
-          <a:scrgbClr r="0" g="0" b="0"/>
-        </a:fillRef>
-        <a:effectRef idx="0">
-          <a:scrgbClr r="0" g="0" b="0"/>
-        </a:effectRef>
-        <a:fontRef idx="minor">
-          <a:schemeClr val="lt1"/>
-        </a:fontRef>
-      </dsp:style>
-      <dsp:txBody>
-        <a:bodyPr spcFirstLastPara="0" vert="horz" wrap="square" lIns="144780" tIns="144780" rIns="144780" bIns="144780" numCol="1" spcCol="1270" anchor="ctr" anchorCtr="0">
-          <a:noAutofit/>
-        </a:bodyPr>
-        <a:lstStyle/>
-        <a:p>
-          <a:pPr lvl="0" algn="ctr" defTabSz="1689100">
-            <a:lnSpc>
-              <a:spcPct val="90000"/>
-            </a:lnSpc>
-            <a:spcBef>
-              <a:spcPct val="0"/>
-            </a:spcBef>
-            <a:spcAft>
-              <a:spcPct val="35000"/>
-            </a:spcAft>
-          </a:pPr>
-          <a:endParaRPr lang="en-US" sz="3800" kern="1200"/>
-        </a:p>
-      </dsp:txBody>
-      <dsp:txXfrm>
-        <a:off x="7920248" y="1635450"/>
-        <a:ext cx="1395663" cy="911536"/>
-      </dsp:txXfrm>
-    </dsp:sp>
-    <dsp:sp modelId="{BF592C24-B6CA-4EDC-9F50-B2D8C307F82B}">
-      <dsp:nvSpPr>
-        <dsp:cNvPr id="0" name=""/>
-        <dsp:cNvSpPr/>
-      </dsp:nvSpPr>
-      <dsp:spPr>
-        <a:xfrm>
-          <a:off x="8572359" y="2575345"/>
-          <a:ext cx="91440" cy="387301"/>
-        </a:xfrm>
-        <a:custGeom>
-          <a:avLst/>
-          <a:gdLst/>
-          <a:ahLst/>
-          <a:cxnLst/>
-          <a:rect l="0" t="0" r="0" b="0"/>
-          <a:pathLst>
-            <a:path>
-              <a:moveTo>
-                <a:pt x="45720" y="0"/>
-              </a:moveTo>
-              <a:lnTo>
-                <a:pt x="45720" y="387301"/>
-              </a:lnTo>
-            </a:path>
-          </a:pathLst>
-        </a:custGeom>
-        <a:noFill/>
-        <a:ln w="12700" cap="flat" cmpd="sng" algn="ctr">
-          <a:solidFill>
-            <a:schemeClr val="accent1">
-              <a:shade val="80000"/>
-              <a:hueOff val="0"/>
-              <a:satOff val="0"/>
-              <a:lumOff val="0"/>
-              <a:alphaOff val="0"/>
-            </a:schemeClr>
-          </a:solidFill>
-          <a:prstDash val="solid"/>
-          <a:miter lim="800000"/>
-        </a:ln>
-        <a:effectLst/>
-      </dsp:spPr>
-      <dsp:style>
-        <a:lnRef idx="2">
-          <a:scrgbClr r="0" g="0" b="0"/>
-        </a:lnRef>
-        <a:fillRef idx="0">
-          <a:scrgbClr r="0" g="0" b="0"/>
-        </a:fillRef>
-        <a:effectRef idx="0">
-          <a:scrgbClr r="0" g="0" b="0"/>
-        </a:effectRef>
-        <a:fontRef idx="minor"/>
-      </dsp:style>
-    </dsp:sp>
-    <dsp:sp modelId="{176B57B4-7893-4755-B210-5800923DE734}">
-      <dsp:nvSpPr>
-        <dsp:cNvPr id="0" name=""/>
-        <dsp:cNvSpPr/>
-      </dsp:nvSpPr>
-      <dsp:spPr>
-        <a:xfrm>
-          <a:off x="7891889" y="2962647"/>
-          <a:ext cx="1452381" cy="968254"/>
-        </a:xfrm>
-        <a:prstGeom prst="roundRect">
-          <a:avLst>
-            <a:gd name="adj" fmla="val 10000"/>
-          </a:avLst>
-        </a:prstGeom>
-        <a:solidFill>
-          <a:schemeClr val="accent1">
-            <a:hueOff val="0"/>
-            <a:satOff val="0"/>
-            <a:lumOff val="0"/>
-            <a:alphaOff val="0"/>
-          </a:schemeClr>
-        </a:solidFill>
-        <a:ln w="12700" cap="flat" cmpd="sng" algn="ctr">
-          <a:solidFill>
-            <a:schemeClr val="lt1">
-              <a:hueOff val="0"/>
-              <a:satOff val="0"/>
-              <a:lumOff val="0"/>
-              <a:alphaOff val="0"/>
-            </a:schemeClr>
-          </a:solidFill>
-          <a:prstDash val="solid"/>
-          <a:miter lim="800000"/>
-        </a:ln>
-        <a:effectLst/>
-      </dsp:spPr>
-      <dsp:style>
-        <a:lnRef idx="2">
-          <a:scrgbClr r="0" g="0" b="0"/>
-        </a:lnRef>
-        <a:fillRef idx="1">
-          <a:scrgbClr r="0" g="0" b="0"/>
-        </a:fillRef>
-        <a:effectRef idx="0">
-          <a:scrgbClr r="0" g="0" b="0"/>
-        </a:effectRef>
-        <a:fontRef idx="minor">
-          <a:schemeClr val="lt1"/>
-        </a:fontRef>
-      </dsp:style>
-      <dsp:txBody>
-        <a:bodyPr spcFirstLastPara="0" vert="horz" wrap="square" lIns="144780" tIns="144780" rIns="144780" bIns="144780" numCol="1" spcCol="1270" anchor="ctr" anchorCtr="0">
-          <a:noAutofit/>
-        </a:bodyPr>
-        <a:lstStyle/>
-        <a:p>
-          <a:pPr lvl="0" algn="ctr" defTabSz="1689100">
-            <a:lnSpc>
-              <a:spcPct val="90000"/>
-            </a:lnSpc>
-            <a:spcBef>
-              <a:spcPct val="0"/>
-            </a:spcBef>
-            <a:spcAft>
-              <a:spcPct val="35000"/>
-            </a:spcAft>
-          </a:pPr>
-          <a:endParaRPr lang="en-US" sz="3800" kern="1200"/>
-        </a:p>
-      </dsp:txBody>
-      <dsp:txXfrm>
-        <a:off x="7920248" y="2991006"/>
-        <a:ext cx="1395663" cy="911536"/>
+      <dsp:txXfrm rot="-5400000">
+        <a:off x="688050" y="4463450"/>
+        <a:ext cx="7408761" cy="576524"/>
       </dsp:txXfrm>
     </dsp:sp>
   </dsp:spTree>
@@ -5116,262 +6914,6 @@
 </file>
 
 <file path=ppt/diagrams/layout1.xml><?xml version="1.0" encoding="utf-8"?>
-<dgm:layoutDef xmlns:dgm="http://schemas.openxmlformats.org/drawingml/2006/diagram" xmlns:a="http://schemas.openxmlformats.org/drawingml/2006/main" uniqueId="urn:microsoft.com/office/officeart/2005/8/layout/chevron2">
-  <dgm:title val=""/>
-  <dgm:desc val=""/>
-  <dgm:catLst>
-    <dgm:cat type="process" pri="12000"/>
-    <dgm:cat type="list" pri="16000"/>
-    <dgm:cat type="convert" pri="11000"/>
-  </dgm:catLst>
-  <dgm:sampData>
-    <dgm:dataModel>
-      <dgm:ptLst>
-        <dgm:pt modelId="0" type="doc"/>
-        <dgm:pt modelId="1">
-          <dgm:prSet phldr="1"/>
-        </dgm:pt>
-        <dgm:pt modelId="11">
-          <dgm:prSet phldr="1"/>
-        </dgm:pt>
-        <dgm:pt modelId="12">
-          <dgm:prSet phldr="1"/>
-        </dgm:pt>
-        <dgm:pt modelId="2">
-          <dgm:prSet phldr="1"/>
-        </dgm:pt>
-        <dgm:pt modelId="21">
-          <dgm:prSet phldr="1"/>
-        </dgm:pt>
-        <dgm:pt modelId="22">
-          <dgm:prSet phldr="1"/>
-        </dgm:pt>
-        <dgm:pt modelId="3">
-          <dgm:prSet phldr="1"/>
-        </dgm:pt>
-        <dgm:pt modelId="31">
-          <dgm:prSet phldr="1"/>
-        </dgm:pt>
-        <dgm:pt modelId="32">
-          <dgm:prSet phldr="1"/>
-        </dgm:pt>
-      </dgm:ptLst>
-      <dgm:cxnLst>
-        <dgm:cxn modelId="4" srcId="0" destId="1" srcOrd="0" destOrd="0"/>
-        <dgm:cxn modelId="5" srcId="0" destId="2" srcOrd="1" destOrd="0"/>
-        <dgm:cxn modelId="6" srcId="0" destId="3" srcOrd="2" destOrd="0"/>
-        <dgm:cxn modelId="13" srcId="1" destId="11" srcOrd="0" destOrd="0"/>
-        <dgm:cxn modelId="14" srcId="1" destId="12" srcOrd="1" destOrd="0"/>
-        <dgm:cxn modelId="23" srcId="2" destId="21" srcOrd="0" destOrd="0"/>
-        <dgm:cxn modelId="24" srcId="2" destId="22" srcOrd="1" destOrd="0"/>
-        <dgm:cxn modelId="33" srcId="3" destId="31" srcOrd="0" destOrd="0"/>
-        <dgm:cxn modelId="34" srcId="3" destId="32" srcOrd="1" destOrd="0"/>
-      </dgm:cxnLst>
-      <dgm:bg/>
-      <dgm:whole/>
-    </dgm:dataModel>
-  </dgm:sampData>
-  <dgm:styleData>
-    <dgm:dataModel>
-      <dgm:ptLst>
-        <dgm:pt modelId="0" type="doc"/>
-        <dgm:pt modelId="1"/>
-      </dgm:ptLst>
-      <dgm:cxnLst>
-        <dgm:cxn modelId="4" srcId="0" destId="1" srcOrd="0" destOrd="0"/>
-      </dgm:cxnLst>
-      <dgm:bg/>
-      <dgm:whole/>
-    </dgm:dataModel>
-  </dgm:styleData>
-  <dgm:clrData>
-    <dgm:dataModel>
-      <dgm:ptLst>
-        <dgm:pt modelId="0" type="doc"/>
-        <dgm:pt modelId="1"/>
-        <dgm:pt modelId="11"/>
-        <dgm:pt modelId="2"/>
-        <dgm:pt modelId="21"/>
-        <dgm:pt modelId="3"/>
-        <dgm:pt modelId="31"/>
-        <dgm:pt modelId="4"/>
-        <dgm:pt modelId="41"/>
-      </dgm:ptLst>
-      <dgm:cxnLst>
-        <dgm:cxn modelId="5" srcId="0" destId="1" srcOrd="0" destOrd="0"/>
-        <dgm:cxn modelId="6" srcId="0" destId="2" srcOrd="1" destOrd="0"/>
-        <dgm:cxn modelId="7" srcId="0" destId="3" srcOrd="2" destOrd="0"/>
-        <dgm:cxn modelId="8" srcId="0" destId="4" srcOrd="3" destOrd="0"/>
-        <dgm:cxn modelId="13" srcId="1" destId="11" srcOrd="0" destOrd="0"/>
-        <dgm:cxn modelId="23" srcId="2" destId="21" srcOrd="0" destOrd="0"/>
-        <dgm:cxn modelId="33" srcId="3" destId="31" srcOrd="0" destOrd="0"/>
-        <dgm:cxn modelId="43" srcId="4" destId="41" srcOrd="0" destOrd="0"/>
-      </dgm:cxnLst>
-      <dgm:bg/>
-      <dgm:whole/>
-    </dgm:dataModel>
-  </dgm:clrData>
-  <dgm:layoutNode name="linearFlow">
-    <dgm:varLst>
-      <dgm:dir/>
-      <dgm:animLvl val="lvl"/>
-      <dgm:resizeHandles val="exact"/>
-    </dgm:varLst>
-    <dgm:alg type="lin">
-      <dgm:param type="linDir" val="fromT"/>
-      <dgm:param type="nodeHorzAlign" val="l"/>
-    </dgm:alg>
-    <dgm:shape xmlns:r="http://schemas.openxmlformats.org/officeDocument/2006/relationships" r:blip="">
-      <dgm:adjLst/>
-    </dgm:shape>
-    <dgm:presOf/>
-    <dgm:constrLst>
-      <dgm:constr type="h" for="ch" forName="composite" refType="h"/>
-      <dgm:constr type="w" for="ch" forName="composite" refType="w"/>
-      <dgm:constr type="h" for="des" forName="parentText" op="equ"/>
-      <dgm:constr type="h" for="ch" forName="sp" val="-14.88"/>
-      <dgm:constr type="h" for="ch" forName="sp" refType="w" refFor="des" refForName="parentText" op="gte" fact="-0.3"/>
-      <dgm:constr type="primFontSz" for="des" forName="parentText" op="equ" val="65"/>
-      <dgm:constr type="primFontSz" for="des" forName="descendantText" op="equ" val="65"/>
-    </dgm:constrLst>
-    <dgm:ruleLst/>
-    <dgm:forEach name="Name0" axis="ch" ptType="node">
-      <dgm:layoutNode name="composite">
-        <dgm:alg type="composite"/>
-        <dgm:shape xmlns:r="http://schemas.openxmlformats.org/officeDocument/2006/relationships" r:blip="">
-          <dgm:adjLst/>
-        </dgm:shape>
-        <dgm:presOf/>
-        <dgm:choose name="Name1">
-          <dgm:if name="Name2" func="var" arg="dir" op="equ" val="norm">
-            <dgm:constrLst>
-              <dgm:constr type="t" for="ch" forName="parentText"/>
-              <dgm:constr type="l" for="ch" forName="parentText"/>
-              <dgm:constr type="w" for="ch" forName="parentText" refType="w" fact="0.4"/>
-              <dgm:constr type="h" for="ch" forName="parentText" refType="h"/>
-              <dgm:constr type="w" for="ch" forName="parentText" refType="w" op="lte" fact="0.5"/>
-              <dgm:constr type="w" for="ch" forName="parentText" refType="h" refFor="ch" refForName="parentText" op="lte" fact="0.7"/>
-              <dgm:constr type="h" for="ch" forName="parentText" refType="w" refFor="ch" refForName="parentText" op="lte" fact="3"/>
-              <dgm:constr type="l" for="ch" forName="descendantText" refType="w" refFor="ch" refForName="parentText"/>
-              <dgm:constr type="w" for="ch" forName="descendantText" refType="w"/>
-              <dgm:constr type="wOff" for="ch" forName="descendantText" refType="w" refFor="ch" refForName="parentText" fact="-1"/>
-              <dgm:constr type="t" for="ch" forName="descendantText"/>
-              <dgm:constr type="b" for="ch" forName="descendantText" refType="h" refFor="ch" refForName="parentText"/>
-              <dgm:constr type="bOff" for="ch" forName="descendantText" refType="w" refFor="ch" refForName="parentText" fact="-0.5"/>
-            </dgm:constrLst>
-          </dgm:if>
-          <dgm:else name="Name3">
-            <dgm:constrLst>
-              <dgm:constr type="t" for="ch" forName="parentText"/>
-              <dgm:constr type="r" for="ch" forName="parentText" refType="w"/>
-              <dgm:constr type="w" for="ch" forName="parentText" refType="w" fact="0.4"/>
-              <dgm:constr type="h" for="ch" forName="parentText" refType="h"/>
-              <dgm:constr type="w" for="ch" forName="parentText" refType="w" op="lte" fact="0.5"/>
-              <dgm:constr type="w" for="ch" forName="parentText" refType="h" refFor="ch" refForName="parentText" op="lte" fact="0.7"/>
-              <dgm:constr type="h" for="ch" forName="parentText" refType="w" refFor="ch" refForName="parentText" op="lte" fact="3"/>
-              <dgm:constr type="l" for="ch" forName="descendantText"/>
-              <dgm:constr type="w" for="ch" forName="descendantText" refType="w"/>
-              <dgm:constr type="wOff" for="ch" forName="descendantText" refType="w" refFor="ch" refForName="parentText" fact="-1"/>
-              <dgm:constr type="t" for="ch" forName="descendantText"/>
-              <dgm:constr type="b" for="ch" forName="descendantText" refType="h" refFor="ch" refForName="parentText"/>
-              <dgm:constr type="bOff" for="ch" forName="descendantText" refType="w" refFor="ch" refForName="parentText" fact="-0.5"/>
-            </dgm:constrLst>
-          </dgm:else>
-        </dgm:choose>
-        <dgm:ruleLst/>
-        <dgm:layoutNode name="parentText" styleLbl="alignNode1">
-          <dgm:varLst>
-            <dgm:chMax val="1"/>
-            <dgm:bulletEnabled val="1"/>
-          </dgm:varLst>
-          <dgm:alg type="tx"/>
-          <dgm:shape xmlns:r="http://schemas.openxmlformats.org/officeDocument/2006/relationships" rot="90" type="chevron" r:blip="">
-            <dgm:adjLst/>
-          </dgm:shape>
-          <dgm:presOf axis="self" ptType="node"/>
-          <dgm:constrLst>
-            <dgm:constr type="lMarg" refType="primFontSz" fact="0.05"/>
-            <dgm:constr type="rMarg" refType="primFontSz" fact="0.05"/>
-            <dgm:constr type="tMarg" refType="primFontSz" fact="0.05"/>
-            <dgm:constr type="bMarg" refType="primFontSz" fact="0.05"/>
-          </dgm:constrLst>
-          <dgm:ruleLst>
-            <dgm:rule type="h" val="100" fact="NaN" max="NaN"/>
-            <dgm:rule type="primFontSz" val="24" fact="NaN" max="NaN"/>
-            <dgm:rule type="h" val="110" fact="NaN" max="NaN"/>
-            <dgm:rule type="primFontSz" val="18" fact="NaN" max="NaN"/>
-            <dgm:rule type="h" val="INF" fact="NaN" max="NaN"/>
-            <dgm:rule type="primFontSz" val="5" fact="NaN" max="NaN"/>
-          </dgm:ruleLst>
-        </dgm:layoutNode>
-        <dgm:layoutNode name="descendantText" styleLbl="alignAcc1">
-          <dgm:varLst>
-            <dgm:bulletEnabled val="1"/>
-          </dgm:varLst>
-          <dgm:choose name="Name4">
-            <dgm:if name="Name5" func="var" arg="dir" op="equ" val="norm">
-              <dgm:alg type="tx">
-                <dgm:param type="stBulletLvl" val="1"/>
-                <dgm:param type="txAnchorVertCh" val="mid"/>
-              </dgm:alg>
-              <dgm:shape xmlns:r="http://schemas.openxmlformats.org/officeDocument/2006/relationships" rot="90" type="round2SameRect" r:blip="">
-                <dgm:adjLst/>
-              </dgm:shape>
-            </dgm:if>
-            <dgm:else name="Name6">
-              <dgm:alg type="tx">
-                <dgm:param type="stBulletLvl" val="1"/>
-                <dgm:param type="txAnchorVertCh" val="mid"/>
-              </dgm:alg>
-              <dgm:shape xmlns:r="http://schemas.openxmlformats.org/officeDocument/2006/relationships" rot="-90" type="round2SameRect" r:blip="">
-                <dgm:adjLst/>
-              </dgm:shape>
-            </dgm:else>
-          </dgm:choose>
-          <dgm:presOf axis="des" ptType="node"/>
-          <dgm:choose name="Name7">
-            <dgm:if name="Name8" func="var" arg="dir" op="equ" val="norm">
-              <dgm:constrLst>
-                <dgm:constr type="secFontSz" refType="primFontSz"/>
-                <dgm:constr type="tMarg" refType="primFontSz" fact="0.05"/>
-                <dgm:constr type="bMarg" refType="primFontSz" fact="0.05"/>
-                <dgm:constr type="rMarg" refType="primFontSz" fact="0.05"/>
-              </dgm:constrLst>
-            </dgm:if>
-            <dgm:else name="Name9">
-              <dgm:constrLst>
-                <dgm:constr type="secFontSz" refType="primFontSz"/>
-                <dgm:constr type="tMarg" refType="primFontSz" fact="0.05"/>
-                <dgm:constr type="bMarg" refType="primFontSz" fact="0.05"/>
-                <dgm:constr type="lMarg" refType="primFontSz" fact="0.05"/>
-              </dgm:constrLst>
-            </dgm:else>
-          </dgm:choose>
-          <dgm:ruleLst>
-            <dgm:rule type="primFontSz" val="5" fact="NaN" max="NaN"/>
-          </dgm:ruleLst>
-        </dgm:layoutNode>
-      </dgm:layoutNode>
-      <dgm:forEach name="Name10" axis="followSib" ptType="sibTrans" cnt="1">
-        <dgm:layoutNode name="sp">
-          <dgm:alg type="sp"/>
-          <dgm:shape xmlns:r="http://schemas.openxmlformats.org/officeDocument/2006/relationships" r:blip="">
-            <dgm:adjLst/>
-          </dgm:shape>
-          <dgm:presOf axis="self"/>
-          <dgm:constrLst>
-            <dgm:constr type="w" val="1"/>
-            <dgm:constr type="h" val="37.5"/>
-          </dgm:constrLst>
-          <dgm:ruleLst/>
-        </dgm:layoutNode>
-      </dgm:forEach>
-    </dgm:forEach>
-  </dgm:layoutNode>
-</dgm:layoutDef>
-</file>
-
-<file path=ppt/diagrams/layout2.xml><?xml version="1.0" encoding="utf-8"?>
 <dgm:layoutDef xmlns:dgm="http://schemas.openxmlformats.org/drawingml/2006/diagram" xmlns:a="http://schemas.openxmlformats.org/drawingml/2006/main" uniqueId="urn:microsoft.com/office/officeart/2005/8/layout/hierarchy6">
   <dgm:title val=""/>
   <dgm:desc val=""/>
@@ -5878,6 +7420,262 @@
         </dgm:choose>
       </dgm:forEach>
     </dgm:layoutNode>
+  </dgm:layoutNode>
+</dgm:layoutDef>
+</file>
+
+<file path=ppt/diagrams/layout2.xml><?xml version="1.0" encoding="utf-8"?>
+<dgm:layoutDef xmlns:dgm="http://schemas.openxmlformats.org/drawingml/2006/diagram" xmlns:a="http://schemas.openxmlformats.org/drawingml/2006/main" uniqueId="urn:microsoft.com/office/officeart/2005/8/layout/chevron2">
+  <dgm:title val=""/>
+  <dgm:desc val=""/>
+  <dgm:catLst>
+    <dgm:cat type="process" pri="12000"/>
+    <dgm:cat type="list" pri="16000"/>
+    <dgm:cat type="convert" pri="11000"/>
+  </dgm:catLst>
+  <dgm:sampData>
+    <dgm:dataModel>
+      <dgm:ptLst>
+        <dgm:pt modelId="0" type="doc"/>
+        <dgm:pt modelId="1">
+          <dgm:prSet phldr="1"/>
+        </dgm:pt>
+        <dgm:pt modelId="11">
+          <dgm:prSet phldr="1"/>
+        </dgm:pt>
+        <dgm:pt modelId="12">
+          <dgm:prSet phldr="1"/>
+        </dgm:pt>
+        <dgm:pt modelId="2">
+          <dgm:prSet phldr="1"/>
+        </dgm:pt>
+        <dgm:pt modelId="21">
+          <dgm:prSet phldr="1"/>
+        </dgm:pt>
+        <dgm:pt modelId="22">
+          <dgm:prSet phldr="1"/>
+        </dgm:pt>
+        <dgm:pt modelId="3">
+          <dgm:prSet phldr="1"/>
+        </dgm:pt>
+        <dgm:pt modelId="31">
+          <dgm:prSet phldr="1"/>
+        </dgm:pt>
+        <dgm:pt modelId="32">
+          <dgm:prSet phldr="1"/>
+        </dgm:pt>
+      </dgm:ptLst>
+      <dgm:cxnLst>
+        <dgm:cxn modelId="4" srcId="0" destId="1" srcOrd="0" destOrd="0"/>
+        <dgm:cxn modelId="5" srcId="0" destId="2" srcOrd="1" destOrd="0"/>
+        <dgm:cxn modelId="6" srcId="0" destId="3" srcOrd="2" destOrd="0"/>
+        <dgm:cxn modelId="13" srcId="1" destId="11" srcOrd="0" destOrd="0"/>
+        <dgm:cxn modelId="14" srcId="1" destId="12" srcOrd="1" destOrd="0"/>
+        <dgm:cxn modelId="23" srcId="2" destId="21" srcOrd="0" destOrd="0"/>
+        <dgm:cxn modelId="24" srcId="2" destId="22" srcOrd="1" destOrd="0"/>
+        <dgm:cxn modelId="33" srcId="3" destId="31" srcOrd="0" destOrd="0"/>
+        <dgm:cxn modelId="34" srcId="3" destId="32" srcOrd="1" destOrd="0"/>
+      </dgm:cxnLst>
+      <dgm:bg/>
+      <dgm:whole/>
+    </dgm:dataModel>
+  </dgm:sampData>
+  <dgm:styleData>
+    <dgm:dataModel>
+      <dgm:ptLst>
+        <dgm:pt modelId="0" type="doc"/>
+        <dgm:pt modelId="1"/>
+      </dgm:ptLst>
+      <dgm:cxnLst>
+        <dgm:cxn modelId="4" srcId="0" destId="1" srcOrd="0" destOrd="0"/>
+      </dgm:cxnLst>
+      <dgm:bg/>
+      <dgm:whole/>
+    </dgm:dataModel>
+  </dgm:styleData>
+  <dgm:clrData>
+    <dgm:dataModel>
+      <dgm:ptLst>
+        <dgm:pt modelId="0" type="doc"/>
+        <dgm:pt modelId="1"/>
+        <dgm:pt modelId="11"/>
+        <dgm:pt modelId="2"/>
+        <dgm:pt modelId="21"/>
+        <dgm:pt modelId="3"/>
+        <dgm:pt modelId="31"/>
+        <dgm:pt modelId="4"/>
+        <dgm:pt modelId="41"/>
+      </dgm:ptLst>
+      <dgm:cxnLst>
+        <dgm:cxn modelId="5" srcId="0" destId="1" srcOrd="0" destOrd="0"/>
+        <dgm:cxn modelId="6" srcId="0" destId="2" srcOrd="1" destOrd="0"/>
+        <dgm:cxn modelId="7" srcId="0" destId="3" srcOrd="2" destOrd="0"/>
+        <dgm:cxn modelId="8" srcId="0" destId="4" srcOrd="3" destOrd="0"/>
+        <dgm:cxn modelId="13" srcId="1" destId="11" srcOrd="0" destOrd="0"/>
+        <dgm:cxn modelId="23" srcId="2" destId="21" srcOrd="0" destOrd="0"/>
+        <dgm:cxn modelId="33" srcId="3" destId="31" srcOrd="0" destOrd="0"/>
+        <dgm:cxn modelId="43" srcId="4" destId="41" srcOrd="0" destOrd="0"/>
+      </dgm:cxnLst>
+      <dgm:bg/>
+      <dgm:whole/>
+    </dgm:dataModel>
+  </dgm:clrData>
+  <dgm:layoutNode name="linearFlow">
+    <dgm:varLst>
+      <dgm:dir/>
+      <dgm:animLvl val="lvl"/>
+      <dgm:resizeHandles val="exact"/>
+    </dgm:varLst>
+    <dgm:alg type="lin">
+      <dgm:param type="linDir" val="fromT"/>
+      <dgm:param type="nodeHorzAlign" val="l"/>
+    </dgm:alg>
+    <dgm:shape xmlns:r="http://schemas.openxmlformats.org/officeDocument/2006/relationships" r:blip="">
+      <dgm:adjLst/>
+    </dgm:shape>
+    <dgm:presOf/>
+    <dgm:constrLst>
+      <dgm:constr type="h" for="ch" forName="composite" refType="h"/>
+      <dgm:constr type="w" for="ch" forName="composite" refType="w"/>
+      <dgm:constr type="h" for="des" forName="parentText" op="equ"/>
+      <dgm:constr type="h" for="ch" forName="sp" val="-14.88"/>
+      <dgm:constr type="h" for="ch" forName="sp" refType="w" refFor="des" refForName="parentText" op="gte" fact="-0.3"/>
+      <dgm:constr type="primFontSz" for="des" forName="parentText" op="equ" val="65"/>
+      <dgm:constr type="primFontSz" for="des" forName="descendantText" op="equ" val="65"/>
+    </dgm:constrLst>
+    <dgm:ruleLst/>
+    <dgm:forEach name="Name0" axis="ch" ptType="node">
+      <dgm:layoutNode name="composite">
+        <dgm:alg type="composite"/>
+        <dgm:shape xmlns:r="http://schemas.openxmlformats.org/officeDocument/2006/relationships" r:blip="">
+          <dgm:adjLst/>
+        </dgm:shape>
+        <dgm:presOf/>
+        <dgm:choose name="Name1">
+          <dgm:if name="Name2" func="var" arg="dir" op="equ" val="norm">
+            <dgm:constrLst>
+              <dgm:constr type="t" for="ch" forName="parentText"/>
+              <dgm:constr type="l" for="ch" forName="parentText"/>
+              <dgm:constr type="w" for="ch" forName="parentText" refType="w" fact="0.4"/>
+              <dgm:constr type="h" for="ch" forName="parentText" refType="h"/>
+              <dgm:constr type="w" for="ch" forName="parentText" refType="w" op="lte" fact="0.5"/>
+              <dgm:constr type="w" for="ch" forName="parentText" refType="h" refFor="ch" refForName="parentText" op="lte" fact="0.7"/>
+              <dgm:constr type="h" for="ch" forName="parentText" refType="w" refFor="ch" refForName="parentText" op="lte" fact="3"/>
+              <dgm:constr type="l" for="ch" forName="descendantText" refType="w" refFor="ch" refForName="parentText"/>
+              <dgm:constr type="w" for="ch" forName="descendantText" refType="w"/>
+              <dgm:constr type="wOff" for="ch" forName="descendantText" refType="w" refFor="ch" refForName="parentText" fact="-1"/>
+              <dgm:constr type="t" for="ch" forName="descendantText"/>
+              <dgm:constr type="b" for="ch" forName="descendantText" refType="h" refFor="ch" refForName="parentText"/>
+              <dgm:constr type="bOff" for="ch" forName="descendantText" refType="w" refFor="ch" refForName="parentText" fact="-0.5"/>
+            </dgm:constrLst>
+          </dgm:if>
+          <dgm:else name="Name3">
+            <dgm:constrLst>
+              <dgm:constr type="t" for="ch" forName="parentText"/>
+              <dgm:constr type="r" for="ch" forName="parentText" refType="w"/>
+              <dgm:constr type="w" for="ch" forName="parentText" refType="w" fact="0.4"/>
+              <dgm:constr type="h" for="ch" forName="parentText" refType="h"/>
+              <dgm:constr type="w" for="ch" forName="parentText" refType="w" op="lte" fact="0.5"/>
+              <dgm:constr type="w" for="ch" forName="parentText" refType="h" refFor="ch" refForName="parentText" op="lte" fact="0.7"/>
+              <dgm:constr type="h" for="ch" forName="parentText" refType="w" refFor="ch" refForName="parentText" op="lte" fact="3"/>
+              <dgm:constr type="l" for="ch" forName="descendantText"/>
+              <dgm:constr type="w" for="ch" forName="descendantText" refType="w"/>
+              <dgm:constr type="wOff" for="ch" forName="descendantText" refType="w" refFor="ch" refForName="parentText" fact="-1"/>
+              <dgm:constr type="t" for="ch" forName="descendantText"/>
+              <dgm:constr type="b" for="ch" forName="descendantText" refType="h" refFor="ch" refForName="parentText"/>
+              <dgm:constr type="bOff" for="ch" forName="descendantText" refType="w" refFor="ch" refForName="parentText" fact="-0.5"/>
+            </dgm:constrLst>
+          </dgm:else>
+        </dgm:choose>
+        <dgm:ruleLst/>
+        <dgm:layoutNode name="parentText" styleLbl="alignNode1">
+          <dgm:varLst>
+            <dgm:chMax val="1"/>
+            <dgm:bulletEnabled val="1"/>
+          </dgm:varLst>
+          <dgm:alg type="tx"/>
+          <dgm:shape xmlns:r="http://schemas.openxmlformats.org/officeDocument/2006/relationships" rot="90" type="chevron" r:blip="">
+            <dgm:adjLst/>
+          </dgm:shape>
+          <dgm:presOf axis="self" ptType="node"/>
+          <dgm:constrLst>
+            <dgm:constr type="lMarg" refType="primFontSz" fact="0.05"/>
+            <dgm:constr type="rMarg" refType="primFontSz" fact="0.05"/>
+            <dgm:constr type="tMarg" refType="primFontSz" fact="0.05"/>
+            <dgm:constr type="bMarg" refType="primFontSz" fact="0.05"/>
+          </dgm:constrLst>
+          <dgm:ruleLst>
+            <dgm:rule type="h" val="100" fact="NaN" max="NaN"/>
+            <dgm:rule type="primFontSz" val="24" fact="NaN" max="NaN"/>
+            <dgm:rule type="h" val="110" fact="NaN" max="NaN"/>
+            <dgm:rule type="primFontSz" val="18" fact="NaN" max="NaN"/>
+            <dgm:rule type="h" val="INF" fact="NaN" max="NaN"/>
+            <dgm:rule type="primFontSz" val="5" fact="NaN" max="NaN"/>
+          </dgm:ruleLst>
+        </dgm:layoutNode>
+        <dgm:layoutNode name="descendantText" styleLbl="alignAcc1">
+          <dgm:varLst>
+            <dgm:bulletEnabled val="1"/>
+          </dgm:varLst>
+          <dgm:choose name="Name4">
+            <dgm:if name="Name5" func="var" arg="dir" op="equ" val="norm">
+              <dgm:alg type="tx">
+                <dgm:param type="stBulletLvl" val="1"/>
+                <dgm:param type="txAnchorVertCh" val="mid"/>
+              </dgm:alg>
+              <dgm:shape xmlns:r="http://schemas.openxmlformats.org/officeDocument/2006/relationships" rot="90" type="round2SameRect" r:blip="">
+                <dgm:adjLst/>
+              </dgm:shape>
+            </dgm:if>
+            <dgm:else name="Name6">
+              <dgm:alg type="tx">
+                <dgm:param type="stBulletLvl" val="1"/>
+                <dgm:param type="txAnchorVertCh" val="mid"/>
+              </dgm:alg>
+              <dgm:shape xmlns:r="http://schemas.openxmlformats.org/officeDocument/2006/relationships" rot="-90" type="round2SameRect" r:blip="">
+                <dgm:adjLst/>
+              </dgm:shape>
+            </dgm:else>
+          </dgm:choose>
+          <dgm:presOf axis="des" ptType="node"/>
+          <dgm:choose name="Name7">
+            <dgm:if name="Name8" func="var" arg="dir" op="equ" val="norm">
+              <dgm:constrLst>
+                <dgm:constr type="secFontSz" refType="primFontSz"/>
+                <dgm:constr type="tMarg" refType="primFontSz" fact="0.05"/>
+                <dgm:constr type="bMarg" refType="primFontSz" fact="0.05"/>
+                <dgm:constr type="rMarg" refType="primFontSz" fact="0.05"/>
+              </dgm:constrLst>
+            </dgm:if>
+            <dgm:else name="Name9">
+              <dgm:constrLst>
+                <dgm:constr type="secFontSz" refType="primFontSz"/>
+                <dgm:constr type="tMarg" refType="primFontSz" fact="0.05"/>
+                <dgm:constr type="bMarg" refType="primFontSz" fact="0.05"/>
+                <dgm:constr type="lMarg" refType="primFontSz" fact="0.05"/>
+              </dgm:constrLst>
+            </dgm:else>
+          </dgm:choose>
+          <dgm:ruleLst>
+            <dgm:rule type="primFontSz" val="5" fact="NaN" max="NaN"/>
+          </dgm:ruleLst>
+        </dgm:layoutNode>
+      </dgm:layoutNode>
+      <dgm:forEach name="Name10" axis="followSib" ptType="sibTrans" cnt="1">
+        <dgm:layoutNode name="sp">
+          <dgm:alg type="sp"/>
+          <dgm:shape xmlns:r="http://schemas.openxmlformats.org/officeDocument/2006/relationships" r:blip="">
+            <dgm:adjLst/>
+          </dgm:shape>
+          <dgm:presOf axis="self"/>
+          <dgm:constrLst>
+            <dgm:constr type="w" val="1"/>
+            <dgm:constr type="h" val="37.5"/>
+          </dgm:constrLst>
+          <dgm:ruleLst/>
+        </dgm:layoutNode>
+      </dgm:forEach>
+    </dgm:forEach>
   </dgm:layoutNode>
 </dgm:layoutDef>
 </file>
@@ -10814,35 +12612,7 @@
             <a:spLocks noGrp="1"/>
           </p:cNvSpPr>
           <p:nvPr>
-            <p:ph type="ctrTitle"/>
-          </p:nvPr>
-        </p:nvSpPr>
-        <p:spPr>
-          <a:xfrm>
-            <a:off x="1158240" y="175577"/>
-            <a:ext cx="9144000" cy="1216659"/>
-          </a:xfrm>
-        </p:spPr>
-        <p:txBody>
-          <a:bodyPr/>
-          <a:lstStyle/>
-          <a:p>
-            <a:r>
-              <a:rPr lang="en-US" smtClean="0"/>
-              <a:t>Input Flow</a:t>
-            </a:r>
-            <a:endParaRPr lang="en-US" dirty="0"/>
-          </a:p>
-        </p:txBody>
-      </p:sp>
-      <p:sp>
-        <p:nvSpPr>
-          <p:cNvPr id="3" name="Subtitle 2"/>
-          <p:cNvSpPr>
-            <a:spLocks noGrp="1"/>
-          </p:cNvSpPr>
-          <p:nvPr>
-            <p:ph type="subTitle" idx="1"/>
+            <p:ph type="title"/>
           </p:nvPr>
         </p:nvSpPr>
         <p:spPr/>
@@ -10850,25 +12620,32 @@
           <a:bodyPr/>
           <a:lstStyle/>
           <a:p>
+            <a:r>
+              <a:rPr lang="en-US" dirty="0" smtClean="0"/>
+              <a:t>Hierarchy </a:t>
+            </a:r>
             <a:endParaRPr lang="en-US" dirty="0"/>
           </a:p>
         </p:txBody>
       </p:sp>
       <p:graphicFrame>
         <p:nvGraphicFramePr>
-          <p:cNvPr id="4" name="Diagram 3"/>
-          <p:cNvGraphicFramePr/>
+          <p:cNvPr id="4" name="Content Placeholder 3"/>
+          <p:cNvGraphicFramePr>
+            <a:graphicFrameLocks noGrp="1"/>
+          </p:cNvGraphicFramePr>
           <p:nvPr>
+            <p:ph idx="1"/>
             <p:extLst>
               <p:ext uri="{D42A27DB-BD31-4B8C-83A1-F6EECF244321}">
-                <p14:modId xmlns:p14="http://schemas.microsoft.com/office/powerpoint/2010/main" val="3675436646"/>
+                <p14:modId xmlns:p14="http://schemas.microsoft.com/office/powerpoint/2010/main" val="2874316375"/>
               </p:ext>
             </p:extLst>
           </p:nvPr>
         </p:nvGraphicFramePr>
         <p:xfrm>
-          <a:off x="1775968" y="1392236"/>
-          <a:ext cx="8128000" cy="5418667"/>
+          <a:off x="838200" y="1825625"/>
+          <a:ext cx="10515600" cy="4351338"/>
         </p:xfrm>
         <a:graphic>
           <a:graphicData uri="http://schemas.openxmlformats.org/drawingml/2006/diagram">
@@ -10876,50 +12653,10 @@
           </a:graphicData>
         </a:graphic>
       </p:graphicFrame>
-      <p:sp>
-        <p:nvSpPr>
-          <p:cNvPr id="5" name="Hexagon 4"/>
-          <p:cNvSpPr/>
-          <p:nvPr/>
-        </p:nvSpPr>
-        <p:spPr>
-          <a:xfrm>
-            <a:off x="2404872" y="1234440"/>
-            <a:ext cx="45719" cy="45719"/>
-          </a:xfrm>
-          <a:prstGeom prst="hexagon">
-            <a:avLst/>
-          </a:prstGeom>
-        </p:spPr>
-        <p:style>
-          <a:lnRef idx="2">
-            <a:schemeClr val="accent1">
-              <a:shade val="50000"/>
-            </a:schemeClr>
-          </a:lnRef>
-          <a:fillRef idx="1">
-            <a:schemeClr val="accent1"/>
-          </a:fillRef>
-          <a:effectRef idx="0">
-            <a:schemeClr val="accent1"/>
-          </a:effectRef>
-          <a:fontRef idx="minor">
-            <a:schemeClr val="lt1"/>
-          </a:fontRef>
-        </p:style>
-        <p:txBody>
-          <a:bodyPr rtlCol="0" anchor="ctr"/>
-          <a:lstStyle/>
-          <a:p>
-            <a:pPr algn="ctr"/>
-            <a:endParaRPr lang="en-US" dirty="0"/>
-          </a:p>
-        </p:txBody>
-      </p:sp>
     </p:spTree>
     <p:extLst>
       <p:ext uri="{BB962C8B-B14F-4D97-AF65-F5344CB8AC3E}">
-        <p14:creationId xmlns:p14="http://schemas.microsoft.com/office/powerpoint/2010/main" val="2557161185"/>
+        <p14:creationId xmlns:p14="http://schemas.microsoft.com/office/powerpoint/2010/main" val="3533643593"/>
       </p:ext>
     </p:extLst>
   </p:cSld>
@@ -10960,17 +12697,22 @@
             <a:spLocks noGrp="1"/>
           </p:cNvSpPr>
           <p:nvPr>
-            <p:ph type="title"/>
+            <p:ph type="ctrTitle"/>
           </p:nvPr>
         </p:nvSpPr>
-        <p:spPr/>
+        <p:spPr>
+          <a:xfrm>
+            <a:off x="1158240" y="175577"/>
+            <a:ext cx="9144000" cy="1216659"/>
+          </a:xfrm>
+        </p:spPr>
         <p:txBody>
           <a:bodyPr/>
           <a:lstStyle/>
           <a:p>
             <a:r>
               <a:rPr lang="en-US" dirty="0" smtClean="0"/>
-              <a:t>Hierarchy </a:t>
+              <a:t>Input Flow</a:t>
             </a:r>
             <a:endParaRPr lang="en-US" dirty="0"/>
           </a:p>
@@ -10978,22 +12720,19 @@
       </p:sp>
       <p:graphicFrame>
         <p:nvGraphicFramePr>
-          <p:cNvPr id="4" name="Content Placeholder 3"/>
-          <p:cNvGraphicFramePr>
-            <a:graphicFrameLocks noGrp="1"/>
-          </p:cNvGraphicFramePr>
+          <p:cNvPr id="4" name="Diagram 3"/>
+          <p:cNvGraphicFramePr/>
           <p:nvPr>
-            <p:ph idx="1"/>
             <p:extLst>
               <p:ext uri="{D42A27DB-BD31-4B8C-83A1-F6EECF244321}">
-                <p14:modId xmlns:p14="http://schemas.microsoft.com/office/powerpoint/2010/main" val="3696693012"/>
+                <p14:modId xmlns:p14="http://schemas.microsoft.com/office/powerpoint/2010/main" val="2200656605"/>
               </p:ext>
             </p:extLst>
           </p:nvPr>
         </p:nvGraphicFramePr>
         <p:xfrm>
-          <a:off x="838200" y="1825625"/>
-          <a:ext cx="10515600" cy="4351338"/>
+          <a:off x="1775968" y="1392236"/>
+          <a:ext cx="8128000" cy="5418667"/>
         </p:xfrm>
         <a:graphic>
           <a:graphicData uri="http://schemas.openxmlformats.org/drawingml/2006/diagram">
@@ -11004,13 +12743,20 @@
     </p:spTree>
     <p:extLst>
       <p:ext uri="{BB962C8B-B14F-4D97-AF65-F5344CB8AC3E}">
-        <p14:creationId xmlns:p14="http://schemas.microsoft.com/office/powerpoint/2010/main" val="3533643593"/>
+        <p14:creationId xmlns:p14="http://schemas.microsoft.com/office/powerpoint/2010/main" val="2557161185"/>
       </p:ext>
     </p:extLst>
   </p:cSld>
   <p:clrMapOvr>
     <a:masterClrMapping/>
   </p:clrMapOvr>
+  <p:timing>
+    <p:tnLst>
+      <p:par>
+        <p:cTn id="1" dur="indefinite" restart="never" nodeType="tmRoot"/>
+      </p:par>
+    </p:tnLst>
+  </p:timing>
 </p:sld>
 </file>
 

--- a/Brew_Flow.pptx
+++ b/Brew_Flow.pptx
@@ -105,6 +105,11 @@
       </a:defRPr>
     </a:lvl9pPr>
   </p:defaultTextStyle>
+  <p:extLst>
+    <p:ext uri="{EFAFB233-063F-42B5-8137-9DF3F51BA10A}">
+      <p15:sldGuideLst xmlns:p15="http://schemas.microsoft.com/office/powerpoint/2012/main"/>
+    </p:ext>
+  </p:extLst>
 </p:presentation>
 </file>
 
@@ -2090,6 +2095,13 @@
         </dgm:presLayoutVars>
       </dgm:prSet>
       <dgm:spPr/>
+      <dgm:t>
+        <a:bodyPr/>
+        <a:lstStyle/>
+        <a:p>
+          <a:endParaRPr lang="en-US"/>
+        </a:p>
+      </dgm:t>
     </dgm:pt>
     <dgm:pt modelId="{8C38A156-9460-4A3A-8F1B-3E61108ABBB7}" type="pres">
       <dgm:prSet presAssocID="{5E0D80FD-59BF-437E-A9C3-D79AE1FA7697}" presName="hierFlow" presStyleCnt="0"/>
@@ -2135,6 +2147,13 @@
     <dgm:pt modelId="{DE3FF23B-0BF5-477D-B294-AA8F807E4167}" type="pres">
       <dgm:prSet presAssocID="{A0815741-EDB4-4A35-828A-9343A0D8B855}" presName="Name19" presStyleLbl="parChTrans1D2" presStyleIdx="0" presStyleCnt="5"/>
       <dgm:spPr/>
+      <dgm:t>
+        <a:bodyPr/>
+        <a:lstStyle/>
+        <a:p>
+          <a:endParaRPr lang="en-US"/>
+        </a:p>
+      </dgm:t>
     </dgm:pt>
     <dgm:pt modelId="{D92649F6-44F9-47EF-BFCF-0A9172372534}" type="pres">
       <dgm:prSet presAssocID="{AE1F9252-AB96-47CD-82A2-FF000D9EB6F4}" presName="Name21" presStyleCnt="0"/>
@@ -2235,6 +2254,13 @@
     <dgm:pt modelId="{80BEA30C-B84A-494B-B353-2FCA075A3C6A}" type="pres">
       <dgm:prSet presAssocID="{BF91500C-BBBC-409F-9C51-10EE187C037E}" presName="level2Shape" presStyleLbl="node2" presStyleIdx="2" presStyleCnt="5"/>
       <dgm:spPr/>
+      <dgm:t>
+        <a:bodyPr/>
+        <a:lstStyle/>
+        <a:p>
+          <a:endParaRPr lang="en-US"/>
+        </a:p>
+      </dgm:t>
     </dgm:pt>
     <dgm:pt modelId="{01CF2FBA-F0FD-492C-8322-D365A7E6EADC}" type="pres">
       <dgm:prSet presAssocID="{BF91500C-BBBC-409F-9C51-10EE187C037E}" presName="hierChild3" presStyleCnt="0"/>
@@ -2274,6 +2300,13 @@
     <dgm:pt modelId="{ACFCFD85-610C-4C68-97E4-198108E39336}" type="pres">
       <dgm:prSet presAssocID="{C954E9FF-C7D5-4F34-A53F-265D34FC5B00}" presName="level2Shape" presStyleLbl="node3" presStyleIdx="3" presStyleCnt="9"/>
       <dgm:spPr/>
+      <dgm:t>
+        <a:bodyPr/>
+        <a:lstStyle/>
+        <a:p>
+          <a:endParaRPr lang="en-US"/>
+        </a:p>
+      </dgm:t>
     </dgm:pt>
     <dgm:pt modelId="{5ECACF7D-F8FF-479B-A15B-C88AA0BB626D}" type="pres">
       <dgm:prSet presAssocID="{C954E9FF-C7D5-4F34-A53F-265D34FC5B00}" presName="hierChild3" presStyleCnt="0"/>
@@ -2290,6 +2323,13 @@
     <dgm:pt modelId="{B6B99BC1-ED8A-4F27-B2D4-29838122C558}" type="pres">
       <dgm:prSet presAssocID="{B90E6CA3-1E6C-4CDA-B52F-1BB2467F63A5}" presName="level2Shape" presStyleLbl="node2" presStyleIdx="3" presStyleCnt="5"/>
       <dgm:spPr/>
+      <dgm:t>
+        <a:bodyPr/>
+        <a:lstStyle/>
+        <a:p>
+          <a:endParaRPr lang="en-US"/>
+        </a:p>
+      </dgm:t>
     </dgm:pt>
     <dgm:pt modelId="{5A2F03A3-B8FB-48BC-9F7C-1C15BB4E0DBE}" type="pres">
       <dgm:prSet presAssocID="{B90E6CA3-1E6C-4CDA-B52F-1BB2467F63A5}" presName="hierChild3" presStyleCnt="0"/>
@@ -2329,6 +2369,13 @@
     <dgm:pt modelId="{C74F8C5C-885E-4EBE-825C-EEE94CE4685C}" type="pres">
       <dgm:prSet presAssocID="{C0FC89D0-ED88-47AB-AAD7-E123012EFEC5}" presName="level2Shape" presStyleLbl="node3" presStyleIdx="5" presStyleCnt="9"/>
       <dgm:spPr/>
+      <dgm:t>
+        <a:bodyPr/>
+        <a:lstStyle/>
+        <a:p>
+          <a:endParaRPr lang="en-US"/>
+        </a:p>
+      </dgm:t>
     </dgm:pt>
     <dgm:pt modelId="{9D2A54B2-674A-4A4C-BEFE-BA8C8998CCF3}" type="pres">
       <dgm:prSet presAssocID="{C0FC89D0-ED88-47AB-AAD7-E123012EFEC5}" presName="hierChild3" presStyleCnt="0"/>
@@ -2345,6 +2392,13 @@
     <dgm:pt modelId="{C60C78D6-CDF0-4199-9F74-B1D81B59FB9A}" type="pres">
       <dgm:prSet presAssocID="{75AD7627-B35B-4D8E-BFE9-BC99E23C2402}" presName="level2Shape" presStyleLbl="node2" presStyleIdx="4" presStyleCnt="5"/>
       <dgm:spPr/>
+      <dgm:t>
+        <a:bodyPr/>
+        <a:lstStyle/>
+        <a:p>
+          <a:endParaRPr lang="en-US"/>
+        </a:p>
+      </dgm:t>
     </dgm:pt>
     <dgm:pt modelId="{BE9D2E42-AB8E-4ACE-AC18-299EE66A1996}" type="pres">
       <dgm:prSet presAssocID="{75AD7627-B35B-4D8E-BFE9-BC99E23C2402}" presName="hierChild3" presStyleCnt="0"/>
@@ -2384,6 +2438,13 @@
     <dgm:pt modelId="{3C507778-46ED-478D-9E12-51935E9E93CB}" type="pres">
       <dgm:prSet presAssocID="{26DC787B-9FFB-4C9A-ADF9-33715608FB92}" presName="level2Shape" presStyleLbl="node3" presStyleIdx="7" presStyleCnt="9"/>
       <dgm:spPr/>
+      <dgm:t>
+        <a:bodyPr/>
+        <a:lstStyle/>
+        <a:p>
+          <a:endParaRPr lang="en-US"/>
+        </a:p>
+      </dgm:t>
     </dgm:pt>
     <dgm:pt modelId="{0F4FFCD0-D8C6-4505-8D5A-55AEC6EBB1A4}" type="pres">
       <dgm:prSet presAssocID="{26DC787B-9FFB-4C9A-ADF9-33715608FB92}" presName="hierChild3" presStyleCnt="0"/>
@@ -2400,6 +2461,13 @@
     <dgm:pt modelId="{A6F31496-8588-4DAC-B99A-2DDF053471EC}" type="pres">
       <dgm:prSet presAssocID="{B3562F1B-7D54-412C-BDF1-CDA988B51F73}" presName="level2Shape" presStyleLbl="node3" presStyleIdx="8" presStyleCnt="9"/>
       <dgm:spPr/>
+      <dgm:t>
+        <a:bodyPr/>
+        <a:lstStyle/>
+        <a:p>
+          <a:endParaRPr lang="en-US"/>
+        </a:p>
+      </dgm:t>
     </dgm:pt>
     <dgm:pt modelId="{EF0A15C3-D248-4E02-9D03-6E1C66E8DD30}" type="pres">
       <dgm:prSet presAssocID="{B3562F1B-7D54-412C-BDF1-CDA988B51F73}" presName="hierChild3" presStyleCnt="0"/>
@@ -2454,6 +2522,13 @@
     <dgm:pt modelId="{4492417A-2C01-49FF-8801-4C8FEF938EDD}" type="pres">
       <dgm:prSet presAssocID="{2FC25C45-FB31-4AC9-8EB0-3A99601FF7AD}" presName="bgRect" presStyleLbl="bgShp" presStyleIdx="1" presStyleCnt="3"/>
       <dgm:spPr/>
+      <dgm:t>
+        <a:bodyPr/>
+        <a:lstStyle/>
+        <a:p>
+          <a:endParaRPr lang="en-US"/>
+        </a:p>
+      </dgm:t>
     </dgm:pt>
     <dgm:pt modelId="{BF4BD883-8652-4D0B-AB75-6F50AF67721F}" type="pres">
       <dgm:prSet presAssocID="{2FC25C45-FB31-4AC9-8EB0-3A99601FF7AD}" presName="bgRectTx" presStyleLbl="bgShp" presStyleIdx="1" presStyleCnt="3">
@@ -2462,6 +2537,13 @@
         </dgm:presLayoutVars>
       </dgm:prSet>
       <dgm:spPr/>
+      <dgm:t>
+        <a:bodyPr/>
+        <a:lstStyle/>
+        <a:p>
+          <a:endParaRPr lang="en-US"/>
+        </a:p>
+      </dgm:t>
     </dgm:pt>
     <dgm:pt modelId="{FF282789-B70C-4131-BC0C-9CD9411C4E24}" type="pres">
       <dgm:prSet presAssocID="{2FC25C45-FB31-4AC9-8EB0-3A99601FF7AD}" presName="spComp" presStyleCnt="0"/>
@@ -2503,60 +2585,60 @@
     </dgm:pt>
   </dgm:ptLst>
   <dgm:cxnLst>
+    <dgm:cxn modelId="{D4AF0375-C9D9-4A44-9DB3-5FB0E5198425}" srcId="{75AD7627-B35B-4D8E-BFE9-BC99E23C2402}" destId="{B3562F1B-7D54-412C-BDF1-CDA988B51F73}" srcOrd="2" destOrd="0" parTransId="{06D9A4C0-C048-4EF5-B4C1-E31B05AE0A48}" sibTransId="{E6A2F4DA-80FD-4CB6-ADF6-6EA808BD83E0}"/>
+    <dgm:cxn modelId="{82E53C47-467A-402F-B0DF-AF624C22F0F2}" type="presOf" srcId="{2FC25C45-FB31-4AC9-8EB0-3A99601FF7AD}" destId="{BF4BD883-8652-4D0B-AB75-6F50AF67721F}" srcOrd="1" destOrd="0" presId="urn:microsoft.com/office/officeart/2005/8/layout/hierarchy6"/>
+    <dgm:cxn modelId="{70EBCFB7-14F4-493C-8D93-E0F5D973695C}" type="presOf" srcId="{B4E16727-F3D9-4981-A257-C7CE91DBEEE9}" destId="{1E3A30F8-69A7-4B2E-958F-654E060EA288}" srcOrd="0" destOrd="0" presId="urn:microsoft.com/office/officeart/2005/8/layout/hierarchy6"/>
+    <dgm:cxn modelId="{DC60D43B-0511-4CF2-B854-97EC19BC369F}" type="presOf" srcId="{A2B787CC-BFB5-4587-BC6B-EA278CE95D42}" destId="{D134F2DA-B0C8-4BD5-889D-F31094A54F72}" srcOrd="0" destOrd="0" presId="urn:microsoft.com/office/officeart/2005/8/layout/hierarchy6"/>
+    <dgm:cxn modelId="{E2E743A7-F8B4-49BF-B3EE-041F68F59914}" type="presOf" srcId="{704973B4-B62F-4E06-BC1C-A37BA4579FC4}" destId="{5EFFCCFB-5AF6-499D-87E0-0DC70F42F2F6}" srcOrd="0" destOrd="0" presId="urn:microsoft.com/office/officeart/2005/8/layout/hierarchy6"/>
+    <dgm:cxn modelId="{EB7BA167-6AFD-4538-A869-54D0FF7D227A}" srcId="{B90E6CA3-1E6C-4CDA-B52F-1BB2467F63A5}" destId="{C0FC89D0-ED88-47AB-AAD7-E123012EFEC5}" srcOrd="1" destOrd="0" parTransId="{356BFEC2-CE15-4FBE-A4A1-0B80A5553B49}" sibTransId="{7F5096B0-AF71-4B02-9426-93B239B05316}"/>
+    <dgm:cxn modelId="{996FA515-6604-4333-9D9E-D702460A12BE}" srcId="{5E0D80FD-59BF-437E-A9C3-D79AE1FA7697}" destId="{A2B787CC-BFB5-4587-BC6B-EA278CE95D42}" srcOrd="0" destOrd="0" parTransId="{CBE02C49-0B77-4150-AC0B-5531A2A6C9E2}" sibTransId="{325801F1-A90D-4F93-8C88-95DD77217FC0}"/>
+    <dgm:cxn modelId="{EACE51FF-42BD-4BD0-B2C4-3D585D1682F6}" srcId="{A2B787CC-BFB5-4587-BC6B-EA278CE95D42}" destId="{B90E6CA3-1E6C-4CDA-B52F-1BB2467F63A5}" srcOrd="3" destOrd="0" parTransId="{2CCF69D3-4CC6-4DD5-AFB0-6A88205BC53D}" sibTransId="{E6713030-2535-4FF2-8E22-46D71DA3EC7B}"/>
+    <dgm:cxn modelId="{B751933A-ACC7-45CF-BA1D-08E9F4D1C58D}" srcId="{A2B787CC-BFB5-4587-BC6B-EA278CE95D42}" destId="{BF91500C-BBBC-409F-9C51-10EE187C037E}" srcOrd="2" destOrd="0" parTransId="{F5921F16-09D3-4706-A62A-CD7F2CF104EE}" sibTransId="{EF46F9D2-F978-4138-92DB-2E6AD32FADBC}"/>
+    <dgm:cxn modelId="{C995D684-6C34-4724-8811-FFE865B70A6E}" type="presOf" srcId="{2FC25C45-FB31-4AC9-8EB0-3A99601FF7AD}" destId="{4492417A-2C01-49FF-8801-4C8FEF938EDD}" srcOrd="0" destOrd="0" presId="urn:microsoft.com/office/officeart/2005/8/layout/hierarchy6"/>
+    <dgm:cxn modelId="{2734DC2F-A12C-4FFE-A615-A0EDDB805378}" type="presOf" srcId="{B90E6CA3-1E6C-4CDA-B52F-1BB2467F63A5}" destId="{B6B99BC1-ED8A-4F27-B2D4-29838122C558}" srcOrd="0" destOrd="0" presId="urn:microsoft.com/office/officeart/2005/8/layout/hierarchy6"/>
+    <dgm:cxn modelId="{99E7A694-8944-425B-B91B-1254825FA245}" type="presOf" srcId="{04EE558E-F013-4F6A-8DAC-4758415AA52A}" destId="{E75CCE58-7B1B-4850-BC5A-3FC9B0E5E404}" srcOrd="0" destOrd="0" presId="urn:microsoft.com/office/officeart/2005/8/layout/hierarchy6"/>
+    <dgm:cxn modelId="{1E82FF54-BEAB-43EB-816C-55257DCDEBFB}" srcId="{A2B787CC-BFB5-4587-BC6B-EA278CE95D42}" destId="{3A346293-E670-4444-8ED8-B291D4692B34}" srcOrd="1" destOrd="0" parTransId="{B369D75F-A765-43E9-A84E-8559E39678A4}" sibTransId="{95AD2A53-A1D2-4C87-99A4-B307763E5083}"/>
+    <dgm:cxn modelId="{22FE877B-37AF-4CC4-BC2B-D7A64A3A719C}" srcId="{5E0D80FD-59BF-437E-A9C3-D79AE1FA7697}" destId="{704973B4-B62F-4E06-BC1C-A37BA4579FC4}" srcOrd="3" destOrd="0" parTransId="{07FB83FD-BD81-4995-AE3C-00D9A2D907D0}" sibTransId="{9AAF66D0-BF45-4343-BBF8-337F2C673CD0}"/>
+    <dgm:cxn modelId="{28A64B38-4B43-48ED-91CB-75B9921BD2E3}" srcId="{A2B787CC-BFB5-4587-BC6B-EA278CE95D42}" destId="{75AD7627-B35B-4D8E-BFE9-BC99E23C2402}" srcOrd="4" destOrd="0" parTransId="{7CF88BDD-D1BC-4AE4-B7A0-9C7B97B6DC74}" sibTransId="{328EF00B-318E-4360-96E7-3BA281023E7F}"/>
+    <dgm:cxn modelId="{FCD02CE9-2DB8-4293-9339-6071E6D6CF3D}" type="presOf" srcId="{06D9A4C0-C048-4EF5-B4C1-E31B05AE0A48}" destId="{9883CF45-D945-4834-A12B-EDAE33037296}" srcOrd="0" destOrd="0" presId="urn:microsoft.com/office/officeart/2005/8/layout/hierarchy6"/>
+    <dgm:cxn modelId="{3B4121E2-D06B-4842-A587-E37F1D389CAE}" type="presOf" srcId="{704973B4-B62F-4E06-BC1C-A37BA4579FC4}" destId="{CC39DC9A-8EE2-4F0B-B871-5042729E030A}" srcOrd="1" destOrd="0" presId="urn:microsoft.com/office/officeart/2005/8/layout/hierarchy6"/>
+    <dgm:cxn modelId="{25F206E6-649D-455F-B26B-309BC7810525}" type="presOf" srcId="{C954E9FF-C7D5-4F34-A53F-265D34FC5B00}" destId="{ACFCFD85-610C-4C68-97E4-198108E39336}" srcOrd="0" destOrd="0" presId="urn:microsoft.com/office/officeart/2005/8/layout/hierarchy6"/>
+    <dgm:cxn modelId="{87ED75AD-F172-400B-8FFA-BDD135DC1290}" type="presOf" srcId="{DD59C67E-D05D-48A5-844C-3FC852C65555}" destId="{D3B6F5ED-C50F-4D88-86E7-32285FB13E1F}" srcOrd="0" destOrd="0" presId="urn:microsoft.com/office/officeart/2005/8/layout/hierarchy6"/>
+    <dgm:cxn modelId="{5BBC38D8-17F2-41E5-9D57-D70506E47D58}" srcId="{75AD7627-B35B-4D8E-BFE9-BC99E23C2402}" destId="{ACC0B0E9-E6BD-485A-A089-89BC7D3E1BB7}" srcOrd="0" destOrd="0" parTransId="{B4E16727-F3D9-4981-A257-C7CE91DBEEE9}" sibTransId="{51F7DA3A-8AA7-4F6F-AC58-CFFCDDA28982}"/>
+    <dgm:cxn modelId="{7EB4F415-7495-40AC-B1C9-D3F4C0B10A92}" srcId="{B90E6CA3-1E6C-4CDA-B52F-1BB2467F63A5}" destId="{DD59C67E-D05D-48A5-844C-3FC852C65555}" srcOrd="0" destOrd="0" parTransId="{CD4DCCDF-6B06-48A3-B60B-A33DE5BC131B}" sibTransId="{9DBBE901-6D4D-4D95-A62C-827ACBCE82D5}"/>
+    <dgm:cxn modelId="{0B7EECCD-8B3C-40E7-95CF-9B62944D281E}" type="presOf" srcId="{CD4DCCDF-6B06-48A3-B60B-A33DE5BC131B}" destId="{01D28A20-DCBA-48A9-A4AC-F6CF873E86F4}" srcOrd="0" destOrd="0" presId="urn:microsoft.com/office/officeart/2005/8/layout/hierarchy6"/>
+    <dgm:cxn modelId="{4F0EE352-E17A-46D5-B4F9-76AF2E5C9D0F}" type="presOf" srcId="{AE1F9252-AB96-47CD-82A2-FF000D9EB6F4}" destId="{6299D5F2-9260-4191-89CF-92C2D43493BB}" srcOrd="0" destOrd="0" presId="urn:microsoft.com/office/officeart/2005/8/layout/hierarchy6"/>
+    <dgm:cxn modelId="{5E9A597B-D0EF-4128-8DA3-26A866C1D67A}" type="presOf" srcId="{B3562F1B-7D54-412C-BDF1-CDA988B51F73}" destId="{A6F31496-8588-4DAC-B99A-2DDF053471EC}" srcOrd="0" destOrd="0" presId="urn:microsoft.com/office/officeart/2005/8/layout/hierarchy6"/>
+    <dgm:cxn modelId="{A48326BD-49F5-41C2-9D3B-C9A7221C763E}" srcId="{3A346293-E670-4444-8ED8-B291D4692B34}" destId="{04EE558E-F013-4F6A-8DAC-4758415AA52A}" srcOrd="0" destOrd="0" parTransId="{9C8C414E-66AA-4647-80B8-6006495EDDD2}" sibTransId="{03D41A1A-3DAA-431F-9EB4-B97DC5537885}"/>
+    <dgm:cxn modelId="{1D3CE2BB-86A6-487E-9B50-817E9B1A8380}" type="presOf" srcId="{7CF88BDD-D1BC-4AE4-B7A0-9C7B97B6DC74}" destId="{DA2E024B-69C4-4355-A3A8-7D5210124787}" srcOrd="0" destOrd="0" presId="urn:microsoft.com/office/officeart/2005/8/layout/hierarchy6"/>
+    <dgm:cxn modelId="{26494315-5C6C-4C16-A092-6F395006FC90}" type="presOf" srcId="{9C8C414E-66AA-4647-80B8-6006495EDDD2}" destId="{8DA93576-3FA9-4F90-89AB-D1295529FD9B}" srcOrd="0" destOrd="0" presId="urn:microsoft.com/office/officeart/2005/8/layout/hierarchy6"/>
+    <dgm:cxn modelId="{57D81348-D3A8-4A17-829F-E2F8B0EF4D34}" type="presOf" srcId="{26DC787B-9FFB-4C9A-ADF9-33715608FB92}" destId="{3C507778-46ED-478D-9E12-51935E9E93CB}" srcOrd="0" destOrd="0" presId="urn:microsoft.com/office/officeart/2005/8/layout/hierarchy6"/>
     <dgm:cxn modelId="{66FE2721-370C-48B6-A409-09612E91B3D0}" type="presOf" srcId="{E50C4DE4-5EC4-45CD-B781-F0A383B7F2AF}" destId="{093EAA34-6D29-4880-ABF2-F44E0D5242C8}" srcOrd="0" destOrd="0" presId="urn:microsoft.com/office/officeart/2005/8/layout/hierarchy6"/>
-    <dgm:cxn modelId="{5BBC38D8-17F2-41E5-9D57-D70506E47D58}" srcId="{75AD7627-B35B-4D8E-BFE9-BC99E23C2402}" destId="{ACC0B0E9-E6BD-485A-A089-89BC7D3E1BB7}" srcOrd="0" destOrd="0" parTransId="{B4E16727-F3D9-4981-A257-C7CE91DBEEE9}" sibTransId="{51F7DA3A-8AA7-4F6F-AC58-CFFCDDA28982}"/>
-    <dgm:cxn modelId="{996FA515-6604-4333-9D9E-D702460A12BE}" srcId="{5E0D80FD-59BF-437E-A9C3-D79AE1FA7697}" destId="{A2B787CC-BFB5-4587-BC6B-EA278CE95D42}" srcOrd="0" destOrd="0" parTransId="{CBE02C49-0B77-4150-AC0B-5531A2A6C9E2}" sibTransId="{325801F1-A90D-4F93-8C88-95DD77217FC0}"/>
+    <dgm:cxn modelId="{A0032BA7-D774-4B06-8016-5A3BE06EF65A}" type="presOf" srcId="{B369D75F-A765-43E9-A84E-8559E39678A4}" destId="{BF9B9750-72AF-4B0F-8CF2-94DF949D16F5}" srcOrd="0" destOrd="0" presId="urn:microsoft.com/office/officeart/2005/8/layout/hierarchy6"/>
+    <dgm:cxn modelId="{E42E26DF-FD95-47F8-AEB3-540B0B2C0590}" type="presOf" srcId="{077ED888-3800-4D9D-B799-A11F5F57648B}" destId="{7ED1A2D3-3FA8-4930-8C58-D9952D0A2882}" srcOrd="0" destOrd="0" presId="urn:microsoft.com/office/officeart/2005/8/layout/hierarchy6"/>
+    <dgm:cxn modelId="{B94BB7A4-D5C1-4469-B006-3179A9D29A20}" type="presOf" srcId="{2CCF69D3-4CC6-4DD5-AFB0-6A88205BC53D}" destId="{D6F1DDD3-C4F4-4213-9E16-0974BE8D6C19}" srcOrd="0" destOrd="0" presId="urn:microsoft.com/office/officeart/2005/8/layout/hierarchy6"/>
+    <dgm:cxn modelId="{BE13039F-B17C-4524-93BA-F8B8D9A7A2F7}" type="presOf" srcId="{F5921F16-09D3-4706-A62A-CD7F2CF104EE}" destId="{AF143103-B7BB-437B-AA99-864F6D3524D5}" srcOrd="0" destOrd="0" presId="urn:microsoft.com/office/officeart/2005/8/layout/hierarchy6"/>
+    <dgm:cxn modelId="{FF13782D-16C4-45C7-BB04-22CB0F5C310C}" type="presOf" srcId="{BF91500C-BBBC-409F-9C51-10EE187C037E}" destId="{80BEA30C-B84A-494B-B353-2FCA075A3C6A}" srcOrd="0" destOrd="0" presId="urn:microsoft.com/office/officeart/2005/8/layout/hierarchy6"/>
+    <dgm:cxn modelId="{67AFF4D5-D190-428A-A8BF-4222CB347FFA}" srcId="{AE1F9252-AB96-47CD-82A2-FF000D9EB6F4}" destId="{493ADE87-9D37-4DF7-AD79-A59DAE7AD72C}" srcOrd="0" destOrd="0" parTransId="{B2E78F8B-05B5-43DC-903F-F03AE88DC09E}" sibTransId="{8FF8A3A7-1CDA-4F82-A4BB-2401F7A0028D}"/>
+    <dgm:cxn modelId="{CB26849C-3869-41ED-A9C5-A617B021E787}" type="presOf" srcId="{3A346293-E670-4444-8ED8-B291D4692B34}" destId="{5A54A7ED-F899-4ACC-B349-A4CE5DD9522F}" srcOrd="0" destOrd="0" presId="urn:microsoft.com/office/officeart/2005/8/layout/hierarchy6"/>
+    <dgm:cxn modelId="{786F50FC-85EA-4D95-92CE-14D35A57DD13}" type="presOf" srcId="{356BFEC2-CE15-4FBE-A4A1-0B80A5553B49}" destId="{24E6A523-DFF0-4C52-88C7-F1B7397D1E98}" srcOrd="0" destOrd="0" presId="urn:microsoft.com/office/officeart/2005/8/layout/hierarchy6"/>
+    <dgm:cxn modelId="{A1CBE871-D781-40B4-B700-62109C11A7F4}" type="presOf" srcId="{A0815741-EDB4-4A35-828A-9343A0D8B855}" destId="{DE3FF23B-0BF5-477D-B294-AA8F807E4167}" srcOrd="0" destOrd="0" presId="urn:microsoft.com/office/officeart/2005/8/layout/hierarchy6"/>
+    <dgm:cxn modelId="{401A791E-CE70-47B4-AF40-F2D9EA478B00}" type="presOf" srcId="{ACC0B0E9-E6BD-485A-A089-89BC7D3E1BB7}" destId="{559E469F-0076-4B4E-8C81-1F8F83A5C2B1}" srcOrd="0" destOrd="0" presId="urn:microsoft.com/office/officeart/2005/8/layout/hierarchy6"/>
+    <dgm:cxn modelId="{2A8F1578-0A2E-49AE-88DA-3F1E24F70FC3}" srcId="{75AD7627-B35B-4D8E-BFE9-BC99E23C2402}" destId="{26DC787B-9FFB-4C9A-ADF9-33715608FB92}" srcOrd="1" destOrd="0" parTransId="{1D20C960-F442-4DBA-9620-D834125F3BAC}" sibTransId="{22DDF321-EE0C-457E-ACEF-016C0CBFC88B}"/>
+    <dgm:cxn modelId="{46B1A6F7-81EF-4544-A33B-EE57CC66D00D}" type="presOf" srcId="{493ADE87-9D37-4DF7-AD79-A59DAE7AD72C}" destId="{93153F6A-4558-467B-BC3F-BEE9E1E6AE3B}" srcOrd="0" destOrd="0" presId="urn:microsoft.com/office/officeart/2005/8/layout/hierarchy6"/>
     <dgm:cxn modelId="{5187B5E1-6DDB-45BA-A1BE-B92D3170A55F}" type="presOf" srcId="{077ED888-3800-4D9D-B799-A11F5F57648B}" destId="{08A66BBE-BA03-4F41-8278-8F45D362A84C}" srcOrd="1" destOrd="0" presId="urn:microsoft.com/office/officeart/2005/8/layout/hierarchy6"/>
-    <dgm:cxn modelId="{FCD02CE9-2DB8-4293-9339-6071E6D6CF3D}" type="presOf" srcId="{06D9A4C0-C048-4EF5-B4C1-E31B05AE0A48}" destId="{9883CF45-D945-4834-A12B-EDAE33037296}" srcOrd="0" destOrd="0" presId="urn:microsoft.com/office/officeart/2005/8/layout/hierarchy6"/>
-    <dgm:cxn modelId="{A1CBE871-D781-40B4-B700-62109C11A7F4}" type="presOf" srcId="{A0815741-EDB4-4A35-828A-9343A0D8B855}" destId="{DE3FF23B-0BF5-477D-B294-AA8F807E4167}" srcOrd="0" destOrd="0" presId="urn:microsoft.com/office/officeart/2005/8/layout/hierarchy6"/>
-    <dgm:cxn modelId="{2A8F1578-0A2E-49AE-88DA-3F1E24F70FC3}" srcId="{75AD7627-B35B-4D8E-BFE9-BC99E23C2402}" destId="{26DC787B-9FFB-4C9A-ADF9-33715608FB92}" srcOrd="1" destOrd="0" parTransId="{1D20C960-F442-4DBA-9620-D834125F3BAC}" sibTransId="{22DDF321-EE0C-457E-ACEF-016C0CBFC88B}"/>
-    <dgm:cxn modelId="{1E82FF54-BEAB-43EB-816C-55257DCDEBFB}" srcId="{A2B787CC-BFB5-4587-BC6B-EA278CE95D42}" destId="{3A346293-E670-4444-8ED8-B291D4692B34}" srcOrd="1" destOrd="0" parTransId="{B369D75F-A765-43E9-A84E-8559E39678A4}" sibTransId="{95AD2A53-A1D2-4C87-99A4-B307763E5083}"/>
     <dgm:cxn modelId="{FFB1135A-A017-4159-ACF9-9423FA661D58}" srcId="{BF91500C-BBBC-409F-9C51-10EE187C037E}" destId="{C954E9FF-C7D5-4F34-A53F-265D34FC5B00}" srcOrd="1" destOrd="0" parTransId="{63299A5B-308D-4855-A7D1-7D5B4491F75A}" sibTransId="{9E36B2B8-2682-4E28-934E-AEB367ACBD31}"/>
-    <dgm:cxn modelId="{1D3CE2BB-86A6-487E-9B50-817E9B1A8380}" type="presOf" srcId="{7CF88BDD-D1BC-4AE4-B7A0-9C7B97B6DC74}" destId="{DA2E024B-69C4-4355-A3A8-7D5210124787}" srcOrd="0" destOrd="0" presId="urn:microsoft.com/office/officeart/2005/8/layout/hierarchy6"/>
+    <dgm:cxn modelId="{A247E2D4-B7D3-4B22-849F-14F735EBE2DD}" srcId="{A2B787CC-BFB5-4587-BC6B-EA278CE95D42}" destId="{AE1F9252-AB96-47CD-82A2-FF000D9EB6F4}" srcOrd="0" destOrd="0" parTransId="{A0815741-EDB4-4A35-828A-9343A0D8B855}" sibTransId="{EAAA423D-61F0-49A2-B5E3-B8641C18A3F5}"/>
+    <dgm:cxn modelId="{A24475BE-719E-4B07-B53A-1725DCDFC59B}" type="presOf" srcId="{C711BE50-CFD9-4BD1-B3D0-60626A96D2D9}" destId="{C7253CD9-A177-409E-9470-F1E33DB523A9}" srcOrd="0" destOrd="0" presId="urn:microsoft.com/office/officeart/2005/8/layout/hierarchy6"/>
+    <dgm:cxn modelId="{A2FF6332-E559-42B8-A0A8-367FAB723D66}" type="presOf" srcId="{B2E78F8B-05B5-43DC-903F-F03AE88DC09E}" destId="{58C4AFFC-60F8-47D8-82AD-403563F6162D}" srcOrd="0" destOrd="0" presId="urn:microsoft.com/office/officeart/2005/8/layout/hierarchy6"/>
+    <dgm:cxn modelId="{650CDDEB-39F6-40D8-81C4-A6E111A4E2D8}" type="presOf" srcId="{75AD7627-B35B-4D8E-BFE9-BC99E23C2402}" destId="{C60C78D6-CDF0-4199-9F74-B1D81B59FB9A}" srcOrd="0" destOrd="0" presId="urn:microsoft.com/office/officeart/2005/8/layout/hierarchy6"/>
+    <dgm:cxn modelId="{839827EA-B15F-4BAE-BCE7-6FAE8D6092AC}" srcId="{5E0D80FD-59BF-437E-A9C3-D79AE1FA7697}" destId="{2FC25C45-FB31-4AC9-8EB0-3A99601FF7AD}" srcOrd="2" destOrd="0" parTransId="{CE508632-2F5D-4ADE-A18D-2D1627BE15D8}" sibTransId="{EF2BF3D2-832B-4366-9DA4-9D7C791A2854}"/>
+    <dgm:cxn modelId="{6660460C-2B43-44C4-9D15-A7D86DFBF5DC}" type="presOf" srcId="{63299A5B-308D-4855-A7D1-7D5B4491F75A}" destId="{BD7B4871-5B0A-4923-ADBC-D338C225A368}" srcOrd="0" destOrd="0" presId="urn:microsoft.com/office/officeart/2005/8/layout/hierarchy6"/>
+    <dgm:cxn modelId="{8FD9FC8B-D12D-4E32-88AE-FD919B66B32A}" srcId="{BF91500C-BBBC-409F-9C51-10EE187C037E}" destId="{C711BE50-CFD9-4BD1-B3D0-60626A96D2D9}" srcOrd="0" destOrd="0" parTransId="{E50C4DE4-5EC4-45CD-B781-F0A383B7F2AF}" sibTransId="{A86F99E8-AA26-4E2A-8E34-F6AE7E20FD1B}"/>
+    <dgm:cxn modelId="{0B155523-5F86-43B9-AEBC-0551ED7C823F}" type="presOf" srcId="{5E0D80FD-59BF-437E-A9C3-D79AE1FA7697}" destId="{70A6CF59-4B59-483B-BD59-50C15CD05C57}" srcOrd="0" destOrd="0" presId="urn:microsoft.com/office/officeart/2005/8/layout/hierarchy6"/>
+    <dgm:cxn modelId="{9751B7F1-95ED-4173-8710-645F4D2EE8ED}" srcId="{5E0D80FD-59BF-437E-A9C3-D79AE1FA7697}" destId="{077ED888-3800-4D9D-B799-A11F5F57648B}" srcOrd="1" destOrd="0" parTransId="{67188769-DC91-47DD-B888-8D8C3F74044F}" sibTransId="{056E3F11-E1F7-4873-9AA1-1DB783615AB0}"/>
     <dgm:cxn modelId="{85ED6FF9-0628-4C92-9A03-1FABF8F4CA2B}" type="presOf" srcId="{1D20C960-F442-4DBA-9620-D834125F3BAC}" destId="{27E8E283-3376-4DB2-BAB0-413D9468056B}" srcOrd="0" destOrd="0" presId="urn:microsoft.com/office/officeart/2005/8/layout/hierarchy6"/>
-    <dgm:cxn modelId="{7EB4F415-7495-40AC-B1C9-D3F4C0B10A92}" srcId="{B90E6CA3-1E6C-4CDA-B52F-1BB2467F63A5}" destId="{DD59C67E-D05D-48A5-844C-3FC852C65555}" srcOrd="0" destOrd="0" parTransId="{CD4DCCDF-6B06-48A3-B60B-A33DE5BC131B}" sibTransId="{9DBBE901-6D4D-4D95-A62C-827ACBCE82D5}"/>
-    <dgm:cxn modelId="{5E9A597B-D0EF-4128-8DA3-26A866C1D67A}" type="presOf" srcId="{B3562F1B-7D54-412C-BDF1-CDA988B51F73}" destId="{A6F31496-8588-4DAC-B99A-2DDF053471EC}" srcOrd="0" destOrd="0" presId="urn:microsoft.com/office/officeart/2005/8/layout/hierarchy6"/>
-    <dgm:cxn modelId="{B751933A-ACC7-45CF-BA1D-08E9F4D1C58D}" srcId="{A2B787CC-BFB5-4587-BC6B-EA278CE95D42}" destId="{BF91500C-BBBC-409F-9C51-10EE187C037E}" srcOrd="2" destOrd="0" parTransId="{F5921F16-09D3-4706-A62A-CD7F2CF104EE}" sibTransId="{EF46F9D2-F978-4138-92DB-2E6AD32FADBC}"/>
     <dgm:cxn modelId="{FED0AD68-CFE3-44D9-B14C-35EAD5114A4B}" type="presOf" srcId="{C0FC89D0-ED88-47AB-AAD7-E123012EFEC5}" destId="{C74F8C5C-885E-4EBE-825C-EEE94CE4685C}" srcOrd="0" destOrd="0" presId="urn:microsoft.com/office/officeart/2005/8/layout/hierarchy6"/>
-    <dgm:cxn modelId="{22FE877B-37AF-4CC4-BC2B-D7A64A3A719C}" srcId="{5E0D80FD-59BF-437E-A9C3-D79AE1FA7697}" destId="{704973B4-B62F-4E06-BC1C-A37BA4579FC4}" srcOrd="3" destOrd="0" parTransId="{07FB83FD-BD81-4995-AE3C-00D9A2D907D0}" sibTransId="{9AAF66D0-BF45-4343-BBF8-337F2C673CD0}"/>
-    <dgm:cxn modelId="{A24475BE-719E-4B07-B53A-1725DCDFC59B}" type="presOf" srcId="{C711BE50-CFD9-4BD1-B3D0-60626A96D2D9}" destId="{C7253CD9-A177-409E-9470-F1E33DB523A9}" srcOrd="0" destOrd="0" presId="urn:microsoft.com/office/officeart/2005/8/layout/hierarchy6"/>
-    <dgm:cxn modelId="{9751B7F1-95ED-4173-8710-645F4D2EE8ED}" srcId="{5E0D80FD-59BF-437E-A9C3-D79AE1FA7697}" destId="{077ED888-3800-4D9D-B799-A11F5F57648B}" srcOrd="1" destOrd="0" parTransId="{67188769-DC91-47DD-B888-8D8C3F74044F}" sibTransId="{056E3F11-E1F7-4873-9AA1-1DB783615AB0}"/>
-    <dgm:cxn modelId="{0B7EECCD-8B3C-40E7-95CF-9B62944D281E}" type="presOf" srcId="{CD4DCCDF-6B06-48A3-B60B-A33DE5BC131B}" destId="{01D28A20-DCBA-48A9-A4AC-F6CF873E86F4}" srcOrd="0" destOrd="0" presId="urn:microsoft.com/office/officeart/2005/8/layout/hierarchy6"/>
-    <dgm:cxn modelId="{DC60D43B-0511-4CF2-B854-97EC19BC369F}" type="presOf" srcId="{A2B787CC-BFB5-4587-BC6B-EA278CE95D42}" destId="{D134F2DA-B0C8-4BD5-889D-F31094A54F72}" srcOrd="0" destOrd="0" presId="urn:microsoft.com/office/officeart/2005/8/layout/hierarchy6"/>
-    <dgm:cxn modelId="{839827EA-B15F-4BAE-BCE7-6FAE8D6092AC}" srcId="{5E0D80FD-59BF-437E-A9C3-D79AE1FA7697}" destId="{2FC25C45-FB31-4AC9-8EB0-3A99601FF7AD}" srcOrd="2" destOrd="0" parTransId="{CE508632-2F5D-4ADE-A18D-2D1627BE15D8}" sibTransId="{EF2BF3D2-832B-4366-9DA4-9D7C791A2854}"/>
-    <dgm:cxn modelId="{82E53C47-467A-402F-B0DF-AF624C22F0F2}" type="presOf" srcId="{2FC25C45-FB31-4AC9-8EB0-3A99601FF7AD}" destId="{BF4BD883-8652-4D0B-AB75-6F50AF67721F}" srcOrd="1" destOrd="0" presId="urn:microsoft.com/office/officeart/2005/8/layout/hierarchy6"/>
-    <dgm:cxn modelId="{46B1A6F7-81EF-4544-A33B-EE57CC66D00D}" type="presOf" srcId="{493ADE87-9D37-4DF7-AD79-A59DAE7AD72C}" destId="{93153F6A-4558-467B-BC3F-BEE9E1E6AE3B}" srcOrd="0" destOrd="0" presId="urn:microsoft.com/office/officeart/2005/8/layout/hierarchy6"/>
-    <dgm:cxn modelId="{EACE51FF-42BD-4BD0-B2C4-3D585D1682F6}" srcId="{A2B787CC-BFB5-4587-BC6B-EA278CE95D42}" destId="{B90E6CA3-1E6C-4CDA-B52F-1BB2467F63A5}" srcOrd="3" destOrd="0" parTransId="{2CCF69D3-4CC6-4DD5-AFB0-6A88205BC53D}" sibTransId="{E6713030-2535-4FF2-8E22-46D71DA3EC7B}"/>
-    <dgm:cxn modelId="{2734DC2F-A12C-4FFE-A615-A0EDDB805378}" type="presOf" srcId="{B90E6CA3-1E6C-4CDA-B52F-1BB2467F63A5}" destId="{B6B99BC1-ED8A-4F27-B2D4-29838122C558}" srcOrd="0" destOrd="0" presId="urn:microsoft.com/office/officeart/2005/8/layout/hierarchy6"/>
-    <dgm:cxn modelId="{650CDDEB-39F6-40D8-81C4-A6E111A4E2D8}" type="presOf" srcId="{75AD7627-B35B-4D8E-BFE9-BC99E23C2402}" destId="{C60C78D6-CDF0-4199-9F74-B1D81B59FB9A}" srcOrd="0" destOrd="0" presId="urn:microsoft.com/office/officeart/2005/8/layout/hierarchy6"/>
-    <dgm:cxn modelId="{28A64B38-4B43-48ED-91CB-75B9921BD2E3}" srcId="{A2B787CC-BFB5-4587-BC6B-EA278CE95D42}" destId="{75AD7627-B35B-4D8E-BFE9-BC99E23C2402}" srcOrd="4" destOrd="0" parTransId="{7CF88BDD-D1BC-4AE4-B7A0-9C7B97B6DC74}" sibTransId="{328EF00B-318E-4360-96E7-3BA281023E7F}"/>
-    <dgm:cxn modelId="{B94BB7A4-D5C1-4469-B006-3179A9D29A20}" type="presOf" srcId="{2CCF69D3-4CC6-4DD5-AFB0-6A88205BC53D}" destId="{D6F1DDD3-C4F4-4213-9E16-0974BE8D6C19}" srcOrd="0" destOrd="0" presId="urn:microsoft.com/office/officeart/2005/8/layout/hierarchy6"/>
-    <dgm:cxn modelId="{A48326BD-49F5-41C2-9D3B-C9A7221C763E}" srcId="{3A346293-E670-4444-8ED8-B291D4692B34}" destId="{04EE558E-F013-4F6A-8DAC-4758415AA52A}" srcOrd="0" destOrd="0" parTransId="{9C8C414E-66AA-4647-80B8-6006495EDDD2}" sibTransId="{03D41A1A-3DAA-431F-9EB4-B97DC5537885}"/>
-    <dgm:cxn modelId="{87ED75AD-F172-400B-8FFA-BDD135DC1290}" type="presOf" srcId="{DD59C67E-D05D-48A5-844C-3FC852C65555}" destId="{D3B6F5ED-C50F-4D88-86E7-32285FB13E1F}" srcOrd="0" destOrd="0" presId="urn:microsoft.com/office/officeart/2005/8/layout/hierarchy6"/>
-    <dgm:cxn modelId="{4F0EE352-E17A-46D5-B4F9-76AF2E5C9D0F}" type="presOf" srcId="{AE1F9252-AB96-47CD-82A2-FF000D9EB6F4}" destId="{6299D5F2-9260-4191-89CF-92C2D43493BB}" srcOrd="0" destOrd="0" presId="urn:microsoft.com/office/officeart/2005/8/layout/hierarchy6"/>
-    <dgm:cxn modelId="{A0032BA7-D774-4B06-8016-5A3BE06EF65A}" type="presOf" srcId="{B369D75F-A765-43E9-A84E-8559E39678A4}" destId="{BF9B9750-72AF-4B0F-8CF2-94DF949D16F5}" srcOrd="0" destOrd="0" presId="urn:microsoft.com/office/officeart/2005/8/layout/hierarchy6"/>
-    <dgm:cxn modelId="{26494315-5C6C-4C16-A092-6F395006FC90}" type="presOf" srcId="{9C8C414E-66AA-4647-80B8-6006495EDDD2}" destId="{8DA93576-3FA9-4F90-89AB-D1295529FD9B}" srcOrd="0" destOrd="0" presId="urn:microsoft.com/office/officeart/2005/8/layout/hierarchy6"/>
-    <dgm:cxn modelId="{786F50FC-85EA-4D95-92CE-14D35A57DD13}" type="presOf" srcId="{356BFEC2-CE15-4FBE-A4A1-0B80A5553B49}" destId="{24E6A523-DFF0-4C52-88C7-F1B7397D1E98}" srcOrd="0" destOrd="0" presId="urn:microsoft.com/office/officeart/2005/8/layout/hierarchy6"/>
-    <dgm:cxn modelId="{70EBCFB7-14F4-493C-8D93-E0F5D973695C}" type="presOf" srcId="{B4E16727-F3D9-4981-A257-C7CE91DBEEE9}" destId="{1E3A30F8-69A7-4B2E-958F-654E060EA288}" srcOrd="0" destOrd="0" presId="urn:microsoft.com/office/officeart/2005/8/layout/hierarchy6"/>
-    <dgm:cxn modelId="{A2FF6332-E559-42B8-A0A8-367FAB723D66}" type="presOf" srcId="{B2E78F8B-05B5-43DC-903F-F03AE88DC09E}" destId="{58C4AFFC-60F8-47D8-82AD-403563F6162D}" srcOrd="0" destOrd="0" presId="urn:microsoft.com/office/officeart/2005/8/layout/hierarchy6"/>
-    <dgm:cxn modelId="{E42E26DF-FD95-47F8-AEB3-540B0B2C0590}" type="presOf" srcId="{077ED888-3800-4D9D-B799-A11F5F57648B}" destId="{7ED1A2D3-3FA8-4930-8C58-D9952D0A2882}" srcOrd="0" destOrd="0" presId="urn:microsoft.com/office/officeart/2005/8/layout/hierarchy6"/>
-    <dgm:cxn modelId="{D4AF0375-C9D9-4A44-9DB3-5FB0E5198425}" srcId="{75AD7627-B35B-4D8E-BFE9-BC99E23C2402}" destId="{B3562F1B-7D54-412C-BDF1-CDA988B51F73}" srcOrd="2" destOrd="0" parTransId="{06D9A4C0-C048-4EF5-B4C1-E31B05AE0A48}" sibTransId="{E6A2F4DA-80FD-4CB6-ADF6-6EA808BD83E0}"/>
-    <dgm:cxn modelId="{99E7A694-8944-425B-B91B-1254825FA245}" type="presOf" srcId="{04EE558E-F013-4F6A-8DAC-4758415AA52A}" destId="{E75CCE58-7B1B-4850-BC5A-3FC9B0E5E404}" srcOrd="0" destOrd="0" presId="urn:microsoft.com/office/officeart/2005/8/layout/hierarchy6"/>
-    <dgm:cxn modelId="{0B155523-5F86-43B9-AEBC-0551ED7C823F}" type="presOf" srcId="{5E0D80FD-59BF-437E-A9C3-D79AE1FA7697}" destId="{70A6CF59-4B59-483B-BD59-50C15CD05C57}" srcOrd="0" destOrd="0" presId="urn:microsoft.com/office/officeart/2005/8/layout/hierarchy6"/>
-    <dgm:cxn modelId="{25F206E6-649D-455F-B26B-309BC7810525}" type="presOf" srcId="{C954E9FF-C7D5-4F34-A53F-265D34FC5B00}" destId="{ACFCFD85-610C-4C68-97E4-198108E39336}" srcOrd="0" destOrd="0" presId="urn:microsoft.com/office/officeart/2005/8/layout/hierarchy6"/>
-    <dgm:cxn modelId="{FF13782D-16C4-45C7-BB04-22CB0F5C310C}" type="presOf" srcId="{BF91500C-BBBC-409F-9C51-10EE187C037E}" destId="{80BEA30C-B84A-494B-B353-2FCA075A3C6A}" srcOrd="0" destOrd="0" presId="urn:microsoft.com/office/officeart/2005/8/layout/hierarchy6"/>
-    <dgm:cxn modelId="{CB26849C-3869-41ED-A9C5-A617B021E787}" type="presOf" srcId="{3A346293-E670-4444-8ED8-B291D4692B34}" destId="{5A54A7ED-F899-4ACC-B349-A4CE5DD9522F}" srcOrd="0" destOrd="0" presId="urn:microsoft.com/office/officeart/2005/8/layout/hierarchy6"/>
-    <dgm:cxn modelId="{3B4121E2-D06B-4842-A587-E37F1D389CAE}" type="presOf" srcId="{704973B4-B62F-4E06-BC1C-A37BA4579FC4}" destId="{CC39DC9A-8EE2-4F0B-B871-5042729E030A}" srcOrd="1" destOrd="0" presId="urn:microsoft.com/office/officeart/2005/8/layout/hierarchy6"/>
-    <dgm:cxn modelId="{EB7BA167-6AFD-4538-A869-54D0FF7D227A}" srcId="{B90E6CA3-1E6C-4CDA-B52F-1BB2467F63A5}" destId="{C0FC89D0-ED88-47AB-AAD7-E123012EFEC5}" srcOrd="1" destOrd="0" parTransId="{356BFEC2-CE15-4FBE-A4A1-0B80A5553B49}" sibTransId="{7F5096B0-AF71-4B02-9426-93B239B05316}"/>
-    <dgm:cxn modelId="{8FD9FC8B-D12D-4E32-88AE-FD919B66B32A}" srcId="{BF91500C-BBBC-409F-9C51-10EE187C037E}" destId="{C711BE50-CFD9-4BD1-B3D0-60626A96D2D9}" srcOrd="0" destOrd="0" parTransId="{E50C4DE4-5EC4-45CD-B781-F0A383B7F2AF}" sibTransId="{A86F99E8-AA26-4E2A-8E34-F6AE7E20FD1B}"/>
-    <dgm:cxn modelId="{C995D684-6C34-4724-8811-FFE865B70A6E}" type="presOf" srcId="{2FC25C45-FB31-4AC9-8EB0-3A99601FF7AD}" destId="{4492417A-2C01-49FF-8801-4C8FEF938EDD}" srcOrd="0" destOrd="0" presId="urn:microsoft.com/office/officeart/2005/8/layout/hierarchy6"/>
-    <dgm:cxn modelId="{6660460C-2B43-44C4-9D15-A7D86DFBF5DC}" type="presOf" srcId="{63299A5B-308D-4855-A7D1-7D5B4491F75A}" destId="{BD7B4871-5B0A-4923-ADBC-D338C225A368}" srcOrd="0" destOrd="0" presId="urn:microsoft.com/office/officeart/2005/8/layout/hierarchy6"/>
-    <dgm:cxn modelId="{E2E743A7-F8B4-49BF-B3EE-041F68F59914}" type="presOf" srcId="{704973B4-B62F-4E06-BC1C-A37BA4579FC4}" destId="{5EFFCCFB-5AF6-499D-87E0-0DC70F42F2F6}" srcOrd="0" destOrd="0" presId="urn:microsoft.com/office/officeart/2005/8/layout/hierarchy6"/>
-    <dgm:cxn modelId="{A247E2D4-B7D3-4B22-849F-14F735EBE2DD}" srcId="{A2B787CC-BFB5-4587-BC6B-EA278CE95D42}" destId="{AE1F9252-AB96-47CD-82A2-FF000D9EB6F4}" srcOrd="0" destOrd="0" parTransId="{A0815741-EDB4-4A35-828A-9343A0D8B855}" sibTransId="{EAAA423D-61F0-49A2-B5E3-B8641C18A3F5}"/>
-    <dgm:cxn modelId="{BE13039F-B17C-4524-93BA-F8B8D9A7A2F7}" type="presOf" srcId="{F5921F16-09D3-4706-A62A-CD7F2CF104EE}" destId="{AF143103-B7BB-437B-AA99-864F6D3524D5}" srcOrd="0" destOrd="0" presId="urn:microsoft.com/office/officeart/2005/8/layout/hierarchy6"/>
-    <dgm:cxn modelId="{57D81348-D3A8-4A17-829F-E2F8B0EF4D34}" type="presOf" srcId="{26DC787B-9FFB-4C9A-ADF9-33715608FB92}" destId="{3C507778-46ED-478D-9E12-51935E9E93CB}" srcOrd="0" destOrd="0" presId="urn:microsoft.com/office/officeart/2005/8/layout/hierarchy6"/>
-    <dgm:cxn modelId="{67AFF4D5-D190-428A-A8BF-4222CB347FFA}" srcId="{AE1F9252-AB96-47CD-82A2-FF000D9EB6F4}" destId="{493ADE87-9D37-4DF7-AD79-A59DAE7AD72C}" srcOrd="0" destOrd="0" parTransId="{B2E78F8B-05B5-43DC-903F-F03AE88DC09E}" sibTransId="{8FF8A3A7-1CDA-4F82-A4BB-2401F7A0028D}"/>
-    <dgm:cxn modelId="{401A791E-CE70-47B4-AF40-F2D9EA478B00}" type="presOf" srcId="{ACC0B0E9-E6BD-485A-A089-89BC7D3E1BB7}" destId="{559E469F-0076-4B4E-8C81-1F8F83A5C2B1}" srcOrd="0" destOrd="0" presId="urn:microsoft.com/office/officeart/2005/8/layout/hierarchy6"/>
     <dgm:cxn modelId="{E322F3A0-8CB3-46B5-B406-3E8492B49AF2}" type="presParOf" srcId="{70A6CF59-4B59-483B-BD59-50C15CD05C57}" destId="{8C38A156-9460-4A3A-8F1B-3E61108ABBB7}" srcOrd="0" destOrd="0" presId="urn:microsoft.com/office/officeart/2005/8/layout/hierarchy6"/>
     <dgm:cxn modelId="{DB3D3A1B-E05C-4611-AFA0-25F92819A6FE}" type="presParOf" srcId="{8C38A156-9460-4A3A-8F1B-3E61108ABBB7}" destId="{B9AAFE6B-37EA-4BDB-A4EF-E8FC7A3D15E4}" srcOrd="0" destOrd="0" presId="urn:microsoft.com/office/officeart/2005/8/layout/hierarchy6"/>
     <dgm:cxn modelId="{6072516A-9D97-433C-B60D-1214FA880F3F}" type="presParOf" srcId="{8C38A156-9460-4A3A-8F1B-3E61108ABBB7}" destId="{3B738641-174C-4E0C-9E5C-030A86F2D70D}" srcOrd="1" destOrd="0" presId="urn:microsoft.com/office/officeart/2005/8/layout/hierarchy6"/>
@@ -3296,6 +3378,13 @@
         </dgm:presLayoutVars>
       </dgm:prSet>
       <dgm:spPr/>
+      <dgm:t>
+        <a:bodyPr/>
+        <a:lstStyle/>
+        <a:p>
+          <a:endParaRPr lang="en-US"/>
+        </a:p>
+      </dgm:t>
     </dgm:pt>
     <dgm:pt modelId="{955E8C1C-4216-4E05-9C42-6D35061DD414}" type="pres">
       <dgm:prSet presAssocID="{7BD06C3F-49DD-4FF3-9B13-0348C632F73A}" presName="composite" presStyleCnt="0"/>
@@ -3426,6 +3515,13 @@
         </dgm:presLayoutVars>
       </dgm:prSet>
       <dgm:spPr/>
+      <dgm:t>
+        <a:bodyPr/>
+        <a:lstStyle/>
+        <a:p>
+          <a:endParaRPr lang="en-US"/>
+        </a:p>
+      </dgm:t>
     </dgm:pt>
     <dgm:pt modelId="{F6E101BF-D42F-4F32-B7CE-6D9FBBE8169C}" type="pres">
       <dgm:prSet presAssocID="{A099BD35-FB6C-473F-B02C-B0E68E0406B5}" presName="descendantText" presStyleLbl="alignAcc1" presStyleIdx="3" presStyleCnt="6">
@@ -3548,9 +3644,9 @@
     <dgm:cxn modelId="{BD334632-6CC5-4A48-A6AF-147127E70B3F}" type="presOf" srcId="{7BD06C3F-49DD-4FF3-9B13-0348C632F73A}" destId="{8DEB8923-B515-46C3-96D0-2628ED9340FE}" srcOrd="0" destOrd="0" presId="urn:microsoft.com/office/officeart/2005/8/layout/chevron2"/>
     <dgm:cxn modelId="{27C9B728-5550-42B9-B35D-C9460081F0D3}" srcId="{7BD06C3F-49DD-4FF3-9B13-0348C632F73A}" destId="{78A9683C-D550-4DA0-BF99-542CF25EC38F}" srcOrd="0" destOrd="0" parTransId="{12A4EAD3-AD69-4539-BFA2-85C28681CE80}" sibTransId="{B047CEE4-2361-4817-9269-2C8CB7FABC8D}"/>
     <dgm:cxn modelId="{0D3F119E-9343-4E48-B91E-E36EE916EF05}" type="presOf" srcId="{906E65ED-647D-4FEB-996C-F48FB1D46B9F}" destId="{257773F3-F63D-4BDC-8BC6-A023E4F49C0F}" srcOrd="0" destOrd="1" presId="urn:microsoft.com/office/officeart/2005/8/layout/chevron2"/>
+    <dgm:cxn modelId="{2A102BC7-2261-4CEA-A3D3-88DF33C1F17D}" srcId="{1468B217-A021-498B-ACBF-23C43504C3FF}" destId="{906E65ED-647D-4FEB-996C-F48FB1D46B9F}" srcOrd="1" destOrd="0" parTransId="{44EF2E5E-3BBF-426A-87F3-33D593A09874}" sibTransId="{E17229E7-861F-4011-9512-95640ACA9A2E}"/>
     <dgm:cxn modelId="{49C0B875-1A04-4207-A565-E84A68AB23A9}" srcId="{7BD06C3F-49DD-4FF3-9B13-0348C632F73A}" destId="{6EDAA9C4-0119-4485-8043-1BC09D3669D8}" srcOrd="1" destOrd="0" parTransId="{38697330-E1A5-4B42-A9F7-4DF6CED4F8D4}" sibTransId="{74874D31-492B-49DF-BBC2-4C4265B83484}"/>
     <dgm:cxn modelId="{86853C1D-1761-4C3A-BCBD-0FC537F47EBE}" type="presOf" srcId="{145AD04E-EF2F-4DB5-94DE-A17786ECCC44}" destId="{257773F3-F63D-4BDC-8BC6-A023E4F49C0F}" srcOrd="0" destOrd="2" presId="urn:microsoft.com/office/officeart/2005/8/layout/chevron2"/>
-    <dgm:cxn modelId="{2A102BC7-2261-4CEA-A3D3-88DF33C1F17D}" srcId="{1468B217-A021-498B-ACBF-23C43504C3FF}" destId="{906E65ED-647D-4FEB-996C-F48FB1D46B9F}" srcOrd="1" destOrd="0" parTransId="{44EF2E5E-3BBF-426A-87F3-33D593A09874}" sibTransId="{E17229E7-861F-4011-9512-95640ACA9A2E}"/>
     <dgm:cxn modelId="{62383F13-F782-47A9-B2E8-EF68B318634A}" srcId="{6A2A389A-8F1A-44C8-94BE-6CFC7885C9C1}" destId="{A099BD35-FB6C-473F-B02C-B0E68E0406B5}" srcOrd="3" destOrd="0" parTransId="{B51ED7F3-21EE-49AE-A446-26E397032D52}" sibTransId="{FC705B3D-D5DA-4FCE-9011-7225470BD6C8}"/>
     <dgm:cxn modelId="{AD988190-0EF6-4E32-B145-93D7504DCBE1}" type="presOf" srcId="{78A9683C-D550-4DA0-BF99-542CF25EC38F}" destId="{0CF98D84-D255-4746-91D8-2DF457E35464}" srcOrd="0" destOrd="0" presId="urn:microsoft.com/office/officeart/2005/8/layout/chevron2"/>
     <dgm:cxn modelId="{9CAF80FD-D13F-4091-988B-00706172EE19}" srcId="{20147F5E-128E-4526-9E92-2D0F56F16C93}" destId="{3F0D3174-6AD9-48B1-A565-0397BB194620}" srcOrd="0" destOrd="0" parTransId="{D1D4368F-7159-49D3-9E0D-2FA885EE13EE}" sibTransId="{30742839-BE98-45D8-B07B-0C2A01008A77}"/>
@@ -5878,1037 +5974,6 @@
       <dsp:cNvGrpSpPr/>
     </dsp:nvGrpSpPr>
     <dsp:grpSpPr/>
-    <dsp:sp modelId="{8DEB8923-B515-46C3-96D0-2628ED9340FE}">
-      <dsp:nvSpPr>
-        <dsp:cNvPr id="0" name=""/>
-        <dsp:cNvSpPr/>
-      </dsp:nvSpPr>
-      <dsp:spPr>
-        <a:xfrm rot="5400000">
-          <a:off x="-147439" y="150917"/>
-          <a:ext cx="982927" cy="688049"/>
-        </a:xfrm>
-        <a:prstGeom prst="chevron">
-          <a:avLst/>
-        </a:prstGeom>
-        <a:solidFill>
-          <a:schemeClr val="accent1">
-            <a:hueOff val="0"/>
-            <a:satOff val="0"/>
-            <a:lumOff val="0"/>
-            <a:alphaOff val="0"/>
-          </a:schemeClr>
-        </a:solidFill>
-        <a:ln w="12700" cap="flat" cmpd="sng" algn="ctr">
-          <a:solidFill>
-            <a:schemeClr val="accent1">
-              <a:hueOff val="0"/>
-              <a:satOff val="0"/>
-              <a:lumOff val="0"/>
-              <a:alphaOff val="0"/>
-            </a:schemeClr>
-          </a:solidFill>
-          <a:prstDash val="solid"/>
-          <a:miter lim="800000"/>
-        </a:ln>
-        <a:effectLst/>
-      </dsp:spPr>
-      <dsp:style>
-        <a:lnRef idx="2">
-          <a:scrgbClr r="0" g="0" b="0"/>
-        </a:lnRef>
-        <a:fillRef idx="1">
-          <a:scrgbClr r="0" g="0" b="0"/>
-        </a:fillRef>
-        <a:effectRef idx="0">
-          <a:scrgbClr r="0" g="0" b="0"/>
-        </a:effectRef>
-        <a:fontRef idx="minor">
-          <a:schemeClr val="lt1"/>
-        </a:fontRef>
-      </dsp:style>
-      <dsp:txBody>
-        <a:bodyPr spcFirstLastPara="0" vert="horz" wrap="square" lIns="5715" tIns="5715" rIns="5715" bIns="5715" numCol="1" spcCol="1270" anchor="ctr" anchorCtr="0">
-          <a:noAutofit/>
-        </a:bodyPr>
-        <a:lstStyle/>
-        <a:p>
-          <a:pPr lvl="0" algn="ctr" defTabSz="400050">
-            <a:lnSpc>
-              <a:spcPct val="90000"/>
-            </a:lnSpc>
-            <a:spcBef>
-              <a:spcPct val="0"/>
-            </a:spcBef>
-            <a:spcAft>
-              <a:spcPct val="35000"/>
-            </a:spcAft>
-          </a:pPr>
-          <a:r>
-            <a:rPr lang="en-US" sz="900" kern="1200" dirty="0" smtClean="0"/>
-            <a:t>Beer Type</a:t>
-          </a:r>
-          <a:endParaRPr lang="en-US" sz="900" kern="1200" dirty="0"/>
-        </a:p>
-      </dsp:txBody>
-      <dsp:txXfrm rot="-5400000">
-        <a:off x="1" y="347503"/>
-        <a:ext cx="688049" cy="294878"/>
-      </dsp:txXfrm>
-    </dsp:sp>
-    <dsp:sp modelId="{0CF98D84-D255-4746-91D8-2DF457E35464}">
-      <dsp:nvSpPr>
-        <dsp:cNvPr id="0" name=""/>
-        <dsp:cNvSpPr/>
-      </dsp:nvSpPr>
-      <dsp:spPr>
-        <a:xfrm rot="5400000">
-          <a:off x="4088573" y="-3397045"/>
-          <a:ext cx="638902" cy="7439950"/>
-        </a:xfrm>
-        <a:prstGeom prst="round2SameRect">
-          <a:avLst/>
-        </a:prstGeom>
-        <a:solidFill>
-          <a:schemeClr val="lt1">
-            <a:alpha val="90000"/>
-            <a:hueOff val="0"/>
-            <a:satOff val="0"/>
-            <a:lumOff val="0"/>
-            <a:alphaOff val="0"/>
-          </a:schemeClr>
-        </a:solidFill>
-        <a:ln w="12700" cap="flat" cmpd="sng" algn="ctr">
-          <a:solidFill>
-            <a:schemeClr val="accent1">
-              <a:hueOff val="0"/>
-              <a:satOff val="0"/>
-              <a:lumOff val="0"/>
-              <a:alphaOff val="0"/>
-            </a:schemeClr>
-          </a:solidFill>
-          <a:prstDash val="solid"/>
-          <a:miter lim="800000"/>
-        </a:ln>
-        <a:effectLst/>
-      </dsp:spPr>
-      <dsp:style>
-        <a:lnRef idx="2">
-          <a:scrgbClr r="0" g="0" b="0"/>
-        </a:lnRef>
-        <a:fillRef idx="1">
-          <a:scrgbClr r="0" g="0" b="0"/>
-        </a:fillRef>
-        <a:effectRef idx="0">
-          <a:scrgbClr r="0" g="0" b="0"/>
-        </a:effectRef>
-        <a:fontRef idx="minor"/>
-      </dsp:style>
-      <dsp:txBody>
-        <a:bodyPr spcFirstLastPara="0" vert="horz" wrap="square" lIns="85344" tIns="7620" rIns="7620" bIns="7620" numCol="1" spcCol="1270" anchor="ctr" anchorCtr="0">
-          <a:noAutofit/>
-        </a:bodyPr>
-        <a:lstStyle/>
-        <a:p>
-          <a:pPr marL="114300" lvl="1" indent="-114300" algn="l" defTabSz="533400">
-            <a:lnSpc>
-              <a:spcPct val="90000"/>
-            </a:lnSpc>
-            <a:spcBef>
-              <a:spcPct val="0"/>
-            </a:spcBef>
-            <a:spcAft>
-              <a:spcPct val="15000"/>
-            </a:spcAft>
-            <a:buChar char="••"/>
-          </a:pPr>
-          <a:r>
-            <a:rPr lang="en-US" sz="1200" kern="1200" dirty="0" smtClean="0"/>
-            <a:t>BJCP style guideline constants</a:t>
-          </a:r>
-          <a:endParaRPr lang="en-US" sz="1200" kern="1200" dirty="0"/>
-        </a:p>
-        <a:p>
-          <a:pPr marL="114300" lvl="1" indent="-114300" algn="l" defTabSz="533400">
-            <a:lnSpc>
-              <a:spcPct val="90000"/>
-            </a:lnSpc>
-            <a:spcBef>
-              <a:spcPct val="0"/>
-            </a:spcBef>
-            <a:spcAft>
-              <a:spcPct val="15000"/>
-            </a:spcAft>
-            <a:buChar char="••"/>
-          </a:pPr>
-          <a:r>
-            <a:rPr lang="en-US" sz="1200" kern="1200" dirty="0" smtClean="0"/>
-            <a:t>Brew kitchen system constants</a:t>
-          </a:r>
-          <a:endParaRPr lang="en-US" sz="1200" kern="1200" dirty="0"/>
-        </a:p>
-      </dsp:txBody>
-      <dsp:txXfrm rot="-5400000">
-        <a:off x="688050" y="34667"/>
-        <a:ext cx="7408761" cy="576524"/>
-      </dsp:txXfrm>
-    </dsp:sp>
-    <dsp:sp modelId="{8AC31EE9-DB81-4013-9149-8E76D92071CA}">
-      <dsp:nvSpPr>
-        <dsp:cNvPr id="0" name=""/>
-        <dsp:cNvSpPr/>
-      </dsp:nvSpPr>
-      <dsp:spPr>
-        <a:xfrm rot="5400000">
-          <a:off x="-147439" y="1036673"/>
-          <a:ext cx="982927" cy="688049"/>
-        </a:xfrm>
-        <a:prstGeom prst="chevron">
-          <a:avLst/>
-        </a:prstGeom>
-        <a:solidFill>
-          <a:schemeClr val="accent1">
-            <a:hueOff val="0"/>
-            <a:satOff val="0"/>
-            <a:lumOff val="0"/>
-            <a:alphaOff val="0"/>
-          </a:schemeClr>
-        </a:solidFill>
-        <a:ln w="12700" cap="flat" cmpd="sng" algn="ctr">
-          <a:solidFill>
-            <a:schemeClr val="accent1">
-              <a:hueOff val="0"/>
-              <a:satOff val="0"/>
-              <a:lumOff val="0"/>
-              <a:alphaOff val="0"/>
-            </a:schemeClr>
-          </a:solidFill>
-          <a:prstDash val="solid"/>
-          <a:miter lim="800000"/>
-        </a:ln>
-        <a:effectLst/>
-      </dsp:spPr>
-      <dsp:style>
-        <a:lnRef idx="2">
-          <a:scrgbClr r="0" g="0" b="0"/>
-        </a:lnRef>
-        <a:fillRef idx="1">
-          <a:scrgbClr r="0" g="0" b="0"/>
-        </a:fillRef>
-        <a:effectRef idx="0">
-          <a:scrgbClr r="0" g="0" b="0"/>
-        </a:effectRef>
-        <a:fontRef idx="minor">
-          <a:schemeClr val="lt1"/>
-        </a:fontRef>
-      </dsp:style>
-      <dsp:txBody>
-        <a:bodyPr spcFirstLastPara="0" vert="horz" wrap="square" lIns="5715" tIns="5715" rIns="5715" bIns="5715" numCol="1" spcCol="1270" anchor="ctr" anchorCtr="0">
-          <a:noAutofit/>
-        </a:bodyPr>
-        <a:lstStyle/>
-        <a:p>
-          <a:pPr lvl="0" algn="ctr" defTabSz="400050">
-            <a:lnSpc>
-              <a:spcPct val="90000"/>
-            </a:lnSpc>
-            <a:spcBef>
-              <a:spcPct val="0"/>
-            </a:spcBef>
-            <a:spcAft>
-              <a:spcPct val="35000"/>
-            </a:spcAft>
-          </a:pPr>
-          <a:r>
-            <a:rPr lang="en-US" sz="900" kern="1200" dirty="0" err="1" smtClean="0"/>
-            <a:t>Fermentables</a:t>
-          </a:r>
-          <a:endParaRPr lang="en-US" sz="900" kern="1200" dirty="0"/>
-        </a:p>
-      </dsp:txBody>
-      <dsp:txXfrm rot="-5400000">
-        <a:off x="1" y="1233259"/>
-        <a:ext cx="688049" cy="294878"/>
-      </dsp:txXfrm>
-    </dsp:sp>
-    <dsp:sp modelId="{3FFB1560-41AB-4E35-8D02-8B03B4B53DA7}">
-      <dsp:nvSpPr>
-        <dsp:cNvPr id="0" name=""/>
-        <dsp:cNvSpPr/>
-      </dsp:nvSpPr>
-      <dsp:spPr>
-        <a:xfrm rot="5400000">
-          <a:off x="4088573" y="-2511289"/>
-          <a:ext cx="638902" cy="7439950"/>
-        </a:xfrm>
-        <a:prstGeom prst="round2SameRect">
-          <a:avLst/>
-        </a:prstGeom>
-        <a:solidFill>
-          <a:schemeClr val="lt1">
-            <a:alpha val="90000"/>
-            <a:hueOff val="0"/>
-            <a:satOff val="0"/>
-            <a:lumOff val="0"/>
-            <a:alphaOff val="0"/>
-          </a:schemeClr>
-        </a:solidFill>
-        <a:ln w="12700" cap="flat" cmpd="sng" algn="ctr">
-          <a:solidFill>
-            <a:schemeClr val="accent1">
-              <a:hueOff val="0"/>
-              <a:satOff val="0"/>
-              <a:lumOff val="0"/>
-              <a:alphaOff val="0"/>
-            </a:schemeClr>
-          </a:solidFill>
-          <a:prstDash val="solid"/>
-          <a:miter lim="800000"/>
-        </a:ln>
-        <a:effectLst/>
-      </dsp:spPr>
-      <dsp:style>
-        <a:lnRef idx="2">
-          <a:scrgbClr r="0" g="0" b="0"/>
-        </a:lnRef>
-        <a:fillRef idx="1">
-          <a:scrgbClr r="0" g="0" b="0"/>
-        </a:fillRef>
-        <a:effectRef idx="0">
-          <a:scrgbClr r="0" g="0" b="0"/>
-        </a:effectRef>
-        <a:fontRef idx="minor"/>
-      </dsp:style>
-      <dsp:txBody>
-        <a:bodyPr spcFirstLastPara="0" vert="horz" wrap="square" lIns="85344" tIns="7620" rIns="7620" bIns="7620" numCol="1" spcCol="1270" anchor="ctr" anchorCtr="0">
-          <a:noAutofit/>
-        </a:bodyPr>
-        <a:lstStyle/>
-        <a:p>
-          <a:pPr marL="114300" lvl="1" indent="-114300" algn="l" defTabSz="533400">
-            <a:lnSpc>
-              <a:spcPct val="90000"/>
-            </a:lnSpc>
-            <a:spcBef>
-              <a:spcPct val="0"/>
-            </a:spcBef>
-            <a:spcAft>
-              <a:spcPct val="15000"/>
-            </a:spcAft>
-            <a:buChar char="••"/>
-          </a:pPr>
-          <a:r>
-            <a:rPr lang="en-US" sz="1200" kern="1200" dirty="0" smtClean="0"/>
-            <a:t>Grain bill calculation</a:t>
-          </a:r>
-          <a:endParaRPr lang="en-US" sz="1200" kern="1200" dirty="0"/>
-        </a:p>
-      </dsp:txBody>
-      <dsp:txXfrm rot="-5400000">
-        <a:off x="688050" y="920423"/>
-        <a:ext cx="7408761" cy="576524"/>
-      </dsp:txXfrm>
-    </dsp:sp>
-    <dsp:sp modelId="{4980B6FF-C675-4D39-B1BE-1D4589D16B20}">
-      <dsp:nvSpPr>
-        <dsp:cNvPr id="0" name=""/>
-        <dsp:cNvSpPr/>
-      </dsp:nvSpPr>
-      <dsp:spPr>
-        <a:xfrm rot="5400000">
-          <a:off x="-147439" y="1922430"/>
-          <a:ext cx="982927" cy="688049"/>
-        </a:xfrm>
-        <a:prstGeom prst="chevron">
-          <a:avLst/>
-        </a:prstGeom>
-        <a:solidFill>
-          <a:schemeClr val="accent1">
-            <a:hueOff val="0"/>
-            <a:satOff val="0"/>
-            <a:lumOff val="0"/>
-            <a:alphaOff val="0"/>
-          </a:schemeClr>
-        </a:solidFill>
-        <a:ln w="12700" cap="flat" cmpd="sng" algn="ctr">
-          <a:solidFill>
-            <a:schemeClr val="accent1">
-              <a:hueOff val="0"/>
-              <a:satOff val="0"/>
-              <a:lumOff val="0"/>
-              <a:alphaOff val="0"/>
-            </a:schemeClr>
-          </a:solidFill>
-          <a:prstDash val="solid"/>
-          <a:miter lim="800000"/>
-        </a:ln>
-        <a:effectLst/>
-      </dsp:spPr>
-      <dsp:style>
-        <a:lnRef idx="2">
-          <a:scrgbClr r="0" g="0" b="0"/>
-        </a:lnRef>
-        <a:fillRef idx="1">
-          <a:scrgbClr r="0" g="0" b="0"/>
-        </a:fillRef>
-        <a:effectRef idx="0">
-          <a:scrgbClr r="0" g="0" b="0"/>
-        </a:effectRef>
-        <a:fontRef idx="minor">
-          <a:schemeClr val="lt1"/>
-        </a:fontRef>
-      </dsp:style>
-      <dsp:txBody>
-        <a:bodyPr spcFirstLastPara="0" vert="horz" wrap="square" lIns="5715" tIns="5715" rIns="5715" bIns="5715" numCol="1" spcCol="1270" anchor="ctr" anchorCtr="0">
-          <a:noAutofit/>
-        </a:bodyPr>
-        <a:lstStyle/>
-        <a:p>
-          <a:pPr lvl="0" algn="ctr" defTabSz="400050">
-            <a:lnSpc>
-              <a:spcPct val="90000"/>
-            </a:lnSpc>
-            <a:spcBef>
-              <a:spcPct val="0"/>
-            </a:spcBef>
-            <a:spcAft>
-              <a:spcPct val="35000"/>
-            </a:spcAft>
-          </a:pPr>
-          <a:r>
-            <a:rPr lang="en-US" sz="900" kern="1200" dirty="0" smtClean="0"/>
-            <a:t>Yeast</a:t>
-          </a:r>
-          <a:endParaRPr lang="en-US" sz="900" kern="1200" dirty="0"/>
-        </a:p>
-      </dsp:txBody>
-      <dsp:txXfrm rot="-5400000">
-        <a:off x="1" y="2119016"/>
-        <a:ext cx="688049" cy="294878"/>
-      </dsp:txXfrm>
-    </dsp:sp>
-    <dsp:sp modelId="{6D32C25E-00B6-4B0B-B570-4EB7DD3FE8EB}">
-      <dsp:nvSpPr>
-        <dsp:cNvPr id="0" name=""/>
-        <dsp:cNvSpPr/>
-      </dsp:nvSpPr>
-      <dsp:spPr>
-        <a:xfrm rot="5400000">
-          <a:off x="4088573" y="-1625532"/>
-          <a:ext cx="638902" cy="7439950"/>
-        </a:xfrm>
-        <a:prstGeom prst="round2SameRect">
-          <a:avLst/>
-        </a:prstGeom>
-        <a:solidFill>
-          <a:schemeClr val="lt1">
-            <a:alpha val="90000"/>
-            <a:hueOff val="0"/>
-            <a:satOff val="0"/>
-            <a:lumOff val="0"/>
-            <a:alphaOff val="0"/>
-          </a:schemeClr>
-        </a:solidFill>
-        <a:ln w="12700" cap="flat" cmpd="sng" algn="ctr">
-          <a:solidFill>
-            <a:schemeClr val="accent1">
-              <a:hueOff val="0"/>
-              <a:satOff val="0"/>
-              <a:lumOff val="0"/>
-              <a:alphaOff val="0"/>
-            </a:schemeClr>
-          </a:solidFill>
-          <a:prstDash val="solid"/>
-          <a:miter lim="800000"/>
-        </a:ln>
-        <a:effectLst/>
-      </dsp:spPr>
-      <dsp:style>
-        <a:lnRef idx="2">
-          <a:scrgbClr r="0" g="0" b="0"/>
-        </a:lnRef>
-        <a:fillRef idx="1">
-          <a:scrgbClr r="0" g="0" b="0"/>
-        </a:fillRef>
-        <a:effectRef idx="0">
-          <a:scrgbClr r="0" g="0" b="0"/>
-        </a:effectRef>
-        <a:fontRef idx="minor"/>
-      </dsp:style>
-      <dsp:txBody>
-        <a:bodyPr spcFirstLastPara="0" vert="horz" wrap="square" lIns="85344" tIns="7620" rIns="7620" bIns="7620" numCol="1" spcCol="1270" anchor="ctr" anchorCtr="0">
-          <a:noAutofit/>
-        </a:bodyPr>
-        <a:lstStyle/>
-        <a:p>
-          <a:pPr marL="114300" lvl="1" indent="-114300" algn="l" defTabSz="533400">
-            <a:lnSpc>
-              <a:spcPct val="90000"/>
-            </a:lnSpc>
-            <a:spcBef>
-              <a:spcPct val="0"/>
-            </a:spcBef>
-            <a:spcAft>
-              <a:spcPct val="15000"/>
-            </a:spcAft>
-            <a:buChar char="••"/>
-          </a:pPr>
-          <a:r>
-            <a:rPr lang="en-US" sz="1200" kern="1200" dirty="0" smtClean="0"/>
-            <a:t>Yeast strain calculations</a:t>
-          </a:r>
-          <a:endParaRPr lang="en-US" sz="1200" kern="1200" dirty="0"/>
-        </a:p>
-      </dsp:txBody>
-      <dsp:txXfrm rot="-5400000">
-        <a:off x="688050" y="1806180"/>
-        <a:ext cx="7408761" cy="576524"/>
-      </dsp:txXfrm>
-    </dsp:sp>
-    <dsp:sp modelId="{824294CA-A4F2-445D-9188-A3C7FF792AD1}">
-      <dsp:nvSpPr>
-        <dsp:cNvPr id="0" name=""/>
-        <dsp:cNvSpPr/>
-      </dsp:nvSpPr>
-      <dsp:spPr>
-        <a:xfrm rot="5400000">
-          <a:off x="-147439" y="2808187"/>
-          <a:ext cx="982927" cy="688049"/>
-        </a:xfrm>
-        <a:prstGeom prst="chevron">
-          <a:avLst/>
-        </a:prstGeom>
-        <a:solidFill>
-          <a:schemeClr val="accent1">
-            <a:hueOff val="0"/>
-            <a:satOff val="0"/>
-            <a:lumOff val="0"/>
-            <a:alphaOff val="0"/>
-          </a:schemeClr>
-        </a:solidFill>
-        <a:ln w="12700" cap="flat" cmpd="sng" algn="ctr">
-          <a:solidFill>
-            <a:schemeClr val="accent1">
-              <a:hueOff val="0"/>
-              <a:satOff val="0"/>
-              <a:lumOff val="0"/>
-              <a:alphaOff val="0"/>
-            </a:schemeClr>
-          </a:solidFill>
-          <a:prstDash val="solid"/>
-          <a:miter lim="800000"/>
-        </a:ln>
-        <a:effectLst/>
-      </dsp:spPr>
-      <dsp:style>
-        <a:lnRef idx="2">
-          <a:scrgbClr r="0" g="0" b="0"/>
-        </a:lnRef>
-        <a:fillRef idx="1">
-          <a:scrgbClr r="0" g="0" b="0"/>
-        </a:fillRef>
-        <a:effectRef idx="0">
-          <a:scrgbClr r="0" g="0" b="0"/>
-        </a:effectRef>
-        <a:fontRef idx="minor">
-          <a:schemeClr val="lt1"/>
-        </a:fontRef>
-      </dsp:style>
-      <dsp:txBody>
-        <a:bodyPr spcFirstLastPara="0" vert="horz" wrap="square" lIns="5715" tIns="5715" rIns="5715" bIns="5715" numCol="1" spcCol="1270" anchor="ctr" anchorCtr="0">
-          <a:noAutofit/>
-        </a:bodyPr>
-        <a:lstStyle/>
-        <a:p>
-          <a:pPr lvl="0" algn="ctr" defTabSz="400050">
-            <a:lnSpc>
-              <a:spcPct val="90000"/>
-            </a:lnSpc>
-            <a:spcBef>
-              <a:spcPct val="0"/>
-            </a:spcBef>
-            <a:spcAft>
-              <a:spcPct val="35000"/>
-            </a:spcAft>
-          </a:pPr>
-          <a:r>
-            <a:rPr lang="en-US" sz="900" kern="1200" dirty="0" smtClean="0"/>
-            <a:t>Hops</a:t>
-          </a:r>
-          <a:endParaRPr lang="en-US" sz="900" kern="1200" dirty="0"/>
-        </a:p>
-      </dsp:txBody>
-      <dsp:txXfrm rot="-5400000">
-        <a:off x="1" y="3004773"/>
-        <a:ext cx="688049" cy="294878"/>
-      </dsp:txXfrm>
-    </dsp:sp>
-    <dsp:sp modelId="{F6E101BF-D42F-4F32-B7CE-6D9FBBE8169C}">
-      <dsp:nvSpPr>
-        <dsp:cNvPr id="0" name=""/>
-        <dsp:cNvSpPr/>
-      </dsp:nvSpPr>
-      <dsp:spPr>
-        <a:xfrm rot="5400000">
-          <a:off x="4088573" y="-739775"/>
-          <a:ext cx="638902" cy="7439950"/>
-        </a:xfrm>
-        <a:prstGeom prst="round2SameRect">
-          <a:avLst/>
-        </a:prstGeom>
-        <a:solidFill>
-          <a:schemeClr val="lt1">
-            <a:alpha val="90000"/>
-            <a:hueOff val="0"/>
-            <a:satOff val="0"/>
-            <a:lumOff val="0"/>
-            <a:alphaOff val="0"/>
-          </a:schemeClr>
-        </a:solidFill>
-        <a:ln w="12700" cap="flat" cmpd="sng" algn="ctr">
-          <a:solidFill>
-            <a:schemeClr val="accent1">
-              <a:hueOff val="0"/>
-              <a:satOff val="0"/>
-              <a:lumOff val="0"/>
-              <a:alphaOff val="0"/>
-            </a:schemeClr>
-          </a:solidFill>
-          <a:prstDash val="solid"/>
-          <a:miter lim="800000"/>
-        </a:ln>
-        <a:effectLst/>
-      </dsp:spPr>
-      <dsp:style>
-        <a:lnRef idx="2">
-          <a:scrgbClr r="0" g="0" b="0"/>
-        </a:lnRef>
-        <a:fillRef idx="1">
-          <a:scrgbClr r="0" g="0" b="0"/>
-        </a:fillRef>
-        <a:effectRef idx="0">
-          <a:scrgbClr r="0" g="0" b="0"/>
-        </a:effectRef>
-        <a:fontRef idx="minor"/>
-      </dsp:style>
-      <dsp:txBody>
-        <a:bodyPr spcFirstLastPara="0" vert="horz" wrap="square" lIns="85344" tIns="7620" rIns="7620" bIns="7620" numCol="1" spcCol="1270" anchor="ctr" anchorCtr="0">
-          <a:noAutofit/>
-        </a:bodyPr>
-        <a:lstStyle/>
-        <a:p>
-          <a:pPr marL="114300" lvl="1" indent="-114300" algn="l" defTabSz="533400">
-            <a:lnSpc>
-              <a:spcPct val="90000"/>
-            </a:lnSpc>
-            <a:spcBef>
-              <a:spcPct val="0"/>
-            </a:spcBef>
-            <a:spcAft>
-              <a:spcPct val="15000"/>
-            </a:spcAft>
-            <a:buChar char="••"/>
-          </a:pPr>
-          <a:r>
-            <a:rPr lang="en-US" sz="1200" kern="1200" dirty="0" smtClean="0"/>
-            <a:t>Bittering hops</a:t>
-          </a:r>
-          <a:endParaRPr lang="en-US" sz="1200" kern="1200" dirty="0"/>
-        </a:p>
-        <a:p>
-          <a:pPr marL="114300" lvl="1" indent="-114300" algn="l" defTabSz="533400">
-            <a:lnSpc>
-              <a:spcPct val="90000"/>
-            </a:lnSpc>
-            <a:spcBef>
-              <a:spcPct val="0"/>
-            </a:spcBef>
-            <a:spcAft>
-              <a:spcPct val="15000"/>
-            </a:spcAft>
-            <a:buChar char="••"/>
-          </a:pPr>
-          <a:r>
-            <a:rPr lang="en-US" sz="1200" kern="1200" dirty="0" smtClean="0"/>
-            <a:t>Aroma/Flavoring hops</a:t>
-          </a:r>
-          <a:endParaRPr lang="en-US" sz="1200" kern="1200" dirty="0"/>
-        </a:p>
-      </dsp:txBody>
-      <dsp:txXfrm rot="-5400000">
-        <a:off x="688050" y="2691937"/>
-        <a:ext cx="7408761" cy="576524"/>
-      </dsp:txXfrm>
-    </dsp:sp>
-    <dsp:sp modelId="{C993E897-2D30-42C6-85FE-D6C5236747EF}">
-      <dsp:nvSpPr>
-        <dsp:cNvPr id="0" name=""/>
-        <dsp:cNvSpPr/>
-      </dsp:nvSpPr>
-      <dsp:spPr>
-        <a:xfrm rot="5400000">
-          <a:off x="-147439" y="3693944"/>
-          <a:ext cx="982927" cy="688049"/>
-        </a:xfrm>
-        <a:prstGeom prst="chevron">
-          <a:avLst/>
-        </a:prstGeom>
-        <a:solidFill>
-          <a:schemeClr val="accent1">
-            <a:hueOff val="0"/>
-            <a:satOff val="0"/>
-            <a:lumOff val="0"/>
-            <a:alphaOff val="0"/>
-          </a:schemeClr>
-        </a:solidFill>
-        <a:ln w="12700" cap="flat" cmpd="sng" algn="ctr">
-          <a:solidFill>
-            <a:schemeClr val="accent1">
-              <a:hueOff val="0"/>
-              <a:satOff val="0"/>
-              <a:lumOff val="0"/>
-              <a:alphaOff val="0"/>
-            </a:schemeClr>
-          </a:solidFill>
-          <a:prstDash val="solid"/>
-          <a:miter lim="800000"/>
-        </a:ln>
-        <a:effectLst/>
-      </dsp:spPr>
-      <dsp:style>
-        <a:lnRef idx="2">
-          <a:scrgbClr r="0" g="0" b="0"/>
-        </a:lnRef>
-        <a:fillRef idx="1">
-          <a:scrgbClr r="0" g="0" b="0"/>
-        </a:fillRef>
-        <a:effectRef idx="0">
-          <a:scrgbClr r="0" g="0" b="0"/>
-        </a:effectRef>
-        <a:fontRef idx="minor">
-          <a:schemeClr val="lt1"/>
-        </a:fontRef>
-      </dsp:style>
-      <dsp:txBody>
-        <a:bodyPr spcFirstLastPara="0" vert="horz" wrap="square" lIns="5715" tIns="5715" rIns="5715" bIns="5715" numCol="1" spcCol="1270" anchor="ctr" anchorCtr="0">
-          <a:noAutofit/>
-        </a:bodyPr>
-        <a:lstStyle/>
-        <a:p>
-          <a:pPr lvl="0" algn="ctr" defTabSz="400050">
-            <a:lnSpc>
-              <a:spcPct val="90000"/>
-            </a:lnSpc>
-            <a:spcBef>
-              <a:spcPct val="0"/>
-            </a:spcBef>
-            <a:spcAft>
-              <a:spcPct val="35000"/>
-            </a:spcAft>
-          </a:pPr>
-          <a:r>
-            <a:rPr lang="en-US" sz="900" kern="1200" dirty="0" smtClean="0"/>
-            <a:t>Water</a:t>
-          </a:r>
-          <a:endParaRPr lang="en-US" sz="900" kern="1200" dirty="0"/>
-        </a:p>
-      </dsp:txBody>
-      <dsp:txXfrm rot="-5400000">
-        <a:off x="1" y="3890530"/>
-        <a:ext cx="688049" cy="294878"/>
-      </dsp:txXfrm>
-    </dsp:sp>
-    <dsp:sp modelId="{57918590-2BF2-46D3-9E7E-0267E0AD93AB}">
-      <dsp:nvSpPr>
-        <dsp:cNvPr id="0" name=""/>
-        <dsp:cNvSpPr/>
-      </dsp:nvSpPr>
-      <dsp:spPr>
-        <a:xfrm rot="5400000">
-          <a:off x="4088573" y="145980"/>
-          <a:ext cx="638902" cy="7439950"/>
-        </a:xfrm>
-        <a:prstGeom prst="round2SameRect">
-          <a:avLst/>
-        </a:prstGeom>
-        <a:solidFill>
-          <a:schemeClr val="lt1">
-            <a:alpha val="90000"/>
-            <a:hueOff val="0"/>
-            <a:satOff val="0"/>
-            <a:lumOff val="0"/>
-            <a:alphaOff val="0"/>
-          </a:schemeClr>
-        </a:solidFill>
-        <a:ln w="12700" cap="flat" cmpd="sng" algn="ctr">
-          <a:solidFill>
-            <a:schemeClr val="accent1">
-              <a:hueOff val="0"/>
-              <a:satOff val="0"/>
-              <a:lumOff val="0"/>
-              <a:alphaOff val="0"/>
-            </a:schemeClr>
-          </a:solidFill>
-          <a:prstDash val="solid"/>
-          <a:miter lim="800000"/>
-        </a:ln>
-        <a:effectLst/>
-      </dsp:spPr>
-      <dsp:style>
-        <a:lnRef idx="2">
-          <a:scrgbClr r="0" g="0" b="0"/>
-        </a:lnRef>
-        <a:fillRef idx="1">
-          <a:scrgbClr r="0" g="0" b="0"/>
-        </a:fillRef>
-        <a:effectRef idx="0">
-          <a:scrgbClr r="0" g="0" b="0"/>
-        </a:effectRef>
-        <a:fontRef idx="minor"/>
-      </dsp:style>
-      <dsp:txBody>
-        <a:bodyPr spcFirstLastPara="0" vert="horz" wrap="square" lIns="85344" tIns="7620" rIns="7620" bIns="7620" numCol="1" spcCol="1270" anchor="ctr" anchorCtr="0">
-          <a:noAutofit/>
-        </a:bodyPr>
-        <a:lstStyle/>
-        <a:p>
-          <a:pPr marL="114300" lvl="1" indent="-114300" algn="l" defTabSz="533400">
-            <a:lnSpc>
-              <a:spcPct val="90000"/>
-            </a:lnSpc>
-            <a:spcBef>
-              <a:spcPct val="0"/>
-            </a:spcBef>
-            <a:spcAft>
-              <a:spcPct val="15000"/>
-            </a:spcAft>
-            <a:buChar char="••"/>
-          </a:pPr>
-          <a:r>
-            <a:rPr lang="en-US" sz="1200" kern="1200" dirty="0" smtClean="0"/>
-            <a:t>pH and chemistry</a:t>
-          </a:r>
-          <a:endParaRPr lang="en-US" sz="1200" kern="1200" dirty="0"/>
-        </a:p>
-        <a:p>
-          <a:pPr marL="114300" lvl="1" indent="-114300" algn="l" defTabSz="533400">
-            <a:lnSpc>
-              <a:spcPct val="90000"/>
-            </a:lnSpc>
-            <a:spcBef>
-              <a:spcPct val="0"/>
-            </a:spcBef>
-            <a:spcAft>
-              <a:spcPct val="15000"/>
-            </a:spcAft>
-            <a:buChar char="••"/>
-          </a:pPr>
-          <a:r>
-            <a:rPr lang="en-US" sz="1200" kern="1200" dirty="0" smtClean="0"/>
-            <a:t>Volumes</a:t>
-          </a:r>
-          <a:endParaRPr lang="en-US" sz="1200" kern="1200" dirty="0"/>
-        </a:p>
-      </dsp:txBody>
-      <dsp:txXfrm rot="-5400000">
-        <a:off x="688050" y="3577693"/>
-        <a:ext cx="7408761" cy="576524"/>
-      </dsp:txXfrm>
-    </dsp:sp>
-    <dsp:sp modelId="{8B759E7A-B483-489B-BF61-6EDBB8DD68B1}">
-      <dsp:nvSpPr>
-        <dsp:cNvPr id="0" name=""/>
-        <dsp:cNvSpPr/>
-      </dsp:nvSpPr>
-      <dsp:spPr>
-        <a:xfrm rot="5400000">
-          <a:off x="-147439" y="4579700"/>
-          <a:ext cx="982927" cy="688049"/>
-        </a:xfrm>
-        <a:prstGeom prst="chevron">
-          <a:avLst/>
-        </a:prstGeom>
-        <a:solidFill>
-          <a:schemeClr val="accent1">
-            <a:hueOff val="0"/>
-            <a:satOff val="0"/>
-            <a:lumOff val="0"/>
-            <a:alphaOff val="0"/>
-          </a:schemeClr>
-        </a:solidFill>
-        <a:ln w="12700" cap="flat" cmpd="sng" algn="ctr">
-          <a:solidFill>
-            <a:schemeClr val="accent1">
-              <a:hueOff val="0"/>
-              <a:satOff val="0"/>
-              <a:lumOff val="0"/>
-              <a:alphaOff val="0"/>
-            </a:schemeClr>
-          </a:solidFill>
-          <a:prstDash val="solid"/>
-          <a:miter lim="800000"/>
-        </a:ln>
-        <a:effectLst/>
-      </dsp:spPr>
-      <dsp:style>
-        <a:lnRef idx="2">
-          <a:scrgbClr r="0" g="0" b="0"/>
-        </a:lnRef>
-        <a:fillRef idx="1">
-          <a:scrgbClr r="0" g="0" b="0"/>
-        </a:fillRef>
-        <a:effectRef idx="0">
-          <a:scrgbClr r="0" g="0" b="0"/>
-        </a:effectRef>
-        <a:fontRef idx="minor">
-          <a:schemeClr val="lt1"/>
-        </a:fontRef>
-      </dsp:style>
-      <dsp:txBody>
-        <a:bodyPr spcFirstLastPara="0" vert="horz" wrap="square" lIns="5715" tIns="5715" rIns="5715" bIns="5715" numCol="1" spcCol="1270" anchor="ctr" anchorCtr="0">
-          <a:noAutofit/>
-        </a:bodyPr>
-        <a:lstStyle/>
-        <a:p>
-          <a:pPr lvl="0" algn="ctr" defTabSz="400050">
-            <a:lnSpc>
-              <a:spcPct val="90000"/>
-            </a:lnSpc>
-            <a:spcBef>
-              <a:spcPct val="0"/>
-            </a:spcBef>
-            <a:spcAft>
-              <a:spcPct val="35000"/>
-            </a:spcAft>
-          </a:pPr>
-          <a:r>
-            <a:rPr lang="en-US" sz="900" kern="1200" dirty="0" smtClean="0"/>
-            <a:t>Mash</a:t>
-          </a:r>
-          <a:endParaRPr lang="en-US" sz="900" kern="1200" dirty="0"/>
-        </a:p>
-      </dsp:txBody>
-      <dsp:txXfrm rot="-5400000">
-        <a:off x="1" y="4776286"/>
-        <a:ext cx="688049" cy="294878"/>
-      </dsp:txXfrm>
-    </dsp:sp>
-    <dsp:sp modelId="{257773F3-F63D-4BDC-8BC6-A023E4F49C0F}">
-      <dsp:nvSpPr>
-        <dsp:cNvPr id="0" name=""/>
-        <dsp:cNvSpPr/>
-      </dsp:nvSpPr>
-      <dsp:spPr>
-        <a:xfrm rot="5400000">
-          <a:off x="4088573" y="1031737"/>
-          <a:ext cx="638902" cy="7439950"/>
-        </a:xfrm>
-        <a:prstGeom prst="round2SameRect">
-          <a:avLst/>
-        </a:prstGeom>
-        <a:solidFill>
-          <a:schemeClr val="lt1">
-            <a:alpha val="90000"/>
-            <a:hueOff val="0"/>
-            <a:satOff val="0"/>
-            <a:lumOff val="0"/>
-            <a:alphaOff val="0"/>
-          </a:schemeClr>
-        </a:solidFill>
-        <a:ln w="12700" cap="flat" cmpd="sng" algn="ctr">
-          <a:solidFill>
-            <a:schemeClr val="accent1">
-              <a:hueOff val="0"/>
-              <a:satOff val="0"/>
-              <a:lumOff val="0"/>
-              <a:alphaOff val="0"/>
-            </a:schemeClr>
-          </a:solidFill>
-          <a:prstDash val="solid"/>
-          <a:miter lim="800000"/>
-        </a:ln>
-        <a:effectLst/>
-      </dsp:spPr>
-      <dsp:style>
-        <a:lnRef idx="2">
-          <a:scrgbClr r="0" g="0" b="0"/>
-        </a:lnRef>
-        <a:fillRef idx="1">
-          <a:scrgbClr r="0" g="0" b="0"/>
-        </a:fillRef>
-        <a:effectRef idx="0">
-          <a:scrgbClr r="0" g="0" b="0"/>
-        </a:effectRef>
-        <a:fontRef idx="minor"/>
-      </dsp:style>
-      <dsp:txBody>
-        <a:bodyPr spcFirstLastPara="0" vert="horz" wrap="square" lIns="85344" tIns="7620" rIns="7620" bIns="7620" numCol="1" spcCol="1270" anchor="ctr" anchorCtr="0">
-          <a:noAutofit/>
-        </a:bodyPr>
-        <a:lstStyle/>
-        <a:p>
-          <a:pPr marL="114300" lvl="1" indent="-114300" algn="l" defTabSz="533400">
-            <a:lnSpc>
-              <a:spcPct val="90000"/>
-            </a:lnSpc>
-            <a:spcBef>
-              <a:spcPct val="0"/>
-            </a:spcBef>
-            <a:spcAft>
-              <a:spcPct val="15000"/>
-            </a:spcAft>
-            <a:buChar char="••"/>
-          </a:pPr>
-          <a:r>
-            <a:rPr lang="en-US" sz="1200" kern="1200" dirty="0" smtClean="0"/>
-            <a:t>Single step</a:t>
-          </a:r>
-          <a:endParaRPr lang="en-US" sz="1200" kern="1200" dirty="0"/>
-        </a:p>
-        <a:p>
-          <a:pPr marL="114300" lvl="1" indent="-114300" algn="l" defTabSz="533400">
-            <a:lnSpc>
-              <a:spcPct val="90000"/>
-            </a:lnSpc>
-            <a:spcBef>
-              <a:spcPct val="0"/>
-            </a:spcBef>
-            <a:spcAft>
-              <a:spcPct val="15000"/>
-            </a:spcAft>
-            <a:buChar char="••"/>
-          </a:pPr>
-          <a:r>
-            <a:rPr lang="en-US" sz="1200" kern="1200" dirty="0" smtClean="0"/>
-            <a:t>2 step</a:t>
-          </a:r>
-          <a:endParaRPr lang="en-US" sz="1200" kern="1200" dirty="0"/>
-        </a:p>
-        <a:p>
-          <a:pPr marL="114300" lvl="1" indent="-114300" algn="l" defTabSz="533400">
-            <a:lnSpc>
-              <a:spcPct val="90000"/>
-            </a:lnSpc>
-            <a:spcBef>
-              <a:spcPct val="0"/>
-            </a:spcBef>
-            <a:spcAft>
-              <a:spcPct val="15000"/>
-            </a:spcAft>
-            <a:buChar char="••"/>
-          </a:pPr>
-          <a:r>
-            <a:rPr lang="en-US" sz="1200" kern="1200" dirty="0" smtClean="0"/>
-            <a:t>Decoction</a:t>
-          </a:r>
-          <a:endParaRPr lang="en-US" sz="1200" kern="1200" dirty="0"/>
-        </a:p>
-      </dsp:txBody>
-      <dsp:txXfrm rot="-5400000">
-        <a:off x="688050" y="4463450"/>
-        <a:ext cx="7408761" cy="576524"/>
-      </dsp:txXfrm>
-    </dsp:sp>
   </dsp:spTree>
 </dsp:drawing>
 </file>

--- a/Brew_Flow.pptx
+++ b/Brew_Flow.pptx
@@ -2999,7 +2999,367 @@
         </a:p>
       </dgm:t>
     </dgm:pt>
-    <dgm:pt modelId="{A099BD35-FB6C-473F-B02C-B0E68E0406B5}">
+    <dgm:pt modelId="{C578D69E-43DF-4006-A6BB-81CDF3DE023D}">
+      <dgm:prSet/>
+      <dgm:spPr/>
+      <dgm:t>
+        <a:bodyPr/>
+        <a:lstStyle/>
+        <a:p>
+          <a:r>
+            <a:rPr lang="en-US" dirty="0" smtClean="0"/>
+            <a:t>Mash</a:t>
+          </a:r>
+          <a:endParaRPr lang="en-US" dirty="0"/>
+        </a:p>
+      </dgm:t>
+    </dgm:pt>
+    <dgm:pt modelId="{5F1F200B-910A-4D84-9C03-FD5806DCA0B6}" type="parTrans" cxnId="{8DBEBFFA-6DBD-4FF5-B390-60F99052554A}">
+      <dgm:prSet/>
+      <dgm:spPr/>
+      <dgm:t>
+        <a:bodyPr/>
+        <a:lstStyle/>
+        <a:p>
+          <a:endParaRPr lang="en-US"/>
+        </a:p>
+      </dgm:t>
+    </dgm:pt>
+    <dgm:pt modelId="{62542C41-1A50-4D0E-B01A-B3FEB306096D}" type="sibTrans" cxnId="{8DBEBFFA-6DBD-4FF5-B390-60F99052554A}">
+      <dgm:prSet/>
+      <dgm:spPr/>
+      <dgm:t>
+        <a:bodyPr/>
+        <a:lstStyle/>
+        <a:p>
+          <a:endParaRPr lang="en-US"/>
+        </a:p>
+      </dgm:t>
+    </dgm:pt>
+    <dgm:pt modelId="{8C20D9CF-4870-49F4-9CEE-1DD63E22EDA8}">
+      <dgm:prSet/>
+      <dgm:spPr/>
+      <dgm:t>
+        <a:bodyPr/>
+        <a:lstStyle/>
+        <a:p>
+          <a:r>
+            <a:rPr lang="en-US" dirty="0" smtClean="0"/>
+            <a:t>Single Step</a:t>
+          </a:r>
+          <a:endParaRPr lang="en-US" dirty="0"/>
+        </a:p>
+      </dgm:t>
+    </dgm:pt>
+    <dgm:pt modelId="{2C81B91E-F34C-4591-9836-1B12E91FB07E}" type="parTrans" cxnId="{1637BFB0-E0AF-438A-A5BA-3A961790A327}">
+      <dgm:prSet/>
+      <dgm:spPr/>
+      <dgm:t>
+        <a:bodyPr/>
+        <a:lstStyle/>
+        <a:p>
+          <a:endParaRPr lang="en-US"/>
+        </a:p>
+      </dgm:t>
+    </dgm:pt>
+    <dgm:pt modelId="{F53D4242-887A-4459-9950-3E706A0F8B28}" type="sibTrans" cxnId="{1637BFB0-E0AF-438A-A5BA-3A961790A327}">
+      <dgm:prSet/>
+      <dgm:spPr/>
+      <dgm:t>
+        <a:bodyPr/>
+        <a:lstStyle/>
+        <a:p>
+          <a:endParaRPr lang="en-US"/>
+        </a:p>
+      </dgm:t>
+    </dgm:pt>
+    <dgm:pt modelId="{32BA2873-608C-424C-A388-0766DE03AD08}">
+      <dgm:prSet/>
+      <dgm:spPr/>
+      <dgm:t>
+        <a:bodyPr/>
+        <a:lstStyle/>
+        <a:p>
+          <a:r>
+            <a:rPr lang="en-US" dirty="0" smtClean="0"/>
+            <a:t>2 Step</a:t>
+          </a:r>
+          <a:endParaRPr lang="en-US" dirty="0"/>
+        </a:p>
+      </dgm:t>
+    </dgm:pt>
+    <dgm:pt modelId="{7A9CDFB7-9DB9-4835-906B-F0F0F33F2538}" type="parTrans" cxnId="{A2F1FFEB-AD66-4DEC-AC2C-5BDEC202CE3F}">
+      <dgm:prSet/>
+      <dgm:spPr/>
+      <dgm:t>
+        <a:bodyPr/>
+        <a:lstStyle/>
+        <a:p>
+          <a:endParaRPr lang="en-US"/>
+        </a:p>
+      </dgm:t>
+    </dgm:pt>
+    <dgm:pt modelId="{FA5587A1-3C09-4465-94A0-D0A53695E294}" type="sibTrans" cxnId="{A2F1FFEB-AD66-4DEC-AC2C-5BDEC202CE3F}">
+      <dgm:prSet/>
+      <dgm:spPr/>
+      <dgm:t>
+        <a:bodyPr/>
+        <a:lstStyle/>
+        <a:p>
+          <a:endParaRPr lang="en-US"/>
+        </a:p>
+      </dgm:t>
+    </dgm:pt>
+    <dgm:pt modelId="{A45F0515-50AC-4F46-A189-141F339AAE7C}">
+      <dgm:prSet/>
+      <dgm:spPr/>
+      <dgm:t>
+        <a:bodyPr/>
+        <a:lstStyle/>
+        <a:p>
+          <a:r>
+            <a:rPr lang="en-US" dirty="0" smtClean="0"/>
+            <a:t>Decoction</a:t>
+          </a:r>
+          <a:endParaRPr lang="en-US" dirty="0"/>
+        </a:p>
+      </dgm:t>
+    </dgm:pt>
+    <dgm:pt modelId="{E302059A-B52B-43C0-B212-D64AC88CC114}" type="parTrans" cxnId="{24EB055A-4D46-4240-A6BB-7555F1E02C64}">
+      <dgm:prSet/>
+      <dgm:spPr/>
+      <dgm:t>
+        <a:bodyPr/>
+        <a:lstStyle/>
+        <a:p>
+          <a:endParaRPr lang="en-US"/>
+        </a:p>
+      </dgm:t>
+    </dgm:pt>
+    <dgm:pt modelId="{65D3EB41-E728-4258-9A2E-20161CF4E714}" type="sibTrans" cxnId="{24EB055A-4D46-4240-A6BB-7555F1E02C64}">
+      <dgm:prSet/>
+      <dgm:spPr/>
+      <dgm:t>
+        <a:bodyPr/>
+        <a:lstStyle/>
+        <a:p>
+          <a:endParaRPr lang="en-US"/>
+        </a:p>
+      </dgm:t>
+    </dgm:pt>
+    <dgm:pt modelId="{7AE9CC21-F1AE-4671-9A22-3D1DD83BB77F}">
+      <dgm:prSet/>
+      <dgm:spPr/>
+      <dgm:t>
+        <a:bodyPr/>
+        <a:lstStyle/>
+        <a:p>
+          <a:r>
+            <a:rPr lang="en-US" dirty="0" smtClean="0"/>
+            <a:t>pH and chemistry</a:t>
+          </a:r>
+          <a:endParaRPr lang="en-US" dirty="0"/>
+        </a:p>
+      </dgm:t>
+    </dgm:pt>
+    <dgm:pt modelId="{B80C23E6-CAD6-486D-A303-99099415D650}" type="parTrans" cxnId="{31D3F642-621A-4269-BD13-674585137C5A}">
+      <dgm:prSet/>
+      <dgm:spPr/>
+      <dgm:t>
+        <a:bodyPr/>
+        <a:lstStyle/>
+        <a:p>
+          <a:endParaRPr lang="en-US"/>
+        </a:p>
+      </dgm:t>
+    </dgm:pt>
+    <dgm:pt modelId="{44475F8B-8BF0-4C42-B207-D0463D160371}" type="sibTrans" cxnId="{31D3F642-621A-4269-BD13-674585137C5A}">
+      <dgm:prSet/>
+      <dgm:spPr/>
+      <dgm:t>
+        <a:bodyPr/>
+        <a:lstStyle/>
+        <a:p>
+          <a:endParaRPr lang="en-US"/>
+        </a:p>
+      </dgm:t>
+    </dgm:pt>
+    <dgm:pt modelId="{12D45A96-E27D-4A7D-810E-5D324DF81E84}">
+      <dgm:prSet/>
+      <dgm:spPr/>
+      <dgm:t>
+        <a:bodyPr/>
+        <a:lstStyle/>
+        <a:p>
+          <a:r>
+            <a:rPr lang="en-US" dirty="0" smtClean="0"/>
+            <a:t>Water</a:t>
+          </a:r>
+          <a:endParaRPr lang="en-US" dirty="0"/>
+        </a:p>
+      </dgm:t>
+    </dgm:pt>
+    <dgm:pt modelId="{EFF6F750-D1B3-4A4C-8B48-6A63698FB271}" type="parTrans" cxnId="{D2525118-B3D9-4A0F-9441-EDC308B3C678}">
+      <dgm:prSet/>
+      <dgm:spPr/>
+      <dgm:t>
+        <a:bodyPr/>
+        <a:lstStyle/>
+        <a:p>
+          <a:endParaRPr lang="en-US"/>
+        </a:p>
+      </dgm:t>
+    </dgm:pt>
+    <dgm:pt modelId="{737BC259-C5A7-46BF-8AFC-FECE57196345}" type="sibTrans" cxnId="{D2525118-B3D9-4A0F-9441-EDC308B3C678}">
+      <dgm:prSet/>
+      <dgm:spPr/>
+      <dgm:t>
+        <a:bodyPr/>
+        <a:lstStyle/>
+        <a:p>
+          <a:endParaRPr lang="en-US"/>
+        </a:p>
+      </dgm:t>
+    </dgm:pt>
+    <dgm:pt modelId="{1A8D5F38-3AD3-44FB-AC9C-805EE34F16DB}">
+      <dgm:prSet/>
+      <dgm:spPr/>
+      <dgm:t>
+        <a:bodyPr/>
+        <a:lstStyle/>
+        <a:p>
+          <a:r>
+            <a:rPr lang="en-US" dirty="0" smtClean="0"/>
+            <a:t>Identify necessary salts too achieve proper acidity</a:t>
+          </a:r>
+          <a:endParaRPr lang="en-US" dirty="0"/>
+        </a:p>
+      </dgm:t>
+    </dgm:pt>
+    <dgm:pt modelId="{86E3AF4D-2466-4304-8EF6-2E35B1174904}" type="parTrans" cxnId="{57BA9C9A-E1E2-4AD0-B3EA-9ECE0B6959A7}">
+      <dgm:prSet/>
+      <dgm:spPr/>
+      <dgm:t>
+        <a:bodyPr/>
+        <a:lstStyle/>
+        <a:p>
+          <a:endParaRPr lang="en-US"/>
+        </a:p>
+      </dgm:t>
+    </dgm:pt>
+    <dgm:pt modelId="{AD956726-A3CF-4238-87BE-042ECA9F5CE3}" type="sibTrans" cxnId="{57BA9C9A-E1E2-4AD0-B3EA-9ECE0B6959A7}">
+      <dgm:prSet/>
+      <dgm:spPr/>
+      <dgm:t>
+        <a:bodyPr/>
+        <a:lstStyle/>
+        <a:p>
+          <a:endParaRPr lang="en-US"/>
+        </a:p>
+      </dgm:t>
+    </dgm:pt>
+    <dgm:pt modelId="{F5DB8CC9-FC94-43D2-9F41-34A6187E2FEC}">
+      <dgm:prSet/>
+      <dgm:spPr/>
+      <dgm:t>
+        <a:bodyPr/>
+        <a:lstStyle/>
+        <a:p>
+          <a:r>
+            <a:rPr lang="en-US" dirty="0" smtClean="0"/>
+            <a:t>Volumes for mash and </a:t>
+          </a:r>
+          <a:r>
+            <a:rPr lang="en-US" dirty="0" err="1" smtClean="0"/>
+            <a:t>sparge</a:t>
+          </a:r>
+          <a:endParaRPr lang="en-US" dirty="0"/>
+        </a:p>
+      </dgm:t>
+    </dgm:pt>
+    <dgm:pt modelId="{4438C67C-A440-4AD8-8F98-5043388C2CDD}" type="parTrans" cxnId="{098443FB-DA34-4243-9599-CD6625685B14}">
+      <dgm:prSet/>
+      <dgm:spPr/>
+    </dgm:pt>
+    <dgm:pt modelId="{33450572-8CC6-4A2C-A931-0FFF4C44C163}" type="sibTrans" cxnId="{098443FB-DA34-4243-9599-CD6625685B14}">
+      <dgm:prSet/>
+      <dgm:spPr/>
+    </dgm:pt>
+    <dgm:pt modelId="{5271A80C-3BB0-4728-BF24-13F871797674}">
+      <dgm:prSet/>
+      <dgm:spPr/>
+      <dgm:t>
+        <a:bodyPr/>
+        <a:lstStyle/>
+        <a:p>
+          <a:r>
+            <a:rPr lang="en-US" dirty="0" smtClean="0"/>
+            <a:t>Bittering hops</a:t>
+          </a:r>
+          <a:endParaRPr lang="en-US" dirty="0"/>
+        </a:p>
+      </dgm:t>
+    </dgm:pt>
+    <dgm:pt modelId="{8C267E83-EB20-455E-AB10-9616EB96C7BF}" type="parTrans" cxnId="{3DE80C58-8F30-4145-A734-28BD53CEC234}">
+      <dgm:prSet/>
+      <dgm:spPr/>
+      <dgm:t>
+        <a:bodyPr/>
+        <a:lstStyle/>
+        <a:p>
+          <a:endParaRPr lang="en-US"/>
+        </a:p>
+      </dgm:t>
+    </dgm:pt>
+    <dgm:pt modelId="{51459F65-914B-43FB-BA90-D844DFE47554}" type="sibTrans" cxnId="{3DE80C58-8F30-4145-A734-28BD53CEC234}">
+      <dgm:prSet/>
+      <dgm:spPr/>
+      <dgm:t>
+        <a:bodyPr/>
+        <a:lstStyle/>
+        <a:p>
+          <a:endParaRPr lang="en-US"/>
+        </a:p>
+      </dgm:t>
+    </dgm:pt>
+    <dgm:pt modelId="{27DAB658-0474-4DF9-80CB-D4F86FE4FE0D}">
+      <dgm:prSet/>
+      <dgm:spPr/>
+      <dgm:t>
+        <a:bodyPr/>
+        <a:lstStyle/>
+        <a:p>
+          <a:r>
+            <a:rPr lang="en-US" dirty="0" smtClean="0"/>
+            <a:t>Aroma/Flavoring hops</a:t>
+          </a:r>
+          <a:endParaRPr lang="en-US" dirty="0"/>
+        </a:p>
+      </dgm:t>
+    </dgm:pt>
+    <dgm:pt modelId="{74BAA2AE-A4E6-47EA-B4D6-EDDF00BD1103}" type="parTrans" cxnId="{49EAFEFF-E9EB-4D26-8F03-72FC8461AE3A}">
+      <dgm:prSet/>
+      <dgm:spPr/>
+      <dgm:t>
+        <a:bodyPr/>
+        <a:lstStyle/>
+        <a:p>
+          <a:endParaRPr lang="en-US"/>
+        </a:p>
+      </dgm:t>
+    </dgm:pt>
+    <dgm:pt modelId="{58C8F105-A895-4DE5-8C83-2D97C795C9C3}" type="sibTrans" cxnId="{49EAFEFF-E9EB-4D26-8F03-72FC8461AE3A}">
+      <dgm:prSet/>
+      <dgm:spPr/>
+      <dgm:t>
+        <a:bodyPr/>
+        <a:lstStyle/>
+        <a:p>
+          <a:endParaRPr lang="en-US"/>
+        </a:p>
+      </dgm:t>
+    </dgm:pt>
+    <dgm:pt modelId="{CDCE290E-C7E7-4496-881B-C37D4885DBB9}">
       <dgm:prSet/>
       <dgm:spPr/>
       <dgm:t>
@@ -3014,360 +3374,63 @@
         </a:p>
       </dgm:t>
     </dgm:pt>
-    <dgm:pt modelId="{B51ED7F3-21EE-49AE-A446-26E397032D52}" type="parTrans" cxnId="{62383F13-F782-47A9-B2E8-EF68B318634A}">
+    <dgm:pt modelId="{859D87B9-6A3E-4005-BC2D-47FF6633909C}" type="parTrans" cxnId="{4D212AD7-6F5D-4B7B-931D-6FF34EE7A1F3}">
+      <dgm:prSet/>
+      <dgm:spPr/>
+    </dgm:pt>
+    <dgm:pt modelId="{43E96AC0-254D-43CD-A715-DCA09241B744}" type="sibTrans" cxnId="{4D212AD7-6F5D-4B7B-931D-6FF34EE7A1F3}">
+      <dgm:prSet/>
+      <dgm:spPr/>
+    </dgm:pt>
+    <dgm:pt modelId="{9B1717D5-5D86-4E7D-997E-7F4EC72C720C}">
       <dgm:prSet/>
       <dgm:spPr/>
       <dgm:t>
         <a:bodyPr/>
         <a:lstStyle/>
         <a:p>
-          <a:endParaRPr lang="en-US"/>
+          <a:r>
+            <a:rPr lang="en-US" smtClean="0"/>
+            <a:t>Brewday schedule</a:t>
+          </a:r>
+          <a:endParaRPr lang="en-US" dirty="0"/>
         </a:p>
       </dgm:t>
     </dgm:pt>
-    <dgm:pt modelId="{FC705B3D-D5DA-4FCE-9011-7225470BD6C8}" type="sibTrans" cxnId="{62383F13-F782-47A9-B2E8-EF68B318634A}">
+    <dgm:pt modelId="{58B982E0-EAAB-4CD0-86F6-3CCAE442E810}" type="parTrans" cxnId="{FBAF885F-19A5-482E-9C73-8C91C2533171}">
+      <dgm:prSet/>
+      <dgm:spPr/>
+    </dgm:pt>
+    <dgm:pt modelId="{63EC5511-3F9C-4DB8-A541-352A6F0815D4}" type="sibTrans" cxnId="{FBAF885F-19A5-482E-9C73-8C91C2533171}">
+      <dgm:prSet/>
+      <dgm:spPr/>
+    </dgm:pt>
+    <dgm:pt modelId="{1D1B1B44-1645-42ED-8D29-66D4C2ED32C3}">
       <dgm:prSet/>
       <dgm:spPr/>
       <dgm:t>
         <a:bodyPr/>
         <a:lstStyle/>
         <a:p>
-          <a:endParaRPr lang="en-US"/>
-        </a:p>
-      </dgm:t>
-    </dgm:pt>
-    <dgm:pt modelId="{1468B217-A021-498B-ACBF-23C43504C3FF}">
-      <dgm:prSet/>
-      <dgm:spPr/>
-      <dgm:t>
-        <a:bodyPr/>
-        <a:lstStyle/>
-        <a:p>
+          <a:r>
+            <a:rPr lang="en-US" dirty="0" err="1" smtClean="0"/>
+            <a:t>Yaaaaaaaaaaaaa</a:t>
+          </a:r>
           <a:r>
             <a:rPr lang="en-US" dirty="0" smtClean="0"/>
-            <a:t>Mash</a:t>
+            <a:t>!</a:t>
           </a:r>
           <a:endParaRPr lang="en-US" dirty="0"/>
         </a:p>
       </dgm:t>
     </dgm:pt>
-    <dgm:pt modelId="{7591A55F-3FC0-49EF-A1EB-32088F394467}" type="parTrans" cxnId="{8B8018F7-274B-42F8-B7A5-BD62B2AE5553}">
+    <dgm:pt modelId="{670DB4FE-8AA9-4C16-B79B-4D69676F60D4}" type="parTrans" cxnId="{E8894D5D-E862-41CB-BA36-FC84FC57E952}">
       <dgm:prSet/>
       <dgm:spPr/>
-      <dgm:t>
-        <a:bodyPr/>
-        <a:lstStyle/>
-        <a:p>
-          <a:endParaRPr lang="en-US"/>
-        </a:p>
-      </dgm:t>
-    </dgm:pt>
-    <dgm:pt modelId="{766FF0FB-6F78-4231-9F36-E89DEFF2DBEC}" type="sibTrans" cxnId="{8B8018F7-274B-42F8-B7A5-BD62B2AE5553}">
+    </dgm:pt>
+    <dgm:pt modelId="{61585A1E-FACA-4E2A-94B1-6408EB225D85}" type="sibTrans" cxnId="{E8894D5D-E862-41CB-BA36-FC84FC57E952}">
       <dgm:prSet/>
       <dgm:spPr/>
-      <dgm:t>
-        <a:bodyPr/>
-        <a:lstStyle/>
-        <a:p>
-          <a:endParaRPr lang="en-US"/>
-        </a:p>
-      </dgm:t>
-    </dgm:pt>
-    <dgm:pt modelId="{C578D69E-43DF-4006-A6BB-81CDF3DE023D}">
-      <dgm:prSet/>
-      <dgm:spPr/>
-      <dgm:t>
-        <a:bodyPr/>
-        <a:lstStyle/>
-        <a:p>
-          <a:r>
-            <a:rPr lang="en-US" dirty="0" smtClean="0"/>
-            <a:t>Water</a:t>
-          </a:r>
-          <a:endParaRPr lang="en-US" dirty="0"/>
-        </a:p>
-      </dgm:t>
-    </dgm:pt>
-    <dgm:pt modelId="{5F1F200B-910A-4D84-9C03-FD5806DCA0B6}" type="parTrans" cxnId="{8DBEBFFA-6DBD-4FF5-B390-60F99052554A}">
-      <dgm:prSet/>
-      <dgm:spPr/>
-      <dgm:t>
-        <a:bodyPr/>
-        <a:lstStyle/>
-        <a:p>
-          <a:endParaRPr lang="en-US"/>
-        </a:p>
-      </dgm:t>
-    </dgm:pt>
-    <dgm:pt modelId="{62542C41-1A50-4D0E-B01A-B3FEB306096D}" type="sibTrans" cxnId="{8DBEBFFA-6DBD-4FF5-B390-60F99052554A}">
-      <dgm:prSet/>
-      <dgm:spPr/>
-      <dgm:t>
-        <a:bodyPr/>
-        <a:lstStyle/>
-        <a:p>
-          <a:endParaRPr lang="en-US"/>
-        </a:p>
-      </dgm:t>
-    </dgm:pt>
-    <dgm:pt modelId="{A98ADE03-060B-4231-9432-DE84CA7B8CFF}">
-      <dgm:prSet/>
-      <dgm:spPr/>
-      <dgm:t>
-        <a:bodyPr/>
-        <a:lstStyle/>
-        <a:p>
-          <a:r>
-            <a:rPr lang="en-US" dirty="0" smtClean="0"/>
-            <a:t>Bittering hops</a:t>
-          </a:r>
-          <a:endParaRPr lang="en-US" dirty="0"/>
-        </a:p>
-      </dgm:t>
-    </dgm:pt>
-    <dgm:pt modelId="{358216CF-938E-44C5-A3B2-E2A9DF149B78}" type="parTrans" cxnId="{E2BEBE33-6D8A-425D-AFEF-163AD42F28B3}">
-      <dgm:prSet/>
-      <dgm:spPr/>
-      <dgm:t>
-        <a:bodyPr/>
-        <a:lstStyle/>
-        <a:p>
-          <a:endParaRPr lang="en-US"/>
-        </a:p>
-      </dgm:t>
-    </dgm:pt>
-    <dgm:pt modelId="{610A1D00-E554-42AC-9417-0F252894085D}" type="sibTrans" cxnId="{E2BEBE33-6D8A-425D-AFEF-163AD42F28B3}">
-      <dgm:prSet/>
-      <dgm:spPr/>
-      <dgm:t>
-        <a:bodyPr/>
-        <a:lstStyle/>
-        <a:p>
-          <a:endParaRPr lang="en-US"/>
-        </a:p>
-      </dgm:t>
-    </dgm:pt>
-    <dgm:pt modelId="{0B099494-0FE4-447E-91F9-FCC386975C64}">
-      <dgm:prSet/>
-      <dgm:spPr/>
-      <dgm:t>
-        <a:bodyPr/>
-        <a:lstStyle/>
-        <a:p>
-          <a:r>
-            <a:rPr lang="en-US" dirty="0" smtClean="0"/>
-            <a:t>Aroma/Flavoring hops</a:t>
-          </a:r>
-          <a:endParaRPr lang="en-US" dirty="0"/>
-        </a:p>
-      </dgm:t>
-    </dgm:pt>
-    <dgm:pt modelId="{DAA4BDF2-87EF-427A-B3A4-5D221BA1ADC9}" type="parTrans" cxnId="{0D9187BF-571D-4B62-9973-EDD227F3FBD1}">
-      <dgm:prSet/>
-      <dgm:spPr/>
-      <dgm:t>
-        <a:bodyPr/>
-        <a:lstStyle/>
-        <a:p>
-          <a:endParaRPr lang="en-US"/>
-        </a:p>
-      </dgm:t>
-    </dgm:pt>
-    <dgm:pt modelId="{E0ADD425-2CB2-486F-B20E-C152281C1D7D}" type="sibTrans" cxnId="{0D9187BF-571D-4B62-9973-EDD227F3FBD1}">
-      <dgm:prSet/>
-      <dgm:spPr/>
-      <dgm:t>
-        <a:bodyPr/>
-        <a:lstStyle/>
-        <a:p>
-          <a:endParaRPr lang="en-US"/>
-        </a:p>
-      </dgm:t>
-    </dgm:pt>
-    <dgm:pt modelId="{DE90ECE8-DCC7-47A0-A51F-E6F86ADAB35B}">
-      <dgm:prSet/>
-      <dgm:spPr/>
-      <dgm:t>
-        <a:bodyPr/>
-        <a:lstStyle/>
-        <a:p>
-          <a:r>
-            <a:rPr lang="en-US" dirty="0" smtClean="0"/>
-            <a:t>pH and chemistry</a:t>
-          </a:r>
-          <a:endParaRPr lang="en-US" dirty="0"/>
-        </a:p>
-      </dgm:t>
-    </dgm:pt>
-    <dgm:pt modelId="{93027C3D-F6FF-478F-A246-328E5A9D8DD5}" type="parTrans" cxnId="{718D722D-31A5-43D4-A207-844B41109018}">
-      <dgm:prSet/>
-      <dgm:spPr/>
-      <dgm:t>
-        <a:bodyPr/>
-        <a:lstStyle/>
-        <a:p>
-          <a:endParaRPr lang="en-US"/>
-        </a:p>
-      </dgm:t>
-    </dgm:pt>
-    <dgm:pt modelId="{ABD46A7C-BE93-4139-8B4F-20438AA423A2}" type="sibTrans" cxnId="{718D722D-31A5-43D4-A207-844B41109018}">
-      <dgm:prSet/>
-      <dgm:spPr/>
-      <dgm:t>
-        <a:bodyPr/>
-        <a:lstStyle/>
-        <a:p>
-          <a:endParaRPr lang="en-US"/>
-        </a:p>
-      </dgm:t>
-    </dgm:pt>
-    <dgm:pt modelId="{EC11DAB4-BF1F-4BD8-8A8B-424AADA4AA56}">
-      <dgm:prSet/>
-      <dgm:spPr/>
-      <dgm:t>
-        <a:bodyPr/>
-        <a:lstStyle/>
-        <a:p>
-          <a:r>
-            <a:rPr lang="en-US" dirty="0" smtClean="0"/>
-            <a:t>Volumes</a:t>
-          </a:r>
-          <a:endParaRPr lang="en-US" dirty="0"/>
-        </a:p>
-      </dgm:t>
-    </dgm:pt>
-    <dgm:pt modelId="{F77AC5D2-BB26-4D3A-8BFE-546974E6C96A}" type="parTrans" cxnId="{AF407F69-4292-408C-9C31-F5C413C0B1AC}">
-      <dgm:prSet/>
-      <dgm:spPr/>
-      <dgm:t>
-        <a:bodyPr/>
-        <a:lstStyle/>
-        <a:p>
-          <a:endParaRPr lang="en-US"/>
-        </a:p>
-      </dgm:t>
-    </dgm:pt>
-    <dgm:pt modelId="{571D7D68-E790-4569-8959-527DC8F73160}" type="sibTrans" cxnId="{AF407F69-4292-408C-9C31-F5C413C0B1AC}">
-      <dgm:prSet/>
-      <dgm:spPr/>
-      <dgm:t>
-        <a:bodyPr/>
-        <a:lstStyle/>
-        <a:p>
-          <a:endParaRPr lang="en-US"/>
-        </a:p>
-      </dgm:t>
-    </dgm:pt>
-    <dgm:pt modelId="{DF78FB6B-660D-43A4-9B80-4A185F27BE42}">
-      <dgm:prSet/>
-      <dgm:spPr/>
-      <dgm:t>
-        <a:bodyPr/>
-        <a:lstStyle/>
-        <a:p>
-          <a:r>
-            <a:rPr lang="en-US" dirty="0" smtClean="0"/>
-            <a:t>Single step</a:t>
-          </a:r>
-          <a:endParaRPr lang="en-US" dirty="0"/>
-        </a:p>
-      </dgm:t>
-    </dgm:pt>
-    <dgm:pt modelId="{36F7751D-05E7-4440-998F-C71DA9B6B5BE}" type="parTrans" cxnId="{7DDC35DB-D748-4153-8CED-BF5B6B62690A}">
-      <dgm:prSet/>
-      <dgm:spPr/>
-      <dgm:t>
-        <a:bodyPr/>
-        <a:lstStyle/>
-        <a:p>
-          <a:endParaRPr lang="en-US"/>
-        </a:p>
-      </dgm:t>
-    </dgm:pt>
-    <dgm:pt modelId="{4E7DAC28-AF92-4D50-8A4B-7CAC6BEA7987}" type="sibTrans" cxnId="{7DDC35DB-D748-4153-8CED-BF5B6B62690A}">
-      <dgm:prSet/>
-      <dgm:spPr/>
-      <dgm:t>
-        <a:bodyPr/>
-        <a:lstStyle/>
-        <a:p>
-          <a:endParaRPr lang="en-US"/>
-        </a:p>
-      </dgm:t>
-    </dgm:pt>
-    <dgm:pt modelId="{906E65ED-647D-4FEB-996C-F48FB1D46B9F}">
-      <dgm:prSet/>
-      <dgm:spPr/>
-      <dgm:t>
-        <a:bodyPr/>
-        <a:lstStyle/>
-        <a:p>
-          <a:r>
-            <a:rPr lang="en-US" dirty="0" smtClean="0"/>
-            <a:t>2 step</a:t>
-          </a:r>
-          <a:endParaRPr lang="en-US" dirty="0"/>
-        </a:p>
-      </dgm:t>
-    </dgm:pt>
-    <dgm:pt modelId="{44EF2E5E-3BBF-426A-87F3-33D593A09874}" type="parTrans" cxnId="{2A102BC7-2261-4CEA-A3D3-88DF33C1F17D}">
-      <dgm:prSet/>
-      <dgm:spPr/>
-      <dgm:t>
-        <a:bodyPr/>
-        <a:lstStyle/>
-        <a:p>
-          <a:endParaRPr lang="en-US"/>
-        </a:p>
-      </dgm:t>
-    </dgm:pt>
-    <dgm:pt modelId="{E17229E7-861F-4011-9512-95640ACA9A2E}" type="sibTrans" cxnId="{2A102BC7-2261-4CEA-A3D3-88DF33C1F17D}">
-      <dgm:prSet/>
-      <dgm:spPr/>
-      <dgm:t>
-        <a:bodyPr/>
-        <a:lstStyle/>
-        <a:p>
-          <a:endParaRPr lang="en-US"/>
-        </a:p>
-      </dgm:t>
-    </dgm:pt>
-    <dgm:pt modelId="{145AD04E-EF2F-4DB5-94DE-A17786ECCC44}">
-      <dgm:prSet/>
-      <dgm:spPr/>
-      <dgm:t>
-        <a:bodyPr/>
-        <a:lstStyle/>
-        <a:p>
-          <a:r>
-            <a:rPr lang="en-US" dirty="0" smtClean="0"/>
-            <a:t>Decoction</a:t>
-          </a:r>
-          <a:endParaRPr lang="en-US" dirty="0"/>
-        </a:p>
-      </dgm:t>
-    </dgm:pt>
-    <dgm:pt modelId="{AB501C4C-CE52-46D9-8BD5-1ABF2D42E895}" type="parTrans" cxnId="{45F7D81E-1732-4FC4-BFE4-9CABA158D189}">
-      <dgm:prSet/>
-      <dgm:spPr/>
-      <dgm:t>
-        <a:bodyPr/>
-        <a:lstStyle/>
-        <a:p>
-          <a:endParaRPr lang="en-US"/>
-        </a:p>
-      </dgm:t>
-    </dgm:pt>
-    <dgm:pt modelId="{5A20D235-9464-443E-B61D-696D09F4ECB1}" type="sibTrans" cxnId="{45F7D81E-1732-4FC4-BFE4-9CABA158D189}">
-      <dgm:prSet/>
-      <dgm:spPr/>
-      <dgm:t>
-        <a:bodyPr/>
-        <a:lstStyle/>
-        <a:p>
-          <a:endParaRPr lang="en-US"/>
-        </a:p>
-      </dgm:t>
     </dgm:pt>
     <dgm:pt modelId="{807A3284-312C-4712-9D2F-AC0BAD7F8213}" type="pres">
       <dgm:prSet presAssocID="{6A2A389A-8F1A-44C8-94BE-6CFC7885C9C1}" presName="linearFlow" presStyleCnt="0">
@@ -3391,7 +3454,7 @@
       <dgm:spPr/>
     </dgm:pt>
     <dgm:pt modelId="{8DEB8923-B515-46C3-96D0-2628ED9340FE}" type="pres">
-      <dgm:prSet presAssocID="{7BD06C3F-49DD-4FF3-9B13-0348C632F73A}" presName="parentText" presStyleLbl="alignNode1" presStyleIdx="0" presStyleCnt="6">
+      <dgm:prSet presAssocID="{7BD06C3F-49DD-4FF3-9B13-0348C632F73A}" presName="parentText" presStyleLbl="alignNode1" presStyleIdx="0" presStyleCnt="8">
         <dgm:presLayoutVars>
           <dgm:chMax val="1"/>
           <dgm:bulletEnabled val="1"/>
@@ -3407,7 +3470,7 @@
       </dgm:t>
     </dgm:pt>
     <dgm:pt modelId="{0CF98D84-D255-4746-91D8-2DF457E35464}" type="pres">
-      <dgm:prSet presAssocID="{7BD06C3F-49DD-4FF3-9B13-0348C632F73A}" presName="descendantText" presStyleLbl="alignAcc1" presStyleIdx="0" presStyleCnt="6">
+      <dgm:prSet presAssocID="{7BD06C3F-49DD-4FF3-9B13-0348C632F73A}" presName="descendantText" presStyleLbl="alignAcc1" presStyleIdx="0" presStyleCnt="8">
         <dgm:presLayoutVars>
           <dgm:bulletEnabled val="1"/>
         </dgm:presLayoutVars>
@@ -3430,7 +3493,7 @@
       <dgm:spPr/>
     </dgm:pt>
     <dgm:pt modelId="{8AC31EE9-DB81-4013-9149-8E76D92071CA}" type="pres">
-      <dgm:prSet presAssocID="{1FF42334-253C-489C-ACAA-8AE6D30A49AA}" presName="parentText" presStyleLbl="alignNode1" presStyleIdx="1" presStyleCnt="6">
+      <dgm:prSet presAssocID="{1FF42334-253C-489C-ACAA-8AE6D30A49AA}" presName="parentText" presStyleLbl="alignNode1" presStyleIdx="1" presStyleCnt="8">
         <dgm:presLayoutVars>
           <dgm:chMax val="1"/>
           <dgm:bulletEnabled val="1"/>
@@ -3446,7 +3509,7 @@
       </dgm:t>
     </dgm:pt>
     <dgm:pt modelId="{3FFB1560-41AB-4E35-8D02-8B03B4B53DA7}" type="pres">
-      <dgm:prSet presAssocID="{1FF42334-253C-489C-ACAA-8AE6D30A49AA}" presName="descendantText" presStyleLbl="alignAcc1" presStyleIdx="1" presStyleCnt="6">
+      <dgm:prSet presAssocID="{1FF42334-253C-489C-ACAA-8AE6D30A49AA}" presName="descendantText" presStyleLbl="alignAcc1" presStyleIdx="1" presStyleCnt="8">
         <dgm:presLayoutVars>
           <dgm:bulletEnabled val="1"/>
         </dgm:presLayoutVars>
@@ -3469,7 +3532,7 @@
       <dgm:spPr/>
     </dgm:pt>
     <dgm:pt modelId="{4980B6FF-C675-4D39-B1BE-1D4589D16B20}" type="pres">
-      <dgm:prSet presAssocID="{20147F5E-128E-4526-9E92-2D0F56F16C93}" presName="parentText" presStyleLbl="alignNode1" presStyleIdx="2" presStyleCnt="6">
+      <dgm:prSet presAssocID="{20147F5E-128E-4526-9E92-2D0F56F16C93}" presName="parentText" presStyleLbl="alignNode1" presStyleIdx="2" presStyleCnt="8">
         <dgm:presLayoutVars>
           <dgm:chMax val="1"/>
           <dgm:bulletEnabled val="1"/>
@@ -3485,7 +3548,7 @@
       </dgm:t>
     </dgm:pt>
     <dgm:pt modelId="{6D32C25E-00B6-4B0B-B570-4EB7DD3FE8EB}" type="pres">
-      <dgm:prSet presAssocID="{20147F5E-128E-4526-9E92-2D0F56F16C93}" presName="descendantText" presStyleLbl="alignAcc1" presStyleIdx="2" presStyleCnt="6">
+      <dgm:prSet presAssocID="{20147F5E-128E-4526-9E92-2D0F56F16C93}" presName="descendantText" presStyleLbl="alignAcc1" presStyleIdx="2" presStyleCnt="8">
         <dgm:presLayoutVars>
           <dgm:bulletEnabled val="1"/>
         </dgm:presLayoutVars>
@@ -3503,12 +3566,12 @@
       <dgm:prSet presAssocID="{D0754A51-0BF1-4575-AEEB-2C84FC8AAA3D}" presName="sp" presStyleCnt="0"/>
       <dgm:spPr/>
     </dgm:pt>
-    <dgm:pt modelId="{9CBD72C8-14D2-4B83-8DAE-9ED411D883D9}" type="pres">
-      <dgm:prSet presAssocID="{A099BD35-FB6C-473F-B02C-B0E68E0406B5}" presName="composite" presStyleCnt="0"/>
-      <dgm:spPr/>
-    </dgm:pt>
-    <dgm:pt modelId="{824294CA-A4F2-445D-9188-A3C7FF792AD1}" type="pres">
-      <dgm:prSet presAssocID="{A099BD35-FB6C-473F-B02C-B0E68E0406B5}" presName="parentText" presStyleLbl="alignNode1" presStyleIdx="3" presStyleCnt="6">
+    <dgm:pt modelId="{7CA0BFB0-15AD-4F7F-BD31-8DBC0D682057}" type="pres">
+      <dgm:prSet presAssocID="{C578D69E-43DF-4006-A6BB-81CDF3DE023D}" presName="composite" presStyleCnt="0"/>
+      <dgm:spPr/>
+    </dgm:pt>
+    <dgm:pt modelId="{C993E897-2D30-42C6-85FE-D6C5236747EF}" type="pres">
+      <dgm:prSet presAssocID="{C578D69E-43DF-4006-A6BB-81CDF3DE023D}" presName="parentText" presStyleLbl="alignNode1" presStyleIdx="3" presStyleCnt="8" custLinFactNeighborX="-4890" custLinFactNeighborY="-2738">
         <dgm:presLayoutVars>
           <dgm:chMax val="1"/>
           <dgm:bulletEnabled val="1"/>
@@ -3523,8 +3586,8 @@
         </a:p>
       </dgm:t>
     </dgm:pt>
-    <dgm:pt modelId="{F6E101BF-D42F-4F32-B7CE-6D9FBBE8169C}" type="pres">
-      <dgm:prSet presAssocID="{A099BD35-FB6C-473F-B02C-B0E68E0406B5}" presName="descendantText" presStyleLbl="alignAcc1" presStyleIdx="3" presStyleCnt="6">
+    <dgm:pt modelId="{57918590-2BF2-46D3-9E7E-0267E0AD93AB}" type="pres">
+      <dgm:prSet presAssocID="{C578D69E-43DF-4006-A6BB-81CDF3DE023D}" presName="descendantText" presStyleLbl="alignAcc1" presStyleIdx="3" presStyleCnt="8" custLinFactNeighborX="-384" custLinFactNeighborY="-4213">
         <dgm:presLayoutVars>
           <dgm:bulletEnabled val="1"/>
         </dgm:presLayoutVars>
@@ -3538,16 +3601,16 @@
         </a:p>
       </dgm:t>
     </dgm:pt>
-    <dgm:pt modelId="{C25F36A6-184D-4EDB-9E27-6CE06E69DC60}" type="pres">
-      <dgm:prSet presAssocID="{FC705B3D-D5DA-4FCE-9011-7225470BD6C8}" presName="sp" presStyleCnt="0"/>
-      <dgm:spPr/>
-    </dgm:pt>
-    <dgm:pt modelId="{7CA0BFB0-15AD-4F7F-BD31-8DBC0D682057}" type="pres">
-      <dgm:prSet presAssocID="{C578D69E-43DF-4006-A6BB-81CDF3DE023D}" presName="composite" presStyleCnt="0"/>
-      <dgm:spPr/>
-    </dgm:pt>
-    <dgm:pt modelId="{C993E897-2D30-42C6-85FE-D6C5236747EF}" type="pres">
-      <dgm:prSet presAssocID="{C578D69E-43DF-4006-A6BB-81CDF3DE023D}" presName="parentText" presStyleLbl="alignNode1" presStyleIdx="4" presStyleCnt="6">
+    <dgm:pt modelId="{EB1EF226-097F-40A8-91F8-93C93E354145}" type="pres">
+      <dgm:prSet presAssocID="{62542C41-1A50-4D0E-B01A-B3FEB306096D}" presName="sp" presStyleCnt="0"/>
+      <dgm:spPr/>
+    </dgm:pt>
+    <dgm:pt modelId="{F7A1F359-FA8B-4865-96EA-2FDA8BF40DC2}" type="pres">
+      <dgm:prSet presAssocID="{12D45A96-E27D-4A7D-810E-5D324DF81E84}" presName="composite" presStyleCnt="0"/>
+      <dgm:spPr/>
+    </dgm:pt>
+    <dgm:pt modelId="{9D01E9EF-5430-42BB-ACF9-B724C8D2912A}" type="pres">
+      <dgm:prSet presAssocID="{12D45A96-E27D-4A7D-810E-5D324DF81E84}" presName="parentText" presStyleLbl="alignNode1" presStyleIdx="4" presStyleCnt="8">
         <dgm:presLayoutVars>
           <dgm:chMax val="1"/>
           <dgm:bulletEnabled val="1"/>
@@ -3562,31 +3625,24 @@
         </a:p>
       </dgm:t>
     </dgm:pt>
-    <dgm:pt modelId="{57918590-2BF2-46D3-9E7E-0267E0AD93AB}" type="pres">
-      <dgm:prSet presAssocID="{C578D69E-43DF-4006-A6BB-81CDF3DE023D}" presName="descendantText" presStyleLbl="alignAcc1" presStyleIdx="4" presStyleCnt="6">
+    <dgm:pt modelId="{56E6B489-7ACC-44E0-AC26-7BF041ED60DA}" type="pres">
+      <dgm:prSet presAssocID="{12D45A96-E27D-4A7D-810E-5D324DF81E84}" presName="descendantText" presStyleLbl="alignAcc1" presStyleIdx="4" presStyleCnt="8">
         <dgm:presLayoutVars>
           <dgm:bulletEnabled val="1"/>
         </dgm:presLayoutVars>
       </dgm:prSet>
       <dgm:spPr/>
-      <dgm:t>
-        <a:bodyPr/>
-        <a:lstStyle/>
-        <a:p>
-          <a:endParaRPr lang="en-US"/>
-        </a:p>
-      </dgm:t>
-    </dgm:pt>
-    <dgm:pt modelId="{EB1EF226-097F-40A8-91F8-93C93E354145}" type="pres">
-      <dgm:prSet presAssocID="{62542C41-1A50-4D0E-B01A-B3FEB306096D}" presName="sp" presStyleCnt="0"/>
-      <dgm:spPr/>
-    </dgm:pt>
-    <dgm:pt modelId="{2E9753C9-E211-4D49-A62D-0C0C404E2FAD}" type="pres">
-      <dgm:prSet presAssocID="{1468B217-A021-498B-ACBF-23C43504C3FF}" presName="composite" presStyleCnt="0"/>
-      <dgm:spPr/>
-    </dgm:pt>
-    <dgm:pt modelId="{8B759E7A-B483-489B-BF61-6EDBB8DD68B1}" type="pres">
-      <dgm:prSet presAssocID="{1468B217-A021-498B-ACBF-23C43504C3FF}" presName="parentText" presStyleLbl="alignNode1" presStyleIdx="5" presStyleCnt="6">
+    </dgm:pt>
+    <dgm:pt modelId="{EE80E8C5-0D0E-41DC-AC53-FCA48F9FCA62}" type="pres">
+      <dgm:prSet presAssocID="{737BC259-C5A7-46BF-8AFC-FECE57196345}" presName="sp" presStyleCnt="0"/>
+      <dgm:spPr/>
+    </dgm:pt>
+    <dgm:pt modelId="{263883E2-69C0-4A23-80EA-8408C49E7FEE}" type="pres">
+      <dgm:prSet presAssocID="{7AE9CC21-F1AE-4671-9A22-3D1DD83BB77F}" presName="composite" presStyleCnt="0"/>
+      <dgm:spPr/>
+    </dgm:pt>
+    <dgm:pt modelId="{B6C20B72-515E-42C5-B471-B93F24D8DDE8}" type="pres">
+      <dgm:prSet presAssocID="{7AE9CC21-F1AE-4671-9A22-3D1DD83BB77F}" presName="parentText" presStyleLbl="alignNode1" presStyleIdx="5" presStyleCnt="8">
         <dgm:presLayoutVars>
           <dgm:chMax val="1"/>
           <dgm:bulletEnabled val="1"/>
@@ -3601,8 +3657,8 @@
         </a:p>
       </dgm:t>
     </dgm:pt>
-    <dgm:pt modelId="{257773F3-F63D-4BDC-8BC6-A023E4F49C0F}" type="pres">
-      <dgm:prSet presAssocID="{1468B217-A021-498B-ACBF-23C43504C3FF}" presName="descendantText" presStyleLbl="alignAcc1" presStyleIdx="5" presStyleCnt="6">
+    <dgm:pt modelId="{87FBD966-59F3-4E75-B5C0-92792FCCC0BF}" type="pres">
+      <dgm:prSet presAssocID="{7AE9CC21-F1AE-4671-9A22-3D1DD83BB77F}" presName="descendantText" presStyleLbl="alignAcc1" presStyleIdx="5" presStyleCnt="8" custLinFactNeighborY="0">
         <dgm:presLayoutVars>
           <dgm:bulletEnabled val="1"/>
         </dgm:presLayoutVars>
@@ -3616,43 +3672,120 @@
         </a:p>
       </dgm:t>
     </dgm:pt>
+    <dgm:pt modelId="{42D0A530-775C-4A2A-B7FB-E8FE74FBCBD6}" type="pres">
+      <dgm:prSet presAssocID="{44475F8B-8BF0-4C42-B207-D0463D160371}" presName="sp" presStyleCnt="0"/>
+      <dgm:spPr/>
+    </dgm:pt>
+    <dgm:pt modelId="{F23D2960-1393-41E8-8263-87B71026039F}" type="pres">
+      <dgm:prSet presAssocID="{CDCE290E-C7E7-4496-881B-C37D4885DBB9}" presName="composite" presStyleCnt="0"/>
+      <dgm:spPr/>
+    </dgm:pt>
+    <dgm:pt modelId="{ADB659D2-C604-415A-81C6-268866B1C432}" type="pres">
+      <dgm:prSet presAssocID="{CDCE290E-C7E7-4496-881B-C37D4885DBB9}" presName="parentText" presStyleLbl="alignNode1" presStyleIdx="6" presStyleCnt="8">
+        <dgm:presLayoutVars>
+          <dgm:chMax val="1"/>
+          <dgm:bulletEnabled val="1"/>
+        </dgm:presLayoutVars>
+      </dgm:prSet>
+      <dgm:spPr/>
+      <dgm:t>
+        <a:bodyPr/>
+        <a:lstStyle/>
+        <a:p>
+          <a:endParaRPr lang="en-US"/>
+        </a:p>
+      </dgm:t>
+    </dgm:pt>
+    <dgm:pt modelId="{B63D911B-60E6-4082-9381-E6B89A1FF1A5}" type="pres">
+      <dgm:prSet presAssocID="{CDCE290E-C7E7-4496-881B-C37D4885DBB9}" presName="descendantText" presStyleLbl="alignAcc1" presStyleIdx="6" presStyleCnt="8">
+        <dgm:presLayoutVars>
+          <dgm:bulletEnabled val="1"/>
+        </dgm:presLayoutVars>
+      </dgm:prSet>
+      <dgm:spPr/>
+      <dgm:t>
+        <a:bodyPr/>
+        <a:lstStyle/>
+        <a:p>
+          <a:endParaRPr lang="en-US"/>
+        </a:p>
+      </dgm:t>
+    </dgm:pt>
+    <dgm:pt modelId="{7A2D11EB-321E-44E1-ACB9-E19DD4C53BD1}" type="pres">
+      <dgm:prSet presAssocID="{43E96AC0-254D-43CD-A715-DCA09241B744}" presName="sp" presStyleCnt="0"/>
+      <dgm:spPr/>
+    </dgm:pt>
+    <dgm:pt modelId="{F557E4AE-A69C-4E37-A5EE-255A899D3448}" type="pres">
+      <dgm:prSet presAssocID="{9B1717D5-5D86-4E7D-997E-7F4EC72C720C}" presName="composite" presStyleCnt="0"/>
+      <dgm:spPr/>
+    </dgm:pt>
+    <dgm:pt modelId="{F6E5B752-1950-4B8C-A607-EE0A54CEDD38}" type="pres">
+      <dgm:prSet presAssocID="{9B1717D5-5D86-4E7D-997E-7F4EC72C720C}" presName="parentText" presStyleLbl="alignNode1" presStyleIdx="7" presStyleCnt="8">
+        <dgm:presLayoutVars>
+          <dgm:chMax val="1"/>
+          <dgm:bulletEnabled val="1"/>
+        </dgm:presLayoutVars>
+      </dgm:prSet>
+      <dgm:spPr/>
+      <dgm:t>
+        <a:bodyPr/>
+        <a:lstStyle/>
+        <a:p>
+          <a:endParaRPr lang="en-US"/>
+        </a:p>
+      </dgm:t>
+    </dgm:pt>
+    <dgm:pt modelId="{DE17512F-233A-477B-BA28-D173BD1C7675}" type="pres">
+      <dgm:prSet presAssocID="{9B1717D5-5D86-4E7D-997E-7F4EC72C720C}" presName="descendantText" presStyleLbl="alignAcc1" presStyleIdx="7" presStyleCnt="8">
+        <dgm:presLayoutVars>
+          <dgm:bulletEnabled val="1"/>
+        </dgm:presLayoutVars>
+      </dgm:prSet>
+      <dgm:spPr/>
+    </dgm:pt>
   </dgm:ptLst>
   <dgm:cxnLst>
-    <dgm:cxn modelId="{45F7D81E-1732-4FC4-BFE4-9CABA158D189}" srcId="{1468B217-A021-498B-ACBF-23C43504C3FF}" destId="{145AD04E-EF2F-4DB5-94DE-A17786ECCC44}" srcOrd="2" destOrd="0" parTransId="{AB501C4C-CE52-46D9-8BD5-1ABF2D42E895}" sibTransId="{5A20D235-9464-443E-B61D-696D09F4ECB1}"/>
-    <dgm:cxn modelId="{AF407F69-4292-408C-9C31-F5C413C0B1AC}" srcId="{C578D69E-43DF-4006-A6BB-81CDF3DE023D}" destId="{EC11DAB4-BF1F-4BD8-8A8B-424AADA4AA56}" srcOrd="1" destOrd="0" parTransId="{F77AC5D2-BB26-4D3A-8BFE-546974E6C96A}" sibTransId="{571D7D68-E790-4569-8959-527DC8F73160}"/>
-    <dgm:cxn modelId="{F0F58053-8A92-4D85-828B-E7B1208B87C3}" type="presOf" srcId="{0B099494-0FE4-447E-91F9-FCC386975C64}" destId="{F6E101BF-D42F-4F32-B7CE-6D9FBBE8169C}" srcOrd="0" destOrd="1" presId="urn:microsoft.com/office/officeart/2005/8/layout/chevron2"/>
-    <dgm:cxn modelId="{D931A610-4024-4CBB-B36A-6685D3D98433}" type="presOf" srcId="{A98ADE03-060B-4231-9432-DE84CA7B8CFF}" destId="{F6E101BF-D42F-4F32-B7CE-6D9FBBE8169C}" srcOrd="0" destOrd="0" presId="urn:microsoft.com/office/officeart/2005/8/layout/chevron2"/>
-    <dgm:cxn modelId="{3DC46392-D37A-427C-B08C-0A3FE2BEAD51}" type="presOf" srcId="{DF78FB6B-660D-43A4-9B80-4A185F27BE42}" destId="{257773F3-F63D-4BDC-8BC6-A023E4F49C0F}" srcOrd="0" destOrd="0" presId="urn:microsoft.com/office/officeart/2005/8/layout/chevron2"/>
-    <dgm:cxn modelId="{0D9187BF-571D-4B62-9973-EDD227F3FBD1}" srcId="{A099BD35-FB6C-473F-B02C-B0E68E0406B5}" destId="{0B099494-0FE4-447E-91F9-FCC386975C64}" srcOrd="1" destOrd="0" parTransId="{DAA4BDF2-87EF-427A-B3A4-5D221BA1ADC9}" sibTransId="{E0ADD425-2CB2-486F-B20E-C152281C1D7D}"/>
+    <dgm:cxn modelId="{A2F1FFEB-AD66-4DEC-AC2C-5BDEC202CE3F}" srcId="{C578D69E-43DF-4006-A6BB-81CDF3DE023D}" destId="{32BA2873-608C-424C-A388-0766DE03AD08}" srcOrd="1" destOrd="0" parTransId="{7A9CDFB7-9DB9-4835-906B-F0F0F33F2538}" sibTransId="{FA5587A1-3C09-4465-94A0-D0A53695E294}"/>
+    <dgm:cxn modelId="{991E71ED-6A2B-4020-B51E-BCBE1A9D2DC0}" type="presOf" srcId="{12D45A96-E27D-4A7D-810E-5D324DF81E84}" destId="{9D01E9EF-5430-42BB-ACF9-B724C8D2912A}" srcOrd="0" destOrd="0" presId="urn:microsoft.com/office/officeart/2005/8/layout/chevron2"/>
+    <dgm:cxn modelId="{E8894D5D-E862-41CB-BA36-FC84FC57E952}" srcId="{9B1717D5-5D86-4E7D-997E-7F4EC72C720C}" destId="{1D1B1B44-1645-42ED-8D29-66D4C2ED32C3}" srcOrd="0" destOrd="0" parTransId="{670DB4FE-8AA9-4C16-B79B-4D69676F60D4}" sibTransId="{61585A1E-FACA-4E2A-94B1-6408EB225D85}"/>
+    <dgm:cxn modelId="{9FF4D9D3-0BAD-4714-8361-2545B5BDA13D}" type="presOf" srcId="{1D1B1B44-1645-42ED-8D29-66D4C2ED32C3}" destId="{DE17512F-233A-477B-BA28-D173BD1C7675}" srcOrd="0" destOrd="0" presId="urn:microsoft.com/office/officeart/2005/8/layout/chevron2"/>
+    <dgm:cxn modelId="{79C42B1D-477B-497C-8130-649B4D37F023}" srcId="{6A2A389A-8F1A-44C8-94BE-6CFC7885C9C1}" destId="{7BD06C3F-49DD-4FF3-9B13-0348C632F73A}" srcOrd="0" destOrd="0" parTransId="{9E446D62-EBEA-461E-A7CB-F8A14267334D}" sibTransId="{3294A7D4-AB36-47D9-8DEA-174183C2C8CD}"/>
     <dgm:cxn modelId="{42E21A00-1EE9-42EC-B42E-1A4C42CA1BBE}" type="presOf" srcId="{20147F5E-128E-4526-9E92-2D0F56F16C93}" destId="{4980B6FF-C675-4D39-B1BE-1D4589D16B20}" srcOrd="0" destOrd="0" presId="urn:microsoft.com/office/officeart/2005/8/layout/chevron2"/>
-    <dgm:cxn modelId="{68CD4A38-39EF-4938-96BD-B738A77449FD}" type="presOf" srcId="{EC11DAB4-BF1F-4BD8-8A8B-424AADA4AA56}" destId="{57918590-2BF2-46D3-9E7E-0267E0AD93AB}" srcOrd="0" destOrd="1" presId="urn:microsoft.com/office/officeart/2005/8/layout/chevron2"/>
+    <dgm:cxn modelId="{4D212AD7-6F5D-4B7B-931D-6FF34EE7A1F3}" srcId="{6A2A389A-8F1A-44C8-94BE-6CFC7885C9C1}" destId="{CDCE290E-C7E7-4496-881B-C37D4885DBB9}" srcOrd="6" destOrd="0" parTransId="{859D87B9-6A3E-4005-BC2D-47FF6633909C}" sibTransId="{43E96AC0-254D-43CD-A715-DCA09241B744}"/>
+    <dgm:cxn modelId="{D2525118-B3D9-4A0F-9441-EDC308B3C678}" srcId="{6A2A389A-8F1A-44C8-94BE-6CFC7885C9C1}" destId="{12D45A96-E27D-4A7D-810E-5D324DF81E84}" srcOrd="4" destOrd="0" parTransId="{EFF6F750-D1B3-4A4C-8B48-6A63698FB271}" sibTransId="{737BC259-C5A7-46BF-8AFC-FECE57196345}"/>
+    <dgm:cxn modelId="{36023B61-6CCE-4307-94E7-709AAD61FDFE}" type="presOf" srcId="{5271A80C-3BB0-4728-BF24-13F871797674}" destId="{B63D911B-60E6-4082-9381-E6B89A1FF1A5}" srcOrd="0" destOrd="0" presId="urn:microsoft.com/office/officeart/2005/8/layout/chevron2"/>
+    <dgm:cxn modelId="{1BC656ED-48EA-4CF7-B12B-D749FCDA2D3D}" type="presOf" srcId="{32BA2873-608C-424C-A388-0766DE03AD08}" destId="{57918590-2BF2-46D3-9E7E-0267E0AD93AB}" srcOrd="0" destOrd="1" presId="urn:microsoft.com/office/officeart/2005/8/layout/chevron2"/>
+    <dgm:cxn modelId="{3DE80C58-8F30-4145-A734-28BD53CEC234}" srcId="{CDCE290E-C7E7-4496-881B-C37D4885DBB9}" destId="{5271A80C-3BB0-4728-BF24-13F871797674}" srcOrd="0" destOrd="0" parTransId="{8C267E83-EB20-455E-AB10-9616EB96C7BF}" sibTransId="{51459F65-914B-43FB-BA90-D844DFE47554}"/>
+    <dgm:cxn modelId="{03F2B31E-72CE-47BE-9CD6-1D4980554949}" type="presOf" srcId="{090C5E70-2421-47B9-916E-5848C710596B}" destId="{3FFB1560-41AB-4E35-8D02-8B03B4B53DA7}" srcOrd="0" destOrd="0" presId="urn:microsoft.com/office/officeart/2005/8/layout/chevron2"/>
+    <dgm:cxn modelId="{1637BFB0-E0AF-438A-A5BA-3A961790A327}" srcId="{C578D69E-43DF-4006-A6BB-81CDF3DE023D}" destId="{8C20D9CF-4870-49F4-9CEE-1DD63E22EDA8}" srcOrd="0" destOrd="0" parTransId="{2C81B91E-F34C-4591-9836-1B12E91FB07E}" sibTransId="{F53D4242-887A-4459-9950-3E706A0F8B28}"/>
+    <dgm:cxn modelId="{BD334632-6CC5-4A48-A6AF-147127E70B3F}" type="presOf" srcId="{7BD06C3F-49DD-4FF3-9B13-0348C632F73A}" destId="{8DEB8923-B515-46C3-96D0-2628ED9340FE}" srcOrd="0" destOrd="0" presId="urn:microsoft.com/office/officeart/2005/8/layout/chevron2"/>
+    <dgm:cxn modelId="{098443FB-DA34-4243-9599-CD6625685B14}" srcId="{12D45A96-E27D-4A7D-810E-5D324DF81E84}" destId="{F5DB8CC9-FC94-43D2-9F41-34A6187E2FEC}" srcOrd="0" destOrd="0" parTransId="{4438C67C-A440-4AD8-8F98-5043388C2CDD}" sibTransId="{33450572-8CC6-4A2C-A931-0FFF4C44C163}"/>
+    <dgm:cxn modelId="{FE96FC1A-8800-4909-93A3-652340649B49}" type="presOf" srcId="{8C20D9CF-4870-49F4-9CEE-1DD63E22EDA8}" destId="{57918590-2BF2-46D3-9E7E-0267E0AD93AB}" srcOrd="0" destOrd="0" presId="urn:microsoft.com/office/officeart/2005/8/layout/chevron2"/>
+    <dgm:cxn modelId="{EA6B058D-C028-4ACF-8614-6B8ACA84B6A5}" type="presOf" srcId="{F5DB8CC9-FC94-43D2-9F41-34A6187E2FEC}" destId="{56E6B489-7ACC-44E0-AC26-7BF041ED60DA}" srcOrd="0" destOrd="0" presId="urn:microsoft.com/office/officeart/2005/8/layout/chevron2"/>
+    <dgm:cxn modelId="{81CBE34C-A42F-4639-AC41-5E39640B6F4E}" type="presOf" srcId="{1A8D5F38-3AD3-44FB-AC9C-805EE34F16DB}" destId="{87FBD966-59F3-4E75-B5C0-92792FCCC0BF}" srcOrd="0" destOrd="0" presId="urn:microsoft.com/office/officeart/2005/8/layout/chevron2"/>
+    <dgm:cxn modelId="{FBAF885F-19A5-482E-9C73-8C91C2533171}" srcId="{6A2A389A-8F1A-44C8-94BE-6CFC7885C9C1}" destId="{9B1717D5-5D86-4E7D-997E-7F4EC72C720C}" srcOrd="7" destOrd="0" parTransId="{58B982E0-EAAB-4CD0-86F6-3CCAE442E810}" sibTransId="{63EC5511-3F9C-4DB8-A541-352A6F0815D4}"/>
+    <dgm:cxn modelId="{8E8466D2-EC0B-4D1A-B4B5-F8817C32D48A}" type="presOf" srcId="{27DAB658-0474-4DF9-80CB-D4F86FE4FE0D}" destId="{B63D911B-60E6-4082-9381-E6B89A1FF1A5}" srcOrd="0" destOrd="1" presId="urn:microsoft.com/office/officeart/2005/8/layout/chevron2"/>
+    <dgm:cxn modelId="{8DBEBFFA-6DBD-4FF5-B390-60F99052554A}" srcId="{6A2A389A-8F1A-44C8-94BE-6CFC7885C9C1}" destId="{C578D69E-43DF-4006-A6BB-81CDF3DE023D}" srcOrd="3" destOrd="0" parTransId="{5F1F200B-910A-4D84-9C03-FD5806DCA0B6}" sibTransId="{62542C41-1A50-4D0E-B01A-B3FEB306096D}"/>
+    <dgm:cxn modelId="{49C0B875-1A04-4207-A565-E84A68AB23A9}" srcId="{7BD06C3F-49DD-4FF3-9B13-0348C632F73A}" destId="{6EDAA9C4-0119-4485-8043-1BC09D3669D8}" srcOrd="1" destOrd="0" parTransId="{38697330-E1A5-4B42-A9F7-4DF6CED4F8D4}" sibTransId="{74874D31-492B-49DF-BBC2-4C4265B83484}"/>
+    <dgm:cxn modelId="{4B834F7A-A4DD-47EC-BE8B-0DA9A1435F10}" type="presOf" srcId="{6EDAA9C4-0119-4485-8043-1BC09D3669D8}" destId="{0CF98D84-D255-4746-91D8-2DF457E35464}" srcOrd="0" destOrd="1" presId="urn:microsoft.com/office/officeart/2005/8/layout/chevron2"/>
     <dgm:cxn modelId="{7357ACAE-0423-4BD6-BFAD-1B000E96BBCD}" srcId="{6A2A389A-8F1A-44C8-94BE-6CFC7885C9C1}" destId="{20147F5E-128E-4526-9E92-2D0F56F16C93}" srcOrd="2" destOrd="0" parTransId="{FB9B07E2-0850-4A63-B320-365A7900C056}" sibTransId="{D0754A51-0BF1-4575-AEEB-2C84FC8AAA3D}"/>
-    <dgm:cxn modelId="{D4027625-B6FC-4FBD-B749-4919D874BB44}" type="presOf" srcId="{A099BD35-FB6C-473F-B02C-B0E68E0406B5}" destId="{824294CA-A4F2-445D-9188-A3C7FF792AD1}" srcOrd="0" destOrd="0" presId="urn:microsoft.com/office/officeart/2005/8/layout/chevron2"/>
-    <dgm:cxn modelId="{4B834F7A-A4DD-47EC-BE8B-0DA9A1435F10}" type="presOf" srcId="{6EDAA9C4-0119-4485-8043-1BC09D3669D8}" destId="{0CF98D84-D255-4746-91D8-2DF457E35464}" srcOrd="0" destOrd="1" presId="urn:microsoft.com/office/officeart/2005/8/layout/chevron2"/>
+    <dgm:cxn modelId="{683929E8-C3C8-4622-9780-BC145CE8B0E3}" type="presOf" srcId="{7AE9CC21-F1AE-4671-9A22-3D1DD83BB77F}" destId="{B6C20B72-515E-42C5-B471-B93F24D8DDE8}" srcOrd="0" destOrd="0" presId="urn:microsoft.com/office/officeart/2005/8/layout/chevron2"/>
+    <dgm:cxn modelId="{A0CE1112-ABB9-40C5-8DB0-5DC111761553}" type="presOf" srcId="{C578D69E-43DF-4006-A6BB-81CDF3DE023D}" destId="{C993E897-2D30-42C6-85FE-D6C5236747EF}" srcOrd="0" destOrd="0" presId="urn:microsoft.com/office/officeart/2005/8/layout/chevron2"/>
+    <dgm:cxn modelId="{F62D5A2D-82F2-4B45-9CC1-92C8406385FF}" type="presOf" srcId="{A45F0515-50AC-4F46-A189-141F339AAE7C}" destId="{57918590-2BF2-46D3-9E7E-0267E0AD93AB}" srcOrd="0" destOrd="2" presId="urn:microsoft.com/office/officeart/2005/8/layout/chevron2"/>
+    <dgm:cxn modelId="{9CAF80FD-D13F-4091-988B-00706172EE19}" srcId="{20147F5E-128E-4526-9E92-2D0F56F16C93}" destId="{3F0D3174-6AD9-48B1-A565-0397BB194620}" srcOrd="0" destOrd="0" parTransId="{D1D4368F-7159-49D3-9E0D-2FA885EE13EE}" sibTransId="{30742839-BE98-45D8-B07B-0C2A01008A77}"/>
+    <dgm:cxn modelId="{24EB055A-4D46-4240-A6BB-7555F1E02C64}" srcId="{C578D69E-43DF-4006-A6BB-81CDF3DE023D}" destId="{A45F0515-50AC-4F46-A189-141F339AAE7C}" srcOrd="2" destOrd="0" parTransId="{E302059A-B52B-43C0-B212-D64AC88CC114}" sibTransId="{65D3EB41-E728-4258-9A2E-20161CF4E714}"/>
+    <dgm:cxn modelId="{49EAFEFF-E9EB-4D26-8F03-72FC8461AE3A}" srcId="{CDCE290E-C7E7-4496-881B-C37D4885DBB9}" destId="{27DAB658-0474-4DF9-80CB-D4F86FE4FE0D}" srcOrd="1" destOrd="0" parTransId="{74BAA2AE-A4E6-47EA-B4D6-EDDF00BD1103}" sibTransId="{58C8F105-A895-4DE5-8C83-2D97C795C9C3}"/>
+    <dgm:cxn modelId="{A2D9174F-9944-45D7-AABC-952090715E4C}" type="presOf" srcId="{6A2A389A-8F1A-44C8-94BE-6CFC7885C9C1}" destId="{807A3284-312C-4712-9D2F-AC0BAD7F8213}" srcOrd="0" destOrd="0" presId="urn:microsoft.com/office/officeart/2005/8/layout/chevron2"/>
+    <dgm:cxn modelId="{57BA9C9A-E1E2-4AD0-B3EA-9ECE0B6959A7}" srcId="{7AE9CC21-F1AE-4671-9A22-3D1DD83BB77F}" destId="{1A8D5F38-3AD3-44FB-AC9C-805EE34F16DB}" srcOrd="0" destOrd="0" parTransId="{86E3AF4D-2466-4304-8EF6-2E35B1174904}" sibTransId="{AD956726-A3CF-4238-87BE-042ECA9F5CE3}"/>
     <dgm:cxn modelId="{5059FA3E-FC11-4262-8B12-DC5060A235CB}" srcId="{1FF42334-253C-489C-ACAA-8AE6D30A49AA}" destId="{090C5E70-2421-47B9-916E-5848C710596B}" srcOrd="0" destOrd="0" parTransId="{CAB8B266-05F1-4B4B-A617-7CB9A73E08CC}" sibTransId="{E4BFD95F-A970-41DB-933E-D6C5CA4DE0C0}"/>
-    <dgm:cxn modelId="{8DBEBFFA-6DBD-4FF5-B390-60F99052554A}" srcId="{6A2A389A-8F1A-44C8-94BE-6CFC7885C9C1}" destId="{C578D69E-43DF-4006-A6BB-81CDF3DE023D}" srcOrd="4" destOrd="0" parTransId="{5F1F200B-910A-4D84-9C03-FD5806DCA0B6}" sibTransId="{62542C41-1A50-4D0E-B01A-B3FEB306096D}"/>
-    <dgm:cxn modelId="{E2BEBE33-6D8A-425D-AFEF-163AD42F28B3}" srcId="{A099BD35-FB6C-473F-B02C-B0E68E0406B5}" destId="{A98ADE03-060B-4231-9432-DE84CA7B8CFF}" srcOrd="0" destOrd="0" parTransId="{358216CF-938E-44C5-A3B2-E2A9DF149B78}" sibTransId="{610A1D00-E554-42AC-9417-0F252894085D}"/>
-    <dgm:cxn modelId="{03F2B31E-72CE-47BE-9CD6-1D4980554949}" type="presOf" srcId="{090C5E70-2421-47B9-916E-5848C710596B}" destId="{3FFB1560-41AB-4E35-8D02-8B03B4B53DA7}" srcOrd="0" destOrd="0" presId="urn:microsoft.com/office/officeart/2005/8/layout/chevron2"/>
-    <dgm:cxn modelId="{613821CF-8D0A-4C6F-80F0-8B684B059DAC}" type="presOf" srcId="{DE90ECE8-DCC7-47A0-A51F-E6F86ADAB35B}" destId="{57918590-2BF2-46D3-9E7E-0267E0AD93AB}" srcOrd="0" destOrd="0" presId="urn:microsoft.com/office/officeart/2005/8/layout/chevron2"/>
-    <dgm:cxn modelId="{A2D9174F-9944-45D7-AABC-952090715E4C}" type="presOf" srcId="{6A2A389A-8F1A-44C8-94BE-6CFC7885C9C1}" destId="{807A3284-312C-4712-9D2F-AC0BAD7F8213}" srcOrd="0" destOrd="0" presId="urn:microsoft.com/office/officeart/2005/8/layout/chevron2"/>
+    <dgm:cxn modelId="{F0BD5E2D-F27F-46A6-8607-1DBD741EA6C2}" srcId="{6A2A389A-8F1A-44C8-94BE-6CFC7885C9C1}" destId="{1FF42334-253C-489C-ACAA-8AE6D30A49AA}" srcOrd="1" destOrd="0" parTransId="{909F6642-8AC8-4AE9-A31B-FEFAF9AA2814}" sibTransId="{921555CE-25C2-4E49-9A1D-FBB80A3E5D0F}"/>
+    <dgm:cxn modelId="{31D3F642-621A-4269-BD13-674585137C5A}" srcId="{6A2A389A-8F1A-44C8-94BE-6CFC7885C9C1}" destId="{7AE9CC21-F1AE-4671-9A22-3D1DD83BB77F}" srcOrd="5" destOrd="0" parTransId="{B80C23E6-CAD6-486D-A303-99099415D650}" sibTransId="{44475F8B-8BF0-4C42-B207-D0463D160371}"/>
+    <dgm:cxn modelId="{DBAA05F4-6FAB-447D-A866-DCF84B751430}" type="presOf" srcId="{1FF42334-253C-489C-ACAA-8AE6D30A49AA}" destId="{8AC31EE9-DB81-4013-9149-8E76D92071CA}" srcOrd="0" destOrd="0" presId="urn:microsoft.com/office/officeart/2005/8/layout/chevron2"/>
+    <dgm:cxn modelId="{27C9B728-5550-42B9-B35D-C9460081F0D3}" srcId="{7BD06C3F-49DD-4FF3-9B13-0348C632F73A}" destId="{78A9683C-D550-4DA0-BF99-542CF25EC38F}" srcOrd="0" destOrd="0" parTransId="{12A4EAD3-AD69-4539-BFA2-85C28681CE80}" sibTransId="{B047CEE4-2361-4817-9269-2C8CB7FABC8D}"/>
+    <dgm:cxn modelId="{02F6C65C-F544-42D9-87B8-045921C576EE}" type="presOf" srcId="{9B1717D5-5D86-4E7D-997E-7F4EC72C720C}" destId="{F6E5B752-1950-4B8C-A607-EE0A54CEDD38}" srcOrd="0" destOrd="0" presId="urn:microsoft.com/office/officeart/2005/8/layout/chevron2"/>
+    <dgm:cxn modelId="{B84BEC18-C7EF-44CC-BF69-5D4CF9458A47}" type="presOf" srcId="{CDCE290E-C7E7-4496-881B-C37D4885DBB9}" destId="{ADB659D2-C604-415A-81C6-268866B1C432}" srcOrd="0" destOrd="0" presId="urn:microsoft.com/office/officeart/2005/8/layout/chevron2"/>
+    <dgm:cxn modelId="{AD988190-0EF6-4E32-B145-93D7504DCBE1}" type="presOf" srcId="{78A9683C-D550-4DA0-BF99-542CF25EC38F}" destId="{0CF98D84-D255-4746-91D8-2DF457E35464}" srcOrd="0" destOrd="0" presId="urn:microsoft.com/office/officeart/2005/8/layout/chevron2"/>
     <dgm:cxn modelId="{2057AC6F-3978-47D6-96FB-B0646073B562}" type="presOf" srcId="{3F0D3174-6AD9-48B1-A565-0397BB194620}" destId="{6D32C25E-00B6-4B0B-B570-4EB7DD3FE8EB}" srcOrd="0" destOrd="0" presId="urn:microsoft.com/office/officeart/2005/8/layout/chevron2"/>
-    <dgm:cxn modelId="{DBAA05F4-6FAB-447D-A866-DCF84B751430}" type="presOf" srcId="{1FF42334-253C-489C-ACAA-8AE6D30A49AA}" destId="{8AC31EE9-DB81-4013-9149-8E76D92071CA}" srcOrd="0" destOrd="0" presId="urn:microsoft.com/office/officeart/2005/8/layout/chevron2"/>
-    <dgm:cxn modelId="{79C42B1D-477B-497C-8130-649B4D37F023}" srcId="{6A2A389A-8F1A-44C8-94BE-6CFC7885C9C1}" destId="{7BD06C3F-49DD-4FF3-9B13-0348C632F73A}" srcOrd="0" destOrd="0" parTransId="{9E446D62-EBEA-461E-A7CB-F8A14267334D}" sibTransId="{3294A7D4-AB36-47D9-8DEA-174183C2C8CD}"/>
-    <dgm:cxn modelId="{7DDC35DB-D748-4153-8CED-BF5B6B62690A}" srcId="{1468B217-A021-498B-ACBF-23C43504C3FF}" destId="{DF78FB6B-660D-43A4-9B80-4A185F27BE42}" srcOrd="0" destOrd="0" parTransId="{36F7751D-05E7-4440-998F-C71DA9B6B5BE}" sibTransId="{4E7DAC28-AF92-4D50-8A4B-7CAC6BEA7987}"/>
-    <dgm:cxn modelId="{F0BD5E2D-F27F-46A6-8607-1DBD741EA6C2}" srcId="{6A2A389A-8F1A-44C8-94BE-6CFC7885C9C1}" destId="{1FF42334-253C-489C-ACAA-8AE6D30A49AA}" srcOrd="1" destOrd="0" parTransId="{909F6642-8AC8-4AE9-A31B-FEFAF9AA2814}" sibTransId="{921555CE-25C2-4E49-9A1D-FBB80A3E5D0F}"/>
-    <dgm:cxn modelId="{7315F0F5-C8A8-4301-9638-C49CA6D6D97C}" type="presOf" srcId="{1468B217-A021-498B-ACBF-23C43504C3FF}" destId="{8B759E7A-B483-489B-BF61-6EDBB8DD68B1}" srcOrd="0" destOrd="0" presId="urn:microsoft.com/office/officeart/2005/8/layout/chevron2"/>
-    <dgm:cxn modelId="{BD334632-6CC5-4A48-A6AF-147127E70B3F}" type="presOf" srcId="{7BD06C3F-49DD-4FF3-9B13-0348C632F73A}" destId="{8DEB8923-B515-46C3-96D0-2628ED9340FE}" srcOrd="0" destOrd="0" presId="urn:microsoft.com/office/officeart/2005/8/layout/chevron2"/>
-    <dgm:cxn modelId="{27C9B728-5550-42B9-B35D-C9460081F0D3}" srcId="{7BD06C3F-49DD-4FF3-9B13-0348C632F73A}" destId="{78A9683C-D550-4DA0-BF99-542CF25EC38F}" srcOrd="0" destOrd="0" parTransId="{12A4EAD3-AD69-4539-BFA2-85C28681CE80}" sibTransId="{B047CEE4-2361-4817-9269-2C8CB7FABC8D}"/>
-    <dgm:cxn modelId="{0D3F119E-9343-4E48-B91E-E36EE916EF05}" type="presOf" srcId="{906E65ED-647D-4FEB-996C-F48FB1D46B9F}" destId="{257773F3-F63D-4BDC-8BC6-A023E4F49C0F}" srcOrd="0" destOrd="1" presId="urn:microsoft.com/office/officeart/2005/8/layout/chevron2"/>
-    <dgm:cxn modelId="{2A102BC7-2261-4CEA-A3D3-88DF33C1F17D}" srcId="{1468B217-A021-498B-ACBF-23C43504C3FF}" destId="{906E65ED-647D-4FEB-996C-F48FB1D46B9F}" srcOrd="1" destOrd="0" parTransId="{44EF2E5E-3BBF-426A-87F3-33D593A09874}" sibTransId="{E17229E7-861F-4011-9512-95640ACA9A2E}"/>
-    <dgm:cxn modelId="{49C0B875-1A04-4207-A565-E84A68AB23A9}" srcId="{7BD06C3F-49DD-4FF3-9B13-0348C632F73A}" destId="{6EDAA9C4-0119-4485-8043-1BC09D3669D8}" srcOrd="1" destOrd="0" parTransId="{38697330-E1A5-4B42-A9F7-4DF6CED4F8D4}" sibTransId="{74874D31-492B-49DF-BBC2-4C4265B83484}"/>
-    <dgm:cxn modelId="{86853C1D-1761-4C3A-BCBD-0FC537F47EBE}" type="presOf" srcId="{145AD04E-EF2F-4DB5-94DE-A17786ECCC44}" destId="{257773F3-F63D-4BDC-8BC6-A023E4F49C0F}" srcOrd="0" destOrd="2" presId="urn:microsoft.com/office/officeart/2005/8/layout/chevron2"/>
-    <dgm:cxn modelId="{62383F13-F782-47A9-B2E8-EF68B318634A}" srcId="{6A2A389A-8F1A-44C8-94BE-6CFC7885C9C1}" destId="{A099BD35-FB6C-473F-B02C-B0E68E0406B5}" srcOrd="3" destOrd="0" parTransId="{B51ED7F3-21EE-49AE-A446-26E397032D52}" sibTransId="{FC705B3D-D5DA-4FCE-9011-7225470BD6C8}"/>
-    <dgm:cxn modelId="{AD988190-0EF6-4E32-B145-93D7504DCBE1}" type="presOf" srcId="{78A9683C-D550-4DA0-BF99-542CF25EC38F}" destId="{0CF98D84-D255-4746-91D8-2DF457E35464}" srcOrd="0" destOrd="0" presId="urn:microsoft.com/office/officeart/2005/8/layout/chevron2"/>
-    <dgm:cxn modelId="{9CAF80FD-D13F-4091-988B-00706172EE19}" srcId="{20147F5E-128E-4526-9E92-2D0F56F16C93}" destId="{3F0D3174-6AD9-48B1-A565-0397BB194620}" srcOrd="0" destOrd="0" parTransId="{D1D4368F-7159-49D3-9E0D-2FA885EE13EE}" sibTransId="{30742839-BE98-45D8-B07B-0C2A01008A77}"/>
-    <dgm:cxn modelId="{718D722D-31A5-43D4-A207-844B41109018}" srcId="{C578D69E-43DF-4006-A6BB-81CDF3DE023D}" destId="{DE90ECE8-DCC7-47A0-A51F-E6F86ADAB35B}" srcOrd="0" destOrd="0" parTransId="{93027C3D-F6FF-478F-A246-328E5A9D8DD5}" sibTransId="{ABD46A7C-BE93-4139-8B4F-20438AA423A2}"/>
-    <dgm:cxn modelId="{A0CE1112-ABB9-40C5-8DB0-5DC111761553}" type="presOf" srcId="{C578D69E-43DF-4006-A6BB-81CDF3DE023D}" destId="{C993E897-2D30-42C6-85FE-D6C5236747EF}" srcOrd="0" destOrd="0" presId="urn:microsoft.com/office/officeart/2005/8/layout/chevron2"/>
-    <dgm:cxn modelId="{8B8018F7-274B-42F8-B7A5-BD62B2AE5553}" srcId="{6A2A389A-8F1A-44C8-94BE-6CFC7885C9C1}" destId="{1468B217-A021-498B-ACBF-23C43504C3FF}" srcOrd="5" destOrd="0" parTransId="{7591A55F-3FC0-49EF-A1EB-32088F394467}" sibTransId="{766FF0FB-6F78-4231-9F36-E89DEFF2DBEC}"/>
     <dgm:cxn modelId="{14AE6FB9-69E2-41BE-A8C8-C51F47B7D1D7}" type="presParOf" srcId="{807A3284-312C-4712-9D2F-AC0BAD7F8213}" destId="{955E8C1C-4216-4E05-9C42-6D35061DD414}" srcOrd="0" destOrd="0" presId="urn:microsoft.com/office/officeart/2005/8/layout/chevron2"/>
     <dgm:cxn modelId="{A01A9FC6-F970-4251-8973-779080631FE4}" type="presParOf" srcId="{955E8C1C-4216-4E05-9C42-6D35061DD414}" destId="{8DEB8923-B515-46C3-96D0-2628ED9340FE}" srcOrd="0" destOrd="0" presId="urn:microsoft.com/office/officeart/2005/8/layout/chevron2"/>
     <dgm:cxn modelId="{C949188B-B2AB-41AB-B2C2-CC8905936096}" type="presParOf" srcId="{955E8C1C-4216-4E05-9C42-6D35061DD414}" destId="{0CF98D84-D255-4746-91D8-2DF457E35464}" srcOrd="1" destOrd="0" presId="urn:microsoft.com/office/officeart/2005/8/layout/chevron2"/>
@@ -3665,17 +3798,25 @@
     <dgm:cxn modelId="{8B34C6CC-7A7E-45FA-86EB-8FE1E1A96FB7}" type="presParOf" srcId="{25947A46-46B2-4532-A207-7E04198A9D0D}" destId="{4980B6FF-C675-4D39-B1BE-1D4589D16B20}" srcOrd="0" destOrd="0" presId="urn:microsoft.com/office/officeart/2005/8/layout/chevron2"/>
     <dgm:cxn modelId="{1303952A-BA01-4151-A50C-3C5191144FC0}" type="presParOf" srcId="{25947A46-46B2-4532-A207-7E04198A9D0D}" destId="{6D32C25E-00B6-4B0B-B570-4EB7DD3FE8EB}" srcOrd="1" destOrd="0" presId="urn:microsoft.com/office/officeart/2005/8/layout/chevron2"/>
     <dgm:cxn modelId="{F5E8837E-DBE2-471C-A28A-DBABA40CD152}" type="presParOf" srcId="{807A3284-312C-4712-9D2F-AC0BAD7F8213}" destId="{310EA1F4-40D2-45F7-BAFE-822FACCC6516}" srcOrd="5" destOrd="0" presId="urn:microsoft.com/office/officeart/2005/8/layout/chevron2"/>
-    <dgm:cxn modelId="{8AF03B5B-4AD7-45F2-B761-F154F2965D44}" type="presParOf" srcId="{807A3284-312C-4712-9D2F-AC0BAD7F8213}" destId="{9CBD72C8-14D2-4B83-8DAE-9ED411D883D9}" srcOrd="6" destOrd="0" presId="urn:microsoft.com/office/officeart/2005/8/layout/chevron2"/>
-    <dgm:cxn modelId="{CDD52131-259B-45B6-807F-26D384B65EDA}" type="presParOf" srcId="{9CBD72C8-14D2-4B83-8DAE-9ED411D883D9}" destId="{824294CA-A4F2-445D-9188-A3C7FF792AD1}" srcOrd="0" destOrd="0" presId="urn:microsoft.com/office/officeart/2005/8/layout/chevron2"/>
-    <dgm:cxn modelId="{A6CB4D58-427D-4E60-B811-CE8531C2B540}" type="presParOf" srcId="{9CBD72C8-14D2-4B83-8DAE-9ED411D883D9}" destId="{F6E101BF-D42F-4F32-B7CE-6D9FBBE8169C}" srcOrd="1" destOrd="0" presId="urn:microsoft.com/office/officeart/2005/8/layout/chevron2"/>
-    <dgm:cxn modelId="{237CD05E-06C9-4068-AD77-5068C01F01B3}" type="presParOf" srcId="{807A3284-312C-4712-9D2F-AC0BAD7F8213}" destId="{C25F36A6-184D-4EDB-9E27-6CE06E69DC60}" srcOrd="7" destOrd="0" presId="urn:microsoft.com/office/officeart/2005/8/layout/chevron2"/>
-    <dgm:cxn modelId="{E6D0594C-6AE5-4BD2-A5A4-6868DA7505EE}" type="presParOf" srcId="{807A3284-312C-4712-9D2F-AC0BAD7F8213}" destId="{7CA0BFB0-15AD-4F7F-BD31-8DBC0D682057}" srcOrd="8" destOrd="0" presId="urn:microsoft.com/office/officeart/2005/8/layout/chevron2"/>
+    <dgm:cxn modelId="{E6D0594C-6AE5-4BD2-A5A4-6868DA7505EE}" type="presParOf" srcId="{807A3284-312C-4712-9D2F-AC0BAD7F8213}" destId="{7CA0BFB0-15AD-4F7F-BD31-8DBC0D682057}" srcOrd="6" destOrd="0" presId="urn:microsoft.com/office/officeart/2005/8/layout/chevron2"/>
     <dgm:cxn modelId="{D98CD4F4-6113-41F3-98B1-5A0C4FF5C7B1}" type="presParOf" srcId="{7CA0BFB0-15AD-4F7F-BD31-8DBC0D682057}" destId="{C993E897-2D30-42C6-85FE-D6C5236747EF}" srcOrd="0" destOrd="0" presId="urn:microsoft.com/office/officeart/2005/8/layout/chevron2"/>
     <dgm:cxn modelId="{81E69552-2363-4377-A5DA-E764A4DA0EA8}" type="presParOf" srcId="{7CA0BFB0-15AD-4F7F-BD31-8DBC0D682057}" destId="{57918590-2BF2-46D3-9E7E-0267E0AD93AB}" srcOrd="1" destOrd="0" presId="urn:microsoft.com/office/officeart/2005/8/layout/chevron2"/>
-    <dgm:cxn modelId="{9852456C-C68E-4B5D-BDD9-1DE82B3B8D04}" type="presParOf" srcId="{807A3284-312C-4712-9D2F-AC0BAD7F8213}" destId="{EB1EF226-097F-40A8-91F8-93C93E354145}" srcOrd="9" destOrd="0" presId="urn:microsoft.com/office/officeart/2005/8/layout/chevron2"/>
-    <dgm:cxn modelId="{5403B14C-18FB-4905-883D-402C9DCC0E25}" type="presParOf" srcId="{807A3284-312C-4712-9D2F-AC0BAD7F8213}" destId="{2E9753C9-E211-4D49-A62D-0C0C404E2FAD}" srcOrd="10" destOrd="0" presId="urn:microsoft.com/office/officeart/2005/8/layout/chevron2"/>
-    <dgm:cxn modelId="{547561DF-817E-4610-98E8-4892772C305B}" type="presParOf" srcId="{2E9753C9-E211-4D49-A62D-0C0C404E2FAD}" destId="{8B759E7A-B483-489B-BF61-6EDBB8DD68B1}" srcOrd="0" destOrd="0" presId="urn:microsoft.com/office/officeart/2005/8/layout/chevron2"/>
-    <dgm:cxn modelId="{2E05E6F4-9F72-40CD-B6DE-236CF7E13C42}" type="presParOf" srcId="{2E9753C9-E211-4D49-A62D-0C0C404E2FAD}" destId="{257773F3-F63D-4BDC-8BC6-A023E4F49C0F}" srcOrd="1" destOrd="0" presId="urn:microsoft.com/office/officeart/2005/8/layout/chevron2"/>
+    <dgm:cxn modelId="{55B12C35-62D4-47C7-B18C-F6E72106D230}" type="presParOf" srcId="{807A3284-312C-4712-9D2F-AC0BAD7F8213}" destId="{EB1EF226-097F-40A8-91F8-93C93E354145}" srcOrd="7" destOrd="0" presId="urn:microsoft.com/office/officeart/2005/8/layout/chevron2"/>
+    <dgm:cxn modelId="{C44605FD-DE4E-4C10-83EC-26B67A0FA522}" type="presParOf" srcId="{807A3284-312C-4712-9D2F-AC0BAD7F8213}" destId="{F7A1F359-FA8B-4865-96EA-2FDA8BF40DC2}" srcOrd="8" destOrd="0" presId="urn:microsoft.com/office/officeart/2005/8/layout/chevron2"/>
+    <dgm:cxn modelId="{247F1039-C2BE-4A45-ACED-02BE075EB3BF}" type="presParOf" srcId="{F7A1F359-FA8B-4865-96EA-2FDA8BF40DC2}" destId="{9D01E9EF-5430-42BB-ACF9-B724C8D2912A}" srcOrd="0" destOrd="0" presId="urn:microsoft.com/office/officeart/2005/8/layout/chevron2"/>
+    <dgm:cxn modelId="{AB9360FF-70A7-49B7-9B1C-D7AAA0DD3ABB}" type="presParOf" srcId="{F7A1F359-FA8B-4865-96EA-2FDA8BF40DC2}" destId="{56E6B489-7ACC-44E0-AC26-7BF041ED60DA}" srcOrd="1" destOrd="0" presId="urn:microsoft.com/office/officeart/2005/8/layout/chevron2"/>
+    <dgm:cxn modelId="{6334C1DC-22F0-4306-B2A5-B9DD48B2CFCD}" type="presParOf" srcId="{807A3284-312C-4712-9D2F-AC0BAD7F8213}" destId="{EE80E8C5-0D0E-41DC-AC53-FCA48F9FCA62}" srcOrd="9" destOrd="0" presId="urn:microsoft.com/office/officeart/2005/8/layout/chevron2"/>
+    <dgm:cxn modelId="{CD7DC3A9-8A1E-4711-93EA-71015CECD6ED}" type="presParOf" srcId="{807A3284-312C-4712-9D2F-AC0BAD7F8213}" destId="{263883E2-69C0-4A23-80EA-8408C49E7FEE}" srcOrd="10" destOrd="0" presId="urn:microsoft.com/office/officeart/2005/8/layout/chevron2"/>
+    <dgm:cxn modelId="{79ED4392-FEDD-4DCE-9FCB-7E5D164CFE07}" type="presParOf" srcId="{263883E2-69C0-4A23-80EA-8408C49E7FEE}" destId="{B6C20B72-515E-42C5-B471-B93F24D8DDE8}" srcOrd="0" destOrd="0" presId="urn:microsoft.com/office/officeart/2005/8/layout/chevron2"/>
+    <dgm:cxn modelId="{38EAD34C-B7F8-4D29-B7D5-71A5A510AA70}" type="presParOf" srcId="{263883E2-69C0-4A23-80EA-8408C49E7FEE}" destId="{87FBD966-59F3-4E75-B5C0-92792FCCC0BF}" srcOrd="1" destOrd="0" presId="urn:microsoft.com/office/officeart/2005/8/layout/chevron2"/>
+    <dgm:cxn modelId="{A739A105-6DCC-42A5-9839-AB88E9ADB85E}" type="presParOf" srcId="{807A3284-312C-4712-9D2F-AC0BAD7F8213}" destId="{42D0A530-775C-4A2A-B7FB-E8FE74FBCBD6}" srcOrd="11" destOrd="0" presId="urn:microsoft.com/office/officeart/2005/8/layout/chevron2"/>
+    <dgm:cxn modelId="{005F8D60-E7B9-4778-8863-77F226D1D0DC}" type="presParOf" srcId="{807A3284-312C-4712-9D2F-AC0BAD7F8213}" destId="{F23D2960-1393-41E8-8263-87B71026039F}" srcOrd="12" destOrd="0" presId="urn:microsoft.com/office/officeart/2005/8/layout/chevron2"/>
+    <dgm:cxn modelId="{3E598EFA-E260-45D0-86E6-3284607984B2}" type="presParOf" srcId="{F23D2960-1393-41E8-8263-87B71026039F}" destId="{ADB659D2-C604-415A-81C6-268866B1C432}" srcOrd="0" destOrd="0" presId="urn:microsoft.com/office/officeart/2005/8/layout/chevron2"/>
+    <dgm:cxn modelId="{550FC1D6-78AD-4E80-82F9-FB79D059993E}" type="presParOf" srcId="{F23D2960-1393-41E8-8263-87B71026039F}" destId="{B63D911B-60E6-4082-9381-E6B89A1FF1A5}" srcOrd="1" destOrd="0" presId="urn:microsoft.com/office/officeart/2005/8/layout/chevron2"/>
+    <dgm:cxn modelId="{8E8D44A8-374E-4BB7-98F9-C308033AD3C5}" type="presParOf" srcId="{807A3284-312C-4712-9D2F-AC0BAD7F8213}" destId="{7A2D11EB-321E-44E1-ACB9-E19DD4C53BD1}" srcOrd="13" destOrd="0" presId="urn:microsoft.com/office/officeart/2005/8/layout/chevron2"/>
+    <dgm:cxn modelId="{A96ACE5A-6855-44D2-9DF4-267A4F92F04B}" type="presParOf" srcId="{807A3284-312C-4712-9D2F-AC0BAD7F8213}" destId="{F557E4AE-A69C-4E37-A5EE-255A899D3448}" srcOrd="14" destOrd="0" presId="urn:microsoft.com/office/officeart/2005/8/layout/chevron2"/>
+    <dgm:cxn modelId="{26B5C1EE-5500-49F7-8651-0B1508A72AFA}" type="presParOf" srcId="{F557E4AE-A69C-4E37-A5EE-255A899D3448}" destId="{F6E5B752-1950-4B8C-A607-EE0A54CEDD38}" srcOrd="0" destOrd="0" presId="urn:microsoft.com/office/officeart/2005/8/layout/chevron2"/>
+    <dgm:cxn modelId="{CA276322-D491-48CC-853F-A83DF12BF3FA}" type="presParOf" srcId="{F557E4AE-A69C-4E37-A5EE-255A899D3448}" destId="{DE17512F-233A-477B-BA28-D173BD1C7675}" srcOrd="1" destOrd="0" presId="urn:microsoft.com/office/officeart/2005/8/layout/chevron2"/>
   </dgm:cxnLst>
   <dgm:bg/>
   <dgm:whole/>
@@ -5974,6 +6115,1338 @@
       <dsp:cNvGrpSpPr/>
     </dsp:nvGrpSpPr>
     <dsp:grpSpPr/>
+    <dsp:sp modelId="{8DEB8923-B515-46C3-96D0-2628ED9340FE}">
+      <dsp:nvSpPr>
+        <dsp:cNvPr id="0" name=""/>
+        <dsp:cNvSpPr/>
+      </dsp:nvSpPr>
+      <dsp:spPr>
+        <a:xfrm rot="5400000">
+          <a:off x="-111125" y="113456"/>
+          <a:ext cx="740833" cy="518583"/>
+        </a:xfrm>
+        <a:prstGeom prst="chevron">
+          <a:avLst/>
+        </a:prstGeom>
+        <a:solidFill>
+          <a:schemeClr val="accent1">
+            <a:hueOff val="0"/>
+            <a:satOff val="0"/>
+            <a:lumOff val="0"/>
+            <a:alphaOff val="0"/>
+          </a:schemeClr>
+        </a:solidFill>
+        <a:ln w="12700" cap="flat" cmpd="sng" algn="ctr">
+          <a:solidFill>
+            <a:schemeClr val="accent1">
+              <a:hueOff val="0"/>
+              <a:satOff val="0"/>
+              <a:lumOff val="0"/>
+              <a:alphaOff val="0"/>
+            </a:schemeClr>
+          </a:solidFill>
+          <a:prstDash val="solid"/>
+          <a:miter lim="800000"/>
+        </a:ln>
+        <a:effectLst/>
+      </dsp:spPr>
+      <dsp:style>
+        <a:lnRef idx="2">
+          <a:scrgbClr r="0" g="0" b="0"/>
+        </a:lnRef>
+        <a:fillRef idx="1">
+          <a:scrgbClr r="0" g="0" b="0"/>
+        </a:fillRef>
+        <a:effectRef idx="0">
+          <a:scrgbClr r="0" g="0" b="0"/>
+        </a:effectRef>
+        <a:fontRef idx="minor">
+          <a:schemeClr val="lt1"/>
+        </a:fontRef>
+      </dsp:style>
+      <dsp:txBody>
+        <a:bodyPr spcFirstLastPara="0" vert="horz" wrap="square" lIns="4445" tIns="4445" rIns="4445" bIns="4445" numCol="1" spcCol="1270" anchor="ctr" anchorCtr="0">
+          <a:noAutofit/>
+        </a:bodyPr>
+        <a:lstStyle/>
+        <a:p>
+          <a:pPr lvl="0" algn="ctr" defTabSz="311150">
+            <a:lnSpc>
+              <a:spcPct val="90000"/>
+            </a:lnSpc>
+            <a:spcBef>
+              <a:spcPct val="0"/>
+            </a:spcBef>
+            <a:spcAft>
+              <a:spcPct val="35000"/>
+            </a:spcAft>
+          </a:pPr>
+          <a:r>
+            <a:rPr lang="en-US" sz="700" kern="1200" dirty="0" smtClean="0"/>
+            <a:t>Beer Type</a:t>
+          </a:r>
+          <a:endParaRPr lang="en-US" sz="700" kern="1200" dirty="0"/>
+        </a:p>
+      </dsp:txBody>
+      <dsp:txXfrm rot="-5400000">
+        <a:off x="1" y="261623"/>
+        <a:ext cx="518583" cy="222250"/>
+      </dsp:txXfrm>
+    </dsp:sp>
+    <dsp:sp modelId="{0CF98D84-D255-4746-91D8-2DF457E35464}">
+      <dsp:nvSpPr>
+        <dsp:cNvPr id="0" name=""/>
+        <dsp:cNvSpPr/>
+      </dsp:nvSpPr>
+      <dsp:spPr>
+        <a:xfrm rot="5400000">
+          <a:off x="4082520" y="-3561606"/>
+          <a:ext cx="481541" cy="7609416"/>
+        </a:xfrm>
+        <a:prstGeom prst="round2SameRect">
+          <a:avLst/>
+        </a:prstGeom>
+        <a:solidFill>
+          <a:schemeClr val="lt1">
+            <a:alpha val="90000"/>
+            <a:hueOff val="0"/>
+            <a:satOff val="0"/>
+            <a:lumOff val="0"/>
+            <a:alphaOff val="0"/>
+          </a:schemeClr>
+        </a:solidFill>
+        <a:ln w="12700" cap="flat" cmpd="sng" algn="ctr">
+          <a:solidFill>
+            <a:schemeClr val="accent1">
+              <a:hueOff val="0"/>
+              <a:satOff val="0"/>
+              <a:lumOff val="0"/>
+              <a:alphaOff val="0"/>
+            </a:schemeClr>
+          </a:solidFill>
+          <a:prstDash val="solid"/>
+          <a:miter lim="800000"/>
+        </a:ln>
+        <a:effectLst/>
+      </dsp:spPr>
+      <dsp:style>
+        <a:lnRef idx="2">
+          <a:scrgbClr r="0" g="0" b="0"/>
+        </a:lnRef>
+        <a:fillRef idx="1">
+          <a:scrgbClr r="0" g="0" b="0"/>
+        </a:fillRef>
+        <a:effectRef idx="0">
+          <a:scrgbClr r="0" g="0" b="0"/>
+        </a:effectRef>
+        <a:fontRef idx="minor"/>
+      </dsp:style>
+      <dsp:txBody>
+        <a:bodyPr spcFirstLastPara="0" vert="horz" wrap="square" lIns="64008" tIns="5715" rIns="5715" bIns="5715" numCol="1" spcCol="1270" anchor="ctr" anchorCtr="0">
+          <a:noAutofit/>
+        </a:bodyPr>
+        <a:lstStyle/>
+        <a:p>
+          <a:pPr marL="57150" lvl="1" indent="-57150" algn="l" defTabSz="400050">
+            <a:lnSpc>
+              <a:spcPct val="90000"/>
+            </a:lnSpc>
+            <a:spcBef>
+              <a:spcPct val="0"/>
+            </a:spcBef>
+            <a:spcAft>
+              <a:spcPct val="15000"/>
+            </a:spcAft>
+            <a:buChar char="••"/>
+          </a:pPr>
+          <a:r>
+            <a:rPr lang="en-US" sz="900" kern="1200" dirty="0" smtClean="0"/>
+            <a:t>BJCP style guideline constants</a:t>
+          </a:r>
+          <a:endParaRPr lang="en-US" sz="900" kern="1200" dirty="0"/>
+        </a:p>
+        <a:p>
+          <a:pPr marL="57150" lvl="1" indent="-57150" algn="l" defTabSz="400050">
+            <a:lnSpc>
+              <a:spcPct val="90000"/>
+            </a:lnSpc>
+            <a:spcBef>
+              <a:spcPct val="0"/>
+            </a:spcBef>
+            <a:spcAft>
+              <a:spcPct val="15000"/>
+            </a:spcAft>
+            <a:buChar char="••"/>
+          </a:pPr>
+          <a:r>
+            <a:rPr lang="en-US" sz="900" kern="1200" dirty="0" smtClean="0"/>
+            <a:t>Brew kitchen system constants</a:t>
+          </a:r>
+          <a:endParaRPr lang="en-US" sz="900" kern="1200" dirty="0"/>
+        </a:p>
+      </dsp:txBody>
+      <dsp:txXfrm rot="-5400000">
+        <a:off x="518583" y="25838"/>
+        <a:ext cx="7585909" cy="434527"/>
+      </dsp:txXfrm>
+    </dsp:sp>
+    <dsp:sp modelId="{8AC31EE9-DB81-4013-9149-8E76D92071CA}">
+      <dsp:nvSpPr>
+        <dsp:cNvPr id="0" name=""/>
+        <dsp:cNvSpPr/>
+      </dsp:nvSpPr>
+      <dsp:spPr>
+        <a:xfrm rot="5400000">
+          <a:off x="-111125" y="781052"/>
+          <a:ext cx="740833" cy="518583"/>
+        </a:xfrm>
+        <a:prstGeom prst="chevron">
+          <a:avLst/>
+        </a:prstGeom>
+        <a:solidFill>
+          <a:schemeClr val="accent1">
+            <a:hueOff val="0"/>
+            <a:satOff val="0"/>
+            <a:lumOff val="0"/>
+            <a:alphaOff val="0"/>
+          </a:schemeClr>
+        </a:solidFill>
+        <a:ln w="12700" cap="flat" cmpd="sng" algn="ctr">
+          <a:solidFill>
+            <a:schemeClr val="accent1">
+              <a:hueOff val="0"/>
+              <a:satOff val="0"/>
+              <a:lumOff val="0"/>
+              <a:alphaOff val="0"/>
+            </a:schemeClr>
+          </a:solidFill>
+          <a:prstDash val="solid"/>
+          <a:miter lim="800000"/>
+        </a:ln>
+        <a:effectLst/>
+      </dsp:spPr>
+      <dsp:style>
+        <a:lnRef idx="2">
+          <a:scrgbClr r="0" g="0" b="0"/>
+        </a:lnRef>
+        <a:fillRef idx="1">
+          <a:scrgbClr r="0" g="0" b="0"/>
+        </a:fillRef>
+        <a:effectRef idx="0">
+          <a:scrgbClr r="0" g="0" b="0"/>
+        </a:effectRef>
+        <a:fontRef idx="minor">
+          <a:schemeClr val="lt1"/>
+        </a:fontRef>
+      </dsp:style>
+      <dsp:txBody>
+        <a:bodyPr spcFirstLastPara="0" vert="horz" wrap="square" lIns="4445" tIns="4445" rIns="4445" bIns="4445" numCol="1" spcCol="1270" anchor="ctr" anchorCtr="0">
+          <a:noAutofit/>
+        </a:bodyPr>
+        <a:lstStyle/>
+        <a:p>
+          <a:pPr lvl="0" algn="ctr" defTabSz="311150">
+            <a:lnSpc>
+              <a:spcPct val="90000"/>
+            </a:lnSpc>
+            <a:spcBef>
+              <a:spcPct val="0"/>
+            </a:spcBef>
+            <a:spcAft>
+              <a:spcPct val="35000"/>
+            </a:spcAft>
+          </a:pPr>
+          <a:r>
+            <a:rPr lang="en-US" sz="700" kern="1200" dirty="0" err="1" smtClean="0"/>
+            <a:t>Fermentables</a:t>
+          </a:r>
+          <a:endParaRPr lang="en-US" sz="700" kern="1200" dirty="0"/>
+        </a:p>
+      </dsp:txBody>
+      <dsp:txXfrm rot="-5400000">
+        <a:off x="1" y="929219"/>
+        <a:ext cx="518583" cy="222250"/>
+      </dsp:txXfrm>
+    </dsp:sp>
+    <dsp:sp modelId="{3FFB1560-41AB-4E35-8D02-8B03B4B53DA7}">
+      <dsp:nvSpPr>
+        <dsp:cNvPr id="0" name=""/>
+        <dsp:cNvSpPr/>
+      </dsp:nvSpPr>
+      <dsp:spPr>
+        <a:xfrm rot="5400000">
+          <a:off x="4082520" y="-2894010"/>
+          <a:ext cx="481541" cy="7609416"/>
+        </a:xfrm>
+        <a:prstGeom prst="round2SameRect">
+          <a:avLst/>
+        </a:prstGeom>
+        <a:solidFill>
+          <a:schemeClr val="lt1">
+            <a:alpha val="90000"/>
+            <a:hueOff val="0"/>
+            <a:satOff val="0"/>
+            <a:lumOff val="0"/>
+            <a:alphaOff val="0"/>
+          </a:schemeClr>
+        </a:solidFill>
+        <a:ln w="12700" cap="flat" cmpd="sng" algn="ctr">
+          <a:solidFill>
+            <a:schemeClr val="accent1">
+              <a:hueOff val="0"/>
+              <a:satOff val="0"/>
+              <a:lumOff val="0"/>
+              <a:alphaOff val="0"/>
+            </a:schemeClr>
+          </a:solidFill>
+          <a:prstDash val="solid"/>
+          <a:miter lim="800000"/>
+        </a:ln>
+        <a:effectLst/>
+      </dsp:spPr>
+      <dsp:style>
+        <a:lnRef idx="2">
+          <a:scrgbClr r="0" g="0" b="0"/>
+        </a:lnRef>
+        <a:fillRef idx="1">
+          <a:scrgbClr r="0" g="0" b="0"/>
+        </a:fillRef>
+        <a:effectRef idx="0">
+          <a:scrgbClr r="0" g="0" b="0"/>
+        </a:effectRef>
+        <a:fontRef idx="minor"/>
+      </dsp:style>
+      <dsp:txBody>
+        <a:bodyPr spcFirstLastPara="0" vert="horz" wrap="square" lIns="64008" tIns="5715" rIns="5715" bIns="5715" numCol="1" spcCol="1270" anchor="ctr" anchorCtr="0">
+          <a:noAutofit/>
+        </a:bodyPr>
+        <a:lstStyle/>
+        <a:p>
+          <a:pPr marL="57150" lvl="1" indent="-57150" algn="l" defTabSz="400050">
+            <a:lnSpc>
+              <a:spcPct val="90000"/>
+            </a:lnSpc>
+            <a:spcBef>
+              <a:spcPct val="0"/>
+            </a:spcBef>
+            <a:spcAft>
+              <a:spcPct val="15000"/>
+            </a:spcAft>
+            <a:buChar char="••"/>
+          </a:pPr>
+          <a:r>
+            <a:rPr lang="en-US" sz="900" kern="1200" dirty="0" smtClean="0"/>
+            <a:t>Grain bill calculation</a:t>
+          </a:r>
+          <a:endParaRPr lang="en-US" sz="900" kern="1200" dirty="0"/>
+        </a:p>
+      </dsp:txBody>
+      <dsp:txXfrm rot="-5400000">
+        <a:off x="518583" y="693434"/>
+        <a:ext cx="7585909" cy="434527"/>
+      </dsp:txXfrm>
+    </dsp:sp>
+    <dsp:sp modelId="{4980B6FF-C675-4D39-B1BE-1D4589D16B20}">
+      <dsp:nvSpPr>
+        <dsp:cNvPr id="0" name=""/>
+        <dsp:cNvSpPr/>
+      </dsp:nvSpPr>
+      <dsp:spPr>
+        <a:xfrm rot="5400000">
+          <a:off x="-111125" y="1448647"/>
+          <a:ext cx="740833" cy="518583"/>
+        </a:xfrm>
+        <a:prstGeom prst="chevron">
+          <a:avLst/>
+        </a:prstGeom>
+        <a:solidFill>
+          <a:schemeClr val="accent1">
+            <a:hueOff val="0"/>
+            <a:satOff val="0"/>
+            <a:lumOff val="0"/>
+            <a:alphaOff val="0"/>
+          </a:schemeClr>
+        </a:solidFill>
+        <a:ln w="12700" cap="flat" cmpd="sng" algn="ctr">
+          <a:solidFill>
+            <a:schemeClr val="accent1">
+              <a:hueOff val="0"/>
+              <a:satOff val="0"/>
+              <a:lumOff val="0"/>
+              <a:alphaOff val="0"/>
+            </a:schemeClr>
+          </a:solidFill>
+          <a:prstDash val="solid"/>
+          <a:miter lim="800000"/>
+        </a:ln>
+        <a:effectLst/>
+      </dsp:spPr>
+      <dsp:style>
+        <a:lnRef idx="2">
+          <a:scrgbClr r="0" g="0" b="0"/>
+        </a:lnRef>
+        <a:fillRef idx="1">
+          <a:scrgbClr r="0" g="0" b="0"/>
+        </a:fillRef>
+        <a:effectRef idx="0">
+          <a:scrgbClr r="0" g="0" b="0"/>
+        </a:effectRef>
+        <a:fontRef idx="minor">
+          <a:schemeClr val="lt1"/>
+        </a:fontRef>
+      </dsp:style>
+      <dsp:txBody>
+        <a:bodyPr spcFirstLastPara="0" vert="horz" wrap="square" lIns="4445" tIns="4445" rIns="4445" bIns="4445" numCol="1" spcCol="1270" anchor="ctr" anchorCtr="0">
+          <a:noAutofit/>
+        </a:bodyPr>
+        <a:lstStyle/>
+        <a:p>
+          <a:pPr lvl="0" algn="ctr" defTabSz="311150">
+            <a:lnSpc>
+              <a:spcPct val="90000"/>
+            </a:lnSpc>
+            <a:spcBef>
+              <a:spcPct val="0"/>
+            </a:spcBef>
+            <a:spcAft>
+              <a:spcPct val="35000"/>
+            </a:spcAft>
+          </a:pPr>
+          <a:r>
+            <a:rPr lang="en-US" sz="700" kern="1200" dirty="0" smtClean="0"/>
+            <a:t>Yeast</a:t>
+          </a:r>
+          <a:endParaRPr lang="en-US" sz="700" kern="1200" dirty="0"/>
+        </a:p>
+      </dsp:txBody>
+      <dsp:txXfrm rot="-5400000">
+        <a:off x="1" y="1596814"/>
+        <a:ext cx="518583" cy="222250"/>
+      </dsp:txXfrm>
+    </dsp:sp>
+    <dsp:sp modelId="{6D32C25E-00B6-4B0B-B570-4EB7DD3FE8EB}">
+      <dsp:nvSpPr>
+        <dsp:cNvPr id="0" name=""/>
+        <dsp:cNvSpPr/>
+      </dsp:nvSpPr>
+      <dsp:spPr>
+        <a:xfrm rot="5400000">
+          <a:off x="4082520" y="-2226414"/>
+          <a:ext cx="481541" cy="7609416"/>
+        </a:xfrm>
+        <a:prstGeom prst="round2SameRect">
+          <a:avLst/>
+        </a:prstGeom>
+        <a:solidFill>
+          <a:schemeClr val="lt1">
+            <a:alpha val="90000"/>
+            <a:hueOff val="0"/>
+            <a:satOff val="0"/>
+            <a:lumOff val="0"/>
+            <a:alphaOff val="0"/>
+          </a:schemeClr>
+        </a:solidFill>
+        <a:ln w="12700" cap="flat" cmpd="sng" algn="ctr">
+          <a:solidFill>
+            <a:schemeClr val="accent1">
+              <a:hueOff val="0"/>
+              <a:satOff val="0"/>
+              <a:lumOff val="0"/>
+              <a:alphaOff val="0"/>
+            </a:schemeClr>
+          </a:solidFill>
+          <a:prstDash val="solid"/>
+          <a:miter lim="800000"/>
+        </a:ln>
+        <a:effectLst/>
+      </dsp:spPr>
+      <dsp:style>
+        <a:lnRef idx="2">
+          <a:scrgbClr r="0" g="0" b="0"/>
+        </a:lnRef>
+        <a:fillRef idx="1">
+          <a:scrgbClr r="0" g="0" b="0"/>
+        </a:fillRef>
+        <a:effectRef idx="0">
+          <a:scrgbClr r="0" g="0" b="0"/>
+        </a:effectRef>
+        <a:fontRef idx="minor"/>
+      </dsp:style>
+      <dsp:txBody>
+        <a:bodyPr spcFirstLastPara="0" vert="horz" wrap="square" lIns="64008" tIns="5715" rIns="5715" bIns="5715" numCol="1" spcCol="1270" anchor="ctr" anchorCtr="0">
+          <a:noAutofit/>
+        </a:bodyPr>
+        <a:lstStyle/>
+        <a:p>
+          <a:pPr marL="57150" lvl="1" indent="-57150" algn="l" defTabSz="400050">
+            <a:lnSpc>
+              <a:spcPct val="90000"/>
+            </a:lnSpc>
+            <a:spcBef>
+              <a:spcPct val="0"/>
+            </a:spcBef>
+            <a:spcAft>
+              <a:spcPct val="15000"/>
+            </a:spcAft>
+            <a:buChar char="••"/>
+          </a:pPr>
+          <a:r>
+            <a:rPr lang="en-US" sz="900" kern="1200" dirty="0" smtClean="0"/>
+            <a:t>Yeast strain calculations</a:t>
+          </a:r>
+          <a:endParaRPr lang="en-US" sz="900" kern="1200" dirty="0"/>
+        </a:p>
+      </dsp:txBody>
+      <dsp:txXfrm rot="-5400000">
+        <a:off x="518583" y="1361030"/>
+        <a:ext cx="7585909" cy="434527"/>
+      </dsp:txXfrm>
+    </dsp:sp>
+    <dsp:sp modelId="{C993E897-2D30-42C6-85FE-D6C5236747EF}">
+      <dsp:nvSpPr>
+        <dsp:cNvPr id="0" name=""/>
+        <dsp:cNvSpPr/>
+      </dsp:nvSpPr>
+      <dsp:spPr>
+        <a:xfrm rot="5400000">
+          <a:off x="-111125" y="2095959"/>
+          <a:ext cx="740833" cy="518583"/>
+        </a:xfrm>
+        <a:prstGeom prst="chevron">
+          <a:avLst/>
+        </a:prstGeom>
+        <a:solidFill>
+          <a:schemeClr val="accent1">
+            <a:hueOff val="0"/>
+            <a:satOff val="0"/>
+            <a:lumOff val="0"/>
+            <a:alphaOff val="0"/>
+          </a:schemeClr>
+        </a:solidFill>
+        <a:ln w="12700" cap="flat" cmpd="sng" algn="ctr">
+          <a:solidFill>
+            <a:schemeClr val="accent1">
+              <a:hueOff val="0"/>
+              <a:satOff val="0"/>
+              <a:lumOff val="0"/>
+              <a:alphaOff val="0"/>
+            </a:schemeClr>
+          </a:solidFill>
+          <a:prstDash val="solid"/>
+          <a:miter lim="800000"/>
+        </a:ln>
+        <a:effectLst/>
+      </dsp:spPr>
+      <dsp:style>
+        <a:lnRef idx="2">
+          <a:scrgbClr r="0" g="0" b="0"/>
+        </a:lnRef>
+        <a:fillRef idx="1">
+          <a:scrgbClr r="0" g="0" b="0"/>
+        </a:fillRef>
+        <a:effectRef idx="0">
+          <a:scrgbClr r="0" g="0" b="0"/>
+        </a:effectRef>
+        <a:fontRef idx="minor">
+          <a:schemeClr val="lt1"/>
+        </a:fontRef>
+      </dsp:style>
+      <dsp:txBody>
+        <a:bodyPr spcFirstLastPara="0" vert="horz" wrap="square" lIns="4445" tIns="4445" rIns="4445" bIns="4445" numCol="1" spcCol="1270" anchor="ctr" anchorCtr="0">
+          <a:noAutofit/>
+        </a:bodyPr>
+        <a:lstStyle/>
+        <a:p>
+          <a:pPr lvl="0" algn="ctr" defTabSz="311150">
+            <a:lnSpc>
+              <a:spcPct val="90000"/>
+            </a:lnSpc>
+            <a:spcBef>
+              <a:spcPct val="0"/>
+            </a:spcBef>
+            <a:spcAft>
+              <a:spcPct val="35000"/>
+            </a:spcAft>
+          </a:pPr>
+          <a:r>
+            <a:rPr lang="en-US" sz="700" kern="1200" dirty="0" smtClean="0"/>
+            <a:t>Mash</a:t>
+          </a:r>
+          <a:endParaRPr lang="en-US" sz="700" kern="1200" dirty="0"/>
+        </a:p>
+      </dsp:txBody>
+      <dsp:txXfrm rot="-5400000">
+        <a:off x="1" y="2244126"/>
+        <a:ext cx="518583" cy="222250"/>
+      </dsp:txXfrm>
+    </dsp:sp>
+    <dsp:sp modelId="{57918590-2BF2-46D3-9E7E-0267E0AD93AB}">
+      <dsp:nvSpPr>
+        <dsp:cNvPr id="0" name=""/>
+        <dsp:cNvSpPr/>
+      </dsp:nvSpPr>
+      <dsp:spPr>
+        <a:xfrm rot="5400000">
+          <a:off x="4053300" y="-1579105"/>
+          <a:ext cx="481541" cy="7609416"/>
+        </a:xfrm>
+        <a:prstGeom prst="round2SameRect">
+          <a:avLst/>
+        </a:prstGeom>
+        <a:solidFill>
+          <a:schemeClr val="lt1">
+            <a:alpha val="90000"/>
+            <a:hueOff val="0"/>
+            <a:satOff val="0"/>
+            <a:lumOff val="0"/>
+            <a:alphaOff val="0"/>
+          </a:schemeClr>
+        </a:solidFill>
+        <a:ln w="12700" cap="flat" cmpd="sng" algn="ctr">
+          <a:solidFill>
+            <a:schemeClr val="accent1">
+              <a:hueOff val="0"/>
+              <a:satOff val="0"/>
+              <a:lumOff val="0"/>
+              <a:alphaOff val="0"/>
+            </a:schemeClr>
+          </a:solidFill>
+          <a:prstDash val="solid"/>
+          <a:miter lim="800000"/>
+        </a:ln>
+        <a:effectLst/>
+      </dsp:spPr>
+      <dsp:style>
+        <a:lnRef idx="2">
+          <a:scrgbClr r="0" g="0" b="0"/>
+        </a:lnRef>
+        <a:fillRef idx="1">
+          <a:scrgbClr r="0" g="0" b="0"/>
+        </a:fillRef>
+        <a:effectRef idx="0">
+          <a:scrgbClr r="0" g="0" b="0"/>
+        </a:effectRef>
+        <a:fontRef idx="minor"/>
+      </dsp:style>
+      <dsp:txBody>
+        <a:bodyPr spcFirstLastPara="0" vert="horz" wrap="square" lIns="64008" tIns="5715" rIns="5715" bIns="5715" numCol="1" spcCol="1270" anchor="ctr" anchorCtr="0">
+          <a:noAutofit/>
+        </a:bodyPr>
+        <a:lstStyle/>
+        <a:p>
+          <a:pPr marL="57150" lvl="1" indent="-57150" algn="l" defTabSz="400050">
+            <a:lnSpc>
+              <a:spcPct val="90000"/>
+            </a:lnSpc>
+            <a:spcBef>
+              <a:spcPct val="0"/>
+            </a:spcBef>
+            <a:spcAft>
+              <a:spcPct val="15000"/>
+            </a:spcAft>
+            <a:buChar char="••"/>
+          </a:pPr>
+          <a:r>
+            <a:rPr lang="en-US" sz="900" kern="1200" dirty="0" smtClean="0"/>
+            <a:t>Single Step</a:t>
+          </a:r>
+          <a:endParaRPr lang="en-US" sz="900" kern="1200" dirty="0"/>
+        </a:p>
+        <a:p>
+          <a:pPr marL="57150" lvl="1" indent="-57150" algn="l" defTabSz="400050">
+            <a:lnSpc>
+              <a:spcPct val="90000"/>
+            </a:lnSpc>
+            <a:spcBef>
+              <a:spcPct val="0"/>
+            </a:spcBef>
+            <a:spcAft>
+              <a:spcPct val="15000"/>
+            </a:spcAft>
+            <a:buChar char="••"/>
+          </a:pPr>
+          <a:r>
+            <a:rPr lang="en-US" sz="900" kern="1200" dirty="0" smtClean="0"/>
+            <a:t>2 Step</a:t>
+          </a:r>
+          <a:endParaRPr lang="en-US" sz="900" kern="1200" dirty="0"/>
+        </a:p>
+        <a:p>
+          <a:pPr marL="57150" lvl="1" indent="-57150" algn="l" defTabSz="400050">
+            <a:lnSpc>
+              <a:spcPct val="90000"/>
+            </a:lnSpc>
+            <a:spcBef>
+              <a:spcPct val="0"/>
+            </a:spcBef>
+            <a:spcAft>
+              <a:spcPct val="15000"/>
+            </a:spcAft>
+            <a:buChar char="••"/>
+          </a:pPr>
+          <a:r>
+            <a:rPr lang="en-US" sz="900" kern="1200" dirty="0" smtClean="0"/>
+            <a:t>Decoction</a:t>
+          </a:r>
+          <a:endParaRPr lang="en-US" sz="900" kern="1200" dirty="0"/>
+        </a:p>
+      </dsp:txBody>
+      <dsp:txXfrm rot="-5400000">
+        <a:off x="489363" y="2008339"/>
+        <a:ext cx="7585909" cy="434527"/>
+      </dsp:txXfrm>
+    </dsp:sp>
+    <dsp:sp modelId="{9D01E9EF-5430-42BB-ACF9-B724C8D2912A}">
+      <dsp:nvSpPr>
+        <dsp:cNvPr id="0" name=""/>
+        <dsp:cNvSpPr/>
+      </dsp:nvSpPr>
+      <dsp:spPr>
+        <a:xfrm rot="5400000">
+          <a:off x="-111125" y="2783839"/>
+          <a:ext cx="740833" cy="518583"/>
+        </a:xfrm>
+        <a:prstGeom prst="chevron">
+          <a:avLst/>
+        </a:prstGeom>
+        <a:solidFill>
+          <a:schemeClr val="accent1">
+            <a:hueOff val="0"/>
+            <a:satOff val="0"/>
+            <a:lumOff val="0"/>
+            <a:alphaOff val="0"/>
+          </a:schemeClr>
+        </a:solidFill>
+        <a:ln w="12700" cap="flat" cmpd="sng" algn="ctr">
+          <a:solidFill>
+            <a:schemeClr val="accent1">
+              <a:hueOff val="0"/>
+              <a:satOff val="0"/>
+              <a:lumOff val="0"/>
+              <a:alphaOff val="0"/>
+            </a:schemeClr>
+          </a:solidFill>
+          <a:prstDash val="solid"/>
+          <a:miter lim="800000"/>
+        </a:ln>
+        <a:effectLst/>
+      </dsp:spPr>
+      <dsp:style>
+        <a:lnRef idx="2">
+          <a:scrgbClr r="0" g="0" b="0"/>
+        </a:lnRef>
+        <a:fillRef idx="1">
+          <a:scrgbClr r="0" g="0" b="0"/>
+        </a:fillRef>
+        <a:effectRef idx="0">
+          <a:scrgbClr r="0" g="0" b="0"/>
+        </a:effectRef>
+        <a:fontRef idx="minor">
+          <a:schemeClr val="lt1"/>
+        </a:fontRef>
+      </dsp:style>
+      <dsp:txBody>
+        <a:bodyPr spcFirstLastPara="0" vert="horz" wrap="square" lIns="4445" tIns="4445" rIns="4445" bIns="4445" numCol="1" spcCol="1270" anchor="ctr" anchorCtr="0">
+          <a:noAutofit/>
+        </a:bodyPr>
+        <a:lstStyle/>
+        <a:p>
+          <a:pPr lvl="0" algn="ctr" defTabSz="311150">
+            <a:lnSpc>
+              <a:spcPct val="90000"/>
+            </a:lnSpc>
+            <a:spcBef>
+              <a:spcPct val="0"/>
+            </a:spcBef>
+            <a:spcAft>
+              <a:spcPct val="35000"/>
+            </a:spcAft>
+          </a:pPr>
+          <a:r>
+            <a:rPr lang="en-US" sz="700" kern="1200" dirty="0" smtClean="0"/>
+            <a:t>Water</a:t>
+          </a:r>
+          <a:endParaRPr lang="en-US" sz="700" kern="1200" dirty="0"/>
+        </a:p>
+      </dsp:txBody>
+      <dsp:txXfrm rot="-5400000">
+        <a:off x="1" y="2932006"/>
+        <a:ext cx="518583" cy="222250"/>
+      </dsp:txXfrm>
+    </dsp:sp>
+    <dsp:sp modelId="{56E6B489-7ACC-44E0-AC26-7BF041ED60DA}">
+      <dsp:nvSpPr>
+        <dsp:cNvPr id="0" name=""/>
+        <dsp:cNvSpPr/>
+      </dsp:nvSpPr>
+      <dsp:spPr>
+        <a:xfrm rot="5400000">
+          <a:off x="4082520" y="-891222"/>
+          <a:ext cx="481541" cy="7609416"/>
+        </a:xfrm>
+        <a:prstGeom prst="round2SameRect">
+          <a:avLst/>
+        </a:prstGeom>
+        <a:solidFill>
+          <a:schemeClr val="lt1">
+            <a:alpha val="90000"/>
+            <a:hueOff val="0"/>
+            <a:satOff val="0"/>
+            <a:lumOff val="0"/>
+            <a:alphaOff val="0"/>
+          </a:schemeClr>
+        </a:solidFill>
+        <a:ln w="12700" cap="flat" cmpd="sng" algn="ctr">
+          <a:solidFill>
+            <a:schemeClr val="accent1">
+              <a:hueOff val="0"/>
+              <a:satOff val="0"/>
+              <a:lumOff val="0"/>
+              <a:alphaOff val="0"/>
+            </a:schemeClr>
+          </a:solidFill>
+          <a:prstDash val="solid"/>
+          <a:miter lim="800000"/>
+        </a:ln>
+        <a:effectLst/>
+      </dsp:spPr>
+      <dsp:style>
+        <a:lnRef idx="2">
+          <a:scrgbClr r="0" g="0" b="0"/>
+        </a:lnRef>
+        <a:fillRef idx="1">
+          <a:scrgbClr r="0" g="0" b="0"/>
+        </a:fillRef>
+        <a:effectRef idx="0">
+          <a:scrgbClr r="0" g="0" b="0"/>
+        </a:effectRef>
+        <a:fontRef idx="minor"/>
+      </dsp:style>
+      <dsp:txBody>
+        <a:bodyPr spcFirstLastPara="0" vert="horz" wrap="square" lIns="64008" tIns="5715" rIns="5715" bIns="5715" numCol="1" spcCol="1270" anchor="ctr" anchorCtr="0">
+          <a:noAutofit/>
+        </a:bodyPr>
+        <a:lstStyle/>
+        <a:p>
+          <a:pPr marL="57150" lvl="1" indent="-57150" algn="l" defTabSz="400050">
+            <a:lnSpc>
+              <a:spcPct val="90000"/>
+            </a:lnSpc>
+            <a:spcBef>
+              <a:spcPct val="0"/>
+            </a:spcBef>
+            <a:spcAft>
+              <a:spcPct val="15000"/>
+            </a:spcAft>
+            <a:buChar char="••"/>
+          </a:pPr>
+          <a:r>
+            <a:rPr lang="en-US" sz="900" kern="1200" dirty="0" smtClean="0"/>
+            <a:t>Volumes for mash and </a:t>
+          </a:r>
+          <a:r>
+            <a:rPr lang="en-US" sz="900" kern="1200" dirty="0" err="1" smtClean="0"/>
+            <a:t>sparge</a:t>
+          </a:r>
+          <a:endParaRPr lang="en-US" sz="900" kern="1200" dirty="0"/>
+        </a:p>
+      </dsp:txBody>
+      <dsp:txXfrm rot="-5400000">
+        <a:off x="518583" y="2696222"/>
+        <a:ext cx="7585909" cy="434527"/>
+      </dsp:txXfrm>
+    </dsp:sp>
+    <dsp:sp modelId="{B6C20B72-515E-42C5-B471-B93F24D8DDE8}">
+      <dsp:nvSpPr>
+        <dsp:cNvPr id="0" name=""/>
+        <dsp:cNvSpPr/>
+      </dsp:nvSpPr>
+      <dsp:spPr>
+        <a:xfrm rot="5400000">
+          <a:off x="-111125" y="3451435"/>
+          <a:ext cx="740833" cy="518583"/>
+        </a:xfrm>
+        <a:prstGeom prst="chevron">
+          <a:avLst/>
+        </a:prstGeom>
+        <a:solidFill>
+          <a:schemeClr val="accent1">
+            <a:hueOff val="0"/>
+            <a:satOff val="0"/>
+            <a:lumOff val="0"/>
+            <a:alphaOff val="0"/>
+          </a:schemeClr>
+        </a:solidFill>
+        <a:ln w="12700" cap="flat" cmpd="sng" algn="ctr">
+          <a:solidFill>
+            <a:schemeClr val="accent1">
+              <a:hueOff val="0"/>
+              <a:satOff val="0"/>
+              <a:lumOff val="0"/>
+              <a:alphaOff val="0"/>
+            </a:schemeClr>
+          </a:solidFill>
+          <a:prstDash val="solid"/>
+          <a:miter lim="800000"/>
+        </a:ln>
+        <a:effectLst/>
+      </dsp:spPr>
+      <dsp:style>
+        <a:lnRef idx="2">
+          <a:scrgbClr r="0" g="0" b="0"/>
+        </a:lnRef>
+        <a:fillRef idx="1">
+          <a:scrgbClr r="0" g="0" b="0"/>
+        </a:fillRef>
+        <a:effectRef idx="0">
+          <a:scrgbClr r="0" g="0" b="0"/>
+        </a:effectRef>
+        <a:fontRef idx="minor">
+          <a:schemeClr val="lt1"/>
+        </a:fontRef>
+      </dsp:style>
+      <dsp:txBody>
+        <a:bodyPr spcFirstLastPara="0" vert="horz" wrap="square" lIns="4445" tIns="4445" rIns="4445" bIns="4445" numCol="1" spcCol="1270" anchor="ctr" anchorCtr="0">
+          <a:noAutofit/>
+        </a:bodyPr>
+        <a:lstStyle/>
+        <a:p>
+          <a:pPr lvl="0" algn="ctr" defTabSz="311150">
+            <a:lnSpc>
+              <a:spcPct val="90000"/>
+            </a:lnSpc>
+            <a:spcBef>
+              <a:spcPct val="0"/>
+            </a:spcBef>
+            <a:spcAft>
+              <a:spcPct val="35000"/>
+            </a:spcAft>
+          </a:pPr>
+          <a:r>
+            <a:rPr lang="en-US" sz="700" kern="1200" dirty="0" smtClean="0"/>
+            <a:t>pH and chemistry</a:t>
+          </a:r>
+          <a:endParaRPr lang="en-US" sz="700" kern="1200" dirty="0"/>
+        </a:p>
+      </dsp:txBody>
+      <dsp:txXfrm rot="-5400000">
+        <a:off x="1" y="3599602"/>
+        <a:ext cx="518583" cy="222250"/>
+      </dsp:txXfrm>
+    </dsp:sp>
+    <dsp:sp modelId="{87FBD966-59F3-4E75-B5C0-92792FCCC0BF}">
+      <dsp:nvSpPr>
+        <dsp:cNvPr id="0" name=""/>
+        <dsp:cNvSpPr/>
+      </dsp:nvSpPr>
+      <dsp:spPr>
+        <a:xfrm rot="5400000">
+          <a:off x="4082520" y="-223626"/>
+          <a:ext cx="481541" cy="7609416"/>
+        </a:xfrm>
+        <a:prstGeom prst="round2SameRect">
+          <a:avLst/>
+        </a:prstGeom>
+        <a:solidFill>
+          <a:schemeClr val="lt1">
+            <a:alpha val="90000"/>
+            <a:hueOff val="0"/>
+            <a:satOff val="0"/>
+            <a:lumOff val="0"/>
+            <a:alphaOff val="0"/>
+          </a:schemeClr>
+        </a:solidFill>
+        <a:ln w="12700" cap="flat" cmpd="sng" algn="ctr">
+          <a:solidFill>
+            <a:schemeClr val="accent1">
+              <a:hueOff val="0"/>
+              <a:satOff val="0"/>
+              <a:lumOff val="0"/>
+              <a:alphaOff val="0"/>
+            </a:schemeClr>
+          </a:solidFill>
+          <a:prstDash val="solid"/>
+          <a:miter lim="800000"/>
+        </a:ln>
+        <a:effectLst/>
+      </dsp:spPr>
+      <dsp:style>
+        <a:lnRef idx="2">
+          <a:scrgbClr r="0" g="0" b="0"/>
+        </a:lnRef>
+        <a:fillRef idx="1">
+          <a:scrgbClr r="0" g="0" b="0"/>
+        </a:fillRef>
+        <a:effectRef idx="0">
+          <a:scrgbClr r="0" g="0" b="0"/>
+        </a:effectRef>
+        <a:fontRef idx="minor"/>
+      </dsp:style>
+      <dsp:txBody>
+        <a:bodyPr spcFirstLastPara="0" vert="horz" wrap="square" lIns="64008" tIns="5715" rIns="5715" bIns="5715" numCol="1" spcCol="1270" anchor="ctr" anchorCtr="0">
+          <a:noAutofit/>
+        </a:bodyPr>
+        <a:lstStyle/>
+        <a:p>
+          <a:pPr marL="57150" lvl="1" indent="-57150" algn="l" defTabSz="400050">
+            <a:lnSpc>
+              <a:spcPct val="90000"/>
+            </a:lnSpc>
+            <a:spcBef>
+              <a:spcPct val="0"/>
+            </a:spcBef>
+            <a:spcAft>
+              <a:spcPct val="15000"/>
+            </a:spcAft>
+            <a:buChar char="••"/>
+          </a:pPr>
+          <a:r>
+            <a:rPr lang="en-US" sz="900" kern="1200" dirty="0" smtClean="0"/>
+            <a:t>Identify necessary salts too achieve proper acidity</a:t>
+          </a:r>
+          <a:endParaRPr lang="en-US" sz="900" kern="1200" dirty="0"/>
+        </a:p>
+      </dsp:txBody>
+      <dsp:txXfrm rot="-5400000">
+        <a:off x="518583" y="3363818"/>
+        <a:ext cx="7585909" cy="434527"/>
+      </dsp:txXfrm>
+    </dsp:sp>
+    <dsp:sp modelId="{ADB659D2-C604-415A-81C6-268866B1C432}">
+      <dsp:nvSpPr>
+        <dsp:cNvPr id="0" name=""/>
+        <dsp:cNvSpPr/>
+      </dsp:nvSpPr>
+      <dsp:spPr>
+        <a:xfrm rot="5400000">
+          <a:off x="-111125" y="4119031"/>
+          <a:ext cx="740833" cy="518583"/>
+        </a:xfrm>
+        <a:prstGeom prst="chevron">
+          <a:avLst/>
+        </a:prstGeom>
+        <a:solidFill>
+          <a:schemeClr val="accent1">
+            <a:hueOff val="0"/>
+            <a:satOff val="0"/>
+            <a:lumOff val="0"/>
+            <a:alphaOff val="0"/>
+          </a:schemeClr>
+        </a:solidFill>
+        <a:ln w="12700" cap="flat" cmpd="sng" algn="ctr">
+          <a:solidFill>
+            <a:schemeClr val="accent1">
+              <a:hueOff val="0"/>
+              <a:satOff val="0"/>
+              <a:lumOff val="0"/>
+              <a:alphaOff val="0"/>
+            </a:schemeClr>
+          </a:solidFill>
+          <a:prstDash val="solid"/>
+          <a:miter lim="800000"/>
+        </a:ln>
+        <a:effectLst/>
+      </dsp:spPr>
+      <dsp:style>
+        <a:lnRef idx="2">
+          <a:scrgbClr r="0" g="0" b="0"/>
+        </a:lnRef>
+        <a:fillRef idx="1">
+          <a:scrgbClr r="0" g="0" b="0"/>
+        </a:fillRef>
+        <a:effectRef idx="0">
+          <a:scrgbClr r="0" g="0" b="0"/>
+        </a:effectRef>
+        <a:fontRef idx="minor">
+          <a:schemeClr val="lt1"/>
+        </a:fontRef>
+      </dsp:style>
+      <dsp:txBody>
+        <a:bodyPr spcFirstLastPara="0" vert="horz" wrap="square" lIns="4445" tIns="4445" rIns="4445" bIns="4445" numCol="1" spcCol="1270" anchor="ctr" anchorCtr="0">
+          <a:noAutofit/>
+        </a:bodyPr>
+        <a:lstStyle/>
+        <a:p>
+          <a:pPr lvl="0" algn="ctr" defTabSz="311150">
+            <a:lnSpc>
+              <a:spcPct val="90000"/>
+            </a:lnSpc>
+            <a:spcBef>
+              <a:spcPct val="0"/>
+            </a:spcBef>
+            <a:spcAft>
+              <a:spcPct val="35000"/>
+            </a:spcAft>
+          </a:pPr>
+          <a:r>
+            <a:rPr lang="en-US" sz="700" kern="1200" dirty="0" smtClean="0"/>
+            <a:t>Hops</a:t>
+          </a:r>
+          <a:endParaRPr lang="en-US" sz="700" kern="1200" dirty="0"/>
+        </a:p>
+      </dsp:txBody>
+      <dsp:txXfrm rot="-5400000">
+        <a:off x="1" y="4267198"/>
+        <a:ext cx="518583" cy="222250"/>
+      </dsp:txXfrm>
+    </dsp:sp>
+    <dsp:sp modelId="{B63D911B-60E6-4082-9381-E6B89A1FF1A5}">
+      <dsp:nvSpPr>
+        <dsp:cNvPr id="0" name=""/>
+        <dsp:cNvSpPr/>
+      </dsp:nvSpPr>
+      <dsp:spPr>
+        <a:xfrm rot="5400000">
+          <a:off x="4082520" y="443969"/>
+          <a:ext cx="481541" cy="7609416"/>
+        </a:xfrm>
+        <a:prstGeom prst="round2SameRect">
+          <a:avLst/>
+        </a:prstGeom>
+        <a:solidFill>
+          <a:schemeClr val="lt1">
+            <a:alpha val="90000"/>
+            <a:hueOff val="0"/>
+            <a:satOff val="0"/>
+            <a:lumOff val="0"/>
+            <a:alphaOff val="0"/>
+          </a:schemeClr>
+        </a:solidFill>
+        <a:ln w="12700" cap="flat" cmpd="sng" algn="ctr">
+          <a:solidFill>
+            <a:schemeClr val="accent1">
+              <a:hueOff val="0"/>
+              <a:satOff val="0"/>
+              <a:lumOff val="0"/>
+              <a:alphaOff val="0"/>
+            </a:schemeClr>
+          </a:solidFill>
+          <a:prstDash val="solid"/>
+          <a:miter lim="800000"/>
+        </a:ln>
+        <a:effectLst/>
+      </dsp:spPr>
+      <dsp:style>
+        <a:lnRef idx="2">
+          <a:scrgbClr r="0" g="0" b="0"/>
+        </a:lnRef>
+        <a:fillRef idx="1">
+          <a:scrgbClr r="0" g="0" b="0"/>
+        </a:fillRef>
+        <a:effectRef idx="0">
+          <a:scrgbClr r="0" g="0" b="0"/>
+        </a:effectRef>
+        <a:fontRef idx="minor"/>
+      </dsp:style>
+      <dsp:txBody>
+        <a:bodyPr spcFirstLastPara="0" vert="horz" wrap="square" lIns="64008" tIns="5715" rIns="5715" bIns="5715" numCol="1" spcCol="1270" anchor="ctr" anchorCtr="0">
+          <a:noAutofit/>
+        </a:bodyPr>
+        <a:lstStyle/>
+        <a:p>
+          <a:pPr marL="57150" lvl="1" indent="-57150" algn="l" defTabSz="400050">
+            <a:lnSpc>
+              <a:spcPct val="90000"/>
+            </a:lnSpc>
+            <a:spcBef>
+              <a:spcPct val="0"/>
+            </a:spcBef>
+            <a:spcAft>
+              <a:spcPct val="15000"/>
+            </a:spcAft>
+            <a:buChar char="••"/>
+          </a:pPr>
+          <a:r>
+            <a:rPr lang="en-US" sz="900" kern="1200" dirty="0" smtClean="0"/>
+            <a:t>Bittering hops</a:t>
+          </a:r>
+          <a:endParaRPr lang="en-US" sz="900" kern="1200" dirty="0"/>
+        </a:p>
+        <a:p>
+          <a:pPr marL="57150" lvl="1" indent="-57150" algn="l" defTabSz="400050">
+            <a:lnSpc>
+              <a:spcPct val="90000"/>
+            </a:lnSpc>
+            <a:spcBef>
+              <a:spcPct val="0"/>
+            </a:spcBef>
+            <a:spcAft>
+              <a:spcPct val="15000"/>
+            </a:spcAft>
+            <a:buChar char="••"/>
+          </a:pPr>
+          <a:r>
+            <a:rPr lang="en-US" sz="900" kern="1200" dirty="0" smtClean="0"/>
+            <a:t>Aroma/Flavoring hops</a:t>
+          </a:r>
+          <a:endParaRPr lang="en-US" sz="900" kern="1200" dirty="0"/>
+        </a:p>
+      </dsp:txBody>
+      <dsp:txXfrm rot="-5400000">
+        <a:off x="518583" y="4031414"/>
+        <a:ext cx="7585909" cy="434527"/>
+      </dsp:txXfrm>
+    </dsp:sp>
+    <dsp:sp modelId="{F6E5B752-1950-4B8C-A607-EE0A54CEDD38}">
+      <dsp:nvSpPr>
+        <dsp:cNvPr id="0" name=""/>
+        <dsp:cNvSpPr/>
+      </dsp:nvSpPr>
+      <dsp:spPr>
+        <a:xfrm rot="5400000">
+          <a:off x="-111125" y="4786627"/>
+          <a:ext cx="740833" cy="518583"/>
+        </a:xfrm>
+        <a:prstGeom prst="chevron">
+          <a:avLst/>
+        </a:prstGeom>
+        <a:solidFill>
+          <a:schemeClr val="accent1">
+            <a:hueOff val="0"/>
+            <a:satOff val="0"/>
+            <a:lumOff val="0"/>
+            <a:alphaOff val="0"/>
+          </a:schemeClr>
+        </a:solidFill>
+        <a:ln w="12700" cap="flat" cmpd="sng" algn="ctr">
+          <a:solidFill>
+            <a:schemeClr val="accent1">
+              <a:hueOff val="0"/>
+              <a:satOff val="0"/>
+              <a:lumOff val="0"/>
+              <a:alphaOff val="0"/>
+            </a:schemeClr>
+          </a:solidFill>
+          <a:prstDash val="solid"/>
+          <a:miter lim="800000"/>
+        </a:ln>
+        <a:effectLst/>
+      </dsp:spPr>
+      <dsp:style>
+        <a:lnRef idx="2">
+          <a:scrgbClr r="0" g="0" b="0"/>
+        </a:lnRef>
+        <a:fillRef idx="1">
+          <a:scrgbClr r="0" g="0" b="0"/>
+        </a:fillRef>
+        <a:effectRef idx="0">
+          <a:scrgbClr r="0" g="0" b="0"/>
+        </a:effectRef>
+        <a:fontRef idx="minor">
+          <a:schemeClr val="lt1"/>
+        </a:fontRef>
+      </dsp:style>
+      <dsp:txBody>
+        <a:bodyPr spcFirstLastPara="0" vert="horz" wrap="square" lIns="4445" tIns="4445" rIns="4445" bIns="4445" numCol="1" spcCol="1270" anchor="ctr" anchorCtr="0">
+          <a:noAutofit/>
+        </a:bodyPr>
+        <a:lstStyle/>
+        <a:p>
+          <a:pPr lvl="0" algn="ctr" defTabSz="311150">
+            <a:lnSpc>
+              <a:spcPct val="90000"/>
+            </a:lnSpc>
+            <a:spcBef>
+              <a:spcPct val="0"/>
+            </a:spcBef>
+            <a:spcAft>
+              <a:spcPct val="35000"/>
+            </a:spcAft>
+          </a:pPr>
+          <a:r>
+            <a:rPr lang="en-US" sz="700" kern="1200" smtClean="0"/>
+            <a:t>Brewday schedule</a:t>
+          </a:r>
+          <a:endParaRPr lang="en-US" sz="700" kern="1200" dirty="0"/>
+        </a:p>
+      </dsp:txBody>
+      <dsp:txXfrm rot="-5400000">
+        <a:off x="1" y="4934794"/>
+        <a:ext cx="518583" cy="222250"/>
+      </dsp:txXfrm>
+    </dsp:sp>
+    <dsp:sp modelId="{DE17512F-233A-477B-BA28-D173BD1C7675}">
+      <dsp:nvSpPr>
+        <dsp:cNvPr id="0" name=""/>
+        <dsp:cNvSpPr/>
+      </dsp:nvSpPr>
+      <dsp:spPr>
+        <a:xfrm rot="5400000">
+          <a:off x="4082520" y="1111564"/>
+          <a:ext cx="481541" cy="7609416"/>
+        </a:xfrm>
+        <a:prstGeom prst="round2SameRect">
+          <a:avLst/>
+        </a:prstGeom>
+        <a:solidFill>
+          <a:schemeClr val="lt1">
+            <a:alpha val="90000"/>
+            <a:hueOff val="0"/>
+            <a:satOff val="0"/>
+            <a:lumOff val="0"/>
+            <a:alphaOff val="0"/>
+          </a:schemeClr>
+        </a:solidFill>
+        <a:ln w="12700" cap="flat" cmpd="sng" algn="ctr">
+          <a:solidFill>
+            <a:schemeClr val="accent1">
+              <a:hueOff val="0"/>
+              <a:satOff val="0"/>
+              <a:lumOff val="0"/>
+              <a:alphaOff val="0"/>
+            </a:schemeClr>
+          </a:solidFill>
+          <a:prstDash val="solid"/>
+          <a:miter lim="800000"/>
+        </a:ln>
+        <a:effectLst/>
+      </dsp:spPr>
+      <dsp:style>
+        <a:lnRef idx="2">
+          <a:scrgbClr r="0" g="0" b="0"/>
+        </a:lnRef>
+        <a:fillRef idx="1">
+          <a:scrgbClr r="0" g="0" b="0"/>
+        </a:fillRef>
+        <a:effectRef idx="0">
+          <a:scrgbClr r="0" g="0" b="0"/>
+        </a:effectRef>
+        <a:fontRef idx="minor"/>
+      </dsp:style>
+      <dsp:txBody>
+        <a:bodyPr spcFirstLastPara="0" vert="horz" wrap="square" lIns="64008" tIns="5715" rIns="5715" bIns="5715" numCol="1" spcCol="1270" anchor="ctr" anchorCtr="0">
+          <a:noAutofit/>
+        </a:bodyPr>
+        <a:lstStyle/>
+        <a:p>
+          <a:pPr marL="57150" lvl="1" indent="-57150" algn="l" defTabSz="400050">
+            <a:lnSpc>
+              <a:spcPct val="90000"/>
+            </a:lnSpc>
+            <a:spcBef>
+              <a:spcPct val="0"/>
+            </a:spcBef>
+            <a:spcAft>
+              <a:spcPct val="15000"/>
+            </a:spcAft>
+            <a:buChar char="••"/>
+          </a:pPr>
+          <a:r>
+            <a:rPr lang="en-US" sz="900" kern="1200" dirty="0" err="1" smtClean="0"/>
+            <a:t>Yaaaaaaaaaaaaa</a:t>
+          </a:r>
+          <a:r>
+            <a:rPr lang="en-US" sz="900" kern="1200" dirty="0" smtClean="0"/>
+            <a:t>!</a:t>
+          </a:r>
+          <a:endParaRPr lang="en-US" sz="900" kern="1200" dirty="0"/>
+        </a:p>
+      </dsp:txBody>
+      <dsp:txXfrm rot="-5400000">
+        <a:off x="518583" y="4699009"/>
+        <a:ext cx="7585909" cy="434527"/>
+      </dsp:txXfrm>
+    </dsp:sp>
   </dsp:spTree>
 </dsp:drawing>
 </file>
@@ -8944,7 +10417,7 @@
           <a:p>
             <a:fld id="{F7012AE2-1147-469E-9CAA-D28BA2939C8A}" type="datetimeFigureOut">
               <a:rPr lang="en-US" smtClean="0"/>
-              <a:t>11/1/2015</a:t>
+              <a:t>11/2/2015</a:t>
             </a:fld>
             <a:endParaRPr lang="en-US"/>
           </a:p>
@@ -9114,7 +10587,7 @@
           <a:p>
             <a:fld id="{F7012AE2-1147-469E-9CAA-D28BA2939C8A}" type="datetimeFigureOut">
               <a:rPr lang="en-US" smtClean="0"/>
-              <a:t>11/1/2015</a:t>
+              <a:t>11/2/2015</a:t>
             </a:fld>
             <a:endParaRPr lang="en-US"/>
           </a:p>
@@ -9294,7 +10767,7 @@
           <a:p>
             <a:fld id="{F7012AE2-1147-469E-9CAA-D28BA2939C8A}" type="datetimeFigureOut">
               <a:rPr lang="en-US" smtClean="0"/>
-              <a:t>11/1/2015</a:t>
+              <a:t>11/2/2015</a:t>
             </a:fld>
             <a:endParaRPr lang="en-US"/>
           </a:p>
@@ -9464,7 +10937,7 @@
           <a:p>
             <a:fld id="{F7012AE2-1147-469E-9CAA-D28BA2939C8A}" type="datetimeFigureOut">
               <a:rPr lang="en-US" smtClean="0"/>
-              <a:t>11/1/2015</a:t>
+              <a:t>11/2/2015</a:t>
             </a:fld>
             <a:endParaRPr lang="en-US"/>
           </a:p>
@@ -9710,7 +11183,7 @@
           <a:p>
             <a:fld id="{F7012AE2-1147-469E-9CAA-D28BA2939C8A}" type="datetimeFigureOut">
               <a:rPr lang="en-US" smtClean="0"/>
-              <a:t>11/1/2015</a:t>
+              <a:t>11/2/2015</a:t>
             </a:fld>
             <a:endParaRPr lang="en-US"/>
           </a:p>
@@ -9942,7 +11415,7 @@
           <a:p>
             <a:fld id="{F7012AE2-1147-469E-9CAA-D28BA2939C8A}" type="datetimeFigureOut">
               <a:rPr lang="en-US" smtClean="0"/>
-              <a:t>11/1/2015</a:t>
+              <a:t>11/2/2015</a:t>
             </a:fld>
             <a:endParaRPr lang="en-US"/>
           </a:p>
@@ -10309,7 +11782,7 @@
           <a:p>
             <a:fld id="{F7012AE2-1147-469E-9CAA-D28BA2939C8A}" type="datetimeFigureOut">
               <a:rPr lang="en-US" smtClean="0"/>
-              <a:t>11/1/2015</a:t>
+              <a:t>11/2/2015</a:t>
             </a:fld>
             <a:endParaRPr lang="en-US"/>
           </a:p>
@@ -10427,7 +11900,7 @@
           <a:p>
             <a:fld id="{F7012AE2-1147-469E-9CAA-D28BA2939C8A}" type="datetimeFigureOut">
               <a:rPr lang="en-US" smtClean="0"/>
-              <a:t>11/1/2015</a:t>
+              <a:t>11/2/2015</a:t>
             </a:fld>
             <a:endParaRPr lang="en-US"/>
           </a:p>
@@ -10522,7 +11995,7 @@
           <a:p>
             <a:fld id="{F7012AE2-1147-469E-9CAA-D28BA2939C8A}" type="datetimeFigureOut">
               <a:rPr lang="en-US" smtClean="0"/>
-              <a:t>11/1/2015</a:t>
+              <a:t>11/2/2015</a:t>
             </a:fld>
             <a:endParaRPr lang="en-US"/>
           </a:p>
@@ -10799,7 +12272,7 @@
           <a:p>
             <a:fld id="{F7012AE2-1147-469E-9CAA-D28BA2939C8A}" type="datetimeFigureOut">
               <a:rPr lang="en-US" smtClean="0"/>
-              <a:t>11/1/2015</a:t>
+              <a:t>11/2/2015</a:t>
             </a:fld>
             <a:endParaRPr lang="en-US"/>
           </a:p>
@@ -11052,7 +12525,7 @@
           <a:p>
             <a:fld id="{F7012AE2-1147-469E-9CAA-D28BA2939C8A}" type="datetimeFigureOut">
               <a:rPr lang="en-US" smtClean="0"/>
-              <a:t>11/1/2015</a:t>
+              <a:t>11/2/2015</a:t>
             </a:fld>
             <a:endParaRPr lang="en-US"/>
           </a:p>
@@ -11265,7 +12738,7 @@
           <a:p>
             <a:fld id="{F7012AE2-1147-469E-9CAA-D28BA2939C8A}" type="datetimeFigureOut">
               <a:rPr lang="en-US" smtClean="0"/>
-              <a:t>11/1/2015</a:t>
+              <a:t>11/2/2015</a:t>
             </a:fld>
             <a:endParaRPr lang="en-US"/>
           </a:p>
@@ -11790,7 +13263,7 @@
           <p:nvPr>
             <p:extLst>
               <p:ext uri="{D42A27DB-BD31-4B8C-83A1-F6EECF244321}">
-                <p14:modId xmlns:p14="http://schemas.microsoft.com/office/powerpoint/2010/main" val="2200656605"/>
+                <p14:modId xmlns:p14="http://schemas.microsoft.com/office/powerpoint/2010/main" val="713537881"/>
               </p:ext>
             </p:extLst>
           </p:nvPr>
